--- a/IMProv_project_prep.pptx
+++ b/IMProv_project_prep.pptx
@@ -5,10 +5,10 @@
     <p:sldMasterId id="2147483696" r:id="rId1"/>
   </p:sldMasterIdLst>
   <p:notesMasterIdLst>
-    <p:notesMasterId r:id="rId16"/>
+    <p:notesMasterId r:id="rId17"/>
   </p:notesMasterIdLst>
   <p:handoutMasterIdLst>
-    <p:handoutMasterId r:id="rId17"/>
+    <p:handoutMasterId r:id="rId18"/>
   </p:handoutMasterIdLst>
   <p:sldIdLst>
     <p:sldId id="257" r:id="rId2"/>
@@ -25,6 +25,7 @@
     <p:sldId id="268" r:id="rId13"/>
     <p:sldId id="269" r:id="rId14"/>
     <p:sldId id="270" r:id="rId15"/>
+    <p:sldId id="271" r:id="rId16"/>
   </p:sldIdLst>
   <p:sldSz cx="12192000" cy="6858000"/>
   <p:notesSz cx="6858000" cy="9144000"/>
@@ -237,7 +238,7 @@
           <a:p>
             <a:fld id="{68796EA6-6F25-4F19-87BA-7ADCC16DAEFF}" type="datetimeFigureOut">
               <a:rPr lang="en-US" smtClean="0"/>
-              <a:t>11/15/2020</a:t>
+              <a:t>11/19/2020</a:t>
             </a:fld>
             <a:endParaRPr lang="en-US" dirty="0"/>
           </a:p>
@@ -402,7 +403,7 @@
           <a:p>
             <a:fld id="{C39C172E-A8B5-46F6-B05C-DFA3E2E0F207}" type="datetimeFigureOut">
               <a:rPr lang="en-US" smtClean="0"/>
-              <a:t>11/15/2020</a:t>
+              <a:t>11/19/2020</a:t>
             </a:fld>
             <a:endParaRPr lang="en-US" dirty="0"/>
           </a:p>
@@ -1868,7 +1869,7 @@
             <a:fld id="{4E708F12-96AD-4ED4-8132-A78F5E42C1F5}" type="datetime1">
               <a:rPr lang="en-US" smtClean="0"/>
               <a:pPr/>
-              <a:t>11/15/2020</a:t>
+              <a:t>11/19/2020</a:t>
             </a:fld>
             <a:endParaRPr lang="en-US" dirty="0"/>
           </a:p>
@@ -2073,7 +2074,7 @@
           <a:p>
             <a:fld id="{7B7FA170-8299-44AD-AEEF-FC686C3D7804}" type="datetime1">
               <a:rPr lang="en-US" smtClean="0"/>
-              <a:t>11/15/2020</a:t>
+              <a:t>11/19/2020</a:t>
             </a:fld>
             <a:endParaRPr lang="en-US" dirty="0"/>
           </a:p>
@@ -2275,7 +2276,7 @@
           <a:p>
             <a:fld id="{2231763A-68EC-4ECD-9620-D9FE9CDDD622}" type="datetime1">
               <a:rPr lang="en-US" smtClean="0"/>
-              <a:t>11/15/2020</a:t>
+              <a:t>11/19/2020</a:t>
             </a:fld>
             <a:endParaRPr lang="en-US" dirty="0"/>
           </a:p>
@@ -2470,7 +2471,7 @@
           <a:p>
             <a:fld id="{7B98BEDD-6160-49BB-B372-861DE7DE9BA5}" type="datetime1">
               <a:rPr lang="en-US" smtClean="0"/>
-              <a:t>11/15/2020</a:t>
+              <a:t>11/19/2020</a:t>
             </a:fld>
             <a:endParaRPr lang="en-US" dirty="0"/>
           </a:p>
@@ -2705,7 +2706,7 @@
           <a:p>
             <a:fld id="{0AAE819F-B7FD-4B29-8F66-9E318144BC2A}" type="datetime1">
               <a:rPr lang="en-US" smtClean="0"/>
-              <a:t>11/15/2020</a:t>
+              <a:t>11/19/2020</a:t>
             </a:fld>
             <a:endParaRPr lang="en-US" dirty="0"/>
           </a:p>
@@ -2984,7 +2985,7 @@
           <a:p>
             <a:fld id="{D4CA159C-B6E0-4F10-9F4A-2FA57003B139}" type="datetime1">
               <a:rPr lang="en-US" smtClean="0"/>
-              <a:t>11/15/2020</a:t>
+              <a:t>11/19/2020</a:t>
             </a:fld>
             <a:endParaRPr lang="en-US" dirty="0"/>
           </a:p>
@@ -3426,7 +3427,7 @@
           <a:p>
             <a:fld id="{8170CBBB-D1D1-4386-A5E9-07F3477B78F3}" type="datetime1">
               <a:rPr lang="en-US" smtClean="0"/>
-              <a:t>11/15/2020</a:t>
+              <a:t>11/19/2020</a:t>
             </a:fld>
             <a:endParaRPr lang="en-US" dirty="0"/>
           </a:p>
@@ -3582,7 +3583,7 @@
           <a:p>
             <a:fld id="{9FA4CAD8-0EA7-4615-B69B-B2F199EF3A93}" type="datetime1">
               <a:rPr lang="en-US" smtClean="0"/>
-              <a:t>11/15/2020</a:t>
+              <a:t>11/19/2020</a:t>
             </a:fld>
             <a:endParaRPr lang="en-US" dirty="0"/>
           </a:p>
@@ -3697,7 +3698,7 @@
           <a:p>
             <a:fld id="{B9234BD7-6953-492C-921B-E68B2D7F14C8}" type="datetime1">
               <a:rPr lang="en-US" smtClean="0"/>
-              <a:t>11/15/2020</a:t>
+              <a:t>11/19/2020</a:t>
             </a:fld>
             <a:endParaRPr lang="en-US" dirty="0"/>
           </a:p>
@@ -3961,7 +3962,7 @@
           <a:p>
             <a:fld id="{35A17D9B-D4D3-4E23-88DF-2E354FA43196}" type="datetime1">
               <a:rPr lang="en-US" smtClean="0"/>
-              <a:t>11/15/2020</a:t>
+              <a:t>11/19/2020</a:t>
             </a:fld>
             <a:endParaRPr lang="en-US" dirty="0"/>
           </a:p>
@@ -4225,7 +4226,7 @@
           <a:p>
             <a:fld id="{541F67C5-D04E-4576-B61C-12ABA14BBD6C}" type="datetime1">
               <a:rPr lang="en-US" smtClean="0"/>
-              <a:t>11/15/2020</a:t>
+              <a:t>11/19/2020</a:t>
             </a:fld>
             <a:endParaRPr lang="en-US" dirty="0"/>
           </a:p>
@@ -5090,7 +5091,7 @@
             <a:fld id="{C20F09E4-6EA4-4BF3-9FC8-FF40373B88E6}" type="datetime1">
               <a:rPr lang="en-US" smtClean="0"/>
               <a:pPr/>
-              <a:t>11/15/2020</a:t>
+              <a:t>11/19/2020</a:t>
             </a:fld>
             <a:endParaRPr lang="en-US" dirty="0"/>
           </a:p>
@@ -5518,9 +5519,14 @@
           <a:lstStyle/>
           <a:p>
             <a:r>
-              <a:rPr lang="en-US" dirty="0"/>
-              <a:t>Title of Training Presentation</a:t>
-            </a:r>
+              <a:rPr lang="en-US" dirty="0" err="1" smtClean="0"/>
+              <a:t>IMProv</a:t>
+            </a:r>
+            <a:r>
+              <a:rPr lang="en-US" dirty="0" smtClean="0"/>
+              <a:t> project preparation</a:t>
+            </a:r>
+            <a:endParaRPr lang="en-US" dirty="0"/>
           </a:p>
         </p:txBody>
       </p:sp>
@@ -5546,9 +5552,14 @@
           </a:p>
           <a:p>
             <a:r>
-              <a:rPr lang="en-US" dirty="0"/>
-              <a:t>Your Name</a:t>
-            </a:r>
+              <a:rPr lang="en-US" dirty="0" err="1" smtClean="0"/>
+              <a:t>MassSpecStudio</a:t>
+            </a:r>
+            <a:r>
+              <a:rPr lang="en-US" dirty="0" smtClean="0"/>
+              <a:t> Development Team</a:t>
+            </a:r>
+            <a:endParaRPr lang="en-US" dirty="0"/>
           </a:p>
         </p:txBody>
       </p:sp>
@@ -5611,8 +5622,9 @@
           <a:p>
             <a:r>
               <a:rPr lang="en-US" dirty="0"/>
-              <a:t>Lesson 3: Objectives</a:t>
-            </a:r>
+              <a:t>Deployment of the Project</a:t>
+            </a:r>
+            <a:endParaRPr lang="en-US" dirty="0"/>
           </a:p>
         </p:txBody>
       </p:sp>
@@ -5911,51 +5923,94 @@
           <a:lstStyle/>
           <a:p>
             <a:r>
+              <a:rPr lang="en-US" dirty="0" smtClean="0"/>
+              <a:t>Summary</a:t>
+            </a:r>
+            <a:endParaRPr lang="en-US" dirty="0"/>
+          </a:p>
+        </p:txBody>
+      </p:sp>
+      <p:sp>
+        <p:nvSpPr>
+          <p:cNvPr id="3" name="Content Placeholder 2"/>
+          <p:cNvSpPr>
+            <a:spLocks noGrp="1"/>
+          </p:cNvSpPr>
+          <p:nvPr>
+            <p:ph idx="1"/>
+          </p:nvPr>
+        </p:nvSpPr>
+        <p:spPr/>
+        <p:txBody>
+          <a:bodyPr/>
+          <a:lstStyle/>
+          <a:p>
+            <a:r>
+              <a:rPr lang="en-US" dirty="0" err="1" smtClean="0"/>
+              <a:t>IMProv</a:t>
+            </a:r>
+            <a:r>
+              <a:rPr lang="en-US" dirty="0" smtClean="0"/>
+              <a:t> </a:t>
+            </a:r>
+            <a:r>
+              <a:rPr lang="en-US" dirty="0" err="1" smtClean="0"/>
+              <a:t>lifecyle</a:t>
+            </a:r>
+            <a:r>
+              <a:rPr lang="en-US" dirty="0" smtClean="0"/>
+              <a:t>.</a:t>
+            </a:r>
+            <a:endParaRPr lang="en-US" dirty="0"/>
+          </a:p>
+          <a:p>
+            <a:r>
+              <a:rPr lang="en-US" dirty="0" smtClean="0"/>
+              <a:t>Online guides and tutorials.</a:t>
+            </a:r>
+            <a:endParaRPr lang="en-US" dirty="0"/>
+          </a:p>
+          <a:p>
+            <a:pPr lvl="1"/>
+            <a:r>
+              <a:rPr lang="en-US" dirty="0" smtClean="0"/>
+              <a:t>IMProv_msstudio_tut.md ( tiny </a:t>
+            </a:r>
+            <a:r>
+              <a:rPr lang="en-US" dirty="0" err="1" smtClean="0"/>
+              <a:t>url</a:t>
+            </a:r>
+            <a:r>
+              <a:rPr lang="en-US" dirty="0" smtClean="0"/>
+              <a:t> )</a:t>
+            </a:r>
+          </a:p>
+          <a:p>
+            <a:pPr lvl="1"/>
+            <a:r>
+              <a:rPr lang="en-US" dirty="0" err="1" smtClean="0"/>
+              <a:t>u</a:t>
+            </a:r>
+            <a:r>
+              <a:rPr lang="en-US" dirty="0" err="1" smtClean="0"/>
+              <a:t>ml_activity_diag_improv.svg</a:t>
+            </a:r>
+            <a:endParaRPr lang="en-US" dirty="0" smtClean="0"/>
+          </a:p>
+          <a:p>
+            <a:pPr lvl="1"/>
+            <a:r>
+              <a:rPr lang="en-US" dirty="0" smtClean="0"/>
+              <a:t>IMProv_on_AWS_tut.md</a:t>
+            </a:r>
+          </a:p>
+          <a:p>
+            <a:pPr lvl="1"/>
+            <a:r>
               <a:rPr lang="en-US" dirty="0"/>
-              <a:t>Summary of Training</a:t>
-            </a:r>
-          </a:p>
-        </p:txBody>
-      </p:sp>
-      <p:sp>
-        <p:nvSpPr>
-          <p:cNvPr id="3" name="Content Placeholder 2"/>
-          <p:cNvSpPr>
-            <a:spLocks noGrp="1"/>
-          </p:cNvSpPr>
-          <p:nvPr>
-            <p:ph idx="1"/>
-          </p:nvPr>
-        </p:nvSpPr>
-        <p:spPr/>
-        <p:txBody>
-          <a:bodyPr/>
-          <a:lstStyle/>
-          <a:p>
-            <a:r>
-              <a:rPr lang="en-US" dirty="0"/>
-              <a:t>List important points from each lesson.</a:t>
-            </a:r>
-          </a:p>
-          <a:p>
-            <a:r>
-              <a:rPr lang="en-US" dirty="0"/>
-              <a:t>Provide resources for more information on subject.</a:t>
-            </a:r>
-          </a:p>
-          <a:p>
-            <a:pPr lvl="1"/>
-            <a:r>
-              <a:rPr lang="en-US" dirty="0"/>
-              <a:t>List resources on this slide.</a:t>
-            </a:r>
-          </a:p>
-          <a:p>
-            <a:pPr lvl="1"/>
-            <a:r>
-              <a:rPr lang="en-US" dirty="0"/>
-              <a:t>Provide handouts with additional resource material.</a:t>
-            </a:r>
+              <a:t>IMProv_on_Cedar_tut.md</a:t>
+            </a:r>
+            <a:endParaRPr lang="en-US" dirty="0"/>
           </a:p>
         </p:txBody>
       </p:sp>
@@ -6039,15 +6094,53 @@
           <a:lstStyle/>
           <a:p>
             <a:r>
-              <a:rPr lang="en-US" dirty="0"/>
-              <a:t>Prepare a quiz or challenge to assess how much information participants learned.</a:t>
-            </a:r>
-          </a:p>
-          <a:p>
-            <a:r>
-              <a:rPr lang="en-US" dirty="0"/>
-              <a:t>Survey participants to see if they found the training beneficial.</a:t>
-            </a:r>
+              <a:rPr lang="en-US" dirty="0" smtClean="0"/>
+              <a:t>How </a:t>
+            </a:r>
+            <a:r>
+              <a:rPr lang="en-US" dirty="0" smtClean="0"/>
+              <a:t>is t</a:t>
+            </a:r>
+            <a:r>
+              <a:rPr lang="en-US" dirty="0" smtClean="0"/>
+              <a:t>he python driver script and </a:t>
+            </a:r>
+            <a:r>
+              <a:rPr lang="en-US" dirty="0" err="1" smtClean="0"/>
+              <a:t>IMPConfig.yaml</a:t>
+            </a:r>
+            <a:r>
+              <a:rPr lang="en-US" dirty="0" smtClean="0"/>
+              <a:t> a convenience? </a:t>
+            </a:r>
+          </a:p>
+          <a:p>
+            <a:pPr lvl="1"/>
+            <a:r>
+              <a:rPr lang="en-US" dirty="0" smtClean="0"/>
+              <a:t>what would you need to do if there are not available?</a:t>
+            </a:r>
+          </a:p>
+          <a:p>
+            <a:r>
+              <a:rPr lang="en-US" dirty="0" err="1" smtClean="0"/>
+              <a:t>IMProv</a:t>
+            </a:r>
+            <a:r>
+              <a:rPr lang="en-US" dirty="0" smtClean="0"/>
+              <a:t> comprises file preparation and deployment. How would you go about performing each?</a:t>
+            </a:r>
+            <a:endParaRPr lang="en-US" dirty="0" smtClean="0"/>
+          </a:p>
+          <a:p>
+            <a:endParaRPr lang="en-US" dirty="0"/>
+          </a:p>
+          <a:p>
+            <a:r>
+              <a:rPr lang="en-US" dirty="0" smtClean="0"/>
+              <a:t>Did you find this guided tutorial helpful?</a:t>
+            </a:r>
+            <a:endParaRPr lang="en-US" dirty="0"/>
           </a:p>
         </p:txBody>
       </p:sp>
@@ -6055,6 +6148,341 @@
     <p:extLst>
       <p:ext uri="{BB962C8B-B14F-4D97-AF65-F5344CB8AC3E}">
         <p14:creationId xmlns:p14="http://schemas.microsoft.com/office/powerpoint/2010/main" val="687654895"/>
+      </p:ext>
+    </p:extLst>
+  </p:cSld>
+  <p:clrMapOvr>
+    <a:masterClrMapping/>
+  </p:clrMapOvr>
+  <mc:AlternateContent xmlns:mc="http://schemas.openxmlformats.org/markup-compatibility/2006" xmlns:p14="http://schemas.microsoft.com/office/powerpoint/2010/main">
+    <mc:Choice Requires="p14">
+      <p:transition spd="med" p14:dur="700">
+        <p:fade/>
+      </p:transition>
+    </mc:Choice>
+    <mc:Fallback xmlns="">
+      <p:transition spd="med">
+        <p:fade/>
+      </p:transition>
+    </mc:Fallback>
+  </mc:AlternateContent>
+</p:sld>
+</file>
+
+<file path=ppt/slides/slide15.xml><?xml version="1.0" encoding="utf-8"?>
+<p:sld xmlns:a="http://schemas.openxmlformats.org/drawingml/2006/main" xmlns:r="http://schemas.openxmlformats.org/officeDocument/2006/relationships" xmlns:p="http://schemas.openxmlformats.org/presentationml/2006/main">
+  <p:cSld>
+    <p:spTree>
+      <p:nvGrpSpPr>
+        <p:cNvPr id="1" name=""/>
+        <p:cNvGrpSpPr/>
+        <p:nvPr/>
+      </p:nvGrpSpPr>
+      <p:grpSpPr>
+        <a:xfrm>
+          <a:off x="0" y="0"/>
+          <a:ext cx="0" cy="0"/>
+          <a:chOff x="0" y="0"/>
+          <a:chExt cx="0" cy="0"/>
+        </a:xfrm>
+      </p:grpSpPr>
+      <p:sp>
+        <p:nvSpPr>
+          <p:cNvPr id="2" name="Title 1"/>
+          <p:cNvSpPr>
+            <a:spLocks noGrp="1"/>
+          </p:cNvSpPr>
+          <p:nvPr>
+            <p:ph type="title"/>
+          </p:nvPr>
+        </p:nvSpPr>
+        <p:spPr/>
+        <p:txBody>
+          <a:bodyPr/>
+          <a:lstStyle/>
+          <a:p>
+            <a:pPr marL="571500" indent="-571500">
+              <a:buFont typeface="Arial" panose="020B0604020202020204" pitchFamily="34" charset="0"/>
+              <a:buChar char="•"/>
+            </a:pPr>
+            <a:r>
+              <a:rPr lang="en-US" dirty="0" smtClean="0"/>
+              <a:t>Abbreviations</a:t>
+            </a:r>
+            <a:endParaRPr lang="en-US" dirty="0"/>
+          </a:p>
+        </p:txBody>
+      </p:sp>
+      <p:sp>
+        <p:nvSpPr>
+          <p:cNvPr id="3" name="Rectangle 2"/>
+          <p:cNvSpPr/>
+          <p:nvPr/>
+        </p:nvSpPr>
+        <p:spPr>
+          <a:xfrm>
+            <a:off x="65903" y="1897415"/>
+            <a:ext cx="11755394" cy="4401205"/>
+          </a:xfrm>
+          <a:prstGeom prst="rect">
+            <a:avLst/>
+          </a:prstGeom>
+        </p:spPr>
+        <p:txBody>
+          <a:bodyPr wrap="square">
+            <a:spAutoFit/>
+          </a:bodyPr>
+          <a:lstStyle/>
+          <a:p>
+            <a:endParaRPr lang="en-US" sz="1400" dirty="0"/>
+          </a:p>
+          <a:p>
+            <a:pPr marL="285750" indent="-285750">
+              <a:buFont typeface="Arial" panose="020B0604020202020204" pitchFamily="34" charset="0"/>
+              <a:buChar char="•"/>
+            </a:pPr>
+            <a:r>
+              <a:rPr lang="en-US" sz="1400" b="1" dirty="0" err="1"/>
+              <a:t>Cryo</a:t>
+            </a:r>
+            <a:r>
+              <a:rPr lang="en-US" sz="1400" b="1" dirty="0"/>
+              <a:t>-EM:  </a:t>
+            </a:r>
+            <a:r>
+              <a:rPr lang="en-US" sz="1400" dirty="0" err="1"/>
+              <a:t>cryoelectron</a:t>
+            </a:r>
+            <a:r>
+              <a:rPr lang="en-US" sz="1400" dirty="0"/>
+              <a:t> microscopy | https://www.sciencedirect.com/science/article/pii/S0304416517302374</a:t>
+            </a:r>
+          </a:p>
+          <a:p>
+            <a:pPr marL="285750" indent="-285750">
+              <a:buFont typeface="Arial" panose="020B0604020202020204" pitchFamily="34" charset="0"/>
+              <a:buChar char="•"/>
+            </a:pPr>
+            <a:r>
+              <a:rPr lang="en-US" sz="1400" b="1" dirty="0"/>
+              <a:t>FDR</a:t>
+            </a:r>
+            <a:r>
+              <a:rPr lang="en-US" sz="1400" dirty="0"/>
+              <a:t>: False Discovery Rate | https://www.bioinfor.com/fdr-tutorial/</a:t>
+            </a:r>
+          </a:p>
+          <a:p>
+            <a:pPr marL="285750" indent="-285750">
+              <a:buFont typeface="Arial" panose="020B0604020202020204" pitchFamily="34" charset="0"/>
+              <a:buChar char="•"/>
+            </a:pPr>
+            <a:r>
+              <a:rPr lang="en-US" sz="1400" b="1" dirty="0"/>
+              <a:t>HPC</a:t>
+            </a:r>
+            <a:r>
+              <a:rPr lang="en-US" sz="1400" dirty="0"/>
+              <a:t>:  High Performance Computing | https://docs.computecanada.ca/wiki/Getting_started</a:t>
+            </a:r>
+          </a:p>
+          <a:p>
+            <a:pPr marL="285750" indent="-285750">
+              <a:buFont typeface="Arial" panose="020B0604020202020204" pitchFamily="34" charset="0"/>
+              <a:buChar char="•"/>
+            </a:pPr>
+            <a:r>
+              <a:rPr lang="en-US" sz="1400" b="1" dirty="0"/>
+              <a:t>HX-MS</a:t>
+            </a:r>
+            <a:r>
+              <a:rPr lang="en-US" sz="1400" dirty="0"/>
+              <a:t>:  Hydrogen </a:t>
+            </a:r>
+            <a:r>
+              <a:rPr lang="en-US" sz="1400" dirty="0" err="1"/>
+              <a:t>eXchange</a:t>
+            </a:r>
+            <a:r>
+              <a:rPr lang="en-US" sz="1400" dirty="0"/>
+              <a:t> Mass Spectrometry | https://neu.hxms.com/research/tutorial_theory.htm#:~:text=Hydrogen%20exchange%20(HX)%20combined%20with,of%20proteins%20and%20protein%20structure.</a:t>
+            </a:r>
+          </a:p>
+          <a:p>
+            <a:pPr marL="285750" indent="-285750">
+              <a:buFont typeface="Arial" panose="020B0604020202020204" pitchFamily="34" charset="0"/>
+              <a:buChar char="•"/>
+            </a:pPr>
+            <a:r>
+              <a:rPr lang="en-US" sz="1400" b="1" dirty="0"/>
+              <a:t>IMP</a:t>
+            </a:r>
+            <a:r>
+              <a:rPr lang="en-US" sz="1400" dirty="0"/>
+              <a:t>:  Integrative Modeling Platform | https://integrativemodeling.org/</a:t>
+            </a:r>
+          </a:p>
+          <a:p>
+            <a:pPr marL="285750" indent="-285750">
+              <a:buFont typeface="Arial" panose="020B0604020202020204" pitchFamily="34" charset="0"/>
+              <a:buChar char="•"/>
+            </a:pPr>
+            <a:r>
+              <a:rPr lang="en-US" sz="1400" b="1" dirty="0"/>
+              <a:t>PMI</a:t>
+            </a:r>
+            <a:r>
+              <a:rPr lang="en-US" sz="1400" dirty="0"/>
+              <a:t>:  Python Modeling Interface | https://integrativemodeling.org/</a:t>
+            </a:r>
+          </a:p>
+          <a:p>
+            <a:pPr marL="285750" indent="-285750">
+              <a:buFont typeface="Arial" panose="020B0604020202020204" pitchFamily="34" charset="0"/>
+              <a:buChar char="•"/>
+            </a:pPr>
+            <a:r>
+              <a:rPr lang="en-US" sz="1400" b="1" dirty="0"/>
+              <a:t>PRC2</a:t>
+            </a:r>
+            <a:r>
+              <a:rPr lang="en-US" sz="1400" dirty="0"/>
+              <a:t>:  </a:t>
+            </a:r>
+            <a:r>
+              <a:rPr lang="en-US" sz="1400" dirty="0" err="1"/>
+              <a:t>Polycomb</a:t>
+            </a:r>
+            <a:r>
+              <a:rPr lang="en-US" sz="1400" dirty="0"/>
+              <a:t> Repressive Complex 2 | https://www.ncbi.nlm.nih.gov/pmc/articles/PMC5008062/</a:t>
+            </a:r>
+          </a:p>
+          <a:p>
+            <a:pPr marL="285750" indent="-285750">
+              <a:buFont typeface="Arial" panose="020B0604020202020204" pitchFamily="34" charset="0"/>
+              <a:buChar char="•"/>
+            </a:pPr>
+            <a:r>
+              <a:rPr lang="en-US" sz="1400" b="1" dirty="0"/>
+              <a:t>SLURM</a:t>
+            </a:r>
+            <a:r>
+              <a:rPr lang="en-US" sz="1400" dirty="0"/>
+              <a:t>: Simple Linux Utility for Resource Management | https://en.wikipedia.org/wiki/Slurm_Workload_Manager</a:t>
+            </a:r>
+          </a:p>
+          <a:p>
+            <a:pPr marL="285750" indent="-285750">
+              <a:buFont typeface="Arial" panose="020B0604020202020204" pitchFamily="34" charset="0"/>
+              <a:buChar char="•"/>
+            </a:pPr>
+            <a:r>
+              <a:rPr lang="en-US" sz="1400" b="1" dirty="0"/>
+              <a:t>XL-MS</a:t>
+            </a:r>
+            <a:r>
+              <a:rPr lang="en-US" sz="1400" dirty="0"/>
+              <a:t>:  Crosslinking Mass Spectrometry | https://</a:t>
+            </a:r>
+            <a:r>
+              <a:rPr lang="en-US" sz="1400" dirty="0" smtClean="0"/>
+              <a:t>www.technologynetworks.com/proteomics/articles/cross-linking-mass-spectrometry-a-key-player-in-the-structural-biologists-toolbox-322446</a:t>
+            </a:r>
+            <a:endParaRPr lang="en-US" sz="1400" dirty="0"/>
+          </a:p>
+          <a:p>
+            <a:pPr marL="285750" indent="-285750">
+              <a:buFont typeface="Arial" panose="020B0604020202020204" pitchFamily="34" charset="0"/>
+              <a:buChar char="•"/>
+            </a:pPr>
+            <a:r>
+              <a:rPr lang="en-US" sz="1400" b="1" dirty="0"/>
+              <a:t>FASTA</a:t>
+            </a:r>
+            <a:r>
+              <a:rPr lang="en-US" sz="1400" dirty="0"/>
+              <a:t>: The FASTA format is sometimes also referred to as the "Pearson" format (after the author of the FASTA program and ditto format). | https://www.bioinformatics.nl/tools/crab_fasta.html ; https://en.wikipedia.org/wiki/FASTA_format</a:t>
+            </a:r>
+          </a:p>
+          <a:p>
+            <a:pPr marL="285750" indent="-285750">
+              <a:buFont typeface="Arial" panose="020B0604020202020204" pitchFamily="34" charset="0"/>
+              <a:buChar char="•"/>
+            </a:pPr>
+            <a:r>
+              <a:rPr lang="en-US" sz="1400" b="1" dirty="0"/>
+              <a:t>PDB</a:t>
+            </a:r>
+            <a:r>
+              <a:rPr lang="en-US" sz="1400" dirty="0"/>
+              <a:t>: The Protein Data Bank (</a:t>
+            </a:r>
+            <a:r>
+              <a:rPr lang="en-US" sz="1400" dirty="0" err="1"/>
+              <a:t>pdb</a:t>
+            </a:r>
+            <a:r>
+              <a:rPr lang="en-US" sz="1400" dirty="0"/>
+              <a:t>) file format is a textual file format describing the three-dimensional structures of molecules held in the Protein Data Bank | https://pdb101.rcsb.org/learn/guide-to-understanding-pdb-data/introduction ; https://www.rcsb.org/</a:t>
+            </a:r>
+          </a:p>
+          <a:p>
+            <a:pPr marL="285750" indent="-285750">
+              <a:buFont typeface="Arial" panose="020B0604020202020204" pitchFamily="34" charset="0"/>
+              <a:buChar char="•"/>
+            </a:pPr>
+            <a:r>
+              <a:rPr lang="en-US" sz="1400" b="1" dirty="0"/>
+              <a:t>AWS</a:t>
+            </a:r>
+            <a:r>
+              <a:rPr lang="en-US" sz="1400" dirty="0"/>
+              <a:t>: Amazon Web Services | https://aws.amazon.com/console/</a:t>
+            </a:r>
+          </a:p>
+          <a:p>
+            <a:pPr marL="285750" indent="-285750">
+              <a:buFont typeface="Arial" panose="020B0604020202020204" pitchFamily="34" charset="0"/>
+              <a:buChar char="•"/>
+            </a:pPr>
+            <a:r>
+              <a:rPr lang="en-US" sz="1400" b="1" dirty="0"/>
+              <a:t>Cedar</a:t>
+            </a:r>
+            <a:r>
+              <a:rPr lang="en-US" sz="1400" dirty="0"/>
+              <a:t>: Compute Canada HPC Cluster | https://status.computecanada.ca/</a:t>
+            </a:r>
+          </a:p>
+          <a:p>
+            <a:pPr marL="285750" indent="-285750">
+              <a:buFont typeface="Arial" panose="020B0604020202020204" pitchFamily="34" charset="0"/>
+              <a:buChar char="•"/>
+            </a:pPr>
+            <a:r>
+              <a:rPr lang="en-US" sz="1400" b="1" dirty="0"/>
+              <a:t>Linux</a:t>
+            </a:r>
+            <a:r>
+              <a:rPr lang="en-US" sz="1400" dirty="0"/>
+              <a:t>: Operating System, </a:t>
+            </a:r>
+            <a:r>
+              <a:rPr lang="en-US" sz="1400" dirty="0" err="1"/>
+              <a:t>RedHat</a:t>
+            </a:r>
+            <a:r>
+              <a:rPr lang="en-US" sz="1400" dirty="0"/>
+              <a:t> Enterprise Linux (or variants, such as CentOS or Scientific Linux) | </a:t>
+            </a:r>
+          </a:p>
+        </p:txBody>
+      </p:sp>
+    </p:spTree>
+    <p:extLst>
+      <p:ext uri="{BB962C8B-B14F-4D97-AF65-F5344CB8AC3E}">
+        <p14:creationId xmlns:p14="http://schemas.microsoft.com/office/powerpoint/2010/main" val="1207600953"/>
       </p:ext>
     </p:extLst>
   </p:cSld>
@@ -6131,27 +6559,76 @@
           <a:lstStyle/>
           <a:p>
             <a:r>
-              <a:rPr lang="en-US" dirty="0"/>
-              <a:t>Introduce the subject of the presentation.</a:t>
-            </a:r>
-          </a:p>
-          <a:p>
-            <a:r>
-              <a:rPr lang="en-US" dirty="0"/>
-              <a:t>State how presentation will benefit audience.</a:t>
-            </a:r>
-          </a:p>
-          <a:p>
-            <a:r>
-              <a:rPr lang="en-US" dirty="0"/>
-              <a:t>State presenter’s level of expertise in subject.</a:t>
-            </a:r>
-          </a:p>
-          <a:p>
-            <a:r>
-              <a:rPr lang="en-US" dirty="0"/>
-              <a:t>Tip: Click and scroll in the notes pane below to see more instructions, or to add your own speaker notes.</a:t>
-            </a:r>
+              <a:rPr lang="en-US" dirty="0" smtClean="0"/>
+              <a:t>Overview of </a:t>
+            </a:r>
+            <a:r>
+              <a:rPr lang="en-US" dirty="0" err="1" smtClean="0"/>
+              <a:t>IMProv</a:t>
+            </a:r>
+            <a:r>
+              <a:rPr lang="en-US" dirty="0" smtClean="0"/>
+              <a:t> for IMP and PMI.</a:t>
+            </a:r>
+            <a:endParaRPr lang="en-US" dirty="0"/>
+          </a:p>
+          <a:p>
+            <a:r>
+              <a:rPr lang="en-US" dirty="0" smtClean="0"/>
+              <a:t>Getting Started with the sample project ( PRC2 ) on </a:t>
+            </a:r>
+            <a:r>
+              <a:rPr lang="en-US" dirty="0" err="1" smtClean="0"/>
+              <a:t>github</a:t>
+            </a:r>
+            <a:r>
+              <a:rPr lang="en-US" dirty="0" smtClean="0"/>
+              <a:t>.</a:t>
+            </a:r>
+            <a:endParaRPr lang="en-US" dirty="0"/>
+          </a:p>
+          <a:p>
+            <a:r>
+              <a:rPr lang="en-US" dirty="0" smtClean="0"/>
+              <a:t>Prepare IMP Topology and </a:t>
+            </a:r>
+            <a:r>
+              <a:rPr lang="en-US" dirty="0" err="1" smtClean="0"/>
+              <a:t>Config</a:t>
+            </a:r>
+            <a:r>
+              <a:rPr lang="en-US" dirty="0" smtClean="0"/>
+              <a:t> files using </a:t>
+            </a:r>
+            <a:r>
+              <a:rPr lang="en-US" dirty="0" err="1" smtClean="0"/>
+              <a:t>MassSpecStudio</a:t>
+            </a:r>
+            <a:r>
+              <a:rPr lang="en-US" dirty="0" smtClean="0"/>
+              <a:t>.</a:t>
+            </a:r>
+            <a:endParaRPr lang="en-US" dirty="0"/>
+          </a:p>
+          <a:p>
+            <a:r>
+              <a:rPr lang="en-US" dirty="0" smtClean="0"/>
+              <a:t>Deployment of the </a:t>
+            </a:r>
+            <a:r>
+              <a:rPr lang="en-US" dirty="0" err="1" smtClean="0"/>
+              <a:t>IMProv</a:t>
+            </a:r>
+            <a:r>
+              <a:rPr lang="en-US" dirty="0" smtClean="0"/>
+              <a:t> project on AWS, Cedar or PC.</a:t>
+            </a:r>
+          </a:p>
+          <a:p>
+            <a:pPr marL="109728" indent="0">
+              <a:buNone/>
+            </a:pPr>
+            <a:endParaRPr lang="en-US" dirty="0"/>
           </a:p>
         </p:txBody>
       </p:sp>
@@ -6213,64 +6690,103 @@
           <a:lstStyle/>
           <a:p>
             <a:r>
+              <a:rPr lang="en-US" dirty="0" smtClean="0"/>
+              <a:t>Overview</a:t>
+            </a:r>
+            <a:endParaRPr lang="en-US" dirty="0"/>
+          </a:p>
+        </p:txBody>
+      </p:sp>
+      <p:sp>
+        <p:nvSpPr>
+          <p:cNvPr id="3" name="Content Placeholder 2"/>
+          <p:cNvSpPr>
+            <a:spLocks noGrp="1"/>
+          </p:cNvSpPr>
+          <p:nvPr>
+            <p:ph idx="1"/>
+          </p:nvPr>
+        </p:nvSpPr>
+        <p:spPr/>
+        <p:txBody>
+          <a:bodyPr>
+            <a:normAutofit lnSpcReduction="10000"/>
+          </a:bodyPr>
+          <a:lstStyle/>
+          <a:p>
+            <a:r>
               <a:rPr lang="en-US" dirty="0"/>
-              <a:t>Training Outline</a:t>
-            </a:r>
-          </a:p>
-        </p:txBody>
-      </p:sp>
-      <p:sp>
-        <p:nvSpPr>
-          <p:cNvPr id="3" name="Content Placeholder 2"/>
-          <p:cNvSpPr>
-            <a:spLocks noGrp="1"/>
-          </p:cNvSpPr>
-          <p:nvPr>
-            <p:ph idx="1"/>
-          </p:nvPr>
-        </p:nvSpPr>
-        <p:spPr/>
-        <p:txBody>
-          <a:bodyPr/>
-          <a:lstStyle/>
+              <a:t>Create a new Integrative modelling project </a:t>
+            </a:r>
+          </a:p>
+          <a:p>
+            <a:pPr lvl="1"/>
+            <a:r>
+              <a:rPr lang="en-US" dirty="0" smtClean="0"/>
+              <a:t>Add Proteins.</a:t>
+            </a:r>
+          </a:p>
+          <a:p>
+            <a:pPr lvl="1"/>
+            <a:r>
+              <a:rPr lang="en-US" dirty="0" smtClean="0"/>
+              <a:t>Add Protein Topology</a:t>
+            </a:r>
+          </a:p>
+          <a:p>
+            <a:pPr lvl="1"/>
+            <a:r>
+              <a:rPr lang="en-US" dirty="0" smtClean="0"/>
+              <a:t>Add Link Data</a:t>
+            </a:r>
+          </a:p>
+          <a:p>
+            <a:pPr lvl="1"/>
+            <a:r>
+              <a:rPr lang="en-US" dirty="0" smtClean="0"/>
+              <a:t>HX-XL Classification</a:t>
+            </a:r>
+          </a:p>
+          <a:p>
+            <a:pPr lvl="1"/>
+            <a:r>
+              <a:rPr lang="en-US" dirty="0" smtClean="0"/>
+              <a:t>Configure IMP</a:t>
+            </a:r>
+            <a:endParaRPr lang="en-US" dirty="0"/>
+          </a:p>
+          <a:p>
+            <a:r>
+              <a:rPr lang="en-US" dirty="0" smtClean="0"/>
+              <a:t>Amendments</a:t>
+            </a:r>
+          </a:p>
+          <a:p>
+            <a:pPr lvl="1"/>
+            <a:r>
+              <a:rPr lang="en-US" dirty="0" smtClean="0"/>
+              <a:t>Adjustments to existing IMP project</a:t>
+            </a:r>
+            <a:r>
+              <a:rPr lang="en-US" dirty="0" smtClean="0"/>
+              <a:t>.</a:t>
+            </a:r>
+            <a:endParaRPr lang="en-US" dirty="0"/>
+          </a:p>
           <a:p>
             <a:r>
               <a:rPr lang="en-US" dirty="0"/>
-              <a:t>Lesson 1: Name</a:t>
-            </a:r>
+              <a:t>Deployment of the Project </a:t>
+            </a:r>
+            <a:endParaRPr lang="en-US" dirty="0" smtClean="0"/>
           </a:p>
           <a:p>
             <a:pPr lvl="1"/>
             <a:r>
-              <a:rPr lang="en-US" dirty="0"/>
-              <a:t>Provide brief description, if desired.</a:t>
-            </a:r>
-          </a:p>
-          <a:p>
-            <a:r>
-              <a:rPr lang="en-US" dirty="0"/>
-              <a:t>Lesson 2: Name</a:t>
-            </a:r>
-          </a:p>
-          <a:p>
-            <a:pPr lvl="1"/>
-            <a:r>
-              <a:rPr lang="en-US" dirty="0"/>
-              <a:t>Provide brief description, if desired.</a:t>
-            </a:r>
-          </a:p>
-          <a:p>
-            <a:r>
-              <a:rPr lang="en-US" dirty="0"/>
-              <a:t>Lesson 3: Name</a:t>
-            </a:r>
-          </a:p>
-          <a:p>
-            <a:pPr lvl="1"/>
-            <a:r>
-              <a:rPr lang="en-US" dirty="0"/>
-              <a:t>Provide brief description, if desired.</a:t>
-            </a:r>
+              <a:rPr lang="en-US" dirty="0" smtClean="0"/>
+              <a:t>Perform a modelling run.</a:t>
+            </a:r>
+            <a:endParaRPr lang="en-US" dirty="0"/>
           </a:p>
           <a:p>
             <a:endParaRPr lang="en-US" dirty="0"/>
@@ -6336,8 +6852,9 @@
           <a:p>
             <a:r>
               <a:rPr lang="en-US" dirty="0"/>
-              <a:t>Lesson 1: Objectives</a:t>
-            </a:r>
+              <a:t>Create a new Integrative modelling project </a:t>
+            </a:r>
+            <a:endParaRPr lang="en-US" dirty="0"/>
           </a:p>
         </p:txBody>
       </p:sp>
@@ -6357,21 +6874,60 @@
           <a:lstStyle/>
           <a:p>
             <a:r>
-              <a:rPr lang="en-US" dirty="0"/>
-              <a:t>List the intended outcomes for this training session.</a:t>
-            </a:r>
-          </a:p>
-          <a:p>
-            <a:r>
-              <a:rPr lang="en-US" dirty="0"/>
-              <a:t>Each objective should be concise, should contain a verb, and should have a measurable result.</a:t>
-            </a:r>
-          </a:p>
-          <a:p>
-            <a:r>
-              <a:rPr lang="en-US" dirty="0"/>
-              <a:t>Tip: Click and scroll in the notes pane below to see examples, or to add your own speaker notes.</a:t>
-            </a:r>
+              <a:rPr lang="en-US" dirty="0" smtClean="0"/>
+              <a:t>Familiarize yourself with the </a:t>
+            </a:r>
+            <a:r>
+              <a:rPr lang="en-US" dirty="0" err="1" smtClean="0"/>
+              <a:t>IMProv</a:t>
+            </a:r>
+            <a:r>
+              <a:rPr lang="en-US" dirty="0" smtClean="0"/>
+              <a:t> wizard steps.</a:t>
+            </a:r>
+            <a:endParaRPr lang="en-US" dirty="0"/>
+          </a:p>
+          <a:p>
+            <a:r>
+              <a:rPr lang="en-US" dirty="0" smtClean="0"/>
+              <a:t>The goal here is to produce the Topology and </a:t>
+            </a:r>
+            <a:r>
+              <a:rPr lang="en-US" dirty="0" err="1" smtClean="0"/>
+              <a:t>ConfigImp.yaml</a:t>
+            </a:r>
+            <a:r>
+              <a:rPr lang="en-US" dirty="0" smtClean="0"/>
+              <a:t> files.</a:t>
+            </a:r>
+            <a:endParaRPr lang="en-US" dirty="0"/>
+          </a:p>
+          <a:p>
+            <a:r>
+              <a:rPr lang="en-US" dirty="0" smtClean="0"/>
+              <a:t>Pull together the various raw data files needed for the modeling run.</a:t>
+            </a:r>
+          </a:p>
+          <a:p>
+            <a:r>
+              <a:rPr lang="en-US" dirty="0" smtClean="0"/>
+              <a:t>Obtain the python driver script that reads the </a:t>
+            </a:r>
+            <a:r>
+              <a:rPr lang="en-US" dirty="0" err="1" smtClean="0"/>
+              <a:t>ConfigImp.yaml</a:t>
+            </a:r>
+            <a:r>
+              <a:rPr lang="en-US" dirty="0" smtClean="0"/>
+              <a:t> file</a:t>
+            </a:r>
+          </a:p>
+          <a:p>
+            <a:r>
+              <a:rPr lang="en-US" dirty="0" smtClean="0"/>
+              <a:t>Understand the folder structure of the export bundle and where the files reside.</a:t>
+            </a:r>
+            <a:endParaRPr lang="en-US" dirty="0"/>
           </a:p>
         </p:txBody>
       </p:sp>
@@ -6643,7 +7199,7 @@
           <a:p>
             <a:r>
               <a:rPr lang="en-US" dirty="0"/>
-              <a:t>Lesson 2: Objectives</a:t>
+              <a:t>Amendments</a:t>
             </a:r>
           </a:p>
         </p:txBody>
@@ -6664,15 +7220,39 @@
           <a:lstStyle/>
           <a:p>
             <a:r>
-              <a:rPr lang="en-US" dirty="0"/>
-              <a:t>List the intended outcomes for this training session.</a:t>
-            </a:r>
-          </a:p>
-          <a:p>
-            <a:r>
-              <a:rPr lang="en-US" dirty="0"/>
-              <a:t>Each objective should be concise, should contain a verb, and should have a measurable result.</a:t>
-            </a:r>
+              <a:rPr lang="en-US" dirty="0" smtClean="0"/>
+              <a:t>Modifying the Topology and </a:t>
+            </a:r>
+            <a:r>
+              <a:rPr lang="en-US" dirty="0" err="1" smtClean="0"/>
+              <a:t>ConfigImp.yaml</a:t>
+            </a:r>
+            <a:r>
+              <a:rPr lang="en-US" dirty="0" smtClean="0"/>
+              <a:t> is an iterative process.</a:t>
+            </a:r>
+            <a:endParaRPr lang="en-US" dirty="0"/>
+          </a:p>
+          <a:p>
+            <a:r>
+              <a:rPr lang="en-US" dirty="0" smtClean="0"/>
+              <a:t>Re-open an existing </a:t>
+            </a:r>
+            <a:r>
+              <a:rPr lang="en-US" dirty="0" err="1" smtClean="0"/>
+              <a:t>IMProv</a:t>
+            </a:r>
+            <a:r>
+              <a:rPr lang="en-US" dirty="0" smtClean="0"/>
+              <a:t> project and make the edits you require.</a:t>
+            </a:r>
+          </a:p>
+          <a:p>
+            <a:r>
+              <a:rPr lang="en-US" dirty="0" smtClean="0"/>
+              <a:t>In the final step you can perform the export again to capture the updates.</a:t>
+            </a:r>
+            <a:endParaRPr lang="en-US" dirty="0"/>
           </a:p>
         </p:txBody>
       </p:sp>

--- a/IMProv_project_prep.pptx
+++ b/IMProv_project_prep.pptx
@@ -5,10 +5,10 @@
     <p:sldMasterId id="2147483696" r:id="rId1"/>
   </p:sldMasterIdLst>
   <p:notesMasterIdLst>
-    <p:notesMasterId r:id="rId35"/>
+    <p:notesMasterId r:id="rId48"/>
   </p:notesMasterIdLst>
   <p:handoutMasterIdLst>
-    <p:handoutMasterId r:id="rId36"/>
+    <p:handoutMasterId r:id="rId49"/>
   </p:handoutMasterIdLst>
   <p:sldIdLst>
     <p:sldId id="257" r:id="rId2"/>
@@ -30,20 +30,33 @@
     <p:sldId id="284" r:id="rId18"/>
     <p:sldId id="262" r:id="rId19"/>
     <p:sldId id="263" r:id="rId20"/>
-    <p:sldId id="285" r:id="rId21"/>
-    <p:sldId id="264" r:id="rId22"/>
-    <p:sldId id="286" r:id="rId23"/>
-    <p:sldId id="289" r:id="rId24"/>
-    <p:sldId id="287" r:id="rId25"/>
-    <p:sldId id="288" r:id="rId26"/>
-    <p:sldId id="265" r:id="rId27"/>
-    <p:sldId id="266" r:id="rId28"/>
-    <p:sldId id="272" r:id="rId29"/>
-    <p:sldId id="267" r:id="rId30"/>
-    <p:sldId id="268" r:id="rId31"/>
-    <p:sldId id="269" r:id="rId32"/>
-    <p:sldId id="270" r:id="rId33"/>
-    <p:sldId id="271" r:id="rId34"/>
+    <p:sldId id="292" r:id="rId21"/>
+    <p:sldId id="290" r:id="rId22"/>
+    <p:sldId id="294" r:id="rId23"/>
+    <p:sldId id="295" r:id="rId24"/>
+    <p:sldId id="296" r:id="rId25"/>
+    <p:sldId id="297" r:id="rId26"/>
+    <p:sldId id="301" r:id="rId27"/>
+    <p:sldId id="298" r:id="rId28"/>
+    <p:sldId id="299" r:id="rId29"/>
+    <p:sldId id="300" r:id="rId30"/>
+    <p:sldId id="285" r:id="rId31"/>
+    <p:sldId id="264" r:id="rId32"/>
+    <p:sldId id="286" r:id="rId33"/>
+    <p:sldId id="289" r:id="rId34"/>
+    <p:sldId id="287" r:id="rId35"/>
+    <p:sldId id="288" r:id="rId36"/>
+    <p:sldId id="265" r:id="rId37"/>
+    <p:sldId id="266" r:id="rId38"/>
+    <p:sldId id="272" r:id="rId39"/>
+    <p:sldId id="267" r:id="rId40"/>
+    <p:sldId id="302" r:id="rId41"/>
+    <p:sldId id="303" r:id="rId42"/>
+    <p:sldId id="268" r:id="rId43"/>
+    <p:sldId id="269" r:id="rId44"/>
+    <p:sldId id="270" r:id="rId45"/>
+    <p:sldId id="271" r:id="rId46"/>
+    <p:sldId id="291" r:id="rId47"/>
   </p:sldIdLst>
   <p:sldSz cx="12192000" cy="6858000"/>
   <p:notesSz cx="6858000" cy="9144000"/>
@@ -2351,6 +2364,13 @@
         </dgm:presLayoutVars>
       </dgm:prSet>
       <dgm:spPr/>
+      <dgm:t>
+        <a:bodyPr/>
+        <a:lstStyle/>
+        <a:p>
+          <a:endParaRPr lang="en-US"/>
+        </a:p>
+      </dgm:t>
     </dgm:pt>
     <dgm:pt modelId="{44373362-D4BF-4789-A6E3-7749F79B084F}" type="pres">
       <dgm:prSet presAssocID="{520A3E92-361E-4168-9103-DBF584715391}" presName="hierFlow" presStyleCnt="0"/>
@@ -2381,6 +2401,13 @@
         </dgm:presLayoutVars>
       </dgm:prSet>
       <dgm:spPr/>
+      <dgm:t>
+        <a:bodyPr/>
+        <a:lstStyle/>
+        <a:p>
+          <a:endParaRPr lang="en-US"/>
+        </a:p>
+      </dgm:t>
     </dgm:pt>
     <dgm:pt modelId="{1D77E59B-2DE1-48CD-9CD0-CF60A6002EA9}" type="pres">
       <dgm:prSet presAssocID="{AF38E363-0CB7-4BE4-A0D4-4F526B35BE46}" presName="hierChild2" presStyleCnt="0"/>
@@ -2389,10 +2416,24 @@
     <dgm:pt modelId="{911A8F96-1DA6-4B34-B939-5EB96BBDF3CD}" type="pres">
       <dgm:prSet presAssocID="{E2890A2C-50A6-4819-BB30-59CC44F61D72}" presName="Name25" presStyleLbl="parChTrans1D2" presStyleIdx="0" presStyleCnt="2"/>
       <dgm:spPr/>
+      <dgm:t>
+        <a:bodyPr/>
+        <a:lstStyle/>
+        <a:p>
+          <a:endParaRPr lang="en-US"/>
+        </a:p>
+      </dgm:t>
     </dgm:pt>
     <dgm:pt modelId="{E39912CA-A268-4813-9A4E-CB8367FE7444}" type="pres">
       <dgm:prSet presAssocID="{E2890A2C-50A6-4819-BB30-59CC44F61D72}" presName="connTx" presStyleLbl="parChTrans1D2" presStyleIdx="0" presStyleCnt="2"/>
       <dgm:spPr/>
+      <dgm:t>
+        <a:bodyPr/>
+        <a:lstStyle/>
+        <a:p>
+          <a:endParaRPr lang="en-US"/>
+        </a:p>
+      </dgm:t>
     </dgm:pt>
     <dgm:pt modelId="{94FE65E9-9523-4AF3-A180-37C569D6C44D}" type="pres">
       <dgm:prSet presAssocID="{13D20F1D-A3B3-4AB1-879A-E780F399BD32}" presName="Name30" presStyleCnt="0"/>
@@ -2401,6 +2442,13 @@
     <dgm:pt modelId="{023F7967-8A03-480B-845A-BAE2DE7991FC}" type="pres">
       <dgm:prSet presAssocID="{13D20F1D-A3B3-4AB1-879A-E780F399BD32}" presName="level2Shape" presStyleLbl="node2" presStyleIdx="0" presStyleCnt="2"/>
       <dgm:spPr/>
+      <dgm:t>
+        <a:bodyPr/>
+        <a:lstStyle/>
+        <a:p>
+          <a:endParaRPr lang="en-US"/>
+        </a:p>
+      </dgm:t>
     </dgm:pt>
     <dgm:pt modelId="{8E0EA7B8-EF9B-4445-9000-56C956DD5136}" type="pres">
       <dgm:prSet presAssocID="{13D20F1D-A3B3-4AB1-879A-E780F399BD32}" presName="hierChild3" presStyleCnt="0"/>
@@ -2409,10 +2457,24 @@
     <dgm:pt modelId="{102B8575-8538-4FC7-AFC8-703CBEBBE228}" type="pres">
       <dgm:prSet presAssocID="{88097BC4-8619-4D35-9B38-6440FAC07E99}" presName="Name25" presStyleLbl="parChTrans1D3" presStyleIdx="0" presStyleCnt="11"/>
       <dgm:spPr/>
+      <dgm:t>
+        <a:bodyPr/>
+        <a:lstStyle/>
+        <a:p>
+          <a:endParaRPr lang="en-US"/>
+        </a:p>
+      </dgm:t>
     </dgm:pt>
     <dgm:pt modelId="{D17E4A21-EF2E-4ACF-9865-501ABC2584DD}" type="pres">
       <dgm:prSet presAssocID="{88097BC4-8619-4D35-9B38-6440FAC07E99}" presName="connTx" presStyleLbl="parChTrans1D3" presStyleIdx="0" presStyleCnt="11"/>
       <dgm:spPr/>
+      <dgm:t>
+        <a:bodyPr/>
+        <a:lstStyle/>
+        <a:p>
+          <a:endParaRPr lang="en-US"/>
+        </a:p>
+      </dgm:t>
     </dgm:pt>
     <dgm:pt modelId="{5A573A3D-584F-4207-A29F-D6A3BC684EF1}" type="pres">
       <dgm:prSet presAssocID="{31BF99EC-CDE6-4BD3-A0BE-620A3213C027}" presName="Name30" presStyleCnt="0"/>
@@ -2421,6 +2483,13 @@
     <dgm:pt modelId="{6BAFBE3F-3DEE-4F11-A921-8BFD6D98B4A6}" type="pres">
       <dgm:prSet presAssocID="{31BF99EC-CDE6-4BD3-A0BE-620A3213C027}" presName="level2Shape" presStyleLbl="node3" presStyleIdx="0" presStyleCnt="11"/>
       <dgm:spPr/>
+      <dgm:t>
+        <a:bodyPr/>
+        <a:lstStyle/>
+        <a:p>
+          <a:endParaRPr lang="en-US"/>
+        </a:p>
+      </dgm:t>
     </dgm:pt>
     <dgm:pt modelId="{524C80A2-D168-487B-AAD3-F2AC3F47477B}" type="pres">
       <dgm:prSet presAssocID="{31BF99EC-CDE6-4BD3-A0BE-620A3213C027}" presName="hierChild3" presStyleCnt="0"/>
@@ -2429,10 +2498,24 @@
     <dgm:pt modelId="{1BA16D76-E357-4454-9C2B-90F1BB393DED}" type="pres">
       <dgm:prSet presAssocID="{159A5C80-1197-43C9-B5A7-F936F0939377}" presName="Name25" presStyleLbl="parChTrans1D3" presStyleIdx="1" presStyleCnt="11"/>
       <dgm:spPr/>
+      <dgm:t>
+        <a:bodyPr/>
+        <a:lstStyle/>
+        <a:p>
+          <a:endParaRPr lang="en-US"/>
+        </a:p>
+      </dgm:t>
     </dgm:pt>
     <dgm:pt modelId="{45869AB7-C370-4A0D-BD13-90104F9D388B}" type="pres">
       <dgm:prSet presAssocID="{159A5C80-1197-43C9-B5A7-F936F0939377}" presName="connTx" presStyleLbl="parChTrans1D3" presStyleIdx="1" presStyleCnt="11"/>
       <dgm:spPr/>
+      <dgm:t>
+        <a:bodyPr/>
+        <a:lstStyle/>
+        <a:p>
+          <a:endParaRPr lang="en-US"/>
+        </a:p>
+      </dgm:t>
     </dgm:pt>
     <dgm:pt modelId="{4D12EA95-848F-4584-AF09-E770E4E91A2D}" type="pres">
       <dgm:prSet presAssocID="{16A267BD-38C7-4F63-BDE8-3C3CBD7C0A75}" presName="Name30" presStyleCnt="0"/>
@@ -2456,10 +2539,24 @@
     <dgm:pt modelId="{22701E87-B43D-4719-8E83-94BA9A2DE157}" type="pres">
       <dgm:prSet presAssocID="{D58135B9-79A6-4696-AA22-DF8339D41823}" presName="Name25" presStyleLbl="parChTrans1D3" presStyleIdx="2" presStyleCnt="11"/>
       <dgm:spPr/>
+      <dgm:t>
+        <a:bodyPr/>
+        <a:lstStyle/>
+        <a:p>
+          <a:endParaRPr lang="en-US"/>
+        </a:p>
+      </dgm:t>
     </dgm:pt>
     <dgm:pt modelId="{1D4B1080-E231-41D2-9CCC-86A0E9D902FF}" type="pres">
       <dgm:prSet presAssocID="{D58135B9-79A6-4696-AA22-DF8339D41823}" presName="connTx" presStyleLbl="parChTrans1D3" presStyleIdx="2" presStyleCnt="11"/>
       <dgm:spPr/>
+      <dgm:t>
+        <a:bodyPr/>
+        <a:lstStyle/>
+        <a:p>
+          <a:endParaRPr lang="en-US"/>
+        </a:p>
+      </dgm:t>
     </dgm:pt>
     <dgm:pt modelId="{FC33BB12-0DBB-4350-B4E3-08BBC0236288}" type="pres">
       <dgm:prSet presAssocID="{EC61433E-1B17-4910-97CC-753A4E13426D}" presName="Name30" presStyleCnt="0"/>
@@ -2483,10 +2580,24 @@
     <dgm:pt modelId="{7624216E-6707-4E48-B0D3-1F3549EFCC8E}" type="pres">
       <dgm:prSet presAssocID="{BB25EF05-D42B-40E4-BBEE-1BB662FBEA0C}" presName="Name25" presStyleLbl="parChTrans1D3" presStyleIdx="3" presStyleCnt="11"/>
       <dgm:spPr/>
+      <dgm:t>
+        <a:bodyPr/>
+        <a:lstStyle/>
+        <a:p>
+          <a:endParaRPr lang="en-US"/>
+        </a:p>
+      </dgm:t>
     </dgm:pt>
     <dgm:pt modelId="{989ACA5C-A78F-4012-A745-3AAE79E94396}" type="pres">
       <dgm:prSet presAssocID="{BB25EF05-D42B-40E4-BBEE-1BB662FBEA0C}" presName="connTx" presStyleLbl="parChTrans1D3" presStyleIdx="3" presStyleCnt="11"/>
       <dgm:spPr/>
+      <dgm:t>
+        <a:bodyPr/>
+        <a:lstStyle/>
+        <a:p>
+          <a:endParaRPr lang="en-US"/>
+        </a:p>
+      </dgm:t>
     </dgm:pt>
     <dgm:pt modelId="{A78F72AC-2735-4D82-BCED-6E9E112C69BF}" type="pres">
       <dgm:prSet presAssocID="{653AF6B1-156E-451F-909D-7F2172DACEFE}" presName="Name30" presStyleCnt="0"/>
@@ -2510,10 +2621,24 @@
     <dgm:pt modelId="{860A121A-0263-4EDE-BC63-2DE2DCC7236F}" type="pres">
       <dgm:prSet presAssocID="{CA101965-D5C8-4429-A8D2-4A3966C0B1FD}" presName="Name25" presStyleLbl="parChTrans1D3" presStyleIdx="4" presStyleCnt="11"/>
       <dgm:spPr/>
+      <dgm:t>
+        <a:bodyPr/>
+        <a:lstStyle/>
+        <a:p>
+          <a:endParaRPr lang="en-US"/>
+        </a:p>
+      </dgm:t>
     </dgm:pt>
     <dgm:pt modelId="{30E22225-A458-4716-BF51-ABB18839E76E}" type="pres">
       <dgm:prSet presAssocID="{CA101965-D5C8-4429-A8D2-4A3966C0B1FD}" presName="connTx" presStyleLbl="parChTrans1D3" presStyleIdx="4" presStyleCnt="11"/>
       <dgm:spPr/>
+      <dgm:t>
+        <a:bodyPr/>
+        <a:lstStyle/>
+        <a:p>
+          <a:endParaRPr lang="en-US"/>
+        </a:p>
+      </dgm:t>
     </dgm:pt>
     <dgm:pt modelId="{AC735517-4EE3-4156-AEE3-D49297015112}" type="pres">
       <dgm:prSet presAssocID="{4DCF7959-78EF-4BFA-B96C-B8CCAB4BF364}" presName="Name30" presStyleCnt="0"/>
@@ -2537,10 +2662,24 @@
     <dgm:pt modelId="{7F0926FB-8436-4235-B8E6-0F3F809AEC45}" type="pres">
       <dgm:prSet presAssocID="{82554431-1A60-4282-91DD-D54159EF7B9E}" presName="Name25" presStyleLbl="parChTrans1D4" presStyleIdx="0" presStyleCnt="1"/>
       <dgm:spPr/>
+      <dgm:t>
+        <a:bodyPr/>
+        <a:lstStyle/>
+        <a:p>
+          <a:endParaRPr lang="en-US"/>
+        </a:p>
+      </dgm:t>
     </dgm:pt>
     <dgm:pt modelId="{115FF210-B2C9-446D-B709-776627647874}" type="pres">
       <dgm:prSet presAssocID="{82554431-1A60-4282-91DD-D54159EF7B9E}" presName="connTx" presStyleLbl="parChTrans1D4" presStyleIdx="0" presStyleCnt="1"/>
       <dgm:spPr/>
+      <dgm:t>
+        <a:bodyPr/>
+        <a:lstStyle/>
+        <a:p>
+          <a:endParaRPr lang="en-US"/>
+        </a:p>
+      </dgm:t>
     </dgm:pt>
     <dgm:pt modelId="{E5C066E6-8E41-4100-9CA7-46A708277023}" type="pres">
       <dgm:prSet presAssocID="{7AE6C861-3CC6-45D2-A40B-928D7682EEFF}" presName="Name30" presStyleCnt="0"/>
@@ -2564,10 +2703,24 @@
     <dgm:pt modelId="{74EC96BD-B022-40A9-9CFD-7E0120C7DB97}" type="pres">
       <dgm:prSet presAssocID="{679DEFEE-B31B-4796-A746-718EB7860557}" presName="Name25" presStyleLbl="parChTrans1D3" presStyleIdx="5" presStyleCnt="11"/>
       <dgm:spPr/>
+      <dgm:t>
+        <a:bodyPr/>
+        <a:lstStyle/>
+        <a:p>
+          <a:endParaRPr lang="en-US"/>
+        </a:p>
+      </dgm:t>
     </dgm:pt>
     <dgm:pt modelId="{9F95526E-A2EC-4114-A87B-214E2010DA1E}" type="pres">
       <dgm:prSet presAssocID="{679DEFEE-B31B-4796-A746-718EB7860557}" presName="connTx" presStyleLbl="parChTrans1D3" presStyleIdx="5" presStyleCnt="11"/>
       <dgm:spPr/>
+      <dgm:t>
+        <a:bodyPr/>
+        <a:lstStyle/>
+        <a:p>
+          <a:endParaRPr lang="en-US"/>
+        </a:p>
+      </dgm:t>
     </dgm:pt>
     <dgm:pt modelId="{63C80495-07EC-46F5-94AB-810A092EB27D}" type="pres">
       <dgm:prSet presAssocID="{B4E5C43E-4D64-44E6-A624-AE0F2334115F}" presName="Name30" presStyleCnt="0"/>
@@ -2591,10 +2744,24 @@
     <dgm:pt modelId="{35D9BBBE-7751-4342-82E1-3C2E414E90C5}" type="pres">
       <dgm:prSet presAssocID="{45763113-7EE9-4DC6-8B94-F7D093D985A1}" presName="Name25" presStyleLbl="parChTrans1D3" presStyleIdx="6" presStyleCnt="11"/>
       <dgm:spPr/>
+      <dgm:t>
+        <a:bodyPr/>
+        <a:lstStyle/>
+        <a:p>
+          <a:endParaRPr lang="en-US"/>
+        </a:p>
+      </dgm:t>
     </dgm:pt>
     <dgm:pt modelId="{EB65CBBA-9EA0-4027-8838-F5270B925ECA}" type="pres">
       <dgm:prSet presAssocID="{45763113-7EE9-4DC6-8B94-F7D093D985A1}" presName="connTx" presStyleLbl="parChTrans1D3" presStyleIdx="6" presStyleCnt="11"/>
       <dgm:spPr/>
+      <dgm:t>
+        <a:bodyPr/>
+        <a:lstStyle/>
+        <a:p>
+          <a:endParaRPr lang="en-US"/>
+        </a:p>
+      </dgm:t>
     </dgm:pt>
     <dgm:pt modelId="{5D6B7067-91F7-4A4D-AC2A-11A948FC9C22}" type="pres">
       <dgm:prSet presAssocID="{D9A85B99-8102-49C3-991A-5D341E3BCE12}" presName="Name30" presStyleCnt="0"/>
@@ -2603,6 +2770,13 @@
     <dgm:pt modelId="{3A7F2547-E059-4BB1-84E2-4987E28653EE}" type="pres">
       <dgm:prSet presAssocID="{D9A85B99-8102-49C3-991A-5D341E3BCE12}" presName="level2Shape" presStyleLbl="node3" presStyleIdx="6" presStyleCnt="11"/>
       <dgm:spPr/>
+      <dgm:t>
+        <a:bodyPr/>
+        <a:lstStyle/>
+        <a:p>
+          <a:endParaRPr lang="en-US"/>
+        </a:p>
+      </dgm:t>
     </dgm:pt>
     <dgm:pt modelId="{0D2E32CC-C6D5-42B8-AEA3-2C55FDDBA427}" type="pres">
       <dgm:prSet presAssocID="{D9A85B99-8102-49C3-991A-5D341E3BCE12}" presName="hierChild3" presStyleCnt="0"/>
@@ -2611,10 +2785,24 @@
     <dgm:pt modelId="{4C7A6E00-DBC1-4C27-8903-0DED48F1AC64}" type="pres">
       <dgm:prSet presAssocID="{3764B675-D898-40F2-A522-B35DFB3A9F2A}" presName="Name25" presStyleLbl="parChTrans1D2" presStyleIdx="1" presStyleCnt="2"/>
       <dgm:spPr/>
+      <dgm:t>
+        <a:bodyPr/>
+        <a:lstStyle/>
+        <a:p>
+          <a:endParaRPr lang="en-US"/>
+        </a:p>
+      </dgm:t>
     </dgm:pt>
     <dgm:pt modelId="{9B33A445-F270-44FF-9A1B-5BD50F7CCB89}" type="pres">
       <dgm:prSet presAssocID="{3764B675-D898-40F2-A522-B35DFB3A9F2A}" presName="connTx" presStyleLbl="parChTrans1D2" presStyleIdx="1" presStyleCnt="2"/>
       <dgm:spPr/>
+      <dgm:t>
+        <a:bodyPr/>
+        <a:lstStyle/>
+        <a:p>
+          <a:endParaRPr lang="en-US"/>
+        </a:p>
+      </dgm:t>
     </dgm:pt>
     <dgm:pt modelId="{C2BBA446-E889-4AA0-A652-E31E277912CF}" type="pres">
       <dgm:prSet presAssocID="{5726C45E-9385-4CA1-9A48-3C777A572620}" presName="Name30" presStyleCnt="0"/>
@@ -2623,6 +2811,13 @@
     <dgm:pt modelId="{5135BF8D-7815-418C-BDA4-EF4C191FE25D}" type="pres">
       <dgm:prSet presAssocID="{5726C45E-9385-4CA1-9A48-3C777A572620}" presName="level2Shape" presStyleLbl="node2" presStyleIdx="1" presStyleCnt="2"/>
       <dgm:spPr/>
+      <dgm:t>
+        <a:bodyPr/>
+        <a:lstStyle/>
+        <a:p>
+          <a:endParaRPr lang="en-US"/>
+        </a:p>
+      </dgm:t>
     </dgm:pt>
     <dgm:pt modelId="{E5EDA4A0-9663-418A-9810-98FC5C4D9624}" type="pres">
       <dgm:prSet presAssocID="{5726C45E-9385-4CA1-9A48-3C777A572620}" presName="hierChild3" presStyleCnt="0"/>
@@ -2631,10 +2826,24 @@
     <dgm:pt modelId="{0718777C-723F-456C-B6D5-F4455C058DE2}" type="pres">
       <dgm:prSet presAssocID="{0B471ED0-1611-4FE2-836B-DE2BFE212C6A}" presName="Name25" presStyleLbl="parChTrans1D3" presStyleIdx="7" presStyleCnt="11"/>
       <dgm:spPr/>
+      <dgm:t>
+        <a:bodyPr/>
+        <a:lstStyle/>
+        <a:p>
+          <a:endParaRPr lang="en-US"/>
+        </a:p>
+      </dgm:t>
     </dgm:pt>
     <dgm:pt modelId="{272061BE-3FE7-4642-A5B4-F991B2955B94}" type="pres">
       <dgm:prSet presAssocID="{0B471ED0-1611-4FE2-836B-DE2BFE212C6A}" presName="connTx" presStyleLbl="parChTrans1D3" presStyleIdx="7" presStyleCnt="11"/>
       <dgm:spPr/>
+      <dgm:t>
+        <a:bodyPr/>
+        <a:lstStyle/>
+        <a:p>
+          <a:endParaRPr lang="en-US"/>
+        </a:p>
+      </dgm:t>
     </dgm:pt>
     <dgm:pt modelId="{064D14E4-EF57-4732-97CE-E5D0EB76DDA3}" type="pres">
       <dgm:prSet presAssocID="{2B619595-3050-47E7-920A-12943E5FD324}" presName="Name30" presStyleCnt="0"/>
@@ -2658,10 +2867,24 @@
     <dgm:pt modelId="{7A5C5127-E9EE-4F8F-B9C6-82ABFA6A7716}" type="pres">
       <dgm:prSet presAssocID="{D863DAA6-BD98-4F79-B354-71878C56D64C}" presName="Name25" presStyleLbl="parChTrans1D3" presStyleIdx="8" presStyleCnt="11"/>
       <dgm:spPr/>
+      <dgm:t>
+        <a:bodyPr/>
+        <a:lstStyle/>
+        <a:p>
+          <a:endParaRPr lang="en-US"/>
+        </a:p>
+      </dgm:t>
     </dgm:pt>
     <dgm:pt modelId="{F7FF400C-559B-4CD1-9C58-1F5ABD66FF7B}" type="pres">
       <dgm:prSet presAssocID="{D863DAA6-BD98-4F79-B354-71878C56D64C}" presName="connTx" presStyleLbl="parChTrans1D3" presStyleIdx="8" presStyleCnt="11"/>
       <dgm:spPr/>
+      <dgm:t>
+        <a:bodyPr/>
+        <a:lstStyle/>
+        <a:p>
+          <a:endParaRPr lang="en-US"/>
+        </a:p>
+      </dgm:t>
     </dgm:pt>
     <dgm:pt modelId="{5701B1B9-9D24-45C7-9EE2-8EADF86DCD1F}" type="pres">
       <dgm:prSet presAssocID="{C0613E9D-59C0-4795-B7C6-00F84052D4F9}" presName="Name30" presStyleCnt="0"/>
@@ -2685,10 +2908,24 @@
     <dgm:pt modelId="{65C40B43-42FB-4759-80A6-09B195DBFB78}" type="pres">
       <dgm:prSet presAssocID="{CE0BB764-981B-4A18-99D3-37945CA6596D}" presName="Name25" presStyleLbl="parChTrans1D3" presStyleIdx="9" presStyleCnt="11"/>
       <dgm:spPr/>
+      <dgm:t>
+        <a:bodyPr/>
+        <a:lstStyle/>
+        <a:p>
+          <a:endParaRPr lang="en-US"/>
+        </a:p>
+      </dgm:t>
     </dgm:pt>
     <dgm:pt modelId="{7B3B6A29-D363-4D51-852E-58134FAC4153}" type="pres">
       <dgm:prSet presAssocID="{CE0BB764-981B-4A18-99D3-37945CA6596D}" presName="connTx" presStyleLbl="parChTrans1D3" presStyleIdx="9" presStyleCnt="11"/>
       <dgm:spPr/>
+      <dgm:t>
+        <a:bodyPr/>
+        <a:lstStyle/>
+        <a:p>
+          <a:endParaRPr lang="en-US"/>
+        </a:p>
+      </dgm:t>
     </dgm:pt>
     <dgm:pt modelId="{8CBC3FB2-DD17-4D99-B682-C4F856614CC2}" type="pres">
       <dgm:prSet presAssocID="{336FA611-C75B-4DD8-88A9-C08B1366E752}" presName="Name30" presStyleCnt="0"/>
@@ -2697,6 +2934,13 @@
     <dgm:pt modelId="{0512EAAC-D205-4D1A-9510-331AA66424DE}" type="pres">
       <dgm:prSet presAssocID="{336FA611-C75B-4DD8-88A9-C08B1366E752}" presName="level2Shape" presStyleLbl="node3" presStyleIdx="9" presStyleCnt="11"/>
       <dgm:spPr/>
+      <dgm:t>
+        <a:bodyPr/>
+        <a:lstStyle/>
+        <a:p>
+          <a:endParaRPr lang="en-US"/>
+        </a:p>
+      </dgm:t>
     </dgm:pt>
     <dgm:pt modelId="{293E4D28-6889-417B-AE69-878F4476E23D}" type="pres">
       <dgm:prSet presAssocID="{336FA611-C75B-4DD8-88A9-C08B1366E752}" presName="hierChild3" presStyleCnt="0"/>
@@ -2705,10 +2949,24 @@
     <dgm:pt modelId="{4B6AB80A-BDD2-41ED-97FF-2636BE19C9C3}" type="pres">
       <dgm:prSet presAssocID="{654F284C-7837-47BD-8897-24D5E258791F}" presName="Name25" presStyleLbl="parChTrans1D3" presStyleIdx="10" presStyleCnt="11"/>
       <dgm:spPr/>
+      <dgm:t>
+        <a:bodyPr/>
+        <a:lstStyle/>
+        <a:p>
+          <a:endParaRPr lang="en-US"/>
+        </a:p>
+      </dgm:t>
     </dgm:pt>
     <dgm:pt modelId="{771EF8A5-5997-4722-AAD3-7C2845EFC401}" type="pres">
       <dgm:prSet presAssocID="{654F284C-7837-47BD-8897-24D5E258791F}" presName="connTx" presStyleLbl="parChTrans1D3" presStyleIdx="10" presStyleCnt="11"/>
       <dgm:spPr/>
+      <dgm:t>
+        <a:bodyPr/>
+        <a:lstStyle/>
+        <a:p>
+          <a:endParaRPr lang="en-US"/>
+        </a:p>
+      </dgm:t>
     </dgm:pt>
     <dgm:pt modelId="{66658F12-E0A3-4E85-AB62-61265C57FF6E}" type="pres">
       <dgm:prSet presAssocID="{F59D93FA-D1E6-48D3-9A23-9E1AD08BB82E}" presName="Name30" presStyleCnt="0"/>
@@ -2717,6 +2975,13 @@
     <dgm:pt modelId="{891E55A6-97DF-49D4-A7E1-FE662B81F945}" type="pres">
       <dgm:prSet presAssocID="{F59D93FA-D1E6-48D3-9A23-9E1AD08BB82E}" presName="level2Shape" presStyleLbl="node3" presStyleIdx="10" presStyleCnt="11"/>
       <dgm:spPr/>
+      <dgm:t>
+        <a:bodyPr/>
+        <a:lstStyle/>
+        <a:p>
+          <a:endParaRPr lang="en-US"/>
+        </a:p>
+      </dgm:t>
     </dgm:pt>
     <dgm:pt modelId="{B5A4FCC0-0803-49E9-B8F0-0184A9240771}" type="pres">
       <dgm:prSet presAssocID="{F59D93FA-D1E6-48D3-9A23-9E1AD08BB82E}" presName="hierChild3" presStyleCnt="0"/>
@@ -2771,6 +3036,13 @@
     <dgm:pt modelId="{E6581A09-EC6F-4B68-B370-F7828F67A6DD}" type="pres">
       <dgm:prSet presAssocID="{4BCA31EC-76D1-40E6-8EB2-C918AA14611B}" presName="bgRect" presStyleLbl="bgShp" presStyleIdx="1" presStyleCnt="3"/>
       <dgm:spPr/>
+      <dgm:t>
+        <a:bodyPr/>
+        <a:lstStyle/>
+        <a:p>
+          <a:endParaRPr lang="en-US"/>
+        </a:p>
+      </dgm:t>
     </dgm:pt>
     <dgm:pt modelId="{F11B40D4-AB52-4A3B-AE58-2137623847CF}" type="pres">
       <dgm:prSet presAssocID="{4BCA31EC-76D1-40E6-8EB2-C918AA14611B}" presName="bgRectTx" presStyleLbl="bgShp" presStyleIdx="1" presStyleCnt="3">
@@ -2779,6 +3051,13 @@
         </dgm:presLayoutVars>
       </dgm:prSet>
       <dgm:spPr/>
+      <dgm:t>
+        <a:bodyPr/>
+        <a:lstStyle/>
+        <a:p>
+          <a:endParaRPr lang="en-US"/>
+        </a:p>
+      </dgm:t>
     </dgm:pt>
     <dgm:pt modelId="{E82107C8-E255-47F3-888C-437665692E1A}" type="pres">
       <dgm:prSet presAssocID="{4BCA31EC-76D1-40E6-8EB2-C918AA14611B}" presName="spComp" presStyleCnt="0"/>
@@ -2832,8 +3111,8 @@
     <dgm:cxn modelId="{80A7EED8-52DB-49FA-8159-DB815FCC7F48}" type="presOf" srcId="{4BCA31EC-76D1-40E6-8EB2-C918AA14611B}" destId="{F11B40D4-AB52-4A3B-AE58-2137623847CF}" srcOrd="1" destOrd="0" presId="urn:microsoft.com/office/officeart/2005/8/layout/hierarchy5"/>
     <dgm:cxn modelId="{824B6371-BFAB-4601-93ED-747985DCD333}" srcId="{520A3E92-361E-4168-9103-DBF584715391}" destId="{AF38E363-0CB7-4BE4-A0D4-4F526B35BE46}" srcOrd="0" destOrd="0" parTransId="{68481C16-FF29-4D8D-8485-C0E6CF3A3186}" sibTransId="{78DEE7BC-6429-443B-848C-359809D75DFA}"/>
     <dgm:cxn modelId="{E565DFF5-AC48-4C59-8E38-B4B549F0D36E}" type="presOf" srcId="{5A8A8F0F-366E-481C-B42F-79F439B0C0DC}" destId="{BC8FACE2-3213-4149-9FED-267F62F8A55F}" srcOrd="1" destOrd="0" presId="urn:microsoft.com/office/officeart/2005/8/layout/hierarchy5"/>
+    <dgm:cxn modelId="{F2807A31-302D-4604-A9DE-D22D9C82B57B}" type="presOf" srcId="{CE0BB764-981B-4A18-99D3-37945CA6596D}" destId="{7B3B6A29-D363-4D51-852E-58134FAC4153}" srcOrd="1" destOrd="0" presId="urn:microsoft.com/office/officeart/2005/8/layout/hierarchy5"/>
     <dgm:cxn modelId="{98E30BCB-837E-46B3-B9F0-1D2CCF7EFBBE}" type="presOf" srcId="{82554431-1A60-4282-91DD-D54159EF7B9E}" destId="{7F0926FB-8436-4235-B8E6-0F3F809AEC45}" srcOrd="0" destOrd="0" presId="urn:microsoft.com/office/officeart/2005/8/layout/hierarchy5"/>
-    <dgm:cxn modelId="{F2807A31-302D-4604-A9DE-D22D9C82B57B}" type="presOf" srcId="{CE0BB764-981B-4A18-99D3-37945CA6596D}" destId="{7B3B6A29-D363-4D51-852E-58134FAC4153}" srcOrd="1" destOrd="0" presId="urn:microsoft.com/office/officeart/2005/8/layout/hierarchy5"/>
     <dgm:cxn modelId="{A4999428-83FF-471C-995F-6CEB4AEA0E25}" type="presOf" srcId="{5726C45E-9385-4CA1-9A48-3C777A572620}" destId="{5135BF8D-7815-418C-BDA4-EF4C191FE25D}" srcOrd="0" destOrd="0" presId="urn:microsoft.com/office/officeart/2005/8/layout/hierarchy5"/>
     <dgm:cxn modelId="{DB9BF913-5486-4ADA-B849-069974977B11}" srcId="{13D20F1D-A3B3-4AB1-879A-E780F399BD32}" destId="{16A267BD-38C7-4F63-BDE8-3C3CBD7C0A75}" srcOrd="1" destOrd="0" parTransId="{159A5C80-1197-43C9-B5A7-F936F0939377}" sibTransId="{2805C534-BD11-4AC1-9CC6-2B15A924A227}"/>
     <dgm:cxn modelId="{2E405EB1-32A1-42C5-B69D-2381BC6D1C36}" type="presOf" srcId="{2B619595-3050-47E7-920A-12943E5FD324}" destId="{BCF94263-3D1D-4C52-A7EA-7C879D2CE2E8}" srcOrd="0" destOrd="0" presId="urn:microsoft.com/office/officeart/2005/8/layout/hierarchy5"/>
@@ -3385,6 +3664,13 @@
         </dgm:presLayoutVars>
       </dgm:prSet>
       <dgm:spPr/>
+      <dgm:t>
+        <a:bodyPr/>
+        <a:lstStyle/>
+        <a:p>
+          <a:endParaRPr lang="en-US"/>
+        </a:p>
+      </dgm:t>
     </dgm:pt>
     <dgm:pt modelId="{EA6442ED-2B41-49B9-890D-A9D8A67FC20A}" type="pres">
       <dgm:prSet presAssocID="{EDF1CDBC-15BF-4817-850B-AA7E1BB98CCF}" presName="node" presStyleLbl="node1" presStyleIdx="0" presStyleCnt="10">
@@ -3393,14 +3679,35 @@
         </dgm:presLayoutVars>
       </dgm:prSet>
       <dgm:spPr/>
+      <dgm:t>
+        <a:bodyPr/>
+        <a:lstStyle/>
+        <a:p>
+          <a:endParaRPr lang="en-US"/>
+        </a:p>
+      </dgm:t>
     </dgm:pt>
     <dgm:pt modelId="{B406CD5D-06F6-4BE8-B18E-E561E688359C}" type="pres">
       <dgm:prSet presAssocID="{BECE5393-4F92-455E-B63C-E4DBCC3426AA}" presName="sibTrans" presStyleLbl="sibTrans2D1" presStyleIdx="0" presStyleCnt="10"/>
       <dgm:spPr/>
+      <dgm:t>
+        <a:bodyPr/>
+        <a:lstStyle/>
+        <a:p>
+          <a:endParaRPr lang="en-US"/>
+        </a:p>
+      </dgm:t>
     </dgm:pt>
     <dgm:pt modelId="{F468B5D8-C021-4769-A38B-2557248066F3}" type="pres">
       <dgm:prSet presAssocID="{BECE5393-4F92-455E-B63C-E4DBCC3426AA}" presName="connectorText" presStyleLbl="sibTrans2D1" presStyleIdx="0" presStyleCnt="10"/>
       <dgm:spPr/>
+      <dgm:t>
+        <a:bodyPr/>
+        <a:lstStyle/>
+        <a:p>
+          <a:endParaRPr lang="en-US"/>
+        </a:p>
+      </dgm:t>
     </dgm:pt>
     <dgm:pt modelId="{3E141647-2010-4D20-9714-FA542AE6F0A9}" type="pres">
       <dgm:prSet presAssocID="{185473CD-6095-400B-9C9E-3229E366D601}" presName="node" presStyleLbl="node1" presStyleIdx="1" presStyleCnt="10">
@@ -3409,14 +3716,35 @@
         </dgm:presLayoutVars>
       </dgm:prSet>
       <dgm:spPr/>
+      <dgm:t>
+        <a:bodyPr/>
+        <a:lstStyle/>
+        <a:p>
+          <a:endParaRPr lang="en-US"/>
+        </a:p>
+      </dgm:t>
     </dgm:pt>
     <dgm:pt modelId="{A0DA267C-3632-4168-9EC0-C99036C37346}" type="pres">
       <dgm:prSet presAssocID="{5DD68B8A-63F0-4D16-A791-08BFF3428A43}" presName="sibTrans" presStyleLbl="sibTrans2D1" presStyleIdx="1" presStyleCnt="10"/>
       <dgm:spPr/>
+      <dgm:t>
+        <a:bodyPr/>
+        <a:lstStyle/>
+        <a:p>
+          <a:endParaRPr lang="en-US"/>
+        </a:p>
+      </dgm:t>
     </dgm:pt>
     <dgm:pt modelId="{322E5F0C-3AA2-432A-BEC4-D937B7A3BA86}" type="pres">
       <dgm:prSet presAssocID="{5DD68B8A-63F0-4D16-A791-08BFF3428A43}" presName="connectorText" presStyleLbl="sibTrans2D1" presStyleIdx="1" presStyleCnt="10"/>
       <dgm:spPr/>
+      <dgm:t>
+        <a:bodyPr/>
+        <a:lstStyle/>
+        <a:p>
+          <a:endParaRPr lang="en-US"/>
+        </a:p>
+      </dgm:t>
     </dgm:pt>
     <dgm:pt modelId="{C548675C-E5FC-405A-B8E7-3ED5A91C7302}" type="pres">
       <dgm:prSet presAssocID="{788E3FD2-4661-4B98-A6F9-19DA91424EB7}" presName="node" presStyleLbl="node1" presStyleIdx="2" presStyleCnt="10">
@@ -3425,14 +3753,35 @@
         </dgm:presLayoutVars>
       </dgm:prSet>
       <dgm:spPr/>
+      <dgm:t>
+        <a:bodyPr/>
+        <a:lstStyle/>
+        <a:p>
+          <a:endParaRPr lang="en-US"/>
+        </a:p>
+      </dgm:t>
     </dgm:pt>
     <dgm:pt modelId="{DB458B84-0562-4BB4-BB6B-9BE45010FD23}" type="pres">
       <dgm:prSet presAssocID="{011420A0-6231-497E-9F27-AB44802708E8}" presName="sibTrans" presStyleLbl="sibTrans2D1" presStyleIdx="2" presStyleCnt="10"/>
       <dgm:spPr/>
+      <dgm:t>
+        <a:bodyPr/>
+        <a:lstStyle/>
+        <a:p>
+          <a:endParaRPr lang="en-US"/>
+        </a:p>
+      </dgm:t>
     </dgm:pt>
     <dgm:pt modelId="{98EA63FE-5081-4AAA-819D-458B1D3A8F53}" type="pres">
       <dgm:prSet presAssocID="{011420A0-6231-497E-9F27-AB44802708E8}" presName="connectorText" presStyleLbl="sibTrans2D1" presStyleIdx="2" presStyleCnt="10"/>
       <dgm:spPr/>
+      <dgm:t>
+        <a:bodyPr/>
+        <a:lstStyle/>
+        <a:p>
+          <a:endParaRPr lang="en-US"/>
+        </a:p>
+      </dgm:t>
     </dgm:pt>
     <dgm:pt modelId="{9B7E30C7-25FE-4DD4-93BA-4AD708DD1ACF}" type="pres">
       <dgm:prSet presAssocID="{39D8FFB8-2481-45C9-9C6F-EFE195ABC413}" presName="node" presStyleLbl="node1" presStyleIdx="3" presStyleCnt="10">
@@ -3441,14 +3790,35 @@
         </dgm:presLayoutVars>
       </dgm:prSet>
       <dgm:spPr/>
+      <dgm:t>
+        <a:bodyPr/>
+        <a:lstStyle/>
+        <a:p>
+          <a:endParaRPr lang="en-US"/>
+        </a:p>
+      </dgm:t>
     </dgm:pt>
     <dgm:pt modelId="{B845C5DD-0C3C-43A3-9C91-0886C731206A}" type="pres">
       <dgm:prSet presAssocID="{ADE76DA6-DB45-45D4-BDA2-411ED604D38B}" presName="sibTrans" presStyleLbl="sibTrans2D1" presStyleIdx="3" presStyleCnt="10"/>
       <dgm:spPr/>
+      <dgm:t>
+        <a:bodyPr/>
+        <a:lstStyle/>
+        <a:p>
+          <a:endParaRPr lang="en-US"/>
+        </a:p>
+      </dgm:t>
     </dgm:pt>
     <dgm:pt modelId="{66710589-44FD-48A3-8181-CE10BB943FB9}" type="pres">
       <dgm:prSet presAssocID="{ADE76DA6-DB45-45D4-BDA2-411ED604D38B}" presName="connectorText" presStyleLbl="sibTrans2D1" presStyleIdx="3" presStyleCnt="10"/>
       <dgm:spPr/>
+      <dgm:t>
+        <a:bodyPr/>
+        <a:lstStyle/>
+        <a:p>
+          <a:endParaRPr lang="en-US"/>
+        </a:p>
+      </dgm:t>
     </dgm:pt>
     <dgm:pt modelId="{918C2857-A606-4623-A339-A20AC7C5D325}" type="pres">
       <dgm:prSet presAssocID="{D81D5858-BCD0-4128-AAB2-9448E5F38E8A}" presName="node" presStyleLbl="node1" presStyleIdx="4" presStyleCnt="10">
@@ -3457,14 +3827,35 @@
         </dgm:presLayoutVars>
       </dgm:prSet>
       <dgm:spPr/>
+      <dgm:t>
+        <a:bodyPr/>
+        <a:lstStyle/>
+        <a:p>
+          <a:endParaRPr lang="en-US"/>
+        </a:p>
+      </dgm:t>
     </dgm:pt>
     <dgm:pt modelId="{C754094F-20B7-47D3-BA84-8F1A1CD71A60}" type="pres">
       <dgm:prSet presAssocID="{3459BFD3-35DD-4997-83DA-81AC5E048369}" presName="sibTrans" presStyleLbl="sibTrans2D1" presStyleIdx="4" presStyleCnt="10"/>
       <dgm:spPr/>
+      <dgm:t>
+        <a:bodyPr/>
+        <a:lstStyle/>
+        <a:p>
+          <a:endParaRPr lang="en-US"/>
+        </a:p>
+      </dgm:t>
     </dgm:pt>
     <dgm:pt modelId="{9200B1E8-892E-41B3-A245-FD900FFB73CE}" type="pres">
       <dgm:prSet presAssocID="{3459BFD3-35DD-4997-83DA-81AC5E048369}" presName="connectorText" presStyleLbl="sibTrans2D1" presStyleIdx="4" presStyleCnt="10"/>
       <dgm:spPr/>
+      <dgm:t>
+        <a:bodyPr/>
+        <a:lstStyle/>
+        <a:p>
+          <a:endParaRPr lang="en-US"/>
+        </a:p>
+      </dgm:t>
     </dgm:pt>
     <dgm:pt modelId="{73A68BF1-A068-4BCF-A7B4-EC111DF5139B}" type="pres">
       <dgm:prSet presAssocID="{C03AB3A9-7E9B-465A-BD78-903ED53F738E}" presName="node" presStyleLbl="node1" presStyleIdx="5" presStyleCnt="10">
@@ -3473,14 +3864,35 @@
         </dgm:presLayoutVars>
       </dgm:prSet>
       <dgm:spPr/>
+      <dgm:t>
+        <a:bodyPr/>
+        <a:lstStyle/>
+        <a:p>
+          <a:endParaRPr lang="en-US"/>
+        </a:p>
+      </dgm:t>
     </dgm:pt>
     <dgm:pt modelId="{0F833C0E-B3BE-455E-9EE4-15892A35E420}" type="pres">
       <dgm:prSet presAssocID="{1151C568-6523-4CDC-980A-32435158B5C9}" presName="sibTrans" presStyleLbl="sibTrans2D1" presStyleIdx="5" presStyleCnt="10"/>
       <dgm:spPr/>
+      <dgm:t>
+        <a:bodyPr/>
+        <a:lstStyle/>
+        <a:p>
+          <a:endParaRPr lang="en-US"/>
+        </a:p>
+      </dgm:t>
     </dgm:pt>
     <dgm:pt modelId="{F721FCC9-C1A9-4CA5-9AFE-D840F8A77DA1}" type="pres">
       <dgm:prSet presAssocID="{1151C568-6523-4CDC-980A-32435158B5C9}" presName="connectorText" presStyleLbl="sibTrans2D1" presStyleIdx="5" presStyleCnt="10"/>
       <dgm:spPr/>
+      <dgm:t>
+        <a:bodyPr/>
+        <a:lstStyle/>
+        <a:p>
+          <a:endParaRPr lang="en-US"/>
+        </a:p>
+      </dgm:t>
     </dgm:pt>
     <dgm:pt modelId="{91E77693-1FD2-480B-B17F-D570682655FA}" type="pres">
       <dgm:prSet presAssocID="{E912565D-2755-48BE-99F2-8FA86B4DE297}" presName="node" presStyleLbl="node1" presStyleIdx="6" presStyleCnt="10">
@@ -3489,14 +3901,35 @@
         </dgm:presLayoutVars>
       </dgm:prSet>
       <dgm:spPr/>
+      <dgm:t>
+        <a:bodyPr/>
+        <a:lstStyle/>
+        <a:p>
+          <a:endParaRPr lang="en-US"/>
+        </a:p>
+      </dgm:t>
     </dgm:pt>
     <dgm:pt modelId="{FDC6BDB4-B271-4662-B97A-F8E434AB04B7}" type="pres">
       <dgm:prSet presAssocID="{6B996E24-9AF3-45E2-B715-0E2C24D24513}" presName="sibTrans" presStyleLbl="sibTrans2D1" presStyleIdx="6" presStyleCnt="10"/>
       <dgm:spPr/>
+      <dgm:t>
+        <a:bodyPr/>
+        <a:lstStyle/>
+        <a:p>
+          <a:endParaRPr lang="en-US"/>
+        </a:p>
+      </dgm:t>
     </dgm:pt>
     <dgm:pt modelId="{306D458C-1420-4272-91BB-70269C1CB1D7}" type="pres">
       <dgm:prSet presAssocID="{6B996E24-9AF3-45E2-B715-0E2C24D24513}" presName="connectorText" presStyleLbl="sibTrans2D1" presStyleIdx="6" presStyleCnt="10"/>
       <dgm:spPr/>
+      <dgm:t>
+        <a:bodyPr/>
+        <a:lstStyle/>
+        <a:p>
+          <a:endParaRPr lang="en-US"/>
+        </a:p>
+      </dgm:t>
     </dgm:pt>
     <dgm:pt modelId="{2F53B8EF-F6D2-40ED-A571-4ECCC77EEE75}" type="pres">
       <dgm:prSet presAssocID="{D7DB2158-E3EB-4FF4-AD34-B85EE92438F0}" presName="node" presStyleLbl="node1" presStyleIdx="7" presStyleCnt="10">
@@ -3516,10 +3949,24 @@
     <dgm:pt modelId="{E1B01185-DE8B-42EF-A934-65359B295E21}" type="pres">
       <dgm:prSet presAssocID="{81C95D20-9CCE-4B6B-A80F-B61FD43106B4}" presName="sibTrans" presStyleLbl="sibTrans2D1" presStyleIdx="7" presStyleCnt="10"/>
       <dgm:spPr/>
+      <dgm:t>
+        <a:bodyPr/>
+        <a:lstStyle/>
+        <a:p>
+          <a:endParaRPr lang="en-US"/>
+        </a:p>
+      </dgm:t>
     </dgm:pt>
     <dgm:pt modelId="{DB0AA36F-7009-49D4-A531-EC90FFF27B41}" type="pres">
       <dgm:prSet presAssocID="{81C95D20-9CCE-4B6B-A80F-B61FD43106B4}" presName="connectorText" presStyleLbl="sibTrans2D1" presStyleIdx="7" presStyleCnt="10"/>
       <dgm:spPr/>
+      <dgm:t>
+        <a:bodyPr/>
+        <a:lstStyle/>
+        <a:p>
+          <a:endParaRPr lang="en-US"/>
+        </a:p>
+      </dgm:t>
     </dgm:pt>
     <dgm:pt modelId="{9D3C3359-81D3-4D1C-9D47-CD7BAAEC5826}" type="pres">
       <dgm:prSet presAssocID="{F728B01F-1F36-4A4F-A984-C2D5D2603FAF}" presName="node" presStyleLbl="node1" presStyleIdx="8" presStyleCnt="10">
@@ -3528,14 +3975,35 @@
         </dgm:presLayoutVars>
       </dgm:prSet>
       <dgm:spPr/>
+      <dgm:t>
+        <a:bodyPr/>
+        <a:lstStyle/>
+        <a:p>
+          <a:endParaRPr lang="en-US"/>
+        </a:p>
+      </dgm:t>
     </dgm:pt>
     <dgm:pt modelId="{6DC52680-3DC6-40EA-A0A3-65B7B0B55B1D}" type="pres">
       <dgm:prSet presAssocID="{811ED99C-12B0-44DF-8707-709706016674}" presName="sibTrans" presStyleLbl="sibTrans2D1" presStyleIdx="8" presStyleCnt="10"/>
       <dgm:spPr/>
+      <dgm:t>
+        <a:bodyPr/>
+        <a:lstStyle/>
+        <a:p>
+          <a:endParaRPr lang="en-US"/>
+        </a:p>
+      </dgm:t>
     </dgm:pt>
     <dgm:pt modelId="{270ECAB7-A3CA-4D8F-97F0-E4F6A48B55A4}" type="pres">
       <dgm:prSet presAssocID="{811ED99C-12B0-44DF-8707-709706016674}" presName="connectorText" presStyleLbl="sibTrans2D1" presStyleIdx="8" presStyleCnt="10"/>
       <dgm:spPr/>
+      <dgm:t>
+        <a:bodyPr/>
+        <a:lstStyle/>
+        <a:p>
+          <a:endParaRPr lang="en-US"/>
+        </a:p>
+      </dgm:t>
     </dgm:pt>
     <dgm:pt modelId="{ECFA85BC-C7E3-4691-A49C-D3FE00B75128}" type="pres">
       <dgm:prSet presAssocID="{0907291D-412E-4944-A311-A83A36F8A00C}" presName="node" presStyleLbl="node1" presStyleIdx="9" presStyleCnt="10">
@@ -3555,10 +4023,24 @@
     <dgm:pt modelId="{1C1CFAC4-52AF-4879-94C0-D824E7240385}" type="pres">
       <dgm:prSet presAssocID="{4114DA59-9151-44DE-9007-97764AA2507B}" presName="sibTrans" presStyleLbl="sibTrans2D1" presStyleIdx="9" presStyleCnt="10"/>
       <dgm:spPr/>
+      <dgm:t>
+        <a:bodyPr/>
+        <a:lstStyle/>
+        <a:p>
+          <a:endParaRPr lang="en-US"/>
+        </a:p>
+      </dgm:t>
     </dgm:pt>
     <dgm:pt modelId="{F0AF2B20-9FD9-4B78-9F30-A8F6A447BD8E}" type="pres">
       <dgm:prSet presAssocID="{4114DA59-9151-44DE-9007-97764AA2507B}" presName="connectorText" presStyleLbl="sibTrans2D1" presStyleIdx="9" presStyleCnt="10"/>
       <dgm:spPr/>
+      <dgm:t>
+        <a:bodyPr/>
+        <a:lstStyle/>
+        <a:p>
+          <a:endParaRPr lang="en-US"/>
+        </a:p>
+      </dgm:t>
     </dgm:pt>
   </dgm:ptLst>
   <dgm:cxnLst>
@@ -3577,8 +4059,8 @@
     <dgm:cxn modelId="{0261325C-1126-4D27-9D5C-C50D102CEFFB}" type="presOf" srcId="{011420A0-6231-497E-9F27-AB44802708E8}" destId="{DB458B84-0562-4BB4-BB6B-9BE45010FD23}" srcOrd="0" destOrd="0" presId="urn:microsoft.com/office/officeart/2005/8/layout/cycle2"/>
     <dgm:cxn modelId="{5B95FD21-6019-42C7-9285-0723F97B51C2}" srcId="{997E28B0-65CB-4DC1-B921-76CB0CF57EFC}" destId="{D7DB2158-E3EB-4FF4-AD34-B85EE92438F0}" srcOrd="7" destOrd="0" parTransId="{252CBABE-1093-4C51-B519-03310884418A}" sibTransId="{81C95D20-9CCE-4B6B-A80F-B61FD43106B4}"/>
     <dgm:cxn modelId="{06D93AC0-420F-4390-B62B-C78022B5E67D}" srcId="{997E28B0-65CB-4DC1-B921-76CB0CF57EFC}" destId="{EDF1CDBC-15BF-4817-850B-AA7E1BB98CCF}" srcOrd="0" destOrd="0" parTransId="{0FC3C112-2827-416E-92CF-E668FFB49563}" sibTransId="{BECE5393-4F92-455E-B63C-E4DBCC3426AA}"/>
+    <dgm:cxn modelId="{4EAC770E-BB4B-4C8E-A12C-517FDD2C2E2E}" type="presOf" srcId="{811ED99C-12B0-44DF-8707-709706016674}" destId="{270ECAB7-A3CA-4D8F-97F0-E4F6A48B55A4}" srcOrd="1" destOrd="0" presId="urn:microsoft.com/office/officeart/2005/8/layout/cycle2"/>
     <dgm:cxn modelId="{0DAA1087-5117-4912-948B-2F8AB412DC58}" type="presOf" srcId="{011420A0-6231-497E-9F27-AB44802708E8}" destId="{98EA63FE-5081-4AAA-819D-458B1D3A8F53}" srcOrd="1" destOrd="0" presId="urn:microsoft.com/office/officeart/2005/8/layout/cycle2"/>
-    <dgm:cxn modelId="{4EAC770E-BB4B-4C8E-A12C-517FDD2C2E2E}" type="presOf" srcId="{811ED99C-12B0-44DF-8707-709706016674}" destId="{270ECAB7-A3CA-4D8F-97F0-E4F6A48B55A4}" srcOrd="1" destOrd="0" presId="urn:microsoft.com/office/officeart/2005/8/layout/cycle2"/>
     <dgm:cxn modelId="{EB83BC99-BEBD-4AA8-AAF1-161509017FF1}" type="presOf" srcId="{ADE76DA6-DB45-45D4-BDA2-411ED604D38B}" destId="{B845C5DD-0C3C-43A3-9C91-0886C731206A}" srcOrd="0" destOrd="0" presId="urn:microsoft.com/office/officeart/2005/8/layout/cycle2"/>
     <dgm:cxn modelId="{7C8E8739-DBCB-4DAB-8362-4F0439CCD805}" type="presOf" srcId="{5DD68B8A-63F0-4D16-A791-08BFF3428A43}" destId="{A0DA267C-3632-4168-9EC0-C99036C37346}" srcOrd="0" destOrd="0" presId="urn:microsoft.com/office/officeart/2005/8/layout/cycle2"/>
     <dgm:cxn modelId="{83BBE135-7D37-4F3F-8A1A-53EB84751C45}" srcId="{997E28B0-65CB-4DC1-B921-76CB0CF57EFC}" destId="{185473CD-6095-400B-9C9E-3229E366D601}" srcOrd="1" destOrd="0" parTransId="{E66A72CA-4F7B-4A1D-A718-423CE84DFDA1}" sibTransId="{5DD68B8A-63F0-4D16-A791-08BFF3428A43}"/>
@@ -3652,2528 +4134,6 @@
       <dsp:cNvGrpSpPr/>
     </dsp:nvGrpSpPr>
     <dsp:grpSpPr/>
-    <dsp:sp modelId="{522A27CE-1DF7-482D-87C0-2B1E435AB1D2}">
-      <dsp:nvSpPr>
-        <dsp:cNvPr id="0" name=""/>
-        <dsp:cNvSpPr/>
-      </dsp:nvSpPr>
-      <dsp:spPr>
-        <a:xfrm>
-          <a:off x="3493169" y="0"/>
-          <a:ext cx="735607" cy="5805486"/>
-        </a:xfrm>
-        <a:prstGeom prst="roundRect">
-          <a:avLst>
-            <a:gd name="adj" fmla="val 10000"/>
-          </a:avLst>
-        </a:prstGeom>
-        <a:solidFill>
-          <a:schemeClr val="accent1">
-            <a:tint val="40000"/>
-            <a:hueOff val="0"/>
-            <a:satOff val="0"/>
-            <a:lumOff val="0"/>
-            <a:alphaOff val="0"/>
-          </a:schemeClr>
-        </a:solidFill>
-        <a:ln>
-          <a:noFill/>
-        </a:ln>
-        <a:effectLst/>
-      </dsp:spPr>
-      <dsp:style>
-        <a:lnRef idx="0">
-          <a:scrgbClr r="0" g="0" b="0"/>
-        </a:lnRef>
-        <a:fillRef idx="1">
-          <a:scrgbClr r="0" g="0" b="0"/>
-        </a:fillRef>
-        <a:effectRef idx="0">
-          <a:scrgbClr r="0" g="0" b="0"/>
-        </a:effectRef>
-        <a:fontRef idx="minor"/>
-      </dsp:style>
-      <dsp:txBody>
-        <a:bodyPr spcFirstLastPara="0" vert="horz" wrap="square" lIns="92456" tIns="92456" rIns="92456" bIns="92456" numCol="1" spcCol="1270" anchor="ctr" anchorCtr="0">
-          <a:noAutofit/>
-        </a:bodyPr>
-        <a:lstStyle/>
-        <a:p>
-          <a:pPr lvl="0" algn="ctr" defTabSz="577850">
-            <a:lnSpc>
-              <a:spcPct val="90000"/>
-            </a:lnSpc>
-            <a:spcBef>
-              <a:spcPct val="0"/>
-            </a:spcBef>
-            <a:spcAft>
-              <a:spcPct val="35000"/>
-            </a:spcAft>
-          </a:pPr>
-          <a:r>
-            <a:rPr lang="en-US" sz="1300" kern="1200" dirty="0" smtClean="0"/>
-            <a:t>content</a:t>
-          </a:r>
-          <a:endParaRPr lang="en-US" sz="1300" kern="1200" dirty="0"/>
-        </a:p>
-      </dsp:txBody>
-      <dsp:txXfrm>
-        <a:off x="3493169" y="0"/>
-        <a:ext cx="735607" cy="1741646"/>
-      </dsp:txXfrm>
-    </dsp:sp>
-    <dsp:sp modelId="{E6581A09-EC6F-4B68-B370-F7828F67A6DD}">
-      <dsp:nvSpPr>
-        <dsp:cNvPr id="0" name=""/>
-        <dsp:cNvSpPr/>
-      </dsp:nvSpPr>
-      <dsp:spPr>
-        <a:xfrm>
-          <a:off x="2634961" y="0"/>
-          <a:ext cx="735607" cy="5805486"/>
-        </a:xfrm>
-        <a:prstGeom prst="roundRect">
-          <a:avLst>
-            <a:gd name="adj" fmla="val 10000"/>
-          </a:avLst>
-        </a:prstGeom>
-        <a:solidFill>
-          <a:schemeClr val="accent1">
-            <a:tint val="40000"/>
-            <a:hueOff val="0"/>
-            <a:satOff val="0"/>
-            <a:lumOff val="0"/>
-            <a:alphaOff val="0"/>
-          </a:schemeClr>
-        </a:solidFill>
-        <a:ln>
-          <a:noFill/>
-        </a:ln>
-        <a:effectLst/>
-      </dsp:spPr>
-      <dsp:style>
-        <a:lnRef idx="0">
-          <a:scrgbClr r="0" g="0" b="0"/>
-        </a:lnRef>
-        <a:fillRef idx="1">
-          <a:scrgbClr r="0" g="0" b="0"/>
-        </a:fillRef>
-        <a:effectRef idx="0">
-          <a:scrgbClr r="0" g="0" b="0"/>
-        </a:effectRef>
-        <a:fontRef idx="minor"/>
-      </dsp:style>
-      <dsp:txBody>
-        <a:bodyPr spcFirstLastPara="0" vert="horz" wrap="square" lIns="92456" tIns="92456" rIns="92456" bIns="92456" numCol="1" spcCol="1270" anchor="ctr" anchorCtr="0">
-          <a:noAutofit/>
-        </a:bodyPr>
-        <a:lstStyle/>
-        <a:p>
-          <a:pPr lvl="0" algn="ctr" defTabSz="577850">
-            <a:lnSpc>
-              <a:spcPct val="90000"/>
-            </a:lnSpc>
-            <a:spcBef>
-              <a:spcPct val="0"/>
-            </a:spcBef>
-            <a:spcAft>
-              <a:spcPct val="35000"/>
-            </a:spcAft>
-          </a:pPr>
-          <a:r>
-            <a:rPr lang="en-US" sz="1300" kern="1200" dirty="0" smtClean="0"/>
-            <a:t>main</a:t>
-          </a:r>
-          <a:endParaRPr lang="en-US" sz="1300" kern="1200" dirty="0"/>
-        </a:p>
-      </dsp:txBody>
-      <dsp:txXfrm>
-        <a:off x="2634961" y="0"/>
-        <a:ext cx="735607" cy="1741646"/>
-      </dsp:txXfrm>
-    </dsp:sp>
-    <dsp:sp modelId="{5DDCC3A9-DD48-4A98-AB86-DBD97F4B052C}">
-      <dsp:nvSpPr>
-        <dsp:cNvPr id="0" name=""/>
-        <dsp:cNvSpPr/>
-      </dsp:nvSpPr>
-      <dsp:spPr>
-        <a:xfrm>
-          <a:off x="1776752" y="0"/>
-          <a:ext cx="735607" cy="5805486"/>
-        </a:xfrm>
-        <a:prstGeom prst="roundRect">
-          <a:avLst>
-            <a:gd name="adj" fmla="val 10000"/>
-          </a:avLst>
-        </a:prstGeom>
-        <a:solidFill>
-          <a:schemeClr val="accent1">
-            <a:tint val="40000"/>
-            <a:hueOff val="0"/>
-            <a:satOff val="0"/>
-            <a:lumOff val="0"/>
-            <a:alphaOff val="0"/>
-          </a:schemeClr>
-        </a:solidFill>
-        <a:ln>
-          <a:noFill/>
-        </a:ln>
-        <a:effectLst/>
-      </dsp:spPr>
-      <dsp:style>
-        <a:lnRef idx="0">
-          <a:scrgbClr r="0" g="0" b="0"/>
-        </a:lnRef>
-        <a:fillRef idx="1">
-          <a:scrgbClr r="0" g="0" b="0"/>
-        </a:fillRef>
-        <a:effectRef idx="0">
-          <a:scrgbClr r="0" g="0" b="0"/>
-        </a:effectRef>
-        <a:fontRef idx="minor"/>
-      </dsp:style>
-      <dsp:txBody>
-        <a:bodyPr spcFirstLastPara="0" vert="horz" wrap="square" lIns="92456" tIns="92456" rIns="92456" bIns="92456" numCol="1" spcCol="1270" anchor="ctr" anchorCtr="0">
-          <a:noAutofit/>
-        </a:bodyPr>
-        <a:lstStyle/>
-        <a:p>
-          <a:pPr lvl="0" algn="ctr" defTabSz="577850">
-            <a:lnSpc>
-              <a:spcPct val="90000"/>
-            </a:lnSpc>
-            <a:spcBef>
-              <a:spcPct val="0"/>
-            </a:spcBef>
-            <a:spcAft>
-              <a:spcPct val="35000"/>
-            </a:spcAft>
-          </a:pPr>
-          <a:r>
-            <a:rPr lang="en-US" sz="1300" kern="1200" dirty="0" smtClean="0"/>
-            <a:t>Root</a:t>
-          </a:r>
-          <a:endParaRPr lang="en-US" sz="1300" kern="1200" dirty="0"/>
-        </a:p>
-      </dsp:txBody>
-      <dsp:txXfrm>
-        <a:off x="1776752" y="0"/>
-        <a:ext cx="735607" cy="1741646"/>
-      </dsp:txXfrm>
-    </dsp:sp>
-    <dsp:sp modelId="{28D93CD3-FB3B-4408-8D58-766EE24C5F16}">
-      <dsp:nvSpPr>
-        <dsp:cNvPr id="0" name=""/>
-        <dsp:cNvSpPr/>
-      </dsp:nvSpPr>
-      <dsp:spPr>
-        <a:xfrm>
-          <a:off x="1838053" y="3768564"/>
-          <a:ext cx="613006" cy="306503"/>
-        </a:xfrm>
-        <a:prstGeom prst="roundRect">
-          <a:avLst>
-            <a:gd name="adj" fmla="val 10000"/>
-          </a:avLst>
-        </a:prstGeom>
-        <a:solidFill>
-          <a:schemeClr val="accent1">
-            <a:hueOff val="0"/>
-            <a:satOff val="0"/>
-            <a:lumOff val="0"/>
-            <a:alphaOff val="0"/>
-          </a:schemeClr>
-        </a:solidFill>
-        <a:ln w="12700" cap="flat" cmpd="sng" algn="ctr">
-          <a:solidFill>
-            <a:schemeClr val="lt1">
-              <a:hueOff val="0"/>
-              <a:satOff val="0"/>
-              <a:lumOff val="0"/>
-              <a:alphaOff val="0"/>
-            </a:schemeClr>
-          </a:solidFill>
-          <a:prstDash val="solid"/>
-          <a:miter lim="800000"/>
-        </a:ln>
-        <a:effectLst/>
-      </dsp:spPr>
-      <dsp:style>
-        <a:lnRef idx="2">
-          <a:scrgbClr r="0" g="0" b="0"/>
-        </a:lnRef>
-        <a:fillRef idx="1">
-          <a:scrgbClr r="0" g="0" b="0"/>
-        </a:fillRef>
-        <a:effectRef idx="0">
-          <a:scrgbClr r="0" g="0" b="0"/>
-        </a:effectRef>
-        <a:fontRef idx="minor">
-          <a:schemeClr val="lt1"/>
-        </a:fontRef>
-      </dsp:style>
-      <dsp:txBody>
-        <a:bodyPr spcFirstLastPara="0" vert="horz" wrap="square" lIns="4445" tIns="4445" rIns="4445" bIns="4445" numCol="1" spcCol="1270" anchor="ctr" anchorCtr="0">
-          <a:noAutofit/>
-        </a:bodyPr>
-        <a:lstStyle/>
-        <a:p>
-          <a:pPr lvl="0" algn="ctr" defTabSz="311150">
-            <a:lnSpc>
-              <a:spcPct val="90000"/>
-            </a:lnSpc>
-            <a:spcBef>
-              <a:spcPct val="0"/>
-            </a:spcBef>
-            <a:spcAft>
-              <a:spcPct val="35000"/>
-            </a:spcAft>
-          </a:pPr>
-          <a:r>
-            <a:rPr lang="en-US" sz="700" kern="1200" dirty="0" smtClean="0"/>
-            <a:t>Results</a:t>
-          </a:r>
-          <a:endParaRPr lang="en-US" sz="700" kern="1200" dirty="0"/>
-        </a:p>
-      </dsp:txBody>
-      <dsp:txXfrm>
-        <a:off x="1847030" y="3777541"/>
-        <a:ext cx="595052" cy="288549"/>
-      </dsp:txXfrm>
-    </dsp:sp>
-    <dsp:sp modelId="{911A8F96-1DA6-4B34-B939-5EB96BBDF3CD}">
-      <dsp:nvSpPr>
-        <dsp:cNvPr id="0" name=""/>
-        <dsp:cNvSpPr/>
-      </dsp:nvSpPr>
-      <dsp:spPr>
-        <a:xfrm rot="17051759">
-          <a:off x="2073736" y="3432406"/>
-          <a:ext cx="999848" cy="9503"/>
-        </a:xfrm>
-        <a:custGeom>
-          <a:avLst/>
-          <a:gdLst/>
-          <a:ahLst/>
-          <a:cxnLst/>
-          <a:rect l="0" t="0" r="0" b="0"/>
-          <a:pathLst>
-            <a:path>
-              <a:moveTo>
-                <a:pt x="0" y="4751"/>
-              </a:moveTo>
-              <a:lnTo>
-                <a:pt x="999848" y="4751"/>
-              </a:lnTo>
-            </a:path>
-          </a:pathLst>
-        </a:custGeom>
-        <a:noFill/>
-        <a:ln w="12700" cap="flat" cmpd="sng" algn="ctr">
-          <a:solidFill>
-            <a:schemeClr val="accent1">
-              <a:shade val="60000"/>
-              <a:hueOff val="0"/>
-              <a:satOff val="0"/>
-              <a:lumOff val="0"/>
-              <a:alphaOff val="0"/>
-            </a:schemeClr>
-          </a:solidFill>
-          <a:prstDash val="solid"/>
-          <a:miter lim="800000"/>
-        </a:ln>
-        <a:effectLst/>
-      </dsp:spPr>
-      <dsp:style>
-        <a:lnRef idx="2">
-          <a:scrgbClr r="0" g="0" b="0"/>
-        </a:lnRef>
-        <a:fillRef idx="0">
-          <a:scrgbClr r="0" g="0" b="0"/>
-        </a:fillRef>
-        <a:effectRef idx="0">
-          <a:scrgbClr r="0" g="0" b="0"/>
-        </a:effectRef>
-        <a:fontRef idx="minor"/>
-      </dsp:style>
-      <dsp:txBody>
-        <a:bodyPr spcFirstLastPara="0" vert="horz" wrap="square" lIns="12700" tIns="0" rIns="12700" bIns="0" numCol="1" spcCol="1270" anchor="ctr" anchorCtr="0">
-          <a:noAutofit/>
-        </a:bodyPr>
-        <a:lstStyle/>
-        <a:p>
-          <a:pPr lvl="0" algn="ctr" defTabSz="222250">
-            <a:lnSpc>
-              <a:spcPct val="90000"/>
-            </a:lnSpc>
-            <a:spcBef>
-              <a:spcPct val="0"/>
-            </a:spcBef>
-            <a:spcAft>
-              <a:spcPct val="35000"/>
-            </a:spcAft>
-          </a:pPr>
-          <a:endParaRPr lang="en-US" sz="500" kern="1200"/>
-        </a:p>
-      </dsp:txBody>
-      <dsp:txXfrm>
-        <a:off x="2548664" y="3412161"/>
-        <a:ext cx="49992" cy="49992"/>
-      </dsp:txXfrm>
-    </dsp:sp>
-    <dsp:sp modelId="{023F7967-8A03-480B-845A-BAE2DE7991FC}">
-      <dsp:nvSpPr>
-        <dsp:cNvPr id="0" name=""/>
-        <dsp:cNvSpPr/>
-      </dsp:nvSpPr>
-      <dsp:spPr>
-        <a:xfrm>
-          <a:off x="2696261" y="2799248"/>
-          <a:ext cx="613006" cy="306503"/>
-        </a:xfrm>
-        <a:prstGeom prst="roundRect">
-          <a:avLst>
-            <a:gd name="adj" fmla="val 10000"/>
-          </a:avLst>
-        </a:prstGeom>
-        <a:solidFill>
-          <a:schemeClr val="accent1">
-            <a:hueOff val="0"/>
-            <a:satOff val="0"/>
-            <a:lumOff val="0"/>
-            <a:alphaOff val="0"/>
-          </a:schemeClr>
-        </a:solidFill>
-        <a:ln w="12700" cap="flat" cmpd="sng" algn="ctr">
-          <a:solidFill>
-            <a:schemeClr val="lt1">
-              <a:hueOff val="0"/>
-              <a:satOff val="0"/>
-              <a:lumOff val="0"/>
-              <a:alphaOff val="0"/>
-            </a:schemeClr>
-          </a:solidFill>
-          <a:prstDash val="solid"/>
-          <a:miter lim="800000"/>
-        </a:ln>
-        <a:effectLst/>
-      </dsp:spPr>
-      <dsp:style>
-        <a:lnRef idx="2">
-          <a:scrgbClr r="0" g="0" b="0"/>
-        </a:lnRef>
-        <a:fillRef idx="1">
-          <a:scrgbClr r="0" g="0" b="0"/>
-        </a:fillRef>
-        <a:effectRef idx="0">
-          <a:scrgbClr r="0" g="0" b="0"/>
-        </a:effectRef>
-        <a:fontRef idx="minor">
-          <a:schemeClr val="lt1"/>
-        </a:fontRef>
-      </dsp:style>
-      <dsp:txBody>
-        <a:bodyPr spcFirstLastPara="0" vert="horz" wrap="square" lIns="4445" tIns="4445" rIns="4445" bIns="4445" numCol="1" spcCol="1270" anchor="ctr" anchorCtr="0">
-          <a:noAutofit/>
-        </a:bodyPr>
-        <a:lstStyle/>
-        <a:p>
-          <a:pPr lvl="0" algn="ctr" defTabSz="311150">
-            <a:lnSpc>
-              <a:spcPct val="90000"/>
-            </a:lnSpc>
-            <a:spcBef>
-              <a:spcPct val="0"/>
-            </a:spcBef>
-            <a:spcAft>
-              <a:spcPct val="35000"/>
-            </a:spcAft>
-          </a:pPr>
-          <a:r>
-            <a:rPr lang="en-US" sz="700" kern="1200" dirty="0" smtClean="0"/>
-            <a:t>data</a:t>
-          </a:r>
-          <a:endParaRPr lang="en-US" sz="700" kern="1200" dirty="0"/>
-        </a:p>
-      </dsp:txBody>
-      <dsp:txXfrm>
-        <a:off x="2705238" y="2808225"/>
-        <a:ext cx="595052" cy="288549"/>
-      </dsp:txXfrm>
-    </dsp:sp>
-    <dsp:sp modelId="{102B8575-8538-4FC7-AFC8-703CBEBBE228}">
-      <dsp:nvSpPr>
-        <dsp:cNvPr id="0" name=""/>
-        <dsp:cNvSpPr/>
-      </dsp:nvSpPr>
-      <dsp:spPr>
-        <a:xfrm rot="16983315">
-          <a:off x="2889122" y="2419030"/>
-          <a:ext cx="1085492" cy="9503"/>
-        </a:xfrm>
-        <a:custGeom>
-          <a:avLst/>
-          <a:gdLst/>
-          <a:ahLst/>
-          <a:cxnLst/>
-          <a:rect l="0" t="0" r="0" b="0"/>
-          <a:pathLst>
-            <a:path>
-              <a:moveTo>
-                <a:pt x="0" y="4751"/>
-              </a:moveTo>
-              <a:lnTo>
-                <a:pt x="1085492" y="4751"/>
-              </a:lnTo>
-            </a:path>
-          </a:pathLst>
-        </a:custGeom>
-        <a:noFill/>
-        <a:ln w="12700" cap="flat" cmpd="sng" algn="ctr">
-          <a:solidFill>
-            <a:schemeClr val="accent1">
-              <a:shade val="80000"/>
-              <a:hueOff val="0"/>
-              <a:satOff val="0"/>
-              <a:lumOff val="0"/>
-              <a:alphaOff val="0"/>
-            </a:schemeClr>
-          </a:solidFill>
-          <a:prstDash val="solid"/>
-          <a:miter lim="800000"/>
-        </a:ln>
-        <a:effectLst/>
-      </dsp:spPr>
-      <dsp:style>
-        <a:lnRef idx="2">
-          <a:scrgbClr r="0" g="0" b="0"/>
-        </a:lnRef>
-        <a:fillRef idx="0">
-          <a:scrgbClr r="0" g="0" b="0"/>
-        </a:fillRef>
-        <a:effectRef idx="0">
-          <a:scrgbClr r="0" g="0" b="0"/>
-        </a:effectRef>
-        <a:fontRef idx="minor"/>
-      </dsp:style>
-      <dsp:txBody>
-        <a:bodyPr spcFirstLastPara="0" vert="horz" wrap="square" lIns="12700" tIns="0" rIns="12700" bIns="0" numCol="1" spcCol="1270" anchor="ctr" anchorCtr="0">
-          <a:noAutofit/>
-        </a:bodyPr>
-        <a:lstStyle/>
-        <a:p>
-          <a:pPr lvl="0" algn="ctr" defTabSz="222250">
-            <a:lnSpc>
-              <a:spcPct val="90000"/>
-            </a:lnSpc>
-            <a:spcBef>
-              <a:spcPct val="0"/>
-            </a:spcBef>
-            <a:spcAft>
-              <a:spcPct val="35000"/>
-            </a:spcAft>
-          </a:pPr>
-          <a:endParaRPr lang="en-US" sz="500" kern="1200"/>
-        </a:p>
-      </dsp:txBody>
-      <dsp:txXfrm>
-        <a:off x="3404731" y="2396644"/>
-        <a:ext cx="54274" cy="54274"/>
-      </dsp:txXfrm>
-    </dsp:sp>
-    <dsp:sp modelId="{6BAFBE3F-3DEE-4F11-A921-8BFD6D98B4A6}">
-      <dsp:nvSpPr>
-        <dsp:cNvPr id="0" name=""/>
-        <dsp:cNvSpPr/>
-      </dsp:nvSpPr>
-      <dsp:spPr>
-        <a:xfrm>
-          <a:off x="3554470" y="1741812"/>
-          <a:ext cx="613006" cy="306503"/>
-        </a:xfrm>
-        <a:prstGeom prst="roundRect">
-          <a:avLst>
-            <a:gd name="adj" fmla="val 10000"/>
-          </a:avLst>
-        </a:prstGeom>
-        <a:solidFill>
-          <a:schemeClr val="accent1">
-            <a:hueOff val="0"/>
-            <a:satOff val="0"/>
-            <a:lumOff val="0"/>
-            <a:alphaOff val="0"/>
-          </a:schemeClr>
-        </a:solidFill>
-        <a:ln w="12700" cap="flat" cmpd="sng" algn="ctr">
-          <a:solidFill>
-            <a:schemeClr val="lt1">
-              <a:hueOff val="0"/>
-              <a:satOff val="0"/>
-              <a:lumOff val="0"/>
-              <a:alphaOff val="0"/>
-            </a:schemeClr>
-          </a:solidFill>
-          <a:prstDash val="solid"/>
-          <a:miter lim="800000"/>
-        </a:ln>
-        <a:effectLst/>
-      </dsp:spPr>
-      <dsp:style>
-        <a:lnRef idx="2">
-          <a:scrgbClr r="0" g="0" b="0"/>
-        </a:lnRef>
-        <a:fillRef idx="1">
-          <a:scrgbClr r="0" g="0" b="0"/>
-        </a:fillRef>
-        <a:effectRef idx="0">
-          <a:scrgbClr r="0" g="0" b="0"/>
-        </a:effectRef>
-        <a:fontRef idx="minor">
-          <a:schemeClr val="lt1"/>
-        </a:fontRef>
-      </dsp:style>
-      <dsp:txBody>
-        <a:bodyPr spcFirstLastPara="0" vert="horz" wrap="square" lIns="4445" tIns="4445" rIns="4445" bIns="4445" numCol="1" spcCol="1270" anchor="ctr" anchorCtr="0">
-          <a:noAutofit/>
-        </a:bodyPr>
-        <a:lstStyle/>
-        <a:p>
-          <a:pPr lvl="0" algn="ctr" defTabSz="311150">
-            <a:lnSpc>
-              <a:spcPct val="90000"/>
-            </a:lnSpc>
-            <a:spcBef>
-              <a:spcPct val="0"/>
-            </a:spcBef>
-            <a:spcAft>
-              <a:spcPct val="35000"/>
-            </a:spcAft>
-          </a:pPr>
-          <a:r>
-            <a:rPr lang="en-US" sz="700" kern="1200" dirty="0" smtClean="0"/>
-            <a:t>cl</a:t>
-          </a:r>
-          <a:endParaRPr lang="en-US" sz="700" kern="1200" dirty="0"/>
-        </a:p>
-      </dsp:txBody>
-      <dsp:txXfrm>
-        <a:off x="3563447" y="1750789"/>
-        <a:ext cx="595052" cy="288549"/>
-      </dsp:txXfrm>
-    </dsp:sp>
-    <dsp:sp modelId="{1BA16D76-E357-4454-9C2B-90F1BB393DED}">
-      <dsp:nvSpPr>
-        <dsp:cNvPr id="0" name=""/>
-        <dsp:cNvSpPr/>
-      </dsp:nvSpPr>
-      <dsp:spPr>
-        <a:xfrm rot="17350740">
-          <a:off x="3058677" y="2595269"/>
-          <a:ext cx="746383" cy="9503"/>
-        </a:xfrm>
-        <a:custGeom>
-          <a:avLst/>
-          <a:gdLst/>
-          <a:ahLst/>
-          <a:cxnLst/>
-          <a:rect l="0" t="0" r="0" b="0"/>
-          <a:pathLst>
-            <a:path>
-              <a:moveTo>
-                <a:pt x="0" y="4751"/>
-              </a:moveTo>
-              <a:lnTo>
-                <a:pt x="746383" y="4751"/>
-              </a:lnTo>
-            </a:path>
-          </a:pathLst>
-        </a:custGeom>
-        <a:noFill/>
-        <a:ln w="12700" cap="flat" cmpd="sng" algn="ctr">
-          <a:solidFill>
-            <a:schemeClr val="accent1">
-              <a:shade val="80000"/>
-              <a:hueOff val="0"/>
-              <a:satOff val="0"/>
-              <a:lumOff val="0"/>
-              <a:alphaOff val="0"/>
-            </a:schemeClr>
-          </a:solidFill>
-          <a:prstDash val="solid"/>
-          <a:miter lim="800000"/>
-        </a:ln>
-        <a:effectLst/>
-      </dsp:spPr>
-      <dsp:style>
-        <a:lnRef idx="2">
-          <a:scrgbClr r="0" g="0" b="0"/>
-        </a:lnRef>
-        <a:fillRef idx="0">
-          <a:scrgbClr r="0" g="0" b="0"/>
-        </a:fillRef>
-        <a:effectRef idx="0">
-          <a:scrgbClr r="0" g="0" b="0"/>
-        </a:effectRef>
-        <a:fontRef idx="minor"/>
-      </dsp:style>
-      <dsp:txBody>
-        <a:bodyPr spcFirstLastPara="0" vert="horz" wrap="square" lIns="12700" tIns="0" rIns="12700" bIns="0" numCol="1" spcCol="1270" anchor="ctr" anchorCtr="0">
-          <a:noAutofit/>
-        </a:bodyPr>
-        <a:lstStyle/>
-        <a:p>
-          <a:pPr lvl="0" algn="ctr" defTabSz="222250">
-            <a:lnSpc>
-              <a:spcPct val="90000"/>
-            </a:lnSpc>
-            <a:spcBef>
-              <a:spcPct val="0"/>
-            </a:spcBef>
-            <a:spcAft>
-              <a:spcPct val="35000"/>
-            </a:spcAft>
-          </a:pPr>
-          <a:endParaRPr lang="en-US" sz="500" kern="1200"/>
-        </a:p>
-      </dsp:txBody>
-      <dsp:txXfrm>
-        <a:off x="3413209" y="2581361"/>
-        <a:ext cx="37319" cy="37319"/>
-      </dsp:txXfrm>
-    </dsp:sp>
-    <dsp:sp modelId="{3939D5C9-28DB-4FCE-B4FB-B0F4C4A91AA1}">
-      <dsp:nvSpPr>
-        <dsp:cNvPr id="0" name=""/>
-        <dsp:cNvSpPr/>
-      </dsp:nvSpPr>
-      <dsp:spPr>
-        <a:xfrm>
-          <a:off x="3554470" y="2094291"/>
-          <a:ext cx="613006" cy="306503"/>
-        </a:xfrm>
-        <a:prstGeom prst="roundRect">
-          <a:avLst>
-            <a:gd name="adj" fmla="val 10000"/>
-          </a:avLst>
-        </a:prstGeom>
-        <a:solidFill>
-          <a:schemeClr val="accent1">
-            <a:hueOff val="0"/>
-            <a:satOff val="0"/>
-            <a:lumOff val="0"/>
-            <a:alphaOff val="0"/>
-          </a:schemeClr>
-        </a:solidFill>
-        <a:ln w="12700" cap="flat" cmpd="sng" algn="ctr">
-          <a:solidFill>
-            <a:schemeClr val="lt1">
-              <a:hueOff val="0"/>
-              <a:satOff val="0"/>
-              <a:lumOff val="0"/>
-              <a:alphaOff val="0"/>
-            </a:schemeClr>
-          </a:solidFill>
-          <a:prstDash val="solid"/>
-          <a:miter lim="800000"/>
-        </a:ln>
-        <a:effectLst/>
-      </dsp:spPr>
-      <dsp:style>
-        <a:lnRef idx="2">
-          <a:scrgbClr r="0" g="0" b="0"/>
-        </a:lnRef>
-        <a:fillRef idx="1">
-          <a:scrgbClr r="0" g="0" b="0"/>
-        </a:fillRef>
-        <a:effectRef idx="0">
-          <a:scrgbClr r="0" g="0" b="0"/>
-        </a:effectRef>
-        <a:fontRef idx="minor">
-          <a:schemeClr val="lt1"/>
-        </a:fontRef>
-      </dsp:style>
-      <dsp:txBody>
-        <a:bodyPr spcFirstLastPara="0" vert="horz" wrap="square" lIns="4445" tIns="4445" rIns="4445" bIns="4445" numCol="1" spcCol="1270" anchor="ctr" anchorCtr="0">
-          <a:noAutofit/>
-        </a:bodyPr>
-        <a:lstStyle/>
-        <a:p>
-          <a:pPr lvl="0" algn="ctr" defTabSz="311150">
-            <a:lnSpc>
-              <a:spcPct val="90000"/>
-            </a:lnSpc>
-            <a:spcBef>
-              <a:spcPct val="0"/>
-            </a:spcBef>
-            <a:spcAft>
-              <a:spcPct val="35000"/>
-            </a:spcAft>
-          </a:pPr>
-          <a:r>
-            <a:rPr lang="en-US" sz="700" kern="1200" dirty="0" err="1" smtClean="0"/>
-            <a:t>em</a:t>
-          </a:r>
-          <a:endParaRPr lang="en-US" sz="700" kern="1200" dirty="0"/>
-        </a:p>
-      </dsp:txBody>
-      <dsp:txXfrm>
-        <a:off x="3563447" y="2103268"/>
-        <a:ext cx="595052" cy="288549"/>
-      </dsp:txXfrm>
-    </dsp:sp>
-    <dsp:sp modelId="{22701E87-B43D-4719-8E83-94BA9A2DE157}">
-      <dsp:nvSpPr>
-        <dsp:cNvPr id="0" name=""/>
-        <dsp:cNvSpPr/>
-      </dsp:nvSpPr>
-      <dsp:spPr>
-        <a:xfrm rot="18289469">
-          <a:off x="3217180" y="2771508"/>
-          <a:ext cx="429377" cy="9503"/>
-        </a:xfrm>
-        <a:custGeom>
-          <a:avLst/>
-          <a:gdLst/>
-          <a:ahLst/>
-          <a:cxnLst/>
-          <a:rect l="0" t="0" r="0" b="0"/>
-          <a:pathLst>
-            <a:path>
-              <a:moveTo>
-                <a:pt x="0" y="4751"/>
-              </a:moveTo>
-              <a:lnTo>
-                <a:pt x="429377" y="4751"/>
-              </a:lnTo>
-            </a:path>
-          </a:pathLst>
-        </a:custGeom>
-        <a:noFill/>
-        <a:ln w="12700" cap="flat" cmpd="sng" algn="ctr">
-          <a:solidFill>
-            <a:schemeClr val="accent1">
-              <a:shade val="80000"/>
-              <a:hueOff val="0"/>
-              <a:satOff val="0"/>
-              <a:lumOff val="0"/>
-              <a:alphaOff val="0"/>
-            </a:schemeClr>
-          </a:solidFill>
-          <a:prstDash val="solid"/>
-          <a:miter lim="800000"/>
-        </a:ln>
-        <a:effectLst/>
-      </dsp:spPr>
-      <dsp:style>
-        <a:lnRef idx="2">
-          <a:scrgbClr r="0" g="0" b="0"/>
-        </a:lnRef>
-        <a:fillRef idx="0">
-          <a:scrgbClr r="0" g="0" b="0"/>
-        </a:fillRef>
-        <a:effectRef idx="0">
-          <a:scrgbClr r="0" g="0" b="0"/>
-        </a:effectRef>
-        <a:fontRef idx="minor"/>
-      </dsp:style>
-      <dsp:txBody>
-        <a:bodyPr spcFirstLastPara="0" vert="horz" wrap="square" lIns="12700" tIns="0" rIns="12700" bIns="0" numCol="1" spcCol="1270" anchor="ctr" anchorCtr="0">
-          <a:noAutofit/>
-        </a:bodyPr>
-        <a:lstStyle/>
-        <a:p>
-          <a:pPr lvl="0" algn="ctr" defTabSz="222250">
-            <a:lnSpc>
-              <a:spcPct val="90000"/>
-            </a:lnSpc>
-            <a:spcBef>
-              <a:spcPct val="0"/>
-            </a:spcBef>
-            <a:spcAft>
-              <a:spcPct val="35000"/>
-            </a:spcAft>
-          </a:pPr>
-          <a:endParaRPr lang="en-US" sz="500" kern="1200"/>
-        </a:p>
-      </dsp:txBody>
-      <dsp:txXfrm>
-        <a:off x="3421134" y="2765526"/>
-        <a:ext cx="21468" cy="21468"/>
-      </dsp:txXfrm>
-    </dsp:sp>
-    <dsp:sp modelId="{74CD85B9-C856-4DEF-A844-79C022466501}">
-      <dsp:nvSpPr>
-        <dsp:cNvPr id="0" name=""/>
-        <dsp:cNvSpPr/>
-      </dsp:nvSpPr>
-      <dsp:spPr>
-        <a:xfrm>
-          <a:off x="3554470" y="2446769"/>
-          <a:ext cx="613006" cy="306503"/>
-        </a:xfrm>
-        <a:prstGeom prst="roundRect">
-          <a:avLst>
-            <a:gd name="adj" fmla="val 10000"/>
-          </a:avLst>
-        </a:prstGeom>
-        <a:solidFill>
-          <a:schemeClr val="accent1">
-            <a:hueOff val="0"/>
-            <a:satOff val="0"/>
-            <a:lumOff val="0"/>
-            <a:alphaOff val="0"/>
-          </a:schemeClr>
-        </a:solidFill>
-        <a:ln w="12700" cap="flat" cmpd="sng" algn="ctr">
-          <a:solidFill>
-            <a:schemeClr val="lt1">
-              <a:hueOff val="0"/>
-              <a:satOff val="0"/>
-              <a:lumOff val="0"/>
-              <a:alphaOff val="0"/>
-            </a:schemeClr>
-          </a:solidFill>
-          <a:prstDash val="solid"/>
-          <a:miter lim="800000"/>
-        </a:ln>
-        <a:effectLst/>
-      </dsp:spPr>
-      <dsp:style>
-        <a:lnRef idx="2">
-          <a:scrgbClr r="0" g="0" b="0"/>
-        </a:lnRef>
-        <a:fillRef idx="1">
-          <a:scrgbClr r="0" g="0" b="0"/>
-        </a:fillRef>
-        <a:effectRef idx="0">
-          <a:scrgbClr r="0" g="0" b="0"/>
-        </a:effectRef>
-        <a:fontRef idx="minor">
-          <a:schemeClr val="lt1"/>
-        </a:fontRef>
-      </dsp:style>
-      <dsp:txBody>
-        <a:bodyPr spcFirstLastPara="0" vert="horz" wrap="square" lIns="4445" tIns="4445" rIns="4445" bIns="4445" numCol="1" spcCol="1270" anchor="ctr" anchorCtr="0">
-          <a:noAutofit/>
-        </a:bodyPr>
-        <a:lstStyle/>
-        <a:p>
-          <a:pPr lvl="0" algn="ctr" defTabSz="311150">
-            <a:lnSpc>
-              <a:spcPct val="90000"/>
-            </a:lnSpc>
-            <a:spcBef>
-              <a:spcPct val="0"/>
-            </a:spcBef>
-            <a:spcAft>
-              <a:spcPct val="35000"/>
-            </a:spcAft>
-          </a:pPr>
-          <a:r>
-            <a:rPr lang="en-US" sz="700" kern="1200" dirty="0" err="1" smtClean="0"/>
-            <a:t>fasta</a:t>
-          </a:r>
-          <a:endParaRPr lang="en-US" sz="700" kern="1200" dirty="0"/>
-        </a:p>
-      </dsp:txBody>
-      <dsp:txXfrm>
-        <a:off x="3563447" y="2455746"/>
-        <a:ext cx="595052" cy="288549"/>
-      </dsp:txXfrm>
-    </dsp:sp>
-    <dsp:sp modelId="{7624216E-6707-4E48-B0D3-1F3549EFCC8E}">
-      <dsp:nvSpPr>
-        <dsp:cNvPr id="0" name=""/>
-        <dsp:cNvSpPr/>
-      </dsp:nvSpPr>
-      <dsp:spPr>
-        <a:xfrm>
-          <a:off x="3309268" y="2947748"/>
-          <a:ext cx="245202" cy="9503"/>
-        </a:xfrm>
-        <a:custGeom>
-          <a:avLst/>
-          <a:gdLst/>
-          <a:ahLst/>
-          <a:cxnLst/>
-          <a:rect l="0" t="0" r="0" b="0"/>
-          <a:pathLst>
-            <a:path>
-              <a:moveTo>
-                <a:pt x="0" y="4751"/>
-              </a:moveTo>
-              <a:lnTo>
-                <a:pt x="245202" y="4751"/>
-              </a:lnTo>
-            </a:path>
-          </a:pathLst>
-        </a:custGeom>
-        <a:noFill/>
-        <a:ln w="12700" cap="flat" cmpd="sng" algn="ctr">
-          <a:solidFill>
-            <a:schemeClr val="accent1">
-              <a:shade val="80000"/>
-              <a:hueOff val="0"/>
-              <a:satOff val="0"/>
-              <a:lumOff val="0"/>
-              <a:alphaOff val="0"/>
-            </a:schemeClr>
-          </a:solidFill>
-          <a:prstDash val="solid"/>
-          <a:miter lim="800000"/>
-        </a:ln>
-        <a:effectLst/>
-      </dsp:spPr>
-      <dsp:style>
-        <a:lnRef idx="2">
-          <a:scrgbClr r="0" g="0" b="0"/>
-        </a:lnRef>
-        <a:fillRef idx="0">
-          <a:scrgbClr r="0" g="0" b="0"/>
-        </a:fillRef>
-        <a:effectRef idx="0">
-          <a:scrgbClr r="0" g="0" b="0"/>
-        </a:effectRef>
-        <a:fontRef idx="minor"/>
-      </dsp:style>
-      <dsp:txBody>
-        <a:bodyPr spcFirstLastPara="0" vert="horz" wrap="square" lIns="12700" tIns="0" rIns="12700" bIns="0" numCol="1" spcCol="1270" anchor="ctr" anchorCtr="0">
-          <a:noAutofit/>
-        </a:bodyPr>
-        <a:lstStyle/>
-        <a:p>
-          <a:pPr lvl="0" algn="ctr" defTabSz="222250">
-            <a:lnSpc>
-              <a:spcPct val="90000"/>
-            </a:lnSpc>
-            <a:spcBef>
-              <a:spcPct val="0"/>
-            </a:spcBef>
-            <a:spcAft>
-              <a:spcPct val="35000"/>
-            </a:spcAft>
-          </a:pPr>
-          <a:endParaRPr lang="en-US" sz="500" kern="1200"/>
-        </a:p>
-      </dsp:txBody>
-      <dsp:txXfrm>
-        <a:off x="3425739" y="2946369"/>
-        <a:ext cx="12260" cy="12260"/>
-      </dsp:txXfrm>
-    </dsp:sp>
-    <dsp:sp modelId="{845564B8-CF2D-432A-80C0-6E3220C770C0}">
-      <dsp:nvSpPr>
-        <dsp:cNvPr id="0" name=""/>
-        <dsp:cNvSpPr/>
-      </dsp:nvSpPr>
-      <dsp:spPr>
-        <a:xfrm>
-          <a:off x="3554470" y="2799248"/>
-          <a:ext cx="613006" cy="306503"/>
-        </a:xfrm>
-        <a:prstGeom prst="roundRect">
-          <a:avLst>
-            <a:gd name="adj" fmla="val 10000"/>
-          </a:avLst>
-        </a:prstGeom>
-        <a:solidFill>
-          <a:schemeClr val="accent1">
-            <a:hueOff val="0"/>
-            <a:satOff val="0"/>
-            <a:lumOff val="0"/>
-            <a:alphaOff val="0"/>
-          </a:schemeClr>
-        </a:solidFill>
-        <a:ln w="12700" cap="flat" cmpd="sng" algn="ctr">
-          <a:solidFill>
-            <a:schemeClr val="lt1">
-              <a:hueOff val="0"/>
-              <a:satOff val="0"/>
-              <a:lumOff val="0"/>
-              <a:alphaOff val="0"/>
-            </a:schemeClr>
-          </a:solidFill>
-          <a:prstDash val="solid"/>
-          <a:miter lim="800000"/>
-        </a:ln>
-        <a:effectLst/>
-      </dsp:spPr>
-      <dsp:style>
-        <a:lnRef idx="2">
-          <a:scrgbClr r="0" g="0" b="0"/>
-        </a:lnRef>
-        <a:fillRef idx="1">
-          <a:scrgbClr r="0" g="0" b="0"/>
-        </a:fillRef>
-        <a:effectRef idx="0">
-          <a:scrgbClr r="0" g="0" b="0"/>
-        </a:effectRef>
-        <a:fontRef idx="minor">
-          <a:schemeClr val="lt1"/>
-        </a:fontRef>
-      </dsp:style>
-      <dsp:txBody>
-        <a:bodyPr spcFirstLastPara="0" vert="horz" wrap="square" lIns="4445" tIns="4445" rIns="4445" bIns="4445" numCol="1" spcCol="1270" anchor="ctr" anchorCtr="0">
-          <a:noAutofit/>
-        </a:bodyPr>
-        <a:lstStyle/>
-        <a:p>
-          <a:pPr lvl="0" algn="ctr" defTabSz="311150">
-            <a:lnSpc>
-              <a:spcPct val="90000"/>
-            </a:lnSpc>
-            <a:spcBef>
-              <a:spcPct val="0"/>
-            </a:spcBef>
-            <a:spcAft>
-              <a:spcPct val="35000"/>
-            </a:spcAft>
-          </a:pPr>
-          <a:r>
-            <a:rPr lang="en-US" sz="700" kern="1200" dirty="0" err="1" smtClean="0"/>
-            <a:t>hx</a:t>
-          </a:r>
-          <a:endParaRPr lang="en-US" sz="700" kern="1200" dirty="0"/>
-        </a:p>
-      </dsp:txBody>
-      <dsp:txXfrm>
-        <a:off x="3563447" y="2808225"/>
-        <a:ext cx="595052" cy="288549"/>
-      </dsp:txXfrm>
-    </dsp:sp>
-    <dsp:sp modelId="{860A121A-0263-4EDE-BC63-2DE2DCC7236F}">
-      <dsp:nvSpPr>
-        <dsp:cNvPr id="0" name=""/>
-        <dsp:cNvSpPr/>
-      </dsp:nvSpPr>
-      <dsp:spPr>
-        <a:xfrm rot="3310531">
-          <a:off x="3217180" y="3123987"/>
-          <a:ext cx="429377" cy="9503"/>
-        </a:xfrm>
-        <a:custGeom>
-          <a:avLst/>
-          <a:gdLst/>
-          <a:ahLst/>
-          <a:cxnLst/>
-          <a:rect l="0" t="0" r="0" b="0"/>
-          <a:pathLst>
-            <a:path>
-              <a:moveTo>
-                <a:pt x="0" y="4751"/>
-              </a:moveTo>
-              <a:lnTo>
-                <a:pt x="429377" y="4751"/>
-              </a:lnTo>
-            </a:path>
-          </a:pathLst>
-        </a:custGeom>
-        <a:noFill/>
-        <a:ln w="12700" cap="flat" cmpd="sng" algn="ctr">
-          <a:solidFill>
-            <a:schemeClr val="accent1">
-              <a:shade val="80000"/>
-              <a:hueOff val="0"/>
-              <a:satOff val="0"/>
-              <a:lumOff val="0"/>
-              <a:alphaOff val="0"/>
-            </a:schemeClr>
-          </a:solidFill>
-          <a:prstDash val="solid"/>
-          <a:miter lim="800000"/>
-        </a:ln>
-        <a:effectLst/>
-      </dsp:spPr>
-      <dsp:style>
-        <a:lnRef idx="2">
-          <a:scrgbClr r="0" g="0" b="0"/>
-        </a:lnRef>
-        <a:fillRef idx="0">
-          <a:scrgbClr r="0" g="0" b="0"/>
-        </a:fillRef>
-        <a:effectRef idx="0">
-          <a:scrgbClr r="0" g="0" b="0"/>
-        </a:effectRef>
-        <a:fontRef idx="minor"/>
-      </dsp:style>
-      <dsp:txBody>
-        <a:bodyPr spcFirstLastPara="0" vert="horz" wrap="square" lIns="12700" tIns="0" rIns="12700" bIns="0" numCol="1" spcCol="1270" anchor="ctr" anchorCtr="0">
-          <a:noAutofit/>
-        </a:bodyPr>
-        <a:lstStyle/>
-        <a:p>
-          <a:pPr lvl="0" algn="ctr" defTabSz="222250">
-            <a:lnSpc>
-              <a:spcPct val="90000"/>
-            </a:lnSpc>
-            <a:spcBef>
-              <a:spcPct val="0"/>
-            </a:spcBef>
-            <a:spcAft>
-              <a:spcPct val="35000"/>
-            </a:spcAft>
-          </a:pPr>
-          <a:endParaRPr lang="en-US" sz="500" kern="1200"/>
-        </a:p>
-      </dsp:txBody>
-      <dsp:txXfrm>
-        <a:off x="3421134" y="3118004"/>
-        <a:ext cx="21468" cy="21468"/>
-      </dsp:txXfrm>
-    </dsp:sp>
-    <dsp:sp modelId="{4AE7A689-72EA-48BB-95E1-C1B4A774D6ED}">
-      <dsp:nvSpPr>
-        <dsp:cNvPr id="0" name=""/>
-        <dsp:cNvSpPr/>
-      </dsp:nvSpPr>
-      <dsp:spPr>
-        <a:xfrm>
-          <a:off x="3554470" y="3151726"/>
-          <a:ext cx="613006" cy="306503"/>
-        </a:xfrm>
-        <a:prstGeom prst="roundRect">
-          <a:avLst>
-            <a:gd name="adj" fmla="val 10000"/>
-          </a:avLst>
-        </a:prstGeom>
-        <a:solidFill>
-          <a:schemeClr val="accent1">
-            <a:hueOff val="0"/>
-            <a:satOff val="0"/>
-            <a:lumOff val="0"/>
-            <a:alphaOff val="0"/>
-          </a:schemeClr>
-        </a:solidFill>
-        <a:ln w="12700" cap="flat" cmpd="sng" algn="ctr">
-          <a:solidFill>
-            <a:schemeClr val="lt1">
-              <a:hueOff val="0"/>
-              <a:satOff val="0"/>
-              <a:lumOff val="0"/>
-              <a:alphaOff val="0"/>
-            </a:schemeClr>
-          </a:solidFill>
-          <a:prstDash val="solid"/>
-          <a:miter lim="800000"/>
-        </a:ln>
-        <a:effectLst/>
-      </dsp:spPr>
-      <dsp:style>
-        <a:lnRef idx="2">
-          <a:scrgbClr r="0" g="0" b="0"/>
-        </a:lnRef>
-        <a:fillRef idx="1">
-          <a:scrgbClr r="0" g="0" b="0"/>
-        </a:fillRef>
-        <a:effectRef idx="0">
-          <a:scrgbClr r="0" g="0" b="0"/>
-        </a:effectRef>
-        <a:fontRef idx="minor">
-          <a:schemeClr val="lt1"/>
-        </a:fontRef>
-      </dsp:style>
-      <dsp:txBody>
-        <a:bodyPr spcFirstLastPara="0" vert="horz" wrap="square" lIns="4445" tIns="4445" rIns="4445" bIns="4445" numCol="1" spcCol="1270" anchor="ctr" anchorCtr="0">
-          <a:noAutofit/>
-        </a:bodyPr>
-        <a:lstStyle/>
-        <a:p>
-          <a:pPr lvl="0" algn="ctr" defTabSz="311150">
-            <a:lnSpc>
-              <a:spcPct val="90000"/>
-            </a:lnSpc>
-            <a:spcBef>
-              <a:spcPct val="0"/>
-            </a:spcBef>
-            <a:spcAft>
-              <a:spcPct val="35000"/>
-            </a:spcAft>
-          </a:pPr>
-          <a:r>
-            <a:rPr lang="en-US" sz="700" kern="1200" dirty="0" smtClean="0"/>
-            <a:t>topo</a:t>
-          </a:r>
-          <a:endParaRPr lang="en-US" sz="700" kern="1200" dirty="0"/>
-        </a:p>
-      </dsp:txBody>
-      <dsp:txXfrm>
-        <a:off x="3563447" y="3160703"/>
-        <a:ext cx="595052" cy="288549"/>
-      </dsp:txXfrm>
-    </dsp:sp>
-    <dsp:sp modelId="{7F0926FB-8436-4235-B8E6-0F3F809AEC45}">
-      <dsp:nvSpPr>
-        <dsp:cNvPr id="0" name=""/>
-        <dsp:cNvSpPr/>
-      </dsp:nvSpPr>
-      <dsp:spPr>
-        <a:xfrm>
-          <a:off x="4167476" y="3300226"/>
-          <a:ext cx="245202" cy="9503"/>
-        </a:xfrm>
-        <a:custGeom>
-          <a:avLst/>
-          <a:gdLst/>
-          <a:ahLst/>
-          <a:cxnLst/>
-          <a:rect l="0" t="0" r="0" b="0"/>
-          <a:pathLst>
-            <a:path>
-              <a:moveTo>
-                <a:pt x="0" y="4751"/>
-              </a:moveTo>
-              <a:lnTo>
-                <a:pt x="245202" y="4751"/>
-              </a:lnTo>
-            </a:path>
-          </a:pathLst>
-        </a:custGeom>
-        <a:noFill/>
-        <a:ln w="12700" cap="flat" cmpd="sng" algn="ctr">
-          <a:solidFill>
-            <a:schemeClr val="accent1">
-              <a:shade val="80000"/>
-              <a:hueOff val="0"/>
-              <a:satOff val="0"/>
-              <a:lumOff val="0"/>
-              <a:alphaOff val="0"/>
-            </a:schemeClr>
-          </a:solidFill>
-          <a:prstDash val="solid"/>
-          <a:miter lim="800000"/>
-        </a:ln>
-        <a:effectLst/>
-      </dsp:spPr>
-      <dsp:style>
-        <a:lnRef idx="2">
-          <a:scrgbClr r="0" g="0" b="0"/>
-        </a:lnRef>
-        <a:fillRef idx="0">
-          <a:scrgbClr r="0" g="0" b="0"/>
-        </a:fillRef>
-        <a:effectRef idx="0">
-          <a:scrgbClr r="0" g="0" b="0"/>
-        </a:effectRef>
-        <a:fontRef idx="minor"/>
-      </dsp:style>
-      <dsp:txBody>
-        <a:bodyPr spcFirstLastPara="0" vert="horz" wrap="square" lIns="12700" tIns="0" rIns="12700" bIns="0" numCol="1" spcCol="1270" anchor="ctr" anchorCtr="0">
-          <a:noAutofit/>
-        </a:bodyPr>
-        <a:lstStyle/>
-        <a:p>
-          <a:pPr lvl="0" algn="ctr" defTabSz="222250">
-            <a:lnSpc>
-              <a:spcPct val="90000"/>
-            </a:lnSpc>
-            <a:spcBef>
-              <a:spcPct val="0"/>
-            </a:spcBef>
-            <a:spcAft>
-              <a:spcPct val="35000"/>
-            </a:spcAft>
-          </a:pPr>
-          <a:endParaRPr lang="en-US" sz="500" kern="1200"/>
-        </a:p>
-      </dsp:txBody>
-      <dsp:txXfrm>
-        <a:off x="4283947" y="3298848"/>
-        <a:ext cx="12260" cy="12260"/>
-      </dsp:txXfrm>
-    </dsp:sp>
-    <dsp:sp modelId="{AABB0F83-261E-45AD-B1D2-A2559DD57DDB}">
-      <dsp:nvSpPr>
-        <dsp:cNvPr id="0" name=""/>
-        <dsp:cNvSpPr/>
-      </dsp:nvSpPr>
-      <dsp:spPr>
-        <a:xfrm>
-          <a:off x="4412679" y="3151726"/>
-          <a:ext cx="613006" cy="306503"/>
-        </a:xfrm>
-        <a:prstGeom prst="roundRect">
-          <a:avLst>
-            <a:gd name="adj" fmla="val 10000"/>
-          </a:avLst>
-        </a:prstGeom>
-        <a:solidFill>
-          <a:schemeClr val="accent1">
-            <a:hueOff val="0"/>
-            <a:satOff val="0"/>
-            <a:lumOff val="0"/>
-            <a:alphaOff val="0"/>
-          </a:schemeClr>
-        </a:solidFill>
-        <a:ln w="12700" cap="flat" cmpd="sng" algn="ctr">
-          <a:solidFill>
-            <a:schemeClr val="lt1">
-              <a:hueOff val="0"/>
-              <a:satOff val="0"/>
-              <a:lumOff val="0"/>
-              <a:alphaOff val="0"/>
-            </a:schemeClr>
-          </a:solidFill>
-          <a:prstDash val="solid"/>
-          <a:miter lim="800000"/>
-        </a:ln>
-        <a:effectLst/>
-      </dsp:spPr>
-      <dsp:style>
-        <a:lnRef idx="2">
-          <a:scrgbClr r="0" g="0" b="0"/>
-        </a:lnRef>
-        <a:fillRef idx="1">
-          <a:scrgbClr r="0" g="0" b="0"/>
-        </a:fillRef>
-        <a:effectRef idx="0">
-          <a:scrgbClr r="0" g="0" b="0"/>
-        </a:effectRef>
-        <a:fontRef idx="minor">
-          <a:schemeClr val="lt1"/>
-        </a:fontRef>
-      </dsp:style>
-      <dsp:txBody>
-        <a:bodyPr spcFirstLastPara="0" vert="horz" wrap="square" lIns="4445" tIns="4445" rIns="4445" bIns="4445" numCol="1" spcCol="1270" anchor="ctr" anchorCtr="0">
-          <a:noAutofit/>
-        </a:bodyPr>
-        <a:lstStyle/>
-        <a:p>
-          <a:pPr lvl="0" algn="ctr" defTabSz="311150">
-            <a:lnSpc>
-              <a:spcPct val="90000"/>
-            </a:lnSpc>
-            <a:spcBef>
-              <a:spcPct val="0"/>
-            </a:spcBef>
-            <a:spcAft>
-              <a:spcPct val="35000"/>
-            </a:spcAft>
-          </a:pPr>
-          <a:r>
-            <a:rPr lang="en-US" sz="700" kern="1200" dirty="0" smtClean="0"/>
-            <a:t>Topology.txt</a:t>
-          </a:r>
-          <a:endParaRPr lang="en-US" sz="700" kern="1200" dirty="0"/>
-        </a:p>
-      </dsp:txBody>
-      <dsp:txXfrm>
-        <a:off x="4421656" y="3160703"/>
-        <a:ext cx="595052" cy="288549"/>
-      </dsp:txXfrm>
-    </dsp:sp>
-    <dsp:sp modelId="{74EC96BD-B022-40A9-9CFD-7E0120C7DB97}">
-      <dsp:nvSpPr>
-        <dsp:cNvPr id="0" name=""/>
-        <dsp:cNvSpPr/>
-      </dsp:nvSpPr>
-      <dsp:spPr>
-        <a:xfrm rot="4249260">
-          <a:off x="3058677" y="3300226"/>
-          <a:ext cx="746383" cy="9503"/>
-        </a:xfrm>
-        <a:custGeom>
-          <a:avLst/>
-          <a:gdLst/>
-          <a:ahLst/>
-          <a:cxnLst/>
-          <a:rect l="0" t="0" r="0" b="0"/>
-          <a:pathLst>
-            <a:path>
-              <a:moveTo>
-                <a:pt x="0" y="4751"/>
-              </a:moveTo>
-              <a:lnTo>
-                <a:pt x="746383" y="4751"/>
-              </a:lnTo>
-            </a:path>
-          </a:pathLst>
-        </a:custGeom>
-        <a:noFill/>
-        <a:ln w="12700" cap="flat" cmpd="sng" algn="ctr">
-          <a:solidFill>
-            <a:schemeClr val="accent1">
-              <a:shade val="80000"/>
-              <a:hueOff val="0"/>
-              <a:satOff val="0"/>
-              <a:lumOff val="0"/>
-              <a:alphaOff val="0"/>
-            </a:schemeClr>
-          </a:solidFill>
-          <a:prstDash val="solid"/>
-          <a:miter lim="800000"/>
-        </a:ln>
-        <a:effectLst/>
-      </dsp:spPr>
-      <dsp:style>
-        <a:lnRef idx="2">
-          <a:scrgbClr r="0" g="0" b="0"/>
-        </a:lnRef>
-        <a:fillRef idx="0">
-          <a:scrgbClr r="0" g="0" b="0"/>
-        </a:fillRef>
-        <a:effectRef idx="0">
-          <a:scrgbClr r="0" g="0" b="0"/>
-        </a:effectRef>
-        <a:fontRef idx="minor"/>
-      </dsp:style>
-      <dsp:txBody>
-        <a:bodyPr spcFirstLastPara="0" vert="horz" wrap="square" lIns="12700" tIns="0" rIns="12700" bIns="0" numCol="1" spcCol="1270" anchor="ctr" anchorCtr="0">
-          <a:noAutofit/>
-        </a:bodyPr>
-        <a:lstStyle/>
-        <a:p>
-          <a:pPr lvl="0" algn="ctr" defTabSz="222250">
-            <a:lnSpc>
-              <a:spcPct val="90000"/>
-            </a:lnSpc>
-            <a:spcBef>
-              <a:spcPct val="0"/>
-            </a:spcBef>
-            <a:spcAft>
-              <a:spcPct val="35000"/>
-            </a:spcAft>
-          </a:pPr>
-          <a:endParaRPr lang="en-US" sz="500" kern="1200"/>
-        </a:p>
-      </dsp:txBody>
-      <dsp:txXfrm>
-        <a:off x="3413209" y="3286318"/>
-        <a:ext cx="37319" cy="37319"/>
-      </dsp:txXfrm>
-    </dsp:sp>
-    <dsp:sp modelId="{ADED35BE-DBAD-4064-9BDD-39466C28AEAE}">
-      <dsp:nvSpPr>
-        <dsp:cNvPr id="0" name=""/>
-        <dsp:cNvSpPr/>
-      </dsp:nvSpPr>
-      <dsp:spPr>
-        <a:xfrm>
-          <a:off x="3554470" y="3504205"/>
-          <a:ext cx="613006" cy="306503"/>
-        </a:xfrm>
-        <a:prstGeom prst="roundRect">
-          <a:avLst>
-            <a:gd name="adj" fmla="val 10000"/>
-          </a:avLst>
-        </a:prstGeom>
-        <a:solidFill>
-          <a:schemeClr val="accent1">
-            <a:hueOff val="0"/>
-            <a:satOff val="0"/>
-            <a:lumOff val="0"/>
-            <a:alphaOff val="0"/>
-          </a:schemeClr>
-        </a:solidFill>
-        <a:ln w="12700" cap="flat" cmpd="sng" algn="ctr">
-          <a:solidFill>
-            <a:schemeClr val="lt1">
-              <a:hueOff val="0"/>
-              <a:satOff val="0"/>
-              <a:lumOff val="0"/>
-              <a:alphaOff val="0"/>
-            </a:schemeClr>
-          </a:solidFill>
-          <a:prstDash val="solid"/>
-          <a:miter lim="800000"/>
-        </a:ln>
-        <a:effectLst/>
-      </dsp:spPr>
-      <dsp:style>
-        <a:lnRef idx="2">
-          <a:scrgbClr r="0" g="0" b="0"/>
-        </a:lnRef>
-        <a:fillRef idx="1">
-          <a:scrgbClr r="0" g="0" b="0"/>
-        </a:fillRef>
-        <a:effectRef idx="0">
-          <a:scrgbClr r="0" g="0" b="0"/>
-        </a:effectRef>
-        <a:fontRef idx="minor">
-          <a:schemeClr val="lt1"/>
-        </a:fontRef>
-      </dsp:style>
-      <dsp:txBody>
-        <a:bodyPr spcFirstLastPara="0" vert="horz" wrap="square" lIns="4445" tIns="4445" rIns="4445" bIns="4445" numCol="1" spcCol="1270" anchor="ctr" anchorCtr="0">
-          <a:noAutofit/>
-        </a:bodyPr>
-        <a:lstStyle/>
-        <a:p>
-          <a:pPr lvl="0" algn="ctr" defTabSz="311150">
-            <a:lnSpc>
-              <a:spcPct val="90000"/>
-            </a:lnSpc>
-            <a:spcBef>
-              <a:spcPct val="0"/>
-            </a:spcBef>
-            <a:spcAft>
-              <a:spcPct val="35000"/>
-            </a:spcAft>
-          </a:pPr>
-          <a:r>
-            <a:rPr lang="en-US" sz="700" kern="1200" dirty="0" smtClean="0"/>
-            <a:t>xl</a:t>
-          </a:r>
-          <a:endParaRPr lang="en-US" sz="700" kern="1200" dirty="0"/>
-        </a:p>
-      </dsp:txBody>
-      <dsp:txXfrm>
-        <a:off x="3563447" y="3513182"/>
-        <a:ext cx="595052" cy="288549"/>
-      </dsp:txXfrm>
-    </dsp:sp>
-    <dsp:sp modelId="{35D9BBBE-7751-4342-82E1-3C2E414E90C5}">
-      <dsp:nvSpPr>
-        <dsp:cNvPr id="0" name=""/>
-        <dsp:cNvSpPr/>
-      </dsp:nvSpPr>
-      <dsp:spPr>
-        <a:xfrm rot="4616685">
-          <a:off x="2889122" y="3476465"/>
-          <a:ext cx="1085492" cy="9503"/>
-        </a:xfrm>
-        <a:custGeom>
-          <a:avLst/>
-          <a:gdLst/>
-          <a:ahLst/>
-          <a:cxnLst/>
-          <a:rect l="0" t="0" r="0" b="0"/>
-          <a:pathLst>
-            <a:path>
-              <a:moveTo>
-                <a:pt x="0" y="4751"/>
-              </a:moveTo>
-              <a:lnTo>
-                <a:pt x="1085492" y="4751"/>
-              </a:lnTo>
-            </a:path>
-          </a:pathLst>
-        </a:custGeom>
-        <a:noFill/>
-        <a:ln w="12700" cap="flat" cmpd="sng" algn="ctr">
-          <a:solidFill>
-            <a:schemeClr val="accent1">
-              <a:shade val="80000"/>
-              <a:hueOff val="0"/>
-              <a:satOff val="0"/>
-              <a:lumOff val="0"/>
-              <a:alphaOff val="0"/>
-            </a:schemeClr>
-          </a:solidFill>
-          <a:prstDash val="solid"/>
-          <a:miter lim="800000"/>
-        </a:ln>
-        <a:effectLst/>
-      </dsp:spPr>
-      <dsp:style>
-        <a:lnRef idx="2">
-          <a:scrgbClr r="0" g="0" b="0"/>
-        </a:lnRef>
-        <a:fillRef idx="0">
-          <a:scrgbClr r="0" g="0" b="0"/>
-        </a:fillRef>
-        <a:effectRef idx="0">
-          <a:scrgbClr r="0" g="0" b="0"/>
-        </a:effectRef>
-        <a:fontRef idx="minor"/>
-      </dsp:style>
-      <dsp:txBody>
-        <a:bodyPr spcFirstLastPara="0" vert="horz" wrap="square" lIns="12700" tIns="0" rIns="12700" bIns="0" numCol="1" spcCol="1270" anchor="ctr" anchorCtr="0">
-          <a:noAutofit/>
-        </a:bodyPr>
-        <a:lstStyle/>
-        <a:p>
-          <a:pPr lvl="0" algn="ctr" defTabSz="222250">
-            <a:lnSpc>
-              <a:spcPct val="90000"/>
-            </a:lnSpc>
-            <a:spcBef>
-              <a:spcPct val="0"/>
-            </a:spcBef>
-            <a:spcAft>
-              <a:spcPct val="35000"/>
-            </a:spcAft>
-          </a:pPr>
-          <a:endParaRPr lang="en-US" sz="500" kern="1200"/>
-        </a:p>
-      </dsp:txBody>
-      <dsp:txXfrm>
-        <a:off x="3404731" y="3454080"/>
-        <a:ext cx="54274" cy="54274"/>
-      </dsp:txXfrm>
-    </dsp:sp>
-    <dsp:sp modelId="{3A7F2547-E059-4BB1-84E2-4987E28653EE}">
-      <dsp:nvSpPr>
-        <dsp:cNvPr id="0" name=""/>
-        <dsp:cNvSpPr/>
-      </dsp:nvSpPr>
-      <dsp:spPr>
-        <a:xfrm>
-          <a:off x="3554470" y="3856683"/>
-          <a:ext cx="613006" cy="306503"/>
-        </a:xfrm>
-        <a:prstGeom prst="roundRect">
-          <a:avLst>
-            <a:gd name="adj" fmla="val 10000"/>
-          </a:avLst>
-        </a:prstGeom>
-        <a:solidFill>
-          <a:schemeClr val="accent1">
-            <a:hueOff val="0"/>
-            <a:satOff val="0"/>
-            <a:lumOff val="0"/>
-            <a:alphaOff val="0"/>
-          </a:schemeClr>
-        </a:solidFill>
-        <a:ln w="12700" cap="flat" cmpd="sng" algn="ctr">
-          <a:solidFill>
-            <a:schemeClr val="lt1">
-              <a:hueOff val="0"/>
-              <a:satOff val="0"/>
-              <a:lumOff val="0"/>
-              <a:alphaOff val="0"/>
-            </a:schemeClr>
-          </a:solidFill>
-          <a:prstDash val="solid"/>
-          <a:miter lim="800000"/>
-        </a:ln>
-        <a:effectLst/>
-      </dsp:spPr>
-      <dsp:style>
-        <a:lnRef idx="2">
-          <a:scrgbClr r="0" g="0" b="0"/>
-        </a:lnRef>
-        <a:fillRef idx="1">
-          <a:scrgbClr r="0" g="0" b="0"/>
-        </a:fillRef>
-        <a:effectRef idx="0">
-          <a:scrgbClr r="0" g="0" b="0"/>
-        </a:effectRef>
-        <a:fontRef idx="minor">
-          <a:schemeClr val="lt1"/>
-        </a:fontRef>
-      </dsp:style>
-      <dsp:txBody>
-        <a:bodyPr spcFirstLastPara="0" vert="horz" wrap="square" lIns="4445" tIns="4445" rIns="4445" bIns="4445" numCol="1" spcCol="1270" anchor="ctr" anchorCtr="0">
-          <a:noAutofit/>
-        </a:bodyPr>
-        <a:lstStyle/>
-        <a:p>
-          <a:pPr lvl="0" algn="ctr" defTabSz="311150">
-            <a:lnSpc>
-              <a:spcPct val="90000"/>
-            </a:lnSpc>
-            <a:spcBef>
-              <a:spcPct val="0"/>
-            </a:spcBef>
-            <a:spcAft>
-              <a:spcPct val="35000"/>
-            </a:spcAft>
-          </a:pPr>
-          <a:r>
-            <a:rPr lang="en-US" sz="700" kern="1200" dirty="0" err="1" smtClean="0"/>
-            <a:t>xtal</a:t>
-          </a:r>
-          <a:endParaRPr lang="en-US" sz="700" kern="1200" dirty="0"/>
-        </a:p>
-      </dsp:txBody>
-      <dsp:txXfrm>
-        <a:off x="3563447" y="3865660"/>
-        <a:ext cx="595052" cy="288549"/>
-      </dsp:txXfrm>
-    </dsp:sp>
-    <dsp:sp modelId="{4C7A6E00-DBC1-4C27-8903-0DED48F1AC64}">
-      <dsp:nvSpPr>
-        <dsp:cNvPr id="0" name=""/>
-        <dsp:cNvSpPr/>
-      </dsp:nvSpPr>
-      <dsp:spPr>
-        <a:xfrm rot="4548241">
-          <a:off x="2073736" y="4401722"/>
-          <a:ext cx="999848" cy="9503"/>
-        </a:xfrm>
-        <a:custGeom>
-          <a:avLst/>
-          <a:gdLst/>
-          <a:ahLst/>
-          <a:cxnLst/>
-          <a:rect l="0" t="0" r="0" b="0"/>
-          <a:pathLst>
-            <a:path>
-              <a:moveTo>
-                <a:pt x="0" y="4751"/>
-              </a:moveTo>
-              <a:lnTo>
-                <a:pt x="999848" y="4751"/>
-              </a:lnTo>
-            </a:path>
-          </a:pathLst>
-        </a:custGeom>
-        <a:noFill/>
-        <a:ln w="12700" cap="flat" cmpd="sng" algn="ctr">
-          <a:solidFill>
-            <a:schemeClr val="accent1">
-              <a:shade val="60000"/>
-              <a:hueOff val="0"/>
-              <a:satOff val="0"/>
-              <a:lumOff val="0"/>
-              <a:alphaOff val="0"/>
-            </a:schemeClr>
-          </a:solidFill>
-          <a:prstDash val="solid"/>
-          <a:miter lim="800000"/>
-        </a:ln>
-        <a:effectLst/>
-      </dsp:spPr>
-      <dsp:style>
-        <a:lnRef idx="2">
-          <a:scrgbClr r="0" g="0" b="0"/>
-        </a:lnRef>
-        <a:fillRef idx="0">
-          <a:scrgbClr r="0" g="0" b="0"/>
-        </a:fillRef>
-        <a:effectRef idx="0">
-          <a:scrgbClr r="0" g="0" b="0"/>
-        </a:effectRef>
-        <a:fontRef idx="minor"/>
-      </dsp:style>
-      <dsp:txBody>
-        <a:bodyPr spcFirstLastPara="0" vert="horz" wrap="square" lIns="12700" tIns="0" rIns="12700" bIns="0" numCol="1" spcCol="1270" anchor="ctr" anchorCtr="0">
-          <a:noAutofit/>
-        </a:bodyPr>
-        <a:lstStyle/>
-        <a:p>
-          <a:pPr lvl="0" algn="ctr" defTabSz="222250">
-            <a:lnSpc>
-              <a:spcPct val="90000"/>
-            </a:lnSpc>
-            <a:spcBef>
-              <a:spcPct val="0"/>
-            </a:spcBef>
-            <a:spcAft>
-              <a:spcPct val="35000"/>
-            </a:spcAft>
-          </a:pPr>
-          <a:endParaRPr lang="en-US" sz="500" kern="1200"/>
-        </a:p>
-      </dsp:txBody>
-      <dsp:txXfrm>
-        <a:off x="2548664" y="4381477"/>
-        <a:ext cx="49992" cy="49992"/>
-      </dsp:txXfrm>
-    </dsp:sp>
-    <dsp:sp modelId="{5135BF8D-7815-418C-BDA4-EF4C191FE25D}">
-      <dsp:nvSpPr>
-        <dsp:cNvPr id="0" name=""/>
-        <dsp:cNvSpPr/>
-      </dsp:nvSpPr>
-      <dsp:spPr>
-        <a:xfrm>
-          <a:off x="2696261" y="4737880"/>
-          <a:ext cx="613006" cy="306503"/>
-        </a:xfrm>
-        <a:prstGeom prst="roundRect">
-          <a:avLst>
-            <a:gd name="adj" fmla="val 10000"/>
-          </a:avLst>
-        </a:prstGeom>
-        <a:solidFill>
-          <a:schemeClr val="accent1">
-            <a:hueOff val="0"/>
-            <a:satOff val="0"/>
-            <a:lumOff val="0"/>
-            <a:alphaOff val="0"/>
-          </a:schemeClr>
-        </a:solidFill>
-        <a:ln w="12700" cap="flat" cmpd="sng" algn="ctr">
-          <a:solidFill>
-            <a:schemeClr val="lt1">
-              <a:hueOff val="0"/>
-              <a:satOff val="0"/>
-              <a:lumOff val="0"/>
-              <a:alphaOff val="0"/>
-            </a:schemeClr>
-          </a:solidFill>
-          <a:prstDash val="solid"/>
-          <a:miter lim="800000"/>
-        </a:ln>
-        <a:effectLst/>
-      </dsp:spPr>
-      <dsp:style>
-        <a:lnRef idx="2">
-          <a:scrgbClr r="0" g="0" b="0"/>
-        </a:lnRef>
-        <a:fillRef idx="1">
-          <a:scrgbClr r="0" g="0" b="0"/>
-        </a:fillRef>
-        <a:effectRef idx="0">
-          <a:scrgbClr r="0" g="0" b="0"/>
-        </a:effectRef>
-        <a:fontRef idx="minor">
-          <a:schemeClr val="lt1"/>
-        </a:fontRef>
-      </dsp:style>
-      <dsp:txBody>
-        <a:bodyPr spcFirstLastPara="0" vert="horz" wrap="square" lIns="4445" tIns="4445" rIns="4445" bIns="4445" numCol="1" spcCol="1270" anchor="ctr" anchorCtr="0">
-          <a:noAutofit/>
-        </a:bodyPr>
-        <a:lstStyle/>
-        <a:p>
-          <a:pPr lvl="0" algn="ctr" defTabSz="311150">
-            <a:lnSpc>
-              <a:spcPct val="90000"/>
-            </a:lnSpc>
-            <a:spcBef>
-              <a:spcPct val="0"/>
-            </a:spcBef>
-            <a:spcAft>
-              <a:spcPct val="35000"/>
-            </a:spcAft>
-          </a:pPr>
-          <a:r>
-            <a:rPr lang="en-US" sz="700" kern="1200" dirty="0" err="1" smtClean="0"/>
-            <a:t>Imp_model</a:t>
-          </a:r>
-          <a:endParaRPr lang="en-US" sz="700" kern="1200" dirty="0"/>
-        </a:p>
-      </dsp:txBody>
-      <dsp:txXfrm>
-        <a:off x="2705238" y="4746857"/>
-        <a:ext cx="595052" cy="288549"/>
-      </dsp:txXfrm>
-    </dsp:sp>
-    <dsp:sp modelId="{0718777C-723F-456C-B6D5-F4455C058DE2}">
-      <dsp:nvSpPr>
-        <dsp:cNvPr id="0" name=""/>
-        <dsp:cNvSpPr/>
-      </dsp:nvSpPr>
-      <dsp:spPr>
-        <a:xfrm rot="17692822">
-          <a:off x="3140464" y="4622021"/>
-          <a:ext cx="582809" cy="9503"/>
-        </a:xfrm>
-        <a:custGeom>
-          <a:avLst/>
-          <a:gdLst/>
-          <a:ahLst/>
-          <a:cxnLst/>
-          <a:rect l="0" t="0" r="0" b="0"/>
-          <a:pathLst>
-            <a:path>
-              <a:moveTo>
-                <a:pt x="0" y="4751"/>
-              </a:moveTo>
-              <a:lnTo>
-                <a:pt x="582809" y="4751"/>
-              </a:lnTo>
-            </a:path>
-          </a:pathLst>
-        </a:custGeom>
-        <a:noFill/>
-        <a:ln w="12700" cap="flat" cmpd="sng" algn="ctr">
-          <a:solidFill>
-            <a:schemeClr val="accent1">
-              <a:shade val="80000"/>
-              <a:hueOff val="0"/>
-              <a:satOff val="0"/>
-              <a:lumOff val="0"/>
-              <a:alphaOff val="0"/>
-            </a:schemeClr>
-          </a:solidFill>
-          <a:prstDash val="solid"/>
-          <a:miter lim="800000"/>
-        </a:ln>
-        <a:effectLst/>
-      </dsp:spPr>
-      <dsp:style>
-        <a:lnRef idx="2">
-          <a:scrgbClr r="0" g="0" b="0"/>
-        </a:lnRef>
-        <a:fillRef idx="0">
-          <a:scrgbClr r="0" g="0" b="0"/>
-        </a:fillRef>
-        <a:effectRef idx="0">
-          <a:scrgbClr r="0" g="0" b="0"/>
-        </a:effectRef>
-        <a:fontRef idx="minor"/>
-      </dsp:style>
-      <dsp:txBody>
-        <a:bodyPr spcFirstLastPara="0" vert="horz" wrap="square" lIns="12700" tIns="0" rIns="12700" bIns="0" numCol="1" spcCol="1270" anchor="ctr" anchorCtr="0">
-          <a:noAutofit/>
-        </a:bodyPr>
-        <a:lstStyle/>
-        <a:p>
-          <a:pPr lvl="0" algn="ctr" defTabSz="222250">
-            <a:lnSpc>
-              <a:spcPct val="90000"/>
-            </a:lnSpc>
-            <a:spcBef>
-              <a:spcPct val="0"/>
-            </a:spcBef>
-            <a:spcAft>
-              <a:spcPct val="35000"/>
-            </a:spcAft>
-          </a:pPr>
-          <a:endParaRPr lang="en-US" sz="500" kern="1200"/>
-        </a:p>
-      </dsp:txBody>
-      <dsp:txXfrm>
-        <a:off x="3417299" y="4612202"/>
-        <a:ext cx="29140" cy="29140"/>
-      </dsp:txXfrm>
-    </dsp:sp>
-    <dsp:sp modelId="{BCF94263-3D1D-4C52-A7EA-7C879D2CE2E8}">
-      <dsp:nvSpPr>
-        <dsp:cNvPr id="0" name=""/>
-        <dsp:cNvSpPr/>
-      </dsp:nvSpPr>
-      <dsp:spPr>
-        <a:xfrm>
-          <a:off x="3554470" y="4209162"/>
-          <a:ext cx="613006" cy="306503"/>
-        </a:xfrm>
-        <a:prstGeom prst="roundRect">
-          <a:avLst>
-            <a:gd name="adj" fmla="val 10000"/>
-          </a:avLst>
-        </a:prstGeom>
-        <a:solidFill>
-          <a:schemeClr val="accent1">
-            <a:hueOff val="0"/>
-            <a:satOff val="0"/>
-            <a:lumOff val="0"/>
-            <a:alphaOff val="0"/>
-          </a:schemeClr>
-        </a:solidFill>
-        <a:ln w="12700" cap="flat" cmpd="sng" algn="ctr">
-          <a:solidFill>
-            <a:schemeClr val="lt1">
-              <a:hueOff val="0"/>
-              <a:satOff val="0"/>
-              <a:lumOff val="0"/>
-              <a:alphaOff val="0"/>
-            </a:schemeClr>
-          </a:solidFill>
-          <a:prstDash val="solid"/>
-          <a:miter lim="800000"/>
-        </a:ln>
-        <a:effectLst/>
-      </dsp:spPr>
-      <dsp:style>
-        <a:lnRef idx="2">
-          <a:scrgbClr r="0" g="0" b="0"/>
-        </a:lnRef>
-        <a:fillRef idx="1">
-          <a:scrgbClr r="0" g="0" b="0"/>
-        </a:fillRef>
-        <a:effectRef idx="0">
-          <a:scrgbClr r="0" g="0" b="0"/>
-        </a:effectRef>
-        <a:fontRef idx="minor">
-          <a:schemeClr val="lt1"/>
-        </a:fontRef>
-      </dsp:style>
-      <dsp:txBody>
-        <a:bodyPr spcFirstLastPara="0" vert="horz" wrap="square" lIns="4445" tIns="4445" rIns="4445" bIns="4445" numCol="1" spcCol="1270" anchor="ctr" anchorCtr="0">
-          <a:noAutofit/>
-        </a:bodyPr>
-        <a:lstStyle/>
-        <a:p>
-          <a:pPr lvl="0" algn="ctr" defTabSz="311150">
-            <a:lnSpc>
-              <a:spcPct val="90000"/>
-            </a:lnSpc>
-            <a:spcBef>
-              <a:spcPct val="0"/>
-            </a:spcBef>
-            <a:spcAft>
-              <a:spcPct val="35000"/>
-            </a:spcAft>
-          </a:pPr>
-          <a:r>
-            <a:rPr lang="en-US" sz="700" kern="1200" dirty="0" err="1" smtClean="0"/>
-            <a:t>ConfigImp.yaml</a:t>
-          </a:r>
-          <a:endParaRPr lang="en-US" sz="700" kern="1200" dirty="0"/>
-        </a:p>
-      </dsp:txBody>
-      <dsp:txXfrm>
-        <a:off x="3563447" y="4218139"/>
-        <a:ext cx="595052" cy="288549"/>
-      </dsp:txXfrm>
-    </dsp:sp>
-    <dsp:sp modelId="{7A5C5127-E9EE-4F8F-B9C6-82ABFA6A7716}">
-      <dsp:nvSpPr>
-        <dsp:cNvPr id="0" name=""/>
-        <dsp:cNvSpPr/>
-      </dsp:nvSpPr>
-      <dsp:spPr>
-        <a:xfrm rot="19457599">
-          <a:off x="3280885" y="4798260"/>
-          <a:ext cx="301967" cy="9503"/>
-        </a:xfrm>
-        <a:custGeom>
-          <a:avLst/>
-          <a:gdLst/>
-          <a:ahLst/>
-          <a:cxnLst/>
-          <a:rect l="0" t="0" r="0" b="0"/>
-          <a:pathLst>
-            <a:path>
-              <a:moveTo>
-                <a:pt x="0" y="4751"/>
-              </a:moveTo>
-              <a:lnTo>
-                <a:pt x="301967" y="4751"/>
-              </a:lnTo>
-            </a:path>
-          </a:pathLst>
-        </a:custGeom>
-        <a:noFill/>
-        <a:ln w="12700" cap="flat" cmpd="sng" algn="ctr">
-          <a:solidFill>
-            <a:schemeClr val="accent1">
-              <a:shade val="80000"/>
-              <a:hueOff val="0"/>
-              <a:satOff val="0"/>
-              <a:lumOff val="0"/>
-              <a:alphaOff val="0"/>
-            </a:schemeClr>
-          </a:solidFill>
-          <a:prstDash val="solid"/>
-          <a:miter lim="800000"/>
-        </a:ln>
-        <a:effectLst/>
-      </dsp:spPr>
-      <dsp:style>
-        <a:lnRef idx="2">
-          <a:scrgbClr r="0" g="0" b="0"/>
-        </a:lnRef>
-        <a:fillRef idx="0">
-          <a:scrgbClr r="0" g="0" b="0"/>
-        </a:fillRef>
-        <a:effectRef idx="0">
-          <a:scrgbClr r="0" g="0" b="0"/>
-        </a:effectRef>
-        <a:fontRef idx="minor"/>
-      </dsp:style>
-      <dsp:txBody>
-        <a:bodyPr spcFirstLastPara="0" vert="horz" wrap="square" lIns="12700" tIns="0" rIns="12700" bIns="0" numCol="1" spcCol="1270" anchor="ctr" anchorCtr="0">
-          <a:noAutofit/>
-        </a:bodyPr>
-        <a:lstStyle/>
-        <a:p>
-          <a:pPr lvl="0" algn="ctr" defTabSz="222250">
-            <a:lnSpc>
-              <a:spcPct val="90000"/>
-            </a:lnSpc>
-            <a:spcBef>
-              <a:spcPct val="0"/>
-            </a:spcBef>
-            <a:spcAft>
-              <a:spcPct val="35000"/>
-            </a:spcAft>
-          </a:pPr>
-          <a:endParaRPr lang="en-US" sz="500" kern="1200"/>
-        </a:p>
-      </dsp:txBody>
-      <dsp:txXfrm>
-        <a:off x="3424320" y="4795462"/>
-        <a:ext cx="15098" cy="15098"/>
-      </dsp:txXfrm>
-    </dsp:sp>
-    <dsp:sp modelId="{8BFE681A-3B4A-424A-924F-B15F50B56C9B}">
-      <dsp:nvSpPr>
-        <dsp:cNvPr id="0" name=""/>
-        <dsp:cNvSpPr/>
-      </dsp:nvSpPr>
-      <dsp:spPr>
-        <a:xfrm>
-          <a:off x="3554470" y="4561640"/>
-          <a:ext cx="613006" cy="306503"/>
-        </a:xfrm>
-        <a:prstGeom prst="roundRect">
-          <a:avLst>
-            <a:gd name="adj" fmla="val 10000"/>
-          </a:avLst>
-        </a:prstGeom>
-        <a:solidFill>
-          <a:schemeClr val="accent1">
-            <a:hueOff val="0"/>
-            <a:satOff val="0"/>
-            <a:lumOff val="0"/>
-            <a:alphaOff val="0"/>
-          </a:schemeClr>
-        </a:solidFill>
-        <a:ln w="12700" cap="flat" cmpd="sng" algn="ctr">
-          <a:solidFill>
-            <a:schemeClr val="lt1">
-              <a:hueOff val="0"/>
-              <a:satOff val="0"/>
-              <a:lumOff val="0"/>
-              <a:alphaOff val="0"/>
-            </a:schemeClr>
-          </a:solidFill>
-          <a:prstDash val="solid"/>
-          <a:miter lim="800000"/>
-        </a:ln>
-        <a:effectLst/>
-      </dsp:spPr>
-      <dsp:style>
-        <a:lnRef idx="2">
-          <a:scrgbClr r="0" g="0" b="0"/>
-        </a:lnRef>
-        <a:fillRef idx="1">
-          <a:scrgbClr r="0" g="0" b="0"/>
-        </a:fillRef>
-        <a:effectRef idx="0">
-          <a:scrgbClr r="0" g="0" b="0"/>
-        </a:effectRef>
-        <a:fontRef idx="minor">
-          <a:schemeClr val="lt1"/>
-        </a:fontRef>
-      </dsp:style>
-      <dsp:txBody>
-        <a:bodyPr spcFirstLastPara="0" vert="horz" wrap="square" lIns="4445" tIns="4445" rIns="4445" bIns="4445" numCol="1" spcCol="1270" anchor="ctr" anchorCtr="0">
-          <a:noAutofit/>
-        </a:bodyPr>
-        <a:lstStyle/>
-        <a:p>
-          <a:pPr lvl="0" algn="ctr" defTabSz="311150">
-            <a:lnSpc>
-              <a:spcPct val="90000"/>
-            </a:lnSpc>
-            <a:spcBef>
-              <a:spcPct val="0"/>
-            </a:spcBef>
-            <a:spcAft>
-              <a:spcPct val="35000"/>
-            </a:spcAft>
-          </a:pPr>
-          <a:r>
-            <a:rPr lang="en-US" sz="700" kern="1200" dirty="0" smtClean="0"/>
-            <a:t>Imp_job_run.py</a:t>
-          </a:r>
-          <a:endParaRPr lang="en-US" sz="700" kern="1200" dirty="0"/>
-        </a:p>
-      </dsp:txBody>
-      <dsp:txXfrm>
-        <a:off x="3563447" y="4570617"/>
-        <a:ext cx="595052" cy="288549"/>
-      </dsp:txXfrm>
-    </dsp:sp>
-    <dsp:sp modelId="{65C40B43-42FB-4759-80A6-09B195DBFB78}">
-      <dsp:nvSpPr>
-        <dsp:cNvPr id="0" name=""/>
-        <dsp:cNvSpPr/>
-      </dsp:nvSpPr>
-      <dsp:spPr>
-        <a:xfrm rot="2142401">
-          <a:off x="3280885" y="4974499"/>
-          <a:ext cx="301967" cy="9503"/>
-        </a:xfrm>
-        <a:custGeom>
-          <a:avLst/>
-          <a:gdLst/>
-          <a:ahLst/>
-          <a:cxnLst/>
-          <a:rect l="0" t="0" r="0" b="0"/>
-          <a:pathLst>
-            <a:path>
-              <a:moveTo>
-                <a:pt x="0" y="4751"/>
-              </a:moveTo>
-              <a:lnTo>
-                <a:pt x="301967" y="4751"/>
-              </a:lnTo>
-            </a:path>
-          </a:pathLst>
-        </a:custGeom>
-        <a:noFill/>
-        <a:ln w="12700" cap="flat" cmpd="sng" algn="ctr">
-          <a:solidFill>
-            <a:schemeClr val="accent1">
-              <a:shade val="80000"/>
-              <a:hueOff val="0"/>
-              <a:satOff val="0"/>
-              <a:lumOff val="0"/>
-              <a:alphaOff val="0"/>
-            </a:schemeClr>
-          </a:solidFill>
-          <a:prstDash val="solid"/>
-          <a:miter lim="800000"/>
-        </a:ln>
-        <a:effectLst/>
-      </dsp:spPr>
-      <dsp:style>
-        <a:lnRef idx="2">
-          <a:scrgbClr r="0" g="0" b="0"/>
-        </a:lnRef>
-        <a:fillRef idx="0">
-          <a:scrgbClr r="0" g="0" b="0"/>
-        </a:fillRef>
-        <a:effectRef idx="0">
-          <a:scrgbClr r="0" g="0" b="0"/>
-        </a:effectRef>
-        <a:fontRef idx="minor"/>
-      </dsp:style>
-      <dsp:txBody>
-        <a:bodyPr spcFirstLastPara="0" vert="horz" wrap="square" lIns="12700" tIns="0" rIns="12700" bIns="0" numCol="1" spcCol="1270" anchor="ctr" anchorCtr="0">
-          <a:noAutofit/>
-        </a:bodyPr>
-        <a:lstStyle/>
-        <a:p>
-          <a:pPr lvl="0" algn="ctr" defTabSz="222250">
-            <a:lnSpc>
-              <a:spcPct val="90000"/>
-            </a:lnSpc>
-            <a:spcBef>
-              <a:spcPct val="0"/>
-            </a:spcBef>
-            <a:spcAft>
-              <a:spcPct val="35000"/>
-            </a:spcAft>
-          </a:pPr>
-          <a:endParaRPr lang="en-US" sz="500" kern="1200"/>
-        </a:p>
-      </dsp:txBody>
-      <dsp:txXfrm>
-        <a:off x="3424320" y="4971702"/>
-        <a:ext cx="15098" cy="15098"/>
-      </dsp:txXfrm>
-    </dsp:sp>
-    <dsp:sp modelId="{0512EAAC-D205-4D1A-9510-331AA66424DE}">
-      <dsp:nvSpPr>
-        <dsp:cNvPr id="0" name=""/>
-        <dsp:cNvSpPr/>
-      </dsp:nvSpPr>
-      <dsp:spPr>
-        <a:xfrm>
-          <a:off x="3554470" y="4914119"/>
-          <a:ext cx="613006" cy="306503"/>
-        </a:xfrm>
-        <a:prstGeom prst="roundRect">
-          <a:avLst>
-            <a:gd name="adj" fmla="val 10000"/>
-          </a:avLst>
-        </a:prstGeom>
-        <a:solidFill>
-          <a:schemeClr val="accent1">
-            <a:hueOff val="0"/>
-            <a:satOff val="0"/>
-            <a:lumOff val="0"/>
-            <a:alphaOff val="0"/>
-          </a:schemeClr>
-        </a:solidFill>
-        <a:ln w="12700" cap="flat" cmpd="sng" algn="ctr">
-          <a:solidFill>
-            <a:schemeClr val="lt1">
-              <a:hueOff val="0"/>
-              <a:satOff val="0"/>
-              <a:lumOff val="0"/>
-              <a:alphaOff val="0"/>
-            </a:schemeClr>
-          </a:solidFill>
-          <a:prstDash val="solid"/>
-          <a:miter lim="800000"/>
-        </a:ln>
-        <a:effectLst/>
-      </dsp:spPr>
-      <dsp:style>
-        <a:lnRef idx="2">
-          <a:scrgbClr r="0" g="0" b="0"/>
-        </a:lnRef>
-        <a:fillRef idx="1">
-          <a:scrgbClr r="0" g="0" b="0"/>
-        </a:fillRef>
-        <a:effectRef idx="0">
-          <a:scrgbClr r="0" g="0" b="0"/>
-        </a:effectRef>
-        <a:fontRef idx="minor">
-          <a:schemeClr val="lt1"/>
-        </a:fontRef>
-      </dsp:style>
-      <dsp:txBody>
-        <a:bodyPr spcFirstLastPara="0" vert="horz" wrap="square" lIns="4445" tIns="4445" rIns="4445" bIns="4445" numCol="1" spcCol="1270" anchor="ctr" anchorCtr="0">
-          <a:noAutofit/>
-        </a:bodyPr>
-        <a:lstStyle/>
-        <a:p>
-          <a:pPr lvl="0" algn="ctr" defTabSz="311150">
-            <a:lnSpc>
-              <a:spcPct val="90000"/>
-            </a:lnSpc>
-            <a:spcBef>
-              <a:spcPct val="0"/>
-            </a:spcBef>
-            <a:spcAft>
-              <a:spcPct val="35000"/>
-            </a:spcAft>
-          </a:pPr>
-          <a:endParaRPr lang="en-US" sz="700" kern="1200" dirty="0"/>
-        </a:p>
-      </dsp:txBody>
-      <dsp:txXfrm>
-        <a:off x="3563447" y="4923096"/>
-        <a:ext cx="595052" cy="288549"/>
-      </dsp:txXfrm>
-    </dsp:sp>
-    <dsp:sp modelId="{4B6AB80A-BDD2-41ED-97FF-2636BE19C9C3}">
-      <dsp:nvSpPr>
-        <dsp:cNvPr id="0" name=""/>
-        <dsp:cNvSpPr/>
-      </dsp:nvSpPr>
-      <dsp:spPr>
-        <a:xfrm rot="3907178">
-          <a:off x="3140464" y="5150738"/>
-          <a:ext cx="582809" cy="9503"/>
-        </a:xfrm>
-        <a:custGeom>
-          <a:avLst/>
-          <a:gdLst/>
-          <a:ahLst/>
-          <a:cxnLst/>
-          <a:rect l="0" t="0" r="0" b="0"/>
-          <a:pathLst>
-            <a:path>
-              <a:moveTo>
-                <a:pt x="0" y="4751"/>
-              </a:moveTo>
-              <a:lnTo>
-                <a:pt x="582809" y="4751"/>
-              </a:lnTo>
-            </a:path>
-          </a:pathLst>
-        </a:custGeom>
-        <a:noFill/>
-        <a:ln w="12700" cap="flat" cmpd="sng" algn="ctr">
-          <a:solidFill>
-            <a:schemeClr val="accent1">
-              <a:shade val="80000"/>
-              <a:hueOff val="0"/>
-              <a:satOff val="0"/>
-              <a:lumOff val="0"/>
-              <a:alphaOff val="0"/>
-            </a:schemeClr>
-          </a:solidFill>
-          <a:prstDash val="solid"/>
-          <a:miter lim="800000"/>
-        </a:ln>
-        <a:effectLst/>
-      </dsp:spPr>
-      <dsp:style>
-        <a:lnRef idx="2">
-          <a:scrgbClr r="0" g="0" b="0"/>
-        </a:lnRef>
-        <a:fillRef idx="0">
-          <a:scrgbClr r="0" g="0" b="0"/>
-        </a:fillRef>
-        <a:effectRef idx="0">
-          <a:scrgbClr r="0" g="0" b="0"/>
-        </a:effectRef>
-        <a:fontRef idx="minor"/>
-      </dsp:style>
-      <dsp:txBody>
-        <a:bodyPr spcFirstLastPara="0" vert="horz" wrap="square" lIns="12700" tIns="0" rIns="12700" bIns="0" numCol="1" spcCol="1270" anchor="ctr" anchorCtr="0">
-          <a:noAutofit/>
-        </a:bodyPr>
-        <a:lstStyle/>
-        <a:p>
-          <a:pPr lvl="0" algn="ctr" defTabSz="222250">
-            <a:lnSpc>
-              <a:spcPct val="90000"/>
-            </a:lnSpc>
-            <a:spcBef>
-              <a:spcPct val="0"/>
-            </a:spcBef>
-            <a:spcAft>
-              <a:spcPct val="35000"/>
-            </a:spcAft>
-          </a:pPr>
-          <a:endParaRPr lang="en-US" sz="500" kern="1200"/>
-        </a:p>
-      </dsp:txBody>
-      <dsp:txXfrm>
-        <a:off x="3417299" y="5140920"/>
-        <a:ext cx="29140" cy="29140"/>
-      </dsp:txXfrm>
-    </dsp:sp>
-    <dsp:sp modelId="{891E55A6-97DF-49D4-A7E1-FE662B81F945}">
-      <dsp:nvSpPr>
-        <dsp:cNvPr id="0" name=""/>
-        <dsp:cNvSpPr/>
-      </dsp:nvSpPr>
-      <dsp:spPr>
-        <a:xfrm>
-          <a:off x="3554470" y="5266597"/>
-          <a:ext cx="613006" cy="306503"/>
-        </a:xfrm>
-        <a:prstGeom prst="roundRect">
-          <a:avLst>
-            <a:gd name="adj" fmla="val 10000"/>
-          </a:avLst>
-        </a:prstGeom>
-        <a:solidFill>
-          <a:schemeClr val="accent1">
-            <a:hueOff val="0"/>
-            <a:satOff val="0"/>
-            <a:lumOff val="0"/>
-            <a:alphaOff val="0"/>
-          </a:schemeClr>
-        </a:solidFill>
-        <a:ln w="12700" cap="flat" cmpd="sng" algn="ctr">
-          <a:solidFill>
-            <a:schemeClr val="lt1">
-              <a:hueOff val="0"/>
-              <a:satOff val="0"/>
-              <a:lumOff val="0"/>
-              <a:alphaOff val="0"/>
-            </a:schemeClr>
-          </a:solidFill>
-          <a:prstDash val="solid"/>
-          <a:miter lim="800000"/>
-        </a:ln>
-        <a:effectLst/>
-      </dsp:spPr>
-      <dsp:style>
-        <a:lnRef idx="2">
-          <a:scrgbClr r="0" g="0" b="0"/>
-        </a:lnRef>
-        <a:fillRef idx="1">
-          <a:scrgbClr r="0" g="0" b="0"/>
-        </a:fillRef>
-        <a:effectRef idx="0">
-          <a:scrgbClr r="0" g="0" b="0"/>
-        </a:effectRef>
-        <a:fontRef idx="minor">
-          <a:schemeClr val="lt1"/>
-        </a:fontRef>
-      </dsp:style>
-      <dsp:txBody>
-        <a:bodyPr spcFirstLastPara="0" vert="horz" wrap="square" lIns="4445" tIns="4445" rIns="4445" bIns="4445" numCol="1" spcCol="1270" anchor="ctr" anchorCtr="0">
-          <a:noAutofit/>
-        </a:bodyPr>
-        <a:lstStyle/>
-        <a:p>
-          <a:pPr lvl="0" algn="ctr" defTabSz="311150">
-            <a:lnSpc>
-              <a:spcPct val="90000"/>
-            </a:lnSpc>
-            <a:spcBef>
-              <a:spcPct val="0"/>
-            </a:spcBef>
-            <a:spcAft>
-              <a:spcPct val="35000"/>
-            </a:spcAft>
-          </a:pPr>
-          <a:endParaRPr lang="en-US" sz="700" kern="1200" dirty="0"/>
-        </a:p>
-      </dsp:txBody>
-      <dsp:txXfrm>
-        <a:off x="3563447" y="5275574"/>
-        <a:ext cx="595052" cy="288549"/>
-      </dsp:txXfrm>
-    </dsp:sp>
   </dsp:spTree>
 </dsp:drawing>
 </file>
@@ -11247,7 +9207,7 @@
           <a:p>
             <a:fld id="{68796EA6-6F25-4F19-87BA-7ADCC16DAEFF}" type="datetimeFigureOut">
               <a:rPr lang="en-US" smtClean="0"/>
-              <a:t>11/21/2020</a:t>
+              <a:t>11/29/2020</a:t>
             </a:fld>
             <a:endParaRPr lang="en-US" dirty="0"/>
           </a:p>
@@ -11412,7 +9372,7 @@
           <a:p>
             <a:fld id="{C39C172E-A8B5-46F6-B05C-DFA3E2E0F207}" type="datetimeFigureOut">
               <a:rPr lang="en-US" smtClean="0"/>
-              <a:t>11/21/2020</a:t>
+              <a:t>11/29/2020</a:t>
             </a:fld>
             <a:endParaRPr lang="en-US" dirty="0"/>
           </a:p>
@@ -12171,6 +10131,90 @@
 </p:notes>
 </file>
 
+<file path=ppt/notesSlides/notesSlide6.xml><?xml version="1.0" encoding="utf-8"?>
+<p:notes xmlns:a="http://schemas.openxmlformats.org/drawingml/2006/main" xmlns:r="http://schemas.openxmlformats.org/officeDocument/2006/relationships" xmlns:p="http://schemas.openxmlformats.org/presentationml/2006/main">
+  <p:cSld>
+    <p:spTree>
+      <p:nvGrpSpPr>
+        <p:cNvPr id="1" name=""/>
+        <p:cNvGrpSpPr/>
+        <p:nvPr/>
+      </p:nvGrpSpPr>
+      <p:grpSpPr>
+        <a:xfrm>
+          <a:off x="0" y="0"/>
+          <a:ext cx="0" cy="0"/>
+          <a:chOff x="0" y="0"/>
+          <a:chExt cx="0" cy="0"/>
+        </a:xfrm>
+      </p:grpSpPr>
+      <p:sp>
+        <p:nvSpPr>
+          <p:cNvPr id="2" name="Slide Image Placeholder 1"/>
+          <p:cNvSpPr>
+            <a:spLocks noGrp="1" noRot="1" noChangeAspect="1"/>
+          </p:cNvSpPr>
+          <p:nvPr>
+            <p:ph type="sldImg"/>
+          </p:nvPr>
+        </p:nvSpPr>
+        <p:spPr/>
+      </p:sp>
+      <p:sp>
+        <p:nvSpPr>
+          <p:cNvPr id="3" name="Notes Placeholder 2"/>
+          <p:cNvSpPr>
+            <a:spLocks noGrp="1"/>
+          </p:cNvSpPr>
+          <p:nvPr>
+            <p:ph type="body" idx="1"/>
+          </p:nvPr>
+        </p:nvSpPr>
+        <p:spPr/>
+        <p:txBody>
+          <a:bodyPr/>
+          <a:lstStyle/>
+          <a:p>
+            <a:endParaRPr lang="en-US" dirty="0"/>
+          </a:p>
+        </p:txBody>
+      </p:sp>
+      <p:sp>
+        <p:nvSpPr>
+          <p:cNvPr id="4" name="Slide Number Placeholder 3"/>
+          <p:cNvSpPr>
+            <a:spLocks noGrp="1"/>
+          </p:cNvSpPr>
+          <p:nvPr>
+            <p:ph type="sldNum" sz="quarter" idx="10"/>
+          </p:nvPr>
+        </p:nvSpPr>
+        <p:spPr/>
+        <p:txBody>
+          <a:bodyPr/>
+          <a:lstStyle/>
+          <a:p>
+            <a:fld id="{5800B302-F4DC-4547-9C74-CF794137D166}" type="slidenum">
+              <a:rPr lang="en-US" smtClean="0"/>
+              <a:t>20</a:t>
+            </a:fld>
+            <a:endParaRPr lang="en-US" dirty="0"/>
+          </a:p>
+        </p:txBody>
+      </p:sp>
+    </p:spTree>
+    <p:extLst>
+      <p:ext uri="{BB962C8B-B14F-4D97-AF65-F5344CB8AC3E}">
+        <p14:creationId xmlns:p14="http://schemas.microsoft.com/office/powerpoint/2010/main" val="3088317720"/>
+      </p:ext>
+    </p:extLst>
+  </p:cSld>
+  <p:clrMapOvr>
+    <a:masterClrMapping/>
+  </p:clrMapOvr>
+</p:notes>
+</file>
+
 <file path=ppt/slideLayouts/slideLayout1.xml><?xml version="1.0" encoding="utf-8"?>
 <p:sldLayout xmlns:a="http://schemas.openxmlformats.org/drawingml/2006/main" xmlns:r="http://schemas.openxmlformats.org/officeDocument/2006/relationships" xmlns:p="http://schemas.openxmlformats.org/presentationml/2006/main" showMasterSp="0" type="title" preserve="1">
   <p:cSld name="Title Slide">
@@ -12878,7 +10922,7 @@
             <a:fld id="{4E708F12-96AD-4ED4-8132-A78F5E42C1F5}" type="datetime1">
               <a:rPr lang="en-US" smtClean="0"/>
               <a:pPr/>
-              <a:t>11/21/2020</a:t>
+              <a:t>11/29/2020</a:t>
             </a:fld>
             <a:endParaRPr lang="en-US" dirty="0"/>
           </a:p>
@@ -13083,7 +11127,7 @@
           <a:p>
             <a:fld id="{7B7FA170-8299-44AD-AEEF-FC686C3D7804}" type="datetime1">
               <a:rPr lang="en-US" smtClean="0"/>
-              <a:t>11/21/2020</a:t>
+              <a:t>11/29/2020</a:t>
             </a:fld>
             <a:endParaRPr lang="en-US" dirty="0"/>
           </a:p>
@@ -13285,7 +11329,7 @@
           <a:p>
             <a:fld id="{2231763A-68EC-4ECD-9620-D9FE9CDDD622}" type="datetime1">
               <a:rPr lang="en-US" smtClean="0"/>
-              <a:t>11/21/2020</a:t>
+              <a:t>11/29/2020</a:t>
             </a:fld>
             <a:endParaRPr lang="en-US" dirty="0"/>
           </a:p>
@@ -13480,7 +11524,7 @@
           <a:p>
             <a:fld id="{7B98BEDD-6160-49BB-B372-861DE7DE9BA5}" type="datetime1">
               <a:rPr lang="en-US" smtClean="0"/>
-              <a:t>11/21/2020</a:t>
+              <a:t>11/29/2020</a:t>
             </a:fld>
             <a:endParaRPr lang="en-US" dirty="0"/>
           </a:p>
@@ -13715,7 +11759,7 @@
           <a:p>
             <a:fld id="{0AAE819F-B7FD-4B29-8F66-9E318144BC2A}" type="datetime1">
               <a:rPr lang="en-US" smtClean="0"/>
-              <a:t>11/21/2020</a:t>
+              <a:t>11/29/2020</a:t>
             </a:fld>
             <a:endParaRPr lang="en-US" dirty="0"/>
           </a:p>
@@ -13994,7 +12038,7 @@
           <a:p>
             <a:fld id="{D4CA159C-B6E0-4F10-9F4A-2FA57003B139}" type="datetime1">
               <a:rPr lang="en-US" smtClean="0"/>
-              <a:t>11/21/2020</a:t>
+              <a:t>11/29/2020</a:t>
             </a:fld>
             <a:endParaRPr lang="en-US" dirty="0"/>
           </a:p>
@@ -14436,7 +12480,7 @@
           <a:p>
             <a:fld id="{8170CBBB-D1D1-4386-A5E9-07F3477B78F3}" type="datetime1">
               <a:rPr lang="en-US" smtClean="0"/>
-              <a:t>11/21/2020</a:t>
+              <a:t>11/29/2020</a:t>
             </a:fld>
             <a:endParaRPr lang="en-US" dirty="0"/>
           </a:p>
@@ -14592,7 +12636,7 @@
           <a:p>
             <a:fld id="{9FA4CAD8-0EA7-4615-B69B-B2F199EF3A93}" type="datetime1">
               <a:rPr lang="en-US" smtClean="0"/>
-              <a:t>11/21/2020</a:t>
+              <a:t>11/29/2020</a:t>
             </a:fld>
             <a:endParaRPr lang="en-US" dirty="0"/>
           </a:p>
@@ -14707,7 +12751,7 @@
           <a:p>
             <a:fld id="{B9234BD7-6953-492C-921B-E68B2D7F14C8}" type="datetime1">
               <a:rPr lang="en-US" smtClean="0"/>
-              <a:t>11/21/2020</a:t>
+              <a:t>11/29/2020</a:t>
             </a:fld>
             <a:endParaRPr lang="en-US" dirty="0"/>
           </a:p>
@@ -14971,7 +13015,7 @@
           <a:p>
             <a:fld id="{35A17D9B-D4D3-4E23-88DF-2E354FA43196}" type="datetime1">
               <a:rPr lang="en-US" smtClean="0"/>
-              <a:t>11/21/2020</a:t>
+              <a:t>11/29/2020</a:t>
             </a:fld>
             <a:endParaRPr lang="en-US" dirty="0"/>
           </a:p>
@@ -15235,7 +13279,7 @@
           <a:p>
             <a:fld id="{541F67C5-D04E-4576-B61C-12ABA14BBD6C}" type="datetime1">
               <a:rPr lang="en-US" smtClean="0"/>
-              <a:t>11/21/2020</a:t>
+              <a:t>11/29/2020</a:t>
             </a:fld>
             <a:endParaRPr lang="en-US" dirty="0"/>
           </a:p>
@@ -16100,7 +14144,7 @@
             <a:fld id="{C20F09E4-6EA4-4BF3-9FC8-FF40373B88E6}" type="datetime1">
               <a:rPr lang="en-US" smtClean="0"/>
               <a:pPr/>
-              <a:t>11/21/2020</a:t>
+              <a:t>11/29/2020</a:t>
             </a:fld>
             <a:endParaRPr lang="en-US" dirty="0"/>
           </a:p>
@@ -17994,7 +16038,7 @@
             </a:r>
             <a:r>
               <a:rPr lang="en-US" dirty="0" smtClean="0"/>
-              <a:t> =&gt; </a:t>
+              <a:t> =&gt; protein amino acid sequence</a:t>
             </a:r>
           </a:p>
           <a:p>
@@ -18008,7 +16052,7 @@
             </a:r>
             <a:r>
               <a:rPr lang="en-US" dirty="0" smtClean="0"/>
-              <a:t> =&gt;</a:t>
+              <a:t> =&gt; hydrogen exchange</a:t>
             </a:r>
           </a:p>
           <a:p>
@@ -18028,7 +16072,7 @@
             </a:pPr>
             <a:r>
               <a:rPr lang="en-US" dirty="0" smtClean="0"/>
-              <a:t>xl =&gt; </a:t>
+              <a:t>xl =&gt; cross linking</a:t>
             </a:r>
           </a:p>
           <a:p>
@@ -18517,45 +16561,20 @@
             </a:r>
             <a:r>
               <a:rPr lang="en-US" dirty="0" smtClean="0"/>
-              <a:t> lifecycle</a:t>
+              <a:t> export bundle</a:t>
             </a:r>
             <a:endParaRPr lang="en-US" dirty="0"/>
           </a:p>
         </p:txBody>
       </p:sp>
-      <p:graphicFrame>
-        <p:nvGraphicFramePr>
-          <p:cNvPr id="5" name="Content Placeholder 4"/>
-          <p:cNvGraphicFramePr>
-            <a:graphicFrameLocks noGrp="1"/>
-          </p:cNvGraphicFramePr>
-          <p:nvPr>
-            <p:ph sz="half" idx="1"/>
-            <p:extLst>
-              <p:ext uri="{D42A27DB-BD31-4B8C-83A1-F6EECF244321}">
-                <p14:modId xmlns:p14="http://schemas.microsoft.com/office/powerpoint/2010/main" val="4103997971"/>
-              </p:ext>
-            </p:extLst>
-          </p:nvPr>
-        </p:nvGraphicFramePr>
-        <p:xfrm>
-          <a:off x="203200" y="776288"/>
-          <a:ext cx="6802438" cy="5805487"/>
-        </p:xfrm>
-        <a:graphic>
-          <a:graphicData uri="http://schemas.openxmlformats.org/drawingml/2006/diagram">
-            <dgm:relIds xmlns:dgm="http://schemas.openxmlformats.org/drawingml/2006/diagram" xmlns:r="http://schemas.openxmlformats.org/officeDocument/2006/relationships" r:dm="rId2" r:lo="rId3" r:qs="rId4" r:cs="rId5"/>
-          </a:graphicData>
-        </a:graphic>
-      </p:graphicFrame>
       <p:sp>
         <p:nvSpPr>
-          <p:cNvPr id="4" name="Text Placeholder 3"/>
+          <p:cNvPr id="3" name="Content Placeholder 2"/>
           <p:cNvSpPr>
             <a:spLocks noGrp="1"/>
           </p:cNvSpPr>
           <p:nvPr>
-            <p:ph type="body" idx="2"/>
+            <p:ph idx="1"/>
           </p:nvPr>
         </p:nvSpPr>
         <p:spPr/>
@@ -18563,51 +16582,20 @@
           <a:bodyPr/>
           <a:lstStyle/>
           <a:p>
-            <a:pPr marL="294894" indent="-285750">
-              <a:buFont typeface="Arial" panose="020B0604020202020204" pitchFamily="34" charset="0"/>
-              <a:buChar char="•"/>
-            </a:pPr>
             <a:r>
               <a:rPr lang="en-US" dirty="0" smtClean="0"/>
-              <a:t>Prepare Export bundle using </a:t>
+              <a:t>Review Topology.txt and </a:t>
             </a:r>
             <a:r>
               <a:rPr lang="en-US" dirty="0" err="1" smtClean="0"/>
-              <a:t>MassSpecStudio</a:t>
-            </a:r>
+              <a:t>ConfigImp.yaml</a:t>
+            </a:r>
+            <a:endParaRPr lang="en-US" dirty="0"/>
+          </a:p>
+          <a:p>
             <a:r>
               <a:rPr lang="en-US" dirty="0" smtClean="0"/>
-              <a:t> wizard steps</a:t>
-            </a:r>
-          </a:p>
-          <a:p>
-            <a:pPr marL="294894" indent="-285750">
-              <a:buFont typeface="Arial" panose="020B0604020202020204" pitchFamily="34" charset="0"/>
-              <a:buChar char="•"/>
-            </a:pPr>
-            <a:r>
-              <a:rPr lang="en-US" dirty="0" smtClean="0"/>
-              <a:t>Prepare Deployment</a:t>
-            </a:r>
-          </a:p>
-          <a:p>
-            <a:pPr marL="294894" indent="-285750">
-              <a:buFont typeface="Arial" panose="020B0604020202020204" pitchFamily="34" charset="0"/>
-              <a:buChar char="•"/>
-            </a:pPr>
-            <a:r>
-              <a:rPr lang="en-US" dirty="0" smtClean="0"/>
-              <a:t>Run Modeling job</a:t>
-            </a:r>
-          </a:p>
-          <a:p>
-            <a:pPr marL="294894" indent="-285750">
-              <a:buFont typeface="Arial" panose="020B0604020202020204" pitchFamily="34" charset="0"/>
-              <a:buChar char="•"/>
-            </a:pPr>
-            <a:r>
-              <a:rPr lang="en-US" dirty="0" smtClean="0"/>
-              <a:t>Review</a:t>
+              <a:t>Review python driver scripts</a:t>
             </a:r>
           </a:p>
           <a:p>
@@ -18618,7 +16606,7 @@
     </p:spTree>
     <p:extLst>
       <p:ext uri="{BB962C8B-B14F-4D97-AF65-F5344CB8AC3E}">
-        <p14:creationId xmlns:p14="http://schemas.microsoft.com/office/powerpoint/2010/main" val="2650936474"/>
+        <p14:creationId xmlns:p14="http://schemas.microsoft.com/office/powerpoint/2010/main" val="3649477892"/>
       </p:ext>
     </p:extLst>
   </p:cSld>
@@ -18673,70 +16661,25 @@
           <a:lstStyle/>
           <a:p>
             <a:r>
+              <a:rPr lang="en-US" dirty="0" err="1" smtClean="0"/>
+              <a:t>ConfigImp.yaml</a:t>
+            </a:r>
+            <a:r>
               <a:rPr lang="en-US" dirty="0" smtClean="0"/>
-              <a:t>Example 2: </a:t>
-            </a:r>
-            <a:r>
-              <a:rPr lang="en-US" dirty="0" err="1" smtClean="0"/>
-              <a:t>IMProv</a:t>
-            </a:r>
-            <a:r>
-              <a:rPr lang="en-US" dirty="0" smtClean="0"/>
-              <a:t> PRC2</a:t>
-            </a:r>
-            <a:endParaRPr lang="en-US" dirty="0"/>
-          </a:p>
-        </p:txBody>
-      </p:sp>
-      <p:sp>
-        <p:nvSpPr>
-          <p:cNvPr id="4" name="Text Placeholder 3"/>
-          <p:cNvSpPr>
-            <a:spLocks noGrp="1"/>
-          </p:cNvSpPr>
-          <p:nvPr>
-            <p:ph sz="half" idx="1"/>
-          </p:nvPr>
-        </p:nvSpPr>
-        <p:spPr/>
-        <p:txBody>
-          <a:bodyPr/>
-          <a:lstStyle/>
-          <a:p>
-            <a:r>
-              <a:rPr lang="en-US" dirty="0" smtClean="0"/>
-              <a:t>Present another </a:t>
-            </a:r>
-            <a:r>
-              <a:rPr lang="en-US" dirty="0" err="1" smtClean="0"/>
-              <a:t>IMProv</a:t>
-            </a:r>
-            <a:r>
-              <a:rPr lang="en-US" dirty="0" smtClean="0"/>
-              <a:t> project</a:t>
-            </a:r>
-            <a:endParaRPr lang="en-US" dirty="0"/>
-          </a:p>
-          <a:p>
-            <a:r>
-              <a:rPr lang="en-US" dirty="0" smtClean="0"/>
-              <a:t> </a:t>
-            </a:r>
-            <a:endParaRPr lang="en-US" dirty="0"/>
-          </a:p>
-          <a:p>
+              <a:t> and driver scripts</a:t>
+            </a:r>
             <a:endParaRPr lang="en-US" dirty="0"/>
           </a:p>
         </p:txBody>
       </p:sp>
       <p:pic>
         <p:nvPicPr>
-          <p:cNvPr id="3" name="Content Placeholder 2"/>
+          <p:cNvPr id="5" name="Content Placeholder 4"/>
           <p:cNvPicPr>
             <a:picLocks noGrp="1" noChangeAspect="1"/>
           </p:cNvPicPr>
           <p:nvPr>
-            <p:ph sz="half" idx="2"/>
+            <p:ph sz="half" idx="1"/>
           </p:nvPr>
         </p:nvPicPr>
         <p:blipFill>
@@ -18753,15 +16696,62 @@
         </p:blipFill>
         <p:spPr>
           <a:xfrm>
-            <a:off x="6197600" y="2814326"/>
-            <a:ext cx="5384800" cy="3212135"/>
+            <a:off x="1974487" y="776288"/>
+            <a:ext cx="3259863" cy="5805487"/>
           </a:xfrm>
         </p:spPr>
       </p:pic>
+      <p:sp>
+        <p:nvSpPr>
+          <p:cNvPr id="4" name="Text Placeholder 3"/>
+          <p:cNvSpPr>
+            <a:spLocks noGrp="1"/>
+          </p:cNvSpPr>
+          <p:nvPr>
+            <p:ph type="body" idx="2"/>
+          </p:nvPr>
+        </p:nvSpPr>
+        <p:spPr/>
+        <p:txBody>
+          <a:bodyPr/>
+          <a:lstStyle/>
+          <a:p>
+            <a:pPr marL="294894" indent="-285750">
+              <a:buFont typeface="Arial" panose="020B0604020202020204" pitchFamily="34" charset="0"/>
+              <a:buChar char="•"/>
+            </a:pPr>
+            <a:r>
+              <a:rPr lang="en-US" dirty="0" smtClean="0"/>
+              <a:t>Sample PRC2 project contains the </a:t>
+            </a:r>
+            <a:r>
+              <a:rPr lang="en-US" dirty="0" err="1" smtClean="0"/>
+              <a:t>ConfigImp.yaml</a:t>
+            </a:r>
+            <a:r>
+              <a:rPr lang="en-US" dirty="0" smtClean="0"/>
+              <a:t> and driver scripts</a:t>
+            </a:r>
+          </a:p>
+          <a:p>
+            <a:pPr marL="294894" indent="-285750">
+              <a:buFont typeface="Arial" panose="020B0604020202020204" pitchFamily="34" charset="0"/>
+              <a:buChar char="•"/>
+            </a:pPr>
+            <a:r>
+              <a:rPr lang="en-US" dirty="0" smtClean="0"/>
+              <a:t>We also find setup scripts for Cedar and AWS. These are discussed later, when we cover the deployment steps.</a:t>
+            </a:r>
+          </a:p>
+          <a:p>
+            <a:endParaRPr lang="en-US" dirty="0"/>
+          </a:p>
+        </p:txBody>
+      </p:sp>
     </p:spTree>
     <p:extLst>
       <p:ext uri="{BB962C8B-B14F-4D97-AF65-F5344CB8AC3E}">
-        <p14:creationId xmlns:p14="http://schemas.microsoft.com/office/powerpoint/2010/main" val="411993636"/>
+        <p14:creationId xmlns:p14="http://schemas.microsoft.com/office/powerpoint/2010/main" val="3918137684"/>
       </p:ext>
     </p:extLst>
   </p:cSld>
@@ -18816,109 +16806,16 @@
           <a:lstStyle/>
           <a:p>
             <a:r>
-              <a:rPr lang="en-US" dirty="0" smtClean="0"/>
-              <a:t>Wizard Steps</a:t>
-            </a:r>
-            <a:endParaRPr lang="en-US" dirty="0"/>
-          </a:p>
-        </p:txBody>
-      </p:sp>
-      <p:sp>
-        <p:nvSpPr>
-          <p:cNvPr id="4" name="Text Placeholder 3"/>
-          <p:cNvSpPr>
-            <a:spLocks noGrp="1"/>
-          </p:cNvSpPr>
-          <p:nvPr>
-            <p:ph type="body" idx="2"/>
-          </p:nvPr>
-        </p:nvSpPr>
-        <p:spPr/>
-        <p:txBody>
-          <a:bodyPr/>
-          <a:lstStyle/>
-          <a:p>
-            <a:pPr lvl="1">
-              <a:buFont typeface="Arial" panose="020B0604020202020204" pitchFamily="34" charset="0"/>
-              <a:buChar char="•"/>
-            </a:pPr>
-            <a:r>
-              <a:rPr lang="en-US" sz="2400" b="1" dirty="0"/>
-              <a:t>Add Proteins.</a:t>
-            </a:r>
-          </a:p>
-          <a:p>
-            <a:pPr lvl="1">
-              <a:buFont typeface="Arial" panose="020B0604020202020204" pitchFamily="34" charset="0"/>
-              <a:buChar char="•"/>
-            </a:pPr>
-            <a:r>
-              <a:rPr lang="en-US" sz="2400" dirty="0">
-                <a:solidFill>
-                  <a:schemeClr val="bg1">
-                    <a:lumMod val="85000"/>
-                  </a:schemeClr>
-                </a:solidFill>
-              </a:rPr>
-              <a:t>Add Protein Topology</a:t>
-            </a:r>
-          </a:p>
-          <a:p>
-            <a:pPr lvl="1">
-              <a:buFont typeface="Arial" panose="020B0604020202020204" pitchFamily="34" charset="0"/>
-              <a:buChar char="•"/>
-            </a:pPr>
-            <a:r>
-              <a:rPr lang="en-US" sz="2400" dirty="0">
-                <a:solidFill>
-                  <a:schemeClr val="bg1">
-                    <a:lumMod val="85000"/>
-                  </a:schemeClr>
-                </a:solidFill>
-              </a:rPr>
-              <a:t>Add Link Data</a:t>
-            </a:r>
-          </a:p>
-          <a:p>
-            <a:pPr lvl="1">
-              <a:buFont typeface="Arial" panose="020B0604020202020204" pitchFamily="34" charset="0"/>
-              <a:buChar char="•"/>
-            </a:pPr>
-            <a:r>
-              <a:rPr lang="en-US" sz="2400" dirty="0">
-                <a:solidFill>
-                  <a:schemeClr val="bg1">
-                    <a:lumMod val="85000"/>
-                  </a:schemeClr>
-                </a:solidFill>
-              </a:rPr>
-              <a:t>HX-XL Classification</a:t>
-            </a:r>
-          </a:p>
-          <a:p>
-            <a:pPr lvl="1">
-              <a:buFont typeface="Arial" panose="020B0604020202020204" pitchFamily="34" charset="0"/>
-              <a:buChar char="•"/>
-            </a:pPr>
-            <a:r>
-              <a:rPr lang="en-US" sz="2400" dirty="0">
-                <a:solidFill>
-                  <a:schemeClr val="bg1">
-                    <a:lumMod val="85000"/>
-                  </a:schemeClr>
-                </a:solidFill>
-              </a:rPr>
-              <a:t>Configure IMP</a:t>
-            </a:r>
-          </a:p>
-          <a:p>
+              <a:rPr lang="en-US" dirty="0" err="1" smtClean="0"/>
+              <a:t>ConfigImp.yaml</a:t>
+            </a:r>
             <a:endParaRPr lang="en-US" dirty="0"/>
           </a:p>
         </p:txBody>
       </p:sp>
       <p:pic>
         <p:nvPicPr>
-          <p:cNvPr id="6" name="Content Placeholder 5"/>
+          <p:cNvPr id="5" name="Content Placeholder 4"/>
           <p:cNvPicPr>
             <a:picLocks noGrp="1" noChangeAspect="1"/>
           </p:cNvPicPr>
@@ -18940,15 +16837,44 @@
         </p:blipFill>
         <p:spPr>
           <a:xfrm>
-            <a:off x="265440" y="1025949"/>
-            <a:ext cx="6677957" cy="5306165"/>
+            <a:off x="1485789" y="2249488"/>
+            <a:ext cx="3632421" cy="4341812"/>
+          </a:xfrm>
+        </p:spPr>
+      </p:pic>
+      <p:pic>
+        <p:nvPicPr>
+          <p:cNvPr id="6" name="Content Placeholder 5"/>
+          <p:cNvPicPr>
+            <a:picLocks noGrp="1" noChangeAspect="1"/>
+          </p:cNvPicPr>
+          <p:nvPr>
+            <p:ph sz="half" idx="2"/>
+          </p:nvPr>
+        </p:nvPicPr>
+        <p:blipFill>
+          <a:blip r:embed="rId3">
+            <a:extLst>
+              <a:ext uri="{28A0092B-C50C-407E-A947-70E740481C1C}">
+                <a14:useLocalDpi xmlns:a14="http://schemas.microsoft.com/office/drawing/2010/main" val="0"/>
+              </a:ext>
+            </a:extLst>
+          </a:blip>
+          <a:stretch>
+            <a:fillRect/>
+          </a:stretch>
+        </p:blipFill>
+        <p:spPr>
+          <a:xfrm>
+            <a:off x="7550241" y="2249488"/>
+            <a:ext cx="2679518" cy="4341812"/>
           </a:xfrm>
         </p:spPr>
       </p:pic>
     </p:spTree>
     <p:extLst>
       <p:ext uri="{BB962C8B-B14F-4D97-AF65-F5344CB8AC3E}">
-        <p14:creationId xmlns:p14="http://schemas.microsoft.com/office/powerpoint/2010/main" val="735156006"/>
+        <p14:creationId xmlns:p14="http://schemas.microsoft.com/office/powerpoint/2010/main" val="540804810"/>
       </p:ext>
     </p:extLst>
   </p:cSld>
@@ -19003,109 +16929,32 @@
           <a:lstStyle/>
           <a:p>
             <a:r>
+              <a:rPr lang="en-US" b="1" dirty="0"/>
+              <a:t>i</a:t>
+            </a:r>
+            <a:r>
+              <a:rPr lang="en-US" b="1" dirty="0" smtClean="0"/>
+              <a:t>mp_job_run.py</a:t>
+            </a:r>
+            <a:r>
               <a:rPr lang="en-US" dirty="0" smtClean="0"/>
-              <a:t>Wizard Steps</a:t>
-            </a:r>
-            <a:endParaRPr lang="en-US" dirty="0"/>
-          </a:p>
-        </p:txBody>
-      </p:sp>
-      <p:sp>
-        <p:nvSpPr>
-          <p:cNvPr id="4" name="Text Placeholder 3"/>
-          <p:cNvSpPr>
-            <a:spLocks noGrp="1"/>
-          </p:cNvSpPr>
-          <p:nvPr>
-            <p:ph type="body" idx="2"/>
-          </p:nvPr>
-        </p:nvSpPr>
-        <p:spPr/>
-        <p:txBody>
-          <a:bodyPr/>
-          <a:lstStyle/>
-          <a:p>
-            <a:pPr lvl="1">
-              <a:buFont typeface="Arial" panose="020B0604020202020204" pitchFamily="34" charset="0"/>
-              <a:buChar char="•"/>
-            </a:pPr>
-            <a:r>
-              <a:rPr lang="en-US" sz="2400" dirty="0">
-                <a:solidFill>
-                  <a:schemeClr val="bg1">
-                    <a:lumMod val="85000"/>
-                  </a:schemeClr>
-                </a:solidFill>
-              </a:rPr>
-              <a:t>Add Proteins.</a:t>
-            </a:r>
-          </a:p>
-          <a:p>
-            <a:pPr lvl="1">
-              <a:buFont typeface="Arial" panose="020B0604020202020204" pitchFamily="34" charset="0"/>
-              <a:buChar char="•"/>
-            </a:pPr>
-            <a:r>
-              <a:rPr lang="en-US" sz="2400" dirty="0"/>
-              <a:t>Add Protein Topology</a:t>
-            </a:r>
-          </a:p>
-          <a:p>
-            <a:pPr lvl="1">
-              <a:buFont typeface="Arial" panose="020B0604020202020204" pitchFamily="34" charset="0"/>
-              <a:buChar char="•"/>
-            </a:pPr>
-            <a:r>
-              <a:rPr lang="en-US" sz="2400" dirty="0">
-                <a:solidFill>
-                  <a:schemeClr val="bg1">
-                    <a:lumMod val="85000"/>
-                  </a:schemeClr>
-                </a:solidFill>
-              </a:rPr>
-              <a:t>Add Link Data</a:t>
-            </a:r>
-          </a:p>
-          <a:p>
-            <a:pPr lvl="1">
-              <a:buFont typeface="Arial" panose="020B0604020202020204" pitchFamily="34" charset="0"/>
-              <a:buChar char="•"/>
-            </a:pPr>
-            <a:r>
-              <a:rPr lang="en-US" sz="2400" dirty="0">
-                <a:solidFill>
-                  <a:schemeClr val="bg1">
-                    <a:lumMod val="85000"/>
-                  </a:schemeClr>
-                </a:solidFill>
-              </a:rPr>
-              <a:t>HX-XL Classification</a:t>
-            </a:r>
-          </a:p>
-          <a:p>
-            <a:pPr lvl="1">
-              <a:buFont typeface="Arial" panose="020B0604020202020204" pitchFamily="34" charset="0"/>
-              <a:buChar char="•"/>
-            </a:pPr>
-            <a:r>
-              <a:rPr lang="en-US" sz="2400" dirty="0">
-                <a:solidFill>
-                  <a:schemeClr val="bg1">
-                    <a:lumMod val="85000"/>
-                  </a:schemeClr>
-                </a:solidFill>
-              </a:rPr>
-              <a:t>Configure IMP</a:t>
-            </a:r>
-          </a:p>
-          <a:p>
+              <a:t> and </a:t>
+            </a:r>
+            <a:r>
+              <a:rPr lang="en-US" b="1" dirty="0" smtClean="0"/>
+              <a:t>mjob_run.sh</a:t>
+            </a:r>
+            <a:r>
+              <a:rPr lang="en-US" dirty="0" smtClean="0"/>
+              <a:t> scripts</a:t>
+            </a:r>
             <a:endParaRPr lang="en-US" dirty="0"/>
           </a:p>
         </p:txBody>
       </p:sp>
       <p:pic>
         <p:nvPicPr>
-          <p:cNvPr id="6" name="Content Placeholder 5"/>
+          <p:cNvPr id="5" name="Content Placeholder 4"/>
           <p:cNvPicPr>
             <a:picLocks noGrp="1" noChangeAspect="1"/>
           </p:cNvPicPr>
@@ -19127,15 +16976,44 @@
         </p:blipFill>
         <p:spPr>
           <a:xfrm>
-            <a:off x="203200" y="2546217"/>
-            <a:ext cx="6802438" cy="2265628"/>
+            <a:off x="609600" y="2847776"/>
+            <a:ext cx="5384800" cy="3145235"/>
+          </a:xfrm>
+        </p:spPr>
+      </p:pic>
+      <p:pic>
+        <p:nvPicPr>
+          <p:cNvPr id="6" name="Content Placeholder 5"/>
+          <p:cNvPicPr>
+            <a:picLocks noGrp="1" noChangeAspect="1"/>
+          </p:cNvPicPr>
+          <p:nvPr>
+            <p:ph sz="half" idx="2"/>
+          </p:nvPr>
+        </p:nvPicPr>
+        <p:blipFill>
+          <a:blip r:embed="rId3">
+            <a:extLst>
+              <a:ext uri="{28A0092B-C50C-407E-A947-70E740481C1C}">
+                <a14:useLocalDpi xmlns:a14="http://schemas.microsoft.com/office/drawing/2010/main" val="0"/>
+              </a:ext>
+            </a:extLst>
+          </a:blip>
+          <a:stretch>
+            <a:fillRect/>
+          </a:stretch>
+        </p:blipFill>
+        <p:spPr>
+          <a:xfrm>
+            <a:off x="6293892" y="2249488"/>
+            <a:ext cx="5192215" cy="4341812"/>
           </a:xfrm>
         </p:spPr>
       </p:pic>
     </p:spTree>
     <p:extLst>
       <p:ext uri="{BB962C8B-B14F-4D97-AF65-F5344CB8AC3E}">
-        <p14:creationId xmlns:p14="http://schemas.microsoft.com/office/powerpoint/2010/main" val="103763415"/>
+        <p14:creationId xmlns:p14="http://schemas.microsoft.com/office/powerpoint/2010/main" val="729513327"/>
       </p:ext>
     </p:extLst>
   </p:cSld>
@@ -19190,109 +17068,20 @@
           <a:lstStyle/>
           <a:p>
             <a:r>
+              <a:rPr lang="en-US" dirty="0"/>
+              <a:t>p</a:t>
+            </a:r>
+            <a:r>
               <a:rPr lang="en-US" dirty="0" smtClean="0"/>
-              <a:t>Wizard Steps</a:t>
-            </a:r>
-            <a:endParaRPr lang="en-US" dirty="0"/>
-          </a:p>
-        </p:txBody>
-      </p:sp>
-      <p:sp>
-        <p:nvSpPr>
-          <p:cNvPr id="4" name="Text Placeholder 3"/>
-          <p:cNvSpPr>
-            <a:spLocks noGrp="1"/>
-          </p:cNvSpPr>
-          <p:nvPr>
-            <p:ph type="body" idx="2"/>
-          </p:nvPr>
-        </p:nvSpPr>
-        <p:spPr/>
-        <p:txBody>
-          <a:bodyPr/>
-          <a:lstStyle/>
-          <a:p>
-            <a:pPr lvl="1">
-              <a:buFont typeface="Arial" panose="020B0604020202020204" pitchFamily="34" charset="0"/>
-              <a:buChar char="•"/>
-            </a:pPr>
-            <a:r>
-              <a:rPr lang="en-US" sz="2400" dirty="0">
-                <a:solidFill>
-                  <a:schemeClr val="bg1">
-                    <a:lumMod val="85000"/>
-                  </a:schemeClr>
-                </a:solidFill>
-              </a:rPr>
-              <a:t>Add Proteins.</a:t>
-            </a:r>
-          </a:p>
-          <a:p>
-            <a:pPr lvl="1">
-              <a:buFont typeface="Arial" panose="020B0604020202020204" pitchFamily="34" charset="0"/>
-              <a:buChar char="•"/>
-            </a:pPr>
-            <a:r>
-              <a:rPr lang="en-US" sz="2400" dirty="0">
-                <a:solidFill>
-                  <a:schemeClr val="bg1">
-                    <a:lumMod val="85000"/>
-                  </a:schemeClr>
-                </a:solidFill>
-              </a:rPr>
-              <a:t>Add Protein Topology</a:t>
-            </a:r>
-          </a:p>
-          <a:p>
-            <a:pPr lvl="1">
-              <a:buFont typeface="Arial" panose="020B0604020202020204" pitchFamily="34" charset="0"/>
-              <a:buChar char="•"/>
-            </a:pPr>
-            <a:r>
-              <a:rPr lang="en-US" sz="2400" b="1" dirty="0"/>
-              <a:t>Add Link Data</a:t>
-            </a:r>
-          </a:p>
-          <a:p>
-            <a:pPr lvl="1">
-              <a:buFont typeface="Arial" panose="020B0604020202020204" pitchFamily="34" charset="0"/>
-              <a:buChar char="•"/>
-            </a:pPr>
-            <a:r>
-              <a:rPr lang="en-US" sz="2400" dirty="0">
-                <a:solidFill>
-                  <a:schemeClr val="bg1">
-                    <a:lumMod val="85000"/>
-                  </a:schemeClr>
-                </a:solidFill>
-              </a:rPr>
-              <a:t>HX-XL Classification</a:t>
-            </a:r>
-          </a:p>
-          <a:p>
-            <a:pPr lvl="1">
-              <a:buFont typeface="Arial" panose="020B0604020202020204" pitchFamily="34" charset="0"/>
-              <a:buChar char="•"/>
-            </a:pPr>
-            <a:r>
-              <a:rPr lang="en-US" sz="2400" dirty="0">
-                <a:solidFill>
-                  <a:schemeClr val="bg1">
-                    <a:lumMod val="85000"/>
-                  </a:schemeClr>
-                </a:solidFill>
-              </a:rPr>
-              <a:t>Configure IMP</a:t>
-            </a:r>
-          </a:p>
-          <a:p>
+              <a:t>rep_hyperp_imp_v2.py script content</a:t>
+            </a:r>
             <a:endParaRPr lang="en-US" dirty="0"/>
           </a:p>
         </p:txBody>
       </p:sp>
       <p:pic>
         <p:nvPicPr>
-          <p:cNvPr id="6" name="Content Placeholder 5"/>
+          <p:cNvPr id="5" name="Content Placeholder 4"/>
           <p:cNvPicPr>
             <a:picLocks noGrp="1" noChangeAspect="1"/>
           </p:cNvPicPr>
@@ -19314,15 +17103,44 @@
         </p:blipFill>
         <p:spPr>
           <a:xfrm>
-            <a:off x="203200" y="1546582"/>
-            <a:ext cx="6802438" cy="4264899"/>
+            <a:off x="1816100" y="3410744"/>
+            <a:ext cx="2971800" cy="2019300"/>
+          </a:xfrm>
+        </p:spPr>
+      </p:pic>
+      <p:pic>
+        <p:nvPicPr>
+          <p:cNvPr id="6" name="Content Placeholder 5"/>
+          <p:cNvPicPr>
+            <a:picLocks noGrp="1" noChangeAspect="1"/>
+          </p:cNvPicPr>
+          <p:nvPr>
+            <p:ph sz="half" idx="2"/>
+          </p:nvPr>
+        </p:nvPicPr>
+        <p:blipFill>
+          <a:blip r:embed="rId3">
+            <a:extLst>
+              <a:ext uri="{28A0092B-C50C-407E-A947-70E740481C1C}">
+                <a14:useLocalDpi xmlns:a14="http://schemas.microsoft.com/office/drawing/2010/main" val="0"/>
+              </a:ext>
+            </a:extLst>
+          </a:blip>
+          <a:stretch>
+            <a:fillRect/>
+          </a:stretch>
+        </p:blipFill>
+        <p:spPr>
+          <a:xfrm>
+            <a:off x="6197600" y="2432401"/>
+            <a:ext cx="5384800" cy="3975986"/>
           </a:xfrm>
         </p:spPr>
       </p:pic>
     </p:spTree>
     <p:extLst>
       <p:ext uri="{BB962C8B-B14F-4D97-AF65-F5344CB8AC3E}">
-        <p14:creationId xmlns:p14="http://schemas.microsoft.com/office/powerpoint/2010/main" val="2057387017"/>
+        <p14:creationId xmlns:p14="http://schemas.microsoft.com/office/powerpoint/2010/main" val="1741443359"/>
       </p:ext>
     </p:extLst>
   </p:cSld>
@@ -19377,109 +17195,20 @@
           <a:lstStyle/>
           <a:p>
             <a:r>
-              <a:rPr lang="en-US" dirty="0" smtClean="0"/>
-              <a:t>Wizard Steps</a:t>
-            </a:r>
-            <a:endParaRPr lang="en-US" dirty="0"/>
-          </a:p>
-        </p:txBody>
-      </p:sp>
-      <p:sp>
-        <p:nvSpPr>
-          <p:cNvPr id="4" name="Text Placeholder 3"/>
-          <p:cNvSpPr>
-            <a:spLocks noGrp="1"/>
-          </p:cNvSpPr>
-          <p:nvPr>
-            <p:ph type="body" idx="2"/>
-          </p:nvPr>
-        </p:nvSpPr>
-        <p:spPr/>
-        <p:txBody>
-          <a:bodyPr/>
-          <a:lstStyle/>
-          <a:p>
-            <a:pPr lvl="1">
-              <a:buFont typeface="Arial" panose="020B0604020202020204" pitchFamily="34" charset="0"/>
-              <a:buChar char="•"/>
-            </a:pPr>
-            <a:r>
-              <a:rPr lang="en-US" sz="2400" dirty="0">
-                <a:solidFill>
-                  <a:schemeClr val="bg1">
-                    <a:lumMod val="85000"/>
-                  </a:schemeClr>
-                </a:solidFill>
-              </a:rPr>
-              <a:t>Add Proteins.</a:t>
-            </a:r>
-          </a:p>
-          <a:p>
-            <a:pPr lvl="1">
-              <a:buFont typeface="Arial" panose="020B0604020202020204" pitchFamily="34" charset="0"/>
-              <a:buChar char="•"/>
-            </a:pPr>
-            <a:r>
-              <a:rPr lang="en-US" sz="2400" dirty="0">
-                <a:solidFill>
-                  <a:schemeClr val="bg1">
-                    <a:lumMod val="85000"/>
-                  </a:schemeClr>
-                </a:solidFill>
-              </a:rPr>
-              <a:t>Add Protein Topology</a:t>
-            </a:r>
-          </a:p>
-          <a:p>
-            <a:pPr lvl="1">
-              <a:buFont typeface="Arial" panose="020B0604020202020204" pitchFamily="34" charset="0"/>
-              <a:buChar char="•"/>
-            </a:pPr>
-            <a:r>
-              <a:rPr lang="en-US" sz="2400" dirty="0">
-                <a:solidFill>
-                  <a:schemeClr val="bg1">
-                    <a:lumMod val="85000"/>
-                  </a:schemeClr>
-                </a:solidFill>
-              </a:rPr>
-              <a:t>Add Link Data</a:t>
-            </a:r>
-          </a:p>
-          <a:p>
-            <a:pPr lvl="1">
-              <a:buFont typeface="Arial" panose="020B0604020202020204" pitchFamily="34" charset="0"/>
-              <a:buChar char="•"/>
-            </a:pPr>
-            <a:r>
-              <a:rPr lang="en-US" sz="2400" dirty="0">
-                <a:solidFill>
-                  <a:schemeClr val="bg1">
-                    <a:lumMod val="85000"/>
-                  </a:schemeClr>
-                </a:solidFill>
-              </a:rPr>
-              <a:t>HX-XL Classification</a:t>
-            </a:r>
-          </a:p>
-          <a:p>
-            <a:pPr lvl="1">
-              <a:buFont typeface="Arial" panose="020B0604020202020204" pitchFamily="34" charset="0"/>
-              <a:buChar char="•"/>
-            </a:pPr>
-            <a:r>
-              <a:rPr lang="en-US" sz="2400" b="1" dirty="0"/>
-              <a:t>Configure IMP</a:t>
-            </a:r>
-          </a:p>
-          <a:p>
+              <a:rPr lang="en-US" dirty="0" err="1"/>
+              <a:t>l</a:t>
+            </a:r>
+            <a:r>
+              <a:rPr lang="en-US" dirty="0" err="1" smtClean="0"/>
+              <a:t>oad_config</a:t>
+            </a:r>
             <a:endParaRPr lang="en-US" dirty="0"/>
           </a:p>
         </p:txBody>
       </p:sp>
       <p:pic>
         <p:nvPicPr>
-          <p:cNvPr id="5" name="Content Placeholder 4"/>
+          <p:cNvPr id="7" name="Content Placeholder 6"/>
           <p:cNvPicPr>
             <a:picLocks noGrp="1" noChangeAspect="1"/>
           </p:cNvPicPr>
@@ -19501,15 +17230,44 @@
         </p:blipFill>
         <p:spPr>
           <a:xfrm>
-            <a:off x="203200" y="1556149"/>
-            <a:ext cx="6802438" cy="4245765"/>
+            <a:off x="1816100" y="3410744"/>
+            <a:ext cx="2971800" cy="2019300"/>
+          </a:xfrm>
+        </p:spPr>
+      </p:pic>
+      <p:pic>
+        <p:nvPicPr>
+          <p:cNvPr id="8" name="Content Placeholder 7"/>
+          <p:cNvPicPr>
+            <a:picLocks noGrp="1" noChangeAspect="1"/>
+          </p:cNvPicPr>
+          <p:nvPr>
+            <p:ph sz="half" idx="2"/>
+          </p:nvPr>
+        </p:nvPicPr>
+        <p:blipFill>
+          <a:blip r:embed="rId3">
+            <a:extLst>
+              <a:ext uri="{28A0092B-C50C-407E-A947-70E740481C1C}">
+                <a14:useLocalDpi xmlns:a14="http://schemas.microsoft.com/office/drawing/2010/main" val="0"/>
+              </a:ext>
+            </a:extLst>
+          </a:blip>
+          <a:stretch>
+            <a:fillRect/>
+          </a:stretch>
+        </p:blipFill>
+        <p:spPr>
+          <a:xfrm>
+            <a:off x="7434698" y="2249488"/>
+            <a:ext cx="2910604" cy="4341812"/>
           </a:xfrm>
         </p:spPr>
       </p:pic>
     </p:spTree>
     <p:extLst>
       <p:ext uri="{BB962C8B-B14F-4D97-AF65-F5344CB8AC3E}">
-        <p14:creationId xmlns:p14="http://schemas.microsoft.com/office/powerpoint/2010/main" val="806362794"/>
+        <p14:creationId xmlns:p14="http://schemas.microsoft.com/office/powerpoint/2010/main" val="1814962297"/>
       </p:ext>
     </p:extLst>
   </p:cSld>
@@ -19565,59 +17323,74 @@
           <a:p>
             <a:r>
               <a:rPr lang="en-US" dirty="0" smtClean="0"/>
-              <a:t>Example 2 completed</a:t>
+              <a:t>Monte-Carlo Sampling</a:t>
             </a:r>
             <a:endParaRPr lang="en-US" dirty="0"/>
           </a:p>
         </p:txBody>
       </p:sp>
-      <p:sp>
-        <p:nvSpPr>
-          <p:cNvPr id="3" name="Text Placeholder 2"/>
-          <p:cNvSpPr>
-            <a:spLocks noGrp="1"/>
-          </p:cNvSpPr>
+      <p:pic>
+        <p:nvPicPr>
+          <p:cNvPr id="5" name="Content Placeholder 4"/>
+          <p:cNvPicPr>
+            <a:picLocks noGrp="1" noChangeAspect="1"/>
+          </p:cNvPicPr>
           <p:nvPr>
-            <p:ph idx="1"/>
+            <p:ph sz="half" idx="1"/>
           </p:nvPr>
-        </p:nvSpPr>
-        <p:spPr/>
-        <p:txBody>
-          <a:bodyPr/>
-          <a:lstStyle/>
-          <a:p>
-            <a:r>
-              <a:rPr lang="en-US" dirty="0" smtClean="0"/>
-              <a:t>We have seen two </a:t>
-            </a:r>
-            <a:r>
-              <a:rPr lang="en-US" dirty="0" err="1" smtClean="0"/>
-              <a:t>IMProv</a:t>
-            </a:r>
-            <a:r>
-              <a:rPr lang="en-US" dirty="0" smtClean="0"/>
-              <a:t> projects.</a:t>
-            </a:r>
-          </a:p>
-          <a:p>
-            <a:r>
-              <a:rPr lang="en-US" dirty="0" smtClean="0"/>
-              <a:t>The first had HX-XL profiling</a:t>
-            </a:r>
-          </a:p>
-          <a:p>
-            <a:r>
-              <a:rPr lang="en-US" dirty="0" smtClean="0"/>
-              <a:t>The second only had XL</a:t>
-            </a:r>
-            <a:endParaRPr lang="en-US" dirty="0"/>
-          </a:p>
-        </p:txBody>
-      </p:sp>
+        </p:nvPicPr>
+        <p:blipFill>
+          <a:blip r:embed="rId2">
+            <a:extLst>
+              <a:ext uri="{28A0092B-C50C-407E-A947-70E740481C1C}">
+                <a14:useLocalDpi xmlns:a14="http://schemas.microsoft.com/office/drawing/2010/main" val="0"/>
+              </a:ext>
+            </a:extLst>
+          </a:blip>
+          <a:stretch>
+            <a:fillRect/>
+          </a:stretch>
+        </p:blipFill>
+        <p:spPr>
+          <a:xfrm>
+            <a:off x="1816100" y="3410744"/>
+            <a:ext cx="2971800" cy="2019300"/>
+          </a:xfrm>
+        </p:spPr>
+      </p:pic>
+      <p:pic>
+        <p:nvPicPr>
+          <p:cNvPr id="8" name="Content Placeholder 7"/>
+          <p:cNvPicPr>
+            <a:picLocks noGrp="1" noChangeAspect="1"/>
+          </p:cNvPicPr>
+          <p:nvPr>
+            <p:ph sz="half" idx="2"/>
+          </p:nvPr>
+        </p:nvPicPr>
+        <p:blipFill>
+          <a:blip r:embed="rId3">
+            <a:extLst>
+              <a:ext uri="{28A0092B-C50C-407E-A947-70E740481C1C}">
+                <a14:useLocalDpi xmlns:a14="http://schemas.microsoft.com/office/drawing/2010/main" val="0"/>
+              </a:ext>
+            </a:extLst>
+          </a:blip>
+          <a:stretch>
+            <a:fillRect/>
+          </a:stretch>
+        </p:blipFill>
+        <p:spPr>
+          <a:xfrm>
+            <a:off x="6554888" y="2249488"/>
+            <a:ext cx="4670224" cy="4341812"/>
+          </a:xfrm>
+        </p:spPr>
+      </p:pic>
     </p:spTree>
     <p:extLst>
       <p:ext uri="{BB962C8B-B14F-4D97-AF65-F5344CB8AC3E}">
-        <p14:creationId xmlns:p14="http://schemas.microsoft.com/office/powerpoint/2010/main" val="2822598965"/>
+        <p14:creationId xmlns:p14="http://schemas.microsoft.com/office/powerpoint/2010/main" val="1665989749"/>
       </p:ext>
     </p:extLst>
   </p:cSld>
@@ -19672,44 +17445,75 @@
           <a:lstStyle/>
           <a:p>
             <a:r>
-              <a:rPr lang="en-US" dirty="0"/>
-              <a:t>Deployment of the Project</a:t>
-            </a:r>
+              <a:rPr lang="en-US" dirty="0" err="1" smtClean="0"/>
+              <a:t>ReplicaExchange</a:t>
+            </a:r>
+            <a:endParaRPr lang="en-US" dirty="0"/>
           </a:p>
         </p:txBody>
       </p:sp>
-      <p:sp>
-        <p:nvSpPr>
-          <p:cNvPr id="3" name="Content Placeholder 2"/>
-          <p:cNvSpPr>
-            <a:spLocks noGrp="1"/>
-          </p:cNvSpPr>
+      <p:pic>
+        <p:nvPicPr>
+          <p:cNvPr id="5" name="Content Placeholder 4"/>
+          <p:cNvPicPr>
+            <a:picLocks noGrp="1" noChangeAspect="1"/>
+          </p:cNvPicPr>
           <p:nvPr>
-            <p:ph idx="1"/>
+            <p:ph sz="half" idx="1"/>
           </p:nvPr>
-        </p:nvSpPr>
-        <p:spPr/>
-        <p:txBody>
-          <a:bodyPr/>
-          <a:lstStyle/>
-          <a:p>
-            <a:r>
-              <a:rPr lang="en-US" dirty="0"/>
-              <a:t>List the intended outcomes for this training session.</a:t>
-            </a:r>
-          </a:p>
-          <a:p>
-            <a:r>
-              <a:rPr lang="en-US" dirty="0"/>
-              <a:t>Each objective should be concise, should contain a verb, and should have a measurable result.</a:t>
-            </a:r>
-          </a:p>
-        </p:txBody>
-      </p:sp>
+        </p:nvPicPr>
+        <p:blipFill>
+          <a:blip r:embed="rId2">
+            <a:extLst>
+              <a:ext uri="{28A0092B-C50C-407E-A947-70E740481C1C}">
+                <a14:useLocalDpi xmlns:a14="http://schemas.microsoft.com/office/drawing/2010/main" val="0"/>
+              </a:ext>
+            </a:extLst>
+          </a:blip>
+          <a:stretch>
+            <a:fillRect/>
+          </a:stretch>
+        </p:blipFill>
+        <p:spPr>
+          <a:xfrm>
+            <a:off x="1816100" y="3410744"/>
+            <a:ext cx="2971800" cy="2019300"/>
+          </a:xfrm>
+        </p:spPr>
+      </p:pic>
+      <p:pic>
+        <p:nvPicPr>
+          <p:cNvPr id="6" name="Content Placeholder 5"/>
+          <p:cNvPicPr>
+            <a:picLocks noGrp="1" noChangeAspect="1"/>
+          </p:cNvPicPr>
+          <p:nvPr>
+            <p:ph sz="half" idx="2"/>
+          </p:nvPr>
+        </p:nvPicPr>
+        <p:blipFill>
+          <a:blip r:embed="rId3">
+            <a:extLst>
+              <a:ext uri="{28A0092B-C50C-407E-A947-70E740481C1C}">
+                <a14:useLocalDpi xmlns:a14="http://schemas.microsoft.com/office/drawing/2010/main" val="0"/>
+              </a:ext>
+            </a:extLst>
+          </a:blip>
+          <a:stretch>
+            <a:fillRect/>
+          </a:stretch>
+        </p:blipFill>
+        <p:spPr>
+          <a:xfrm>
+            <a:off x="6197600" y="2409473"/>
+            <a:ext cx="5384800" cy="4021842"/>
+          </a:xfrm>
+        </p:spPr>
+      </p:pic>
     </p:spTree>
     <p:extLst>
       <p:ext uri="{BB962C8B-B14F-4D97-AF65-F5344CB8AC3E}">
-        <p14:creationId xmlns:p14="http://schemas.microsoft.com/office/powerpoint/2010/main" val="4155348868"/>
+        <p14:creationId xmlns:p14="http://schemas.microsoft.com/office/powerpoint/2010/main" val="4267254998"/>
       </p:ext>
     </p:extLst>
   </p:cSld>
@@ -19763,13 +17567,17 @@
           <a:bodyPr/>
           <a:lstStyle/>
           <a:p>
-            <a:endParaRPr lang="en-US"/>
+            <a:r>
+              <a:rPr lang="en-US" dirty="0" smtClean="0"/>
+              <a:t>topology.txt data dictionary</a:t>
+            </a:r>
+            <a:endParaRPr lang="en-US" dirty="0"/>
           </a:p>
         </p:txBody>
       </p:sp>
       <p:pic>
         <p:nvPicPr>
-          <p:cNvPr id="6" name="Content Placeholder 5"/>
+          <p:cNvPr id="5" name="Content Placeholder 4"/>
           <p:cNvPicPr>
             <a:picLocks noGrp="1" noChangeAspect="1"/>
           </p:cNvPicPr>
@@ -19791,34 +17599,44 @@
         </p:blipFill>
         <p:spPr>
           <a:xfrm>
-            <a:off x="814403" y="776288"/>
-            <a:ext cx="5580031" cy="5805487"/>
+            <a:off x="944562" y="2839244"/>
+            <a:ext cx="4714875" cy="3162300"/>
           </a:xfrm>
         </p:spPr>
       </p:pic>
-      <p:sp>
-        <p:nvSpPr>
-          <p:cNvPr id="4" name="Text Placeholder 3"/>
-          <p:cNvSpPr>
-            <a:spLocks noGrp="1"/>
-          </p:cNvSpPr>
+      <p:pic>
+        <p:nvPicPr>
+          <p:cNvPr id="6" name="Content Placeholder 5"/>
+          <p:cNvPicPr>
+            <a:picLocks noGrp="1" noChangeAspect="1"/>
+          </p:cNvPicPr>
           <p:nvPr>
-            <p:ph type="body" idx="2"/>
+            <p:ph sz="half" idx="2"/>
           </p:nvPr>
-        </p:nvSpPr>
-        <p:spPr/>
-        <p:txBody>
-          <a:bodyPr/>
-          <a:lstStyle/>
-          <a:p>
-            <a:endParaRPr lang="en-US"/>
-          </a:p>
-        </p:txBody>
-      </p:sp>
+        </p:nvPicPr>
+        <p:blipFill>
+          <a:blip r:embed="rId3" cstate="print">
+            <a:extLst>
+              <a:ext uri="{28A0092B-C50C-407E-A947-70E740481C1C}">
+                <a14:useLocalDpi xmlns:a14="http://schemas.microsoft.com/office/drawing/2010/main" val="0"/>
+              </a:ext>
+            </a:extLst>
+          </a:blip>
+          <a:stretch>
+            <a:fillRect/>
+          </a:stretch>
+        </p:blipFill>
+        <p:spPr>
+          <a:xfrm>
+            <a:off x="6197600" y="3983691"/>
+            <a:ext cx="5384800" cy="873405"/>
+          </a:xfrm>
+        </p:spPr>
+      </p:pic>
     </p:spTree>
     <p:extLst>
       <p:ext uri="{BB962C8B-B14F-4D97-AF65-F5344CB8AC3E}">
-        <p14:creationId xmlns:p14="http://schemas.microsoft.com/office/powerpoint/2010/main" val="1903962938"/>
+        <p14:creationId xmlns:p14="http://schemas.microsoft.com/office/powerpoint/2010/main" val="3692647583"/>
       </p:ext>
     </p:extLst>
   </p:cSld>
@@ -19873,69 +17691,75 @@
           <a:lstStyle/>
           <a:p>
             <a:r>
-              <a:rPr lang="en-US" dirty="0"/>
-              <a:t>Lesson 3: Content</a:t>
-            </a:r>
+              <a:rPr lang="en-US" dirty="0" smtClean="0"/>
+              <a:t>data folder content </a:t>
+            </a:r>
+            <a:endParaRPr lang="en-US" dirty="0"/>
           </a:p>
         </p:txBody>
       </p:sp>
-      <p:sp>
-        <p:nvSpPr>
-          <p:cNvPr id="4" name="Text Placeholder 3"/>
-          <p:cNvSpPr>
-            <a:spLocks noGrp="1"/>
-          </p:cNvSpPr>
+      <p:pic>
+        <p:nvPicPr>
+          <p:cNvPr id="6" name="Content Placeholder 5"/>
+          <p:cNvPicPr>
+            <a:picLocks noGrp="1" noChangeAspect="1"/>
+          </p:cNvPicPr>
           <p:nvPr>
             <p:ph sz="half" idx="1"/>
           </p:nvPr>
-        </p:nvSpPr>
-        <p:spPr/>
-        <p:txBody>
-          <a:bodyPr/>
-          <a:lstStyle/>
-          <a:p>
-            <a:r>
-              <a:rPr lang="en-US" dirty="0"/>
-              <a:t>Add text here. </a:t>
-            </a:r>
-          </a:p>
-          <a:p>
-            <a:r>
-              <a:rPr lang="en-US" dirty="0"/>
-              <a:t>To add a picture, chart, or other content in the right column, click the appropriate icon.</a:t>
-            </a:r>
-          </a:p>
-          <a:p>
-            <a:r>
-              <a:rPr lang="en-US" dirty="0"/>
-              <a:t>To add a slide, click New Slide on the Insert menu, or press CTRL+M.</a:t>
-            </a:r>
-          </a:p>
-        </p:txBody>
-      </p:sp>
-      <p:sp>
-        <p:nvSpPr>
-          <p:cNvPr id="5" name="Content Placeholder 4"/>
-          <p:cNvSpPr>
-            <a:spLocks noGrp="1"/>
-          </p:cNvSpPr>
+        </p:nvPicPr>
+        <p:blipFill>
+          <a:blip r:embed="rId2">
+            <a:extLst>
+              <a:ext uri="{28A0092B-C50C-407E-A947-70E740481C1C}">
+                <a14:useLocalDpi xmlns:a14="http://schemas.microsoft.com/office/drawing/2010/main" val="0"/>
+              </a:ext>
+            </a:extLst>
+          </a:blip>
+          <a:stretch>
+            <a:fillRect/>
+          </a:stretch>
+        </p:blipFill>
+        <p:spPr>
+          <a:xfrm>
+            <a:off x="2088537" y="2249488"/>
+            <a:ext cx="2426925" cy="4341812"/>
+          </a:xfrm>
+        </p:spPr>
+      </p:pic>
+      <p:pic>
+        <p:nvPicPr>
+          <p:cNvPr id="8" name="Content Placeholder 7"/>
+          <p:cNvPicPr>
+            <a:picLocks noGrp="1" noChangeAspect="1"/>
+          </p:cNvPicPr>
           <p:nvPr>
             <p:ph sz="half" idx="2"/>
           </p:nvPr>
-        </p:nvSpPr>
-        <p:spPr/>
-        <p:txBody>
-          <a:bodyPr/>
-          <a:lstStyle/>
-          <a:p>
-            <a:endParaRPr lang="en-US"/>
-          </a:p>
-        </p:txBody>
-      </p:sp>
+        </p:nvPicPr>
+        <p:blipFill>
+          <a:blip r:embed="rId3">
+            <a:extLst>
+              <a:ext uri="{28A0092B-C50C-407E-A947-70E740481C1C}">
+                <a14:useLocalDpi xmlns:a14="http://schemas.microsoft.com/office/drawing/2010/main" val="0"/>
+              </a:ext>
+            </a:extLst>
+          </a:blip>
+          <a:stretch>
+            <a:fillRect/>
+          </a:stretch>
+        </p:blipFill>
+        <p:spPr>
+          <a:xfrm>
+            <a:off x="6197600" y="3958840"/>
+            <a:ext cx="5384800" cy="923108"/>
+          </a:xfrm>
+        </p:spPr>
+      </p:pic>
     </p:spTree>
     <p:extLst>
       <p:ext uri="{BB962C8B-B14F-4D97-AF65-F5344CB8AC3E}">
-        <p14:creationId xmlns:p14="http://schemas.microsoft.com/office/powerpoint/2010/main" val="3389132344"/>
+        <p14:creationId xmlns:p14="http://schemas.microsoft.com/office/powerpoint/2010/main" val="3783342095"/>
       </p:ext>
     </p:extLst>
   </p:cSld>
@@ -20141,20 +17965,50 @@
           <a:lstStyle/>
           <a:p>
             <a:r>
-              <a:rPr lang="en-US" dirty="0"/>
-              <a:t>Lesson 3: Wrap-up</a:t>
-            </a:r>
+              <a:rPr lang="en-US" dirty="0" err="1" smtClean="0"/>
+              <a:t>IMProv</a:t>
+            </a:r>
+            <a:r>
+              <a:rPr lang="en-US" dirty="0" smtClean="0"/>
+              <a:t> lifecycle</a:t>
+            </a:r>
+            <a:endParaRPr lang="en-US" dirty="0"/>
           </a:p>
         </p:txBody>
       </p:sp>
+      <p:graphicFrame>
+        <p:nvGraphicFramePr>
+          <p:cNvPr id="5" name="Content Placeholder 4"/>
+          <p:cNvGraphicFramePr>
+            <a:graphicFrameLocks noGrp="1"/>
+          </p:cNvGraphicFramePr>
+          <p:nvPr>
+            <p:ph sz="half" idx="1"/>
+            <p:extLst>
+              <p:ext uri="{D42A27DB-BD31-4B8C-83A1-F6EECF244321}">
+                <p14:modId xmlns:p14="http://schemas.microsoft.com/office/powerpoint/2010/main" val="4103997971"/>
+              </p:ext>
+            </p:extLst>
+          </p:nvPr>
+        </p:nvGraphicFramePr>
+        <p:xfrm>
+          <a:off x="203200" y="776288"/>
+          <a:ext cx="6802438" cy="5805487"/>
+        </p:xfrm>
+        <a:graphic>
+          <a:graphicData uri="http://schemas.openxmlformats.org/drawingml/2006/diagram">
+            <dgm:relIds xmlns:dgm="http://schemas.openxmlformats.org/drawingml/2006/diagram" xmlns:r="http://schemas.openxmlformats.org/officeDocument/2006/relationships" r:dm="rId2" r:lo="rId3" r:qs="rId4" r:cs="rId5"/>
+          </a:graphicData>
+        </a:graphic>
+      </p:graphicFrame>
       <p:sp>
         <p:nvSpPr>
-          <p:cNvPr id="3" name="Text Placeholder 2"/>
+          <p:cNvPr id="4" name="Text Placeholder 3"/>
           <p:cNvSpPr>
             <a:spLocks noGrp="1"/>
           </p:cNvSpPr>
           <p:nvPr>
-            <p:ph idx="1"/>
+            <p:ph type="body" idx="2"/>
           </p:nvPr>
         </p:nvSpPr>
         <p:spPr/>
@@ -20162,23 +18016,62 @@
           <a:bodyPr/>
           <a:lstStyle/>
           <a:p>
-            <a:r>
-              <a:rPr lang="en-US" dirty="0"/>
-              <a:t>Summarize important points.</a:t>
-            </a:r>
-          </a:p>
-          <a:p>
-            <a:r>
-              <a:rPr lang="en-US" dirty="0"/>
-              <a:t>Allow time for questions.</a:t>
-            </a:r>
+            <a:pPr marL="294894" indent="-285750">
+              <a:buFont typeface="Arial" panose="020B0604020202020204" pitchFamily="34" charset="0"/>
+              <a:buChar char="•"/>
+            </a:pPr>
+            <a:r>
+              <a:rPr lang="en-US" dirty="0" smtClean="0"/>
+              <a:t>Prepare Export bundle using </a:t>
+            </a:r>
+            <a:r>
+              <a:rPr lang="en-US" dirty="0" err="1" smtClean="0"/>
+              <a:t>MassSpecStudio</a:t>
+            </a:r>
+            <a:r>
+              <a:rPr lang="en-US" dirty="0" smtClean="0"/>
+              <a:t> wizard steps</a:t>
+            </a:r>
+          </a:p>
+          <a:p>
+            <a:pPr marL="294894" indent="-285750">
+              <a:buFont typeface="Arial" panose="020B0604020202020204" pitchFamily="34" charset="0"/>
+              <a:buChar char="•"/>
+            </a:pPr>
+            <a:r>
+              <a:rPr lang="en-US" dirty="0" smtClean="0"/>
+              <a:t>Prepare Deployment</a:t>
+            </a:r>
+          </a:p>
+          <a:p>
+            <a:pPr marL="294894" indent="-285750">
+              <a:buFont typeface="Arial" panose="020B0604020202020204" pitchFamily="34" charset="0"/>
+              <a:buChar char="•"/>
+            </a:pPr>
+            <a:r>
+              <a:rPr lang="en-US" dirty="0" smtClean="0"/>
+              <a:t>Run Modeling job</a:t>
+            </a:r>
+          </a:p>
+          <a:p>
+            <a:pPr marL="294894" indent="-285750">
+              <a:buFont typeface="Arial" panose="020B0604020202020204" pitchFamily="34" charset="0"/>
+              <a:buChar char="•"/>
+            </a:pPr>
+            <a:r>
+              <a:rPr lang="en-US" dirty="0" smtClean="0"/>
+              <a:t>Review</a:t>
+            </a:r>
+          </a:p>
+          <a:p>
+            <a:endParaRPr lang="en-US" dirty="0"/>
           </a:p>
         </p:txBody>
       </p:sp>
     </p:spTree>
     <p:extLst>
       <p:ext uri="{BB962C8B-B14F-4D97-AF65-F5344CB8AC3E}">
-        <p14:creationId xmlns:p14="http://schemas.microsoft.com/office/powerpoint/2010/main" val="1531528155"/>
+        <p14:creationId xmlns:p14="http://schemas.microsoft.com/office/powerpoint/2010/main" val="2650936474"/>
       </p:ext>
     </p:extLst>
   </p:cSld>
@@ -20234,7 +18127,15 @@
           <a:p>
             <a:r>
               <a:rPr lang="en-US" dirty="0" smtClean="0"/>
-              <a:t>Summary</a:t>
+              <a:t>Example 2: </a:t>
+            </a:r>
+            <a:r>
+              <a:rPr lang="en-US" dirty="0" err="1" smtClean="0"/>
+              <a:t>IMProv</a:t>
+            </a:r>
+            <a:r>
+              <a:rPr lang="en-US" dirty="0" smtClean="0"/>
+              <a:t> PRC2</a:t>
             </a:r>
             <a:endParaRPr lang="en-US" dirty="0"/>
           </a:p>
@@ -20242,12 +18143,12 @@
       </p:sp>
       <p:sp>
         <p:nvSpPr>
-          <p:cNvPr id="3" name="Content Placeholder 2"/>
+          <p:cNvPr id="4" name="Text Placeholder 3"/>
           <p:cNvSpPr>
             <a:spLocks noGrp="1"/>
           </p:cNvSpPr>
           <p:nvPr>
-            <p:ph idx="1"/>
+            <p:ph sz="half" idx="1"/>
           </p:nvPr>
         </p:nvSpPr>
         <p:spPr/>
@@ -20256,73 +18157,57 @@
           <a:lstStyle/>
           <a:p>
             <a:r>
+              <a:rPr lang="en-US" dirty="0" smtClean="0"/>
+              <a:t>Present another </a:t>
+            </a:r>
+            <a:r>
               <a:rPr lang="en-US" dirty="0" err="1" smtClean="0"/>
               <a:t>IMProv</a:t>
             </a:r>
             <a:r>
               <a:rPr lang="en-US" dirty="0" smtClean="0"/>
-              <a:t> </a:t>
-            </a:r>
-            <a:r>
-              <a:rPr lang="en-US" dirty="0" err="1" smtClean="0"/>
-              <a:t>lifecyle</a:t>
-            </a:r>
-            <a:r>
-              <a:rPr lang="en-US" dirty="0" smtClean="0"/>
-              <a:t>.</a:t>
+              <a:t> project</a:t>
             </a:r>
             <a:endParaRPr lang="en-US" dirty="0"/>
           </a:p>
           <a:p>
-            <a:r>
-              <a:rPr lang="en-US" dirty="0" smtClean="0"/>
-              <a:t>Online guides and tutorials.</a:t>
-            </a:r>
             <a:endParaRPr lang="en-US" dirty="0"/>
-          </a:p>
-          <a:p>
-            <a:pPr lvl="1"/>
-            <a:r>
-              <a:rPr lang="en-US" dirty="0" smtClean="0"/>
-              <a:t>IMProv_msstudio_tut.md ( tiny </a:t>
-            </a:r>
-            <a:r>
-              <a:rPr lang="en-US" dirty="0" err="1" smtClean="0"/>
-              <a:t>url</a:t>
-            </a:r>
-            <a:r>
-              <a:rPr lang="en-US" dirty="0" smtClean="0"/>
-              <a:t> )</a:t>
-            </a:r>
-          </a:p>
-          <a:p>
-            <a:pPr lvl="1"/>
-            <a:r>
-              <a:rPr lang="en-US" dirty="0" err="1" smtClean="0"/>
-              <a:t>uml_activity_diag_improv.svg</a:t>
-            </a:r>
-            <a:endParaRPr lang="en-US" dirty="0" smtClean="0"/>
-          </a:p>
-          <a:p>
-            <a:pPr lvl="1"/>
-            <a:r>
-              <a:rPr lang="en-US" dirty="0" smtClean="0"/>
-              <a:t>IMProv_on_AWS_tut.md</a:t>
-            </a:r>
-          </a:p>
-          <a:p>
-            <a:pPr lvl="1"/>
-            <a:r>
-              <a:rPr lang="en-US" dirty="0"/>
-              <a:t>IMProv_on_Cedar_tut.md</a:t>
-            </a:r>
           </a:p>
         </p:txBody>
       </p:sp>
+      <p:pic>
+        <p:nvPicPr>
+          <p:cNvPr id="6" name="Content Placeholder 5"/>
+          <p:cNvPicPr>
+            <a:picLocks noGrp="1" noChangeAspect="1"/>
+          </p:cNvPicPr>
+          <p:nvPr>
+            <p:ph sz="half" idx="2"/>
+          </p:nvPr>
+        </p:nvPicPr>
+        <p:blipFill>
+          <a:blip r:embed="rId2">
+            <a:extLst>
+              <a:ext uri="{28A0092B-C50C-407E-A947-70E740481C1C}">
+                <a14:useLocalDpi xmlns:a14="http://schemas.microsoft.com/office/drawing/2010/main" val="0"/>
+              </a:ext>
+            </a:extLst>
+          </a:blip>
+          <a:stretch>
+            <a:fillRect/>
+          </a:stretch>
+        </p:blipFill>
+        <p:spPr>
+          <a:xfrm>
+            <a:off x="7676537" y="2249488"/>
+            <a:ext cx="2426925" cy="4341812"/>
+          </a:xfrm>
+        </p:spPr>
+      </p:pic>
     </p:spTree>
     <p:extLst>
       <p:ext uri="{BB962C8B-B14F-4D97-AF65-F5344CB8AC3E}">
-        <p14:creationId xmlns:p14="http://schemas.microsoft.com/office/powerpoint/2010/main" val="3809512885"/>
+        <p14:creationId xmlns:p14="http://schemas.microsoft.com/office/powerpoint/2010/main" val="411993636"/>
       </p:ext>
     </p:extLst>
   </p:cSld>
@@ -20377,20 +18262,21 @@
           <a:lstStyle/>
           <a:p>
             <a:r>
-              <a:rPr lang="en-US" dirty="0"/>
-              <a:t>Assessment and Evaluation</a:t>
-            </a:r>
+              <a:rPr lang="en-US" dirty="0" smtClean="0"/>
+              <a:t>Wizard Steps</a:t>
+            </a:r>
+            <a:endParaRPr lang="en-US" dirty="0"/>
           </a:p>
         </p:txBody>
       </p:sp>
       <p:sp>
         <p:nvSpPr>
-          <p:cNvPr id="3" name="Content Placeholder 2"/>
+          <p:cNvPr id="4" name="Text Placeholder 3"/>
           <p:cNvSpPr>
             <a:spLocks noGrp="1"/>
           </p:cNvSpPr>
           <p:nvPr>
-            <p:ph idx="1"/>
+            <p:ph type="body" idx="2"/>
           </p:nvPr>
         </p:nvSpPr>
         <p:spPr/>
@@ -20398,52 +18284,117 @@
           <a:bodyPr/>
           <a:lstStyle/>
           <a:p>
-            <a:r>
-              <a:rPr lang="en-US" dirty="0" smtClean="0"/>
-              <a:t>How is the python driver script and </a:t>
-            </a:r>
-            <a:r>
-              <a:rPr lang="en-US" dirty="0" err="1" smtClean="0"/>
-              <a:t>IMPConfig.yaml</a:t>
-            </a:r>
-            <a:r>
-              <a:rPr lang="en-US" dirty="0" smtClean="0"/>
-              <a:t> a convenience? </a:t>
-            </a:r>
-          </a:p>
-          <a:p>
-            <a:pPr lvl="1"/>
-            <a:r>
-              <a:rPr lang="en-US" dirty="0" smtClean="0"/>
-              <a:t>what would you need to do if there are not available?</a:t>
-            </a:r>
-          </a:p>
-          <a:p>
-            <a:r>
-              <a:rPr lang="en-US" dirty="0" err="1" smtClean="0"/>
-              <a:t>IMProv</a:t>
-            </a:r>
-            <a:r>
-              <a:rPr lang="en-US" dirty="0" smtClean="0"/>
-              <a:t> comprises file preparation and deployment. How would you go about performing each?</a:t>
-            </a:r>
-          </a:p>
-          <a:p>
-            <a:endParaRPr lang="en-US" dirty="0"/>
-          </a:p>
-          <a:p>
-            <a:r>
-              <a:rPr lang="en-US" dirty="0" smtClean="0"/>
-              <a:t>Did you find this guided tutorial helpful?</a:t>
-            </a:r>
+            <a:pPr lvl="1">
+              <a:buFont typeface="Arial" panose="020B0604020202020204" pitchFamily="34" charset="0"/>
+              <a:buChar char="•"/>
+            </a:pPr>
+            <a:r>
+              <a:rPr lang="en-US" sz="2400" b="1" dirty="0"/>
+              <a:t>Add Proteins.</a:t>
+            </a:r>
+          </a:p>
+          <a:p>
+            <a:pPr lvl="1">
+              <a:buFont typeface="Arial" panose="020B0604020202020204" pitchFamily="34" charset="0"/>
+              <a:buChar char="•"/>
+            </a:pPr>
+            <a:r>
+              <a:rPr lang="en-US" sz="2400" dirty="0">
+                <a:solidFill>
+                  <a:schemeClr val="bg1">
+                    <a:lumMod val="85000"/>
+                  </a:schemeClr>
+                </a:solidFill>
+              </a:rPr>
+              <a:t>Add Protein Topology</a:t>
+            </a:r>
+          </a:p>
+          <a:p>
+            <a:pPr lvl="1">
+              <a:buFont typeface="Arial" panose="020B0604020202020204" pitchFamily="34" charset="0"/>
+              <a:buChar char="•"/>
+            </a:pPr>
+            <a:r>
+              <a:rPr lang="en-US" sz="2400" dirty="0">
+                <a:solidFill>
+                  <a:schemeClr val="bg1">
+                    <a:lumMod val="85000"/>
+                  </a:schemeClr>
+                </a:solidFill>
+              </a:rPr>
+              <a:t>Add Link Data</a:t>
+            </a:r>
+          </a:p>
+          <a:p>
+            <a:pPr lvl="1">
+              <a:buFont typeface="Arial" panose="020B0604020202020204" pitchFamily="34" charset="0"/>
+              <a:buChar char="•"/>
+            </a:pPr>
+            <a:r>
+              <a:rPr lang="en-US" sz="2400" dirty="0">
+                <a:solidFill>
+                  <a:schemeClr val="bg1">
+                    <a:lumMod val="85000"/>
+                  </a:schemeClr>
+                </a:solidFill>
+              </a:rPr>
+              <a:t>HX-XL Classification</a:t>
+            </a:r>
+          </a:p>
+          <a:p>
+            <a:pPr lvl="1">
+              <a:buFont typeface="Arial" panose="020B0604020202020204" pitchFamily="34" charset="0"/>
+              <a:buChar char="•"/>
+            </a:pPr>
+            <a:r>
+              <a:rPr lang="en-US" sz="2400" dirty="0">
+                <a:solidFill>
+                  <a:schemeClr val="bg1">
+                    <a:lumMod val="85000"/>
+                  </a:schemeClr>
+                </a:solidFill>
+              </a:rPr>
+              <a:t>Configure IMP</a:t>
+            </a:r>
+          </a:p>
+          <a:p>
             <a:endParaRPr lang="en-US" dirty="0"/>
           </a:p>
         </p:txBody>
       </p:sp>
+      <p:pic>
+        <p:nvPicPr>
+          <p:cNvPr id="6" name="Content Placeholder 5"/>
+          <p:cNvPicPr>
+            <a:picLocks noGrp="1" noChangeAspect="1"/>
+          </p:cNvPicPr>
+          <p:nvPr>
+            <p:ph sz="half" idx="1"/>
+          </p:nvPr>
+        </p:nvPicPr>
+        <p:blipFill>
+          <a:blip r:embed="rId2">
+            <a:extLst>
+              <a:ext uri="{28A0092B-C50C-407E-A947-70E740481C1C}">
+                <a14:useLocalDpi xmlns:a14="http://schemas.microsoft.com/office/drawing/2010/main" val="0"/>
+              </a:ext>
+            </a:extLst>
+          </a:blip>
+          <a:stretch>
+            <a:fillRect/>
+          </a:stretch>
+        </p:blipFill>
+        <p:spPr>
+          <a:xfrm>
+            <a:off x="265440" y="1025949"/>
+            <a:ext cx="6677957" cy="5306165"/>
+          </a:xfrm>
+        </p:spPr>
+      </p:pic>
     </p:spTree>
     <p:extLst>
       <p:ext uri="{BB962C8B-B14F-4D97-AF65-F5344CB8AC3E}">
-        <p14:creationId xmlns:p14="http://schemas.microsoft.com/office/powerpoint/2010/main" val="687654895"/>
+        <p14:creationId xmlns:p14="http://schemas.microsoft.com/office/powerpoint/2010/main" val="735156006"/>
       </p:ext>
     </p:extLst>
   </p:cSld>
@@ -20497,13 +18448,9 @@
           <a:bodyPr/>
           <a:lstStyle/>
           <a:p>
-            <a:pPr marL="571500" indent="-571500">
-              <a:buFont typeface="Arial" panose="020B0604020202020204" pitchFamily="34" charset="0"/>
-              <a:buChar char="•"/>
-            </a:pPr>
             <a:r>
               <a:rPr lang="en-US" dirty="0" smtClean="0"/>
-              <a:t>Abbreviations</a:t>
+              <a:t>Wizard Steps</a:t>
             </a:r>
             <a:endParaRPr lang="en-US" dirty="0"/>
           </a:p>
@@ -20511,274 +18458,1178 @@
       </p:sp>
       <p:sp>
         <p:nvSpPr>
-          <p:cNvPr id="3" name="Rectangle 2"/>
-          <p:cNvSpPr/>
-          <p:nvPr/>
+          <p:cNvPr id="4" name="Text Placeholder 3"/>
+          <p:cNvSpPr>
+            <a:spLocks noGrp="1"/>
+          </p:cNvSpPr>
+          <p:nvPr>
+            <p:ph type="body" idx="2"/>
+          </p:nvPr>
         </p:nvSpPr>
-        <p:spPr>
-          <a:xfrm>
-            <a:off x="65903" y="1897415"/>
-            <a:ext cx="11755394" cy="4401205"/>
-          </a:xfrm>
-          <a:prstGeom prst="rect">
-            <a:avLst/>
-          </a:prstGeom>
-        </p:spPr>
+        <p:spPr/>
         <p:txBody>
-          <a:bodyPr wrap="square">
-            <a:spAutoFit/>
-          </a:bodyPr>
+          <a:bodyPr/>
           <a:lstStyle/>
           <a:p>
-            <a:endParaRPr lang="en-US" sz="1400" dirty="0"/>
-          </a:p>
-          <a:p>
-            <a:pPr marL="285750" indent="-285750">
+            <a:pPr lvl="1">
               <a:buFont typeface="Arial" panose="020B0604020202020204" pitchFamily="34" charset="0"/>
               <a:buChar char="•"/>
             </a:pPr>
             <a:r>
-              <a:rPr lang="en-US" sz="1400" b="1" dirty="0" err="1"/>
-              <a:t>Cryo</a:t>
-            </a:r>
-            <a:r>
-              <a:rPr lang="en-US" sz="1400" b="1" dirty="0"/>
-              <a:t>-EM:  </a:t>
-            </a:r>
-            <a:r>
-              <a:rPr lang="en-US" sz="1400" dirty="0" err="1"/>
-              <a:t>cryoelectron</a:t>
-            </a:r>
-            <a:r>
-              <a:rPr lang="en-US" sz="1400" dirty="0"/>
-              <a:t> microscopy | https://www.sciencedirect.com/science/article/pii/S0304416517302374</a:t>
-            </a:r>
-          </a:p>
-          <a:p>
-            <a:pPr marL="285750" indent="-285750">
+              <a:rPr lang="en-US" sz="2400" dirty="0">
+                <a:solidFill>
+                  <a:schemeClr val="bg1">
+                    <a:lumMod val="85000"/>
+                  </a:schemeClr>
+                </a:solidFill>
+              </a:rPr>
+              <a:t>Add Proteins.</a:t>
+            </a:r>
+          </a:p>
+          <a:p>
+            <a:pPr lvl="1">
               <a:buFont typeface="Arial" panose="020B0604020202020204" pitchFamily="34" charset="0"/>
               <a:buChar char="•"/>
             </a:pPr>
             <a:r>
-              <a:rPr lang="en-US" sz="1400" b="1" dirty="0"/>
-              <a:t>FDR</a:t>
-            </a:r>
-            <a:r>
-              <a:rPr lang="en-US" sz="1400" dirty="0"/>
-              <a:t>: False Discovery Rate | https://www.bioinfor.com/fdr-tutorial/</a:t>
-            </a:r>
-          </a:p>
-          <a:p>
-            <a:pPr marL="285750" indent="-285750">
+              <a:rPr lang="en-US" sz="2400" dirty="0"/>
+              <a:t>Add Protein Topology</a:t>
+            </a:r>
+          </a:p>
+          <a:p>
+            <a:pPr lvl="1">
               <a:buFont typeface="Arial" panose="020B0604020202020204" pitchFamily="34" charset="0"/>
               <a:buChar char="•"/>
             </a:pPr>
             <a:r>
-              <a:rPr lang="en-US" sz="1400" b="1" dirty="0"/>
-              <a:t>HPC</a:t>
-            </a:r>
-            <a:r>
-              <a:rPr lang="en-US" sz="1400" dirty="0"/>
-              <a:t>:  High Performance Computing | https://docs.computecanada.ca/wiki/Getting_started</a:t>
-            </a:r>
-          </a:p>
-          <a:p>
-            <a:pPr marL="285750" indent="-285750">
+              <a:rPr lang="en-US" sz="2400" dirty="0">
+                <a:solidFill>
+                  <a:schemeClr val="bg1">
+                    <a:lumMod val="85000"/>
+                  </a:schemeClr>
+                </a:solidFill>
+              </a:rPr>
+              <a:t>Add Link Data</a:t>
+            </a:r>
+          </a:p>
+          <a:p>
+            <a:pPr lvl="1">
               <a:buFont typeface="Arial" panose="020B0604020202020204" pitchFamily="34" charset="0"/>
               <a:buChar char="•"/>
             </a:pPr>
             <a:r>
-              <a:rPr lang="en-US" sz="1400" b="1" dirty="0"/>
-              <a:t>HX-MS</a:t>
-            </a:r>
-            <a:r>
-              <a:rPr lang="en-US" sz="1400" dirty="0"/>
-              <a:t>:  Hydrogen </a:t>
-            </a:r>
-            <a:r>
-              <a:rPr lang="en-US" sz="1400" dirty="0" err="1"/>
-              <a:t>eXchange</a:t>
-            </a:r>
-            <a:r>
-              <a:rPr lang="en-US" sz="1400" dirty="0"/>
-              <a:t> Mass Spectrometry | https://neu.hxms.com/research/tutorial_theory.htm#:~:text=Hydrogen%20exchange%20(HX)%20combined%20with,of%20proteins%20and%20protein%20structure.</a:t>
-            </a:r>
-          </a:p>
-          <a:p>
-            <a:pPr marL="285750" indent="-285750">
+              <a:rPr lang="en-US" sz="2400" dirty="0">
+                <a:solidFill>
+                  <a:schemeClr val="bg1">
+                    <a:lumMod val="85000"/>
+                  </a:schemeClr>
+                </a:solidFill>
+              </a:rPr>
+              <a:t>HX-XL Classification</a:t>
+            </a:r>
+          </a:p>
+          <a:p>
+            <a:pPr lvl="1">
               <a:buFont typeface="Arial" panose="020B0604020202020204" pitchFamily="34" charset="0"/>
               <a:buChar char="•"/>
             </a:pPr>
             <a:r>
-              <a:rPr lang="en-US" sz="1400" b="1" dirty="0"/>
-              <a:t>IMP</a:t>
-            </a:r>
-            <a:r>
-              <a:rPr lang="en-US" sz="1400" dirty="0"/>
-              <a:t>:  Integrative Modeling Platform | https://integrativemodeling.org/</a:t>
-            </a:r>
-          </a:p>
-          <a:p>
-            <a:pPr marL="285750" indent="-285750">
+              <a:rPr lang="en-US" sz="2400" dirty="0">
+                <a:solidFill>
+                  <a:schemeClr val="bg1">
+                    <a:lumMod val="85000"/>
+                  </a:schemeClr>
+                </a:solidFill>
+              </a:rPr>
+              <a:t>Configure IMP</a:t>
+            </a:r>
+          </a:p>
+          <a:p>
+            <a:endParaRPr lang="en-US" dirty="0"/>
+          </a:p>
+        </p:txBody>
+      </p:sp>
+      <p:pic>
+        <p:nvPicPr>
+          <p:cNvPr id="6" name="Content Placeholder 5"/>
+          <p:cNvPicPr>
+            <a:picLocks noGrp="1" noChangeAspect="1"/>
+          </p:cNvPicPr>
+          <p:nvPr>
+            <p:ph sz="half" idx="1"/>
+          </p:nvPr>
+        </p:nvPicPr>
+        <p:blipFill>
+          <a:blip r:embed="rId2">
+            <a:extLst>
+              <a:ext uri="{28A0092B-C50C-407E-A947-70E740481C1C}">
+                <a14:useLocalDpi xmlns:a14="http://schemas.microsoft.com/office/drawing/2010/main" val="0"/>
+              </a:ext>
+            </a:extLst>
+          </a:blip>
+          <a:stretch>
+            <a:fillRect/>
+          </a:stretch>
+        </p:blipFill>
+        <p:spPr>
+          <a:xfrm>
+            <a:off x="203200" y="2546217"/>
+            <a:ext cx="6802438" cy="2265628"/>
+          </a:xfrm>
+        </p:spPr>
+      </p:pic>
+    </p:spTree>
+    <p:extLst>
+      <p:ext uri="{BB962C8B-B14F-4D97-AF65-F5344CB8AC3E}">
+        <p14:creationId xmlns:p14="http://schemas.microsoft.com/office/powerpoint/2010/main" val="103763415"/>
+      </p:ext>
+    </p:extLst>
+  </p:cSld>
+  <p:clrMapOvr>
+    <a:masterClrMapping/>
+  </p:clrMapOvr>
+  <mc:AlternateContent xmlns:mc="http://schemas.openxmlformats.org/markup-compatibility/2006" xmlns:p14="http://schemas.microsoft.com/office/powerpoint/2010/main">
+    <mc:Choice Requires="p14">
+      <p:transition spd="med" p14:dur="700">
+        <p:fade/>
+      </p:transition>
+    </mc:Choice>
+    <mc:Fallback xmlns="">
+      <p:transition spd="med">
+        <p:fade/>
+      </p:transition>
+    </mc:Fallback>
+  </mc:AlternateContent>
+</p:sld>
+</file>
+
+<file path=ppt/slides/slide34.xml><?xml version="1.0" encoding="utf-8"?>
+<p:sld xmlns:a="http://schemas.openxmlformats.org/drawingml/2006/main" xmlns:r="http://schemas.openxmlformats.org/officeDocument/2006/relationships" xmlns:p="http://schemas.openxmlformats.org/presentationml/2006/main">
+  <p:cSld>
+    <p:spTree>
+      <p:nvGrpSpPr>
+        <p:cNvPr id="1" name=""/>
+        <p:cNvGrpSpPr/>
+        <p:nvPr/>
+      </p:nvGrpSpPr>
+      <p:grpSpPr>
+        <a:xfrm>
+          <a:off x="0" y="0"/>
+          <a:ext cx="0" cy="0"/>
+          <a:chOff x="0" y="0"/>
+          <a:chExt cx="0" cy="0"/>
+        </a:xfrm>
+      </p:grpSpPr>
+      <p:sp>
+        <p:nvSpPr>
+          <p:cNvPr id="2" name="Title 1"/>
+          <p:cNvSpPr>
+            <a:spLocks noGrp="1"/>
+          </p:cNvSpPr>
+          <p:nvPr>
+            <p:ph type="title"/>
+          </p:nvPr>
+        </p:nvSpPr>
+        <p:spPr/>
+        <p:txBody>
+          <a:bodyPr/>
+          <a:lstStyle/>
+          <a:p>
+            <a:r>
+              <a:rPr lang="en-US" dirty="0" smtClean="0"/>
+              <a:t>Wizard Steps</a:t>
+            </a:r>
+            <a:endParaRPr lang="en-US" dirty="0"/>
+          </a:p>
+        </p:txBody>
+      </p:sp>
+      <p:sp>
+        <p:nvSpPr>
+          <p:cNvPr id="4" name="Text Placeholder 3"/>
+          <p:cNvSpPr>
+            <a:spLocks noGrp="1"/>
+          </p:cNvSpPr>
+          <p:nvPr>
+            <p:ph type="body" idx="2"/>
+          </p:nvPr>
+        </p:nvSpPr>
+        <p:spPr/>
+        <p:txBody>
+          <a:bodyPr/>
+          <a:lstStyle/>
+          <a:p>
+            <a:pPr lvl="1">
               <a:buFont typeface="Arial" panose="020B0604020202020204" pitchFamily="34" charset="0"/>
               <a:buChar char="•"/>
             </a:pPr>
             <a:r>
-              <a:rPr lang="en-US" sz="1400" b="1" dirty="0"/>
-              <a:t>PMI</a:t>
-            </a:r>
-            <a:r>
-              <a:rPr lang="en-US" sz="1400" dirty="0"/>
-              <a:t>:  Python Modeling Interface | https://integrativemodeling.org/</a:t>
-            </a:r>
-          </a:p>
-          <a:p>
-            <a:pPr marL="285750" indent="-285750">
+              <a:rPr lang="en-US" sz="2400" dirty="0">
+                <a:solidFill>
+                  <a:schemeClr val="bg1">
+                    <a:lumMod val="85000"/>
+                  </a:schemeClr>
+                </a:solidFill>
+              </a:rPr>
+              <a:t>Add Proteins.</a:t>
+            </a:r>
+          </a:p>
+          <a:p>
+            <a:pPr lvl="1">
               <a:buFont typeface="Arial" panose="020B0604020202020204" pitchFamily="34" charset="0"/>
               <a:buChar char="•"/>
             </a:pPr>
             <a:r>
-              <a:rPr lang="en-US" sz="1400" b="1" dirty="0"/>
-              <a:t>PRC2</a:t>
-            </a:r>
-            <a:r>
-              <a:rPr lang="en-US" sz="1400" dirty="0"/>
-              <a:t>:  </a:t>
-            </a:r>
-            <a:r>
-              <a:rPr lang="en-US" sz="1400" dirty="0" err="1"/>
-              <a:t>Polycomb</a:t>
-            </a:r>
-            <a:r>
-              <a:rPr lang="en-US" sz="1400" dirty="0"/>
-              <a:t> Repressive Complex 2 | https://www.ncbi.nlm.nih.gov/pmc/articles/PMC5008062/</a:t>
-            </a:r>
-          </a:p>
-          <a:p>
-            <a:pPr marL="285750" indent="-285750">
+              <a:rPr lang="en-US" sz="2400" dirty="0">
+                <a:solidFill>
+                  <a:schemeClr val="bg1">
+                    <a:lumMod val="85000"/>
+                  </a:schemeClr>
+                </a:solidFill>
+              </a:rPr>
+              <a:t>Add Protein Topology</a:t>
+            </a:r>
+          </a:p>
+          <a:p>
+            <a:pPr lvl="1">
               <a:buFont typeface="Arial" panose="020B0604020202020204" pitchFamily="34" charset="0"/>
               <a:buChar char="•"/>
             </a:pPr>
             <a:r>
-              <a:rPr lang="en-US" sz="1400" b="1" dirty="0"/>
-              <a:t>SLURM</a:t>
-            </a:r>
-            <a:r>
-              <a:rPr lang="en-US" sz="1400" dirty="0"/>
-              <a:t>: Simple Linux Utility for Resource Management | https://en.wikipedia.org/wiki/Slurm_Workload_Manager</a:t>
-            </a:r>
-          </a:p>
-          <a:p>
-            <a:pPr marL="285750" indent="-285750">
+              <a:rPr lang="en-US" sz="2400" b="1" dirty="0"/>
+              <a:t>Add Link Data</a:t>
+            </a:r>
+          </a:p>
+          <a:p>
+            <a:pPr lvl="1">
               <a:buFont typeface="Arial" panose="020B0604020202020204" pitchFamily="34" charset="0"/>
               <a:buChar char="•"/>
             </a:pPr>
             <a:r>
-              <a:rPr lang="en-US" sz="1400" b="1" dirty="0"/>
-              <a:t>XL-MS</a:t>
-            </a:r>
-            <a:r>
-              <a:rPr lang="en-US" sz="1400" dirty="0"/>
-              <a:t>:  Crosslinking Mass Spectrometry | https://</a:t>
-            </a:r>
-            <a:r>
-              <a:rPr lang="en-US" sz="1400" dirty="0" smtClean="0"/>
-              <a:t>www.technologynetworks.com/proteomics/articles/cross-linking-mass-spectrometry-a-key-player-in-the-structural-biologists-toolbox-322446</a:t>
-            </a:r>
-            <a:endParaRPr lang="en-US" sz="1400" dirty="0"/>
-          </a:p>
-          <a:p>
-            <a:pPr marL="285750" indent="-285750">
+              <a:rPr lang="en-US" sz="2400" dirty="0">
+                <a:solidFill>
+                  <a:schemeClr val="bg1">
+                    <a:lumMod val="85000"/>
+                  </a:schemeClr>
+                </a:solidFill>
+              </a:rPr>
+              <a:t>HX-XL Classification</a:t>
+            </a:r>
+          </a:p>
+          <a:p>
+            <a:pPr lvl="1">
               <a:buFont typeface="Arial" panose="020B0604020202020204" pitchFamily="34" charset="0"/>
               <a:buChar char="•"/>
             </a:pPr>
             <a:r>
-              <a:rPr lang="en-US" sz="1400" b="1" dirty="0"/>
-              <a:t>FASTA</a:t>
-            </a:r>
-            <a:r>
-              <a:rPr lang="en-US" sz="1400" dirty="0"/>
-              <a:t>: The FASTA format is sometimes also referred to as the "Pearson" format (after the author of the FASTA program and ditto format). | https://www.bioinformatics.nl/tools/crab_fasta.html ; https://en.wikipedia.org/wiki/FASTA_format</a:t>
-            </a:r>
-          </a:p>
-          <a:p>
-            <a:pPr marL="285750" indent="-285750">
+              <a:rPr lang="en-US" sz="2400" dirty="0">
+                <a:solidFill>
+                  <a:schemeClr val="bg1">
+                    <a:lumMod val="85000"/>
+                  </a:schemeClr>
+                </a:solidFill>
+              </a:rPr>
+              <a:t>Configure IMP</a:t>
+            </a:r>
+          </a:p>
+          <a:p>
+            <a:endParaRPr lang="en-US" dirty="0"/>
+          </a:p>
+        </p:txBody>
+      </p:sp>
+      <p:pic>
+        <p:nvPicPr>
+          <p:cNvPr id="6" name="Content Placeholder 5"/>
+          <p:cNvPicPr>
+            <a:picLocks noGrp="1" noChangeAspect="1"/>
+          </p:cNvPicPr>
+          <p:nvPr>
+            <p:ph sz="half" idx="1"/>
+          </p:nvPr>
+        </p:nvPicPr>
+        <p:blipFill>
+          <a:blip r:embed="rId2">
+            <a:extLst>
+              <a:ext uri="{28A0092B-C50C-407E-A947-70E740481C1C}">
+                <a14:useLocalDpi xmlns:a14="http://schemas.microsoft.com/office/drawing/2010/main" val="0"/>
+              </a:ext>
+            </a:extLst>
+          </a:blip>
+          <a:stretch>
+            <a:fillRect/>
+          </a:stretch>
+        </p:blipFill>
+        <p:spPr>
+          <a:xfrm>
+            <a:off x="203200" y="1546582"/>
+            <a:ext cx="6802438" cy="4264899"/>
+          </a:xfrm>
+        </p:spPr>
+      </p:pic>
+    </p:spTree>
+    <p:extLst>
+      <p:ext uri="{BB962C8B-B14F-4D97-AF65-F5344CB8AC3E}">
+        <p14:creationId xmlns:p14="http://schemas.microsoft.com/office/powerpoint/2010/main" val="2057387017"/>
+      </p:ext>
+    </p:extLst>
+  </p:cSld>
+  <p:clrMapOvr>
+    <a:masterClrMapping/>
+  </p:clrMapOvr>
+  <mc:AlternateContent xmlns:mc="http://schemas.openxmlformats.org/markup-compatibility/2006" xmlns:p14="http://schemas.microsoft.com/office/powerpoint/2010/main">
+    <mc:Choice Requires="p14">
+      <p:transition spd="med" p14:dur="700">
+        <p:fade/>
+      </p:transition>
+    </mc:Choice>
+    <mc:Fallback xmlns="">
+      <p:transition spd="med">
+        <p:fade/>
+      </p:transition>
+    </mc:Fallback>
+  </mc:AlternateContent>
+</p:sld>
+</file>
+
+<file path=ppt/slides/slide35.xml><?xml version="1.0" encoding="utf-8"?>
+<p:sld xmlns:a="http://schemas.openxmlformats.org/drawingml/2006/main" xmlns:r="http://schemas.openxmlformats.org/officeDocument/2006/relationships" xmlns:p="http://schemas.openxmlformats.org/presentationml/2006/main">
+  <p:cSld>
+    <p:spTree>
+      <p:nvGrpSpPr>
+        <p:cNvPr id="1" name=""/>
+        <p:cNvGrpSpPr/>
+        <p:nvPr/>
+      </p:nvGrpSpPr>
+      <p:grpSpPr>
+        <a:xfrm>
+          <a:off x="0" y="0"/>
+          <a:ext cx="0" cy="0"/>
+          <a:chOff x="0" y="0"/>
+          <a:chExt cx="0" cy="0"/>
+        </a:xfrm>
+      </p:grpSpPr>
+      <p:sp>
+        <p:nvSpPr>
+          <p:cNvPr id="2" name="Title 1"/>
+          <p:cNvSpPr>
+            <a:spLocks noGrp="1"/>
+          </p:cNvSpPr>
+          <p:nvPr>
+            <p:ph type="title"/>
+          </p:nvPr>
+        </p:nvSpPr>
+        <p:spPr/>
+        <p:txBody>
+          <a:bodyPr/>
+          <a:lstStyle/>
+          <a:p>
+            <a:r>
+              <a:rPr lang="en-US" dirty="0" smtClean="0"/>
+              <a:t>Wizard Steps</a:t>
+            </a:r>
+            <a:endParaRPr lang="en-US" dirty="0"/>
+          </a:p>
+        </p:txBody>
+      </p:sp>
+      <p:sp>
+        <p:nvSpPr>
+          <p:cNvPr id="4" name="Text Placeholder 3"/>
+          <p:cNvSpPr>
+            <a:spLocks noGrp="1"/>
+          </p:cNvSpPr>
+          <p:nvPr>
+            <p:ph type="body" idx="2"/>
+          </p:nvPr>
+        </p:nvSpPr>
+        <p:spPr/>
+        <p:txBody>
+          <a:bodyPr/>
+          <a:lstStyle/>
+          <a:p>
+            <a:pPr lvl="1">
               <a:buFont typeface="Arial" panose="020B0604020202020204" pitchFamily="34" charset="0"/>
               <a:buChar char="•"/>
             </a:pPr>
             <a:r>
-              <a:rPr lang="en-US" sz="1400" b="1" dirty="0"/>
-              <a:t>PDB</a:t>
-            </a:r>
-            <a:r>
-              <a:rPr lang="en-US" sz="1400" dirty="0"/>
-              <a:t>: The Protein Data Bank (</a:t>
-            </a:r>
-            <a:r>
-              <a:rPr lang="en-US" sz="1400" dirty="0" err="1"/>
-              <a:t>pdb</a:t>
-            </a:r>
-            <a:r>
-              <a:rPr lang="en-US" sz="1400" dirty="0"/>
-              <a:t>) file format is a textual file format describing the three-dimensional structures of molecules held in the Protein Data Bank | https://pdb101.rcsb.org/learn/guide-to-understanding-pdb-data/introduction ; https://www.rcsb.org/</a:t>
-            </a:r>
-          </a:p>
-          <a:p>
-            <a:pPr marL="285750" indent="-285750">
+              <a:rPr lang="en-US" sz="2400" dirty="0">
+                <a:solidFill>
+                  <a:schemeClr val="bg1">
+                    <a:lumMod val="85000"/>
+                  </a:schemeClr>
+                </a:solidFill>
+              </a:rPr>
+              <a:t>Add Proteins.</a:t>
+            </a:r>
+          </a:p>
+          <a:p>
+            <a:pPr lvl="1">
               <a:buFont typeface="Arial" panose="020B0604020202020204" pitchFamily="34" charset="0"/>
               <a:buChar char="•"/>
             </a:pPr>
             <a:r>
-              <a:rPr lang="en-US" sz="1400" b="1" dirty="0"/>
-              <a:t>AWS</a:t>
-            </a:r>
-            <a:r>
-              <a:rPr lang="en-US" sz="1400" dirty="0"/>
-              <a:t>: Amazon Web Services | https://aws.amazon.com/console/</a:t>
-            </a:r>
-          </a:p>
-          <a:p>
-            <a:pPr marL="285750" indent="-285750">
+              <a:rPr lang="en-US" sz="2400" dirty="0">
+                <a:solidFill>
+                  <a:schemeClr val="bg1">
+                    <a:lumMod val="85000"/>
+                  </a:schemeClr>
+                </a:solidFill>
+              </a:rPr>
+              <a:t>Add Protein Topology</a:t>
+            </a:r>
+          </a:p>
+          <a:p>
+            <a:pPr lvl="1">
               <a:buFont typeface="Arial" panose="020B0604020202020204" pitchFamily="34" charset="0"/>
               <a:buChar char="•"/>
             </a:pPr>
             <a:r>
-              <a:rPr lang="en-US" sz="1400" b="1" dirty="0"/>
-              <a:t>Cedar</a:t>
-            </a:r>
-            <a:r>
-              <a:rPr lang="en-US" sz="1400" dirty="0"/>
-              <a:t>: Compute Canada HPC Cluster | https://status.computecanada.ca/</a:t>
-            </a:r>
-          </a:p>
-          <a:p>
-            <a:pPr marL="285750" indent="-285750">
+              <a:rPr lang="en-US" sz="2400" dirty="0">
+                <a:solidFill>
+                  <a:schemeClr val="bg1">
+                    <a:lumMod val="85000"/>
+                  </a:schemeClr>
+                </a:solidFill>
+              </a:rPr>
+              <a:t>Add Link Data</a:t>
+            </a:r>
+          </a:p>
+          <a:p>
+            <a:pPr lvl="1">
               <a:buFont typeface="Arial" panose="020B0604020202020204" pitchFamily="34" charset="0"/>
               <a:buChar char="•"/>
             </a:pPr>
             <a:r>
-              <a:rPr lang="en-US" sz="1400" b="1" dirty="0"/>
-              <a:t>Linux</a:t>
-            </a:r>
-            <a:r>
-              <a:rPr lang="en-US" sz="1400" dirty="0"/>
-              <a:t>: Operating System, </a:t>
-            </a:r>
-            <a:r>
-              <a:rPr lang="en-US" sz="1400" dirty="0" err="1"/>
-              <a:t>RedHat</a:t>
-            </a:r>
-            <a:r>
-              <a:rPr lang="en-US" sz="1400" dirty="0"/>
-              <a:t> Enterprise Linux (or variants, such as CentOS or Scientific Linux) | </a:t>
-            </a:r>
+              <a:rPr lang="en-US" sz="2400" dirty="0">
+                <a:solidFill>
+                  <a:schemeClr val="bg1">
+                    <a:lumMod val="85000"/>
+                  </a:schemeClr>
+                </a:solidFill>
+              </a:rPr>
+              <a:t>HX-XL Classification</a:t>
+            </a:r>
+          </a:p>
+          <a:p>
+            <a:pPr lvl="1">
+              <a:buFont typeface="Arial" panose="020B0604020202020204" pitchFamily="34" charset="0"/>
+              <a:buChar char="•"/>
+            </a:pPr>
+            <a:r>
+              <a:rPr lang="en-US" sz="2400" b="1" dirty="0"/>
+              <a:t>Configure IMP</a:t>
+            </a:r>
+          </a:p>
+          <a:p>
+            <a:endParaRPr lang="en-US" dirty="0"/>
+          </a:p>
+        </p:txBody>
+      </p:sp>
+      <p:pic>
+        <p:nvPicPr>
+          <p:cNvPr id="5" name="Content Placeholder 4"/>
+          <p:cNvPicPr>
+            <a:picLocks noGrp="1" noChangeAspect="1"/>
+          </p:cNvPicPr>
+          <p:nvPr>
+            <p:ph sz="half" idx="1"/>
+          </p:nvPr>
+        </p:nvPicPr>
+        <p:blipFill>
+          <a:blip r:embed="rId2">
+            <a:extLst>
+              <a:ext uri="{28A0092B-C50C-407E-A947-70E740481C1C}">
+                <a14:useLocalDpi xmlns:a14="http://schemas.microsoft.com/office/drawing/2010/main" val="0"/>
+              </a:ext>
+            </a:extLst>
+          </a:blip>
+          <a:stretch>
+            <a:fillRect/>
+          </a:stretch>
+        </p:blipFill>
+        <p:spPr>
+          <a:xfrm>
+            <a:off x="203200" y="1556149"/>
+            <a:ext cx="6802438" cy="4245765"/>
+          </a:xfrm>
+        </p:spPr>
+      </p:pic>
+    </p:spTree>
+    <p:extLst>
+      <p:ext uri="{BB962C8B-B14F-4D97-AF65-F5344CB8AC3E}">
+        <p14:creationId xmlns:p14="http://schemas.microsoft.com/office/powerpoint/2010/main" val="806362794"/>
+      </p:ext>
+    </p:extLst>
+  </p:cSld>
+  <p:clrMapOvr>
+    <a:masterClrMapping/>
+  </p:clrMapOvr>
+  <mc:AlternateContent xmlns:mc="http://schemas.openxmlformats.org/markup-compatibility/2006" xmlns:p14="http://schemas.microsoft.com/office/powerpoint/2010/main">
+    <mc:Choice Requires="p14">
+      <p:transition spd="med" p14:dur="700">
+        <p:fade/>
+      </p:transition>
+    </mc:Choice>
+    <mc:Fallback xmlns="">
+      <p:transition spd="med">
+        <p:fade/>
+      </p:transition>
+    </mc:Fallback>
+  </mc:AlternateContent>
+</p:sld>
+</file>
+
+<file path=ppt/slides/slide36.xml><?xml version="1.0" encoding="utf-8"?>
+<p:sld xmlns:a="http://schemas.openxmlformats.org/drawingml/2006/main" xmlns:r="http://schemas.openxmlformats.org/officeDocument/2006/relationships" xmlns:p="http://schemas.openxmlformats.org/presentationml/2006/main">
+  <p:cSld>
+    <p:spTree>
+      <p:nvGrpSpPr>
+        <p:cNvPr id="1" name=""/>
+        <p:cNvGrpSpPr/>
+        <p:nvPr/>
+      </p:nvGrpSpPr>
+      <p:grpSpPr>
+        <a:xfrm>
+          <a:off x="0" y="0"/>
+          <a:ext cx="0" cy="0"/>
+          <a:chOff x="0" y="0"/>
+          <a:chExt cx="0" cy="0"/>
+        </a:xfrm>
+      </p:grpSpPr>
+      <p:sp>
+        <p:nvSpPr>
+          <p:cNvPr id="2" name="Title 1"/>
+          <p:cNvSpPr>
+            <a:spLocks noGrp="1"/>
+          </p:cNvSpPr>
+          <p:nvPr>
+            <p:ph type="title"/>
+          </p:nvPr>
+        </p:nvSpPr>
+        <p:spPr/>
+        <p:txBody>
+          <a:bodyPr/>
+          <a:lstStyle/>
+          <a:p>
+            <a:r>
+              <a:rPr lang="en-US" dirty="0" smtClean="0"/>
+              <a:t>Final remarks on </a:t>
+            </a:r>
+            <a:r>
+              <a:rPr lang="en-US" dirty="0" err="1" smtClean="0"/>
+              <a:t>IMProv</a:t>
+            </a:r>
+            <a:endParaRPr lang="en-US" dirty="0"/>
+          </a:p>
+        </p:txBody>
+      </p:sp>
+      <p:sp>
+        <p:nvSpPr>
+          <p:cNvPr id="3" name="Text Placeholder 2"/>
+          <p:cNvSpPr>
+            <a:spLocks noGrp="1"/>
+          </p:cNvSpPr>
+          <p:nvPr>
+            <p:ph idx="1"/>
+          </p:nvPr>
+        </p:nvSpPr>
+        <p:spPr/>
+        <p:txBody>
+          <a:bodyPr/>
+          <a:lstStyle/>
+          <a:p>
+            <a:r>
+              <a:rPr lang="en-US" dirty="0" smtClean="0"/>
+              <a:t>We have seen two </a:t>
+            </a:r>
+            <a:r>
+              <a:rPr lang="en-US" dirty="0" err="1" smtClean="0"/>
+              <a:t>IMProv</a:t>
+            </a:r>
+            <a:r>
+              <a:rPr lang="en-US" dirty="0" smtClean="0"/>
+              <a:t> projects.</a:t>
+            </a:r>
+          </a:p>
+          <a:p>
+            <a:endParaRPr lang="en-US" dirty="0" smtClean="0"/>
           </a:p>
         </p:txBody>
       </p:sp>
     </p:spTree>
     <p:extLst>
       <p:ext uri="{BB962C8B-B14F-4D97-AF65-F5344CB8AC3E}">
-        <p14:creationId xmlns:p14="http://schemas.microsoft.com/office/powerpoint/2010/main" val="1207600953"/>
+        <p14:creationId xmlns:p14="http://schemas.microsoft.com/office/powerpoint/2010/main" val="2822598965"/>
+      </p:ext>
+    </p:extLst>
+  </p:cSld>
+  <p:clrMapOvr>
+    <a:masterClrMapping/>
+  </p:clrMapOvr>
+  <mc:AlternateContent xmlns:mc="http://schemas.openxmlformats.org/markup-compatibility/2006" xmlns:p14="http://schemas.microsoft.com/office/powerpoint/2010/main">
+    <mc:Choice Requires="p14">
+      <p:transition spd="med" p14:dur="700">
+        <p:fade/>
+      </p:transition>
+    </mc:Choice>
+    <mc:Fallback xmlns="">
+      <p:transition spd="med">
+        <p:fade/>
+      </p:transition>
+    </mc:Fallback>
+  </mc:AlternateContent>
+</p:sld>
+</file>
+
+<file path=ppt/slides/slide37.xml><?xml version="1.0" encoding="utf-8"?>
+<p:sld xmlns:a="http://schemas.openxmlformats.org/drawingml/2006/main" xmlns:r="http://schemas.openxmlformats.org/officeDocument/2006/relationships" xmlns:p="http://schemas.openxmlformats.org/presentationml/2006/main">
+  <p:cSld>
+    <p:spTree>
+      <p:nvGrpSpPr>
+        <p:cNvPr id="1" name=""/>
+        <p:cNvGrpSpPr/>
+        <p:nvPr/>
+      </p:nvGrpSpPr>
+      <p:grpSpPr>
+        <a:xfrm>
+          <a:off x="0" y="0"/>
+          <a:ext cx="0" cy="0"/>
+          <a:chOff x="0" y="0"/>
+          <a:chExt cx="0" cy="0"/>
+        </a:xfrm>
+      </p:grpSpPr>
+      <p:sp>
+        <p:nvSpPr>
+          <p:cNvPr id="2" name="Title 1"/>
+          <p:cNvSpPr>
+            <a:spLocks noGrp="1"/>
+          </p:cNvSpPr>
+          <p:nvPr>
+            <p:ph type="title"/>
+          </p:nvPr>
+        </p:nvSpPr>
+        <p:spPr/>
+        <p:txBody>
+          <a:bodyPr/>
+          <a:lstStyle/>
+          <a:p>
+            <a:r>
+              <a:rPr lang="en-US" dirty="0"/>
+              <a:t>Deployment of the Project</a:t>
+            </a:r>
+          </a:p>
+        </p:txBody>
+      </p:sp>
+      <p:sp>
+        <p:nvSpPr>
+          <p:cNvPr id="3" name="Content Placeholder 2"/>
+          <p:cNvSpPr>
+            <a:spLocks noGrp="1"/>
+          </p:cNvSpPr>
+          <p:nvPr>
+            <p:ph idx="1"/>
+          </p:nvPr>
+        </p:nvSpPr>
+        <p:spPr/>
+        <p:txBody>
+          <a:bodyPr/>
+          <a:lstStyle/>
+          <a:p>
+            <a:r>
+              <a:rPr lang="en-US" dirty="0" smtClean="0"/>
+              <a:t>Deployment follows a 3 step setup process.</a:t>
+            </a:r>
+          </a:p>
+          <a:p>
+            <a:r>
+              <a:rPr lang="en-US" dirty="0" smtClean="0"/>
+              <a:t>Deployment to Cedar.</a:t>
+            </a:r>
+            <a:endParaRPr lang="en-US" dirty="0"/>
+          </a:p>
+          <a:p>
+            <a:r>
+              <a:rPr lang="en-US" dirty="0" smtClean="0"/>
+              <a:t>Deployment to AWS.</a:t>
+            </a:r>
+            <a:endParaRPr lang="en-US" dirty="0"/>
+          </a:p>
+        </p:txBody>
+      </p:sp>
+    </p:spTree>
+    <p:extLst>
+      <p:ext uri="{BB962C8B-B14F-4D97-AF65-F5344CB8AC3E}">
+        <p14:creationId xmlns:p14="http://schemas.microsoft.com/office/powerpoint/2010/main" val="4155348868"/>
+      </p:ext>
+    </p:extLst>
+  </p:cSld>
+  <p:clrMapOvr>
+    <a:masterClrMapping/>
+  </p:clrMapOvr>
+  <mc:AlternateContent xmlns:mc="http://schemas.openxmlformats.org/markup-compatibility/2006" xmlns:p14="http://schemas.microsoft.com/office/powerpoint/2010/main">
+    <mc:Choice Requires="p14">
+      <p:transition spd="med" p14:dur="700">
+        <p:fade/>
+      </p:transition>
+    </mc:Choice>
+    <mc:Fallback xmlns="">
+      <p:transition spd="med">
+        <p:fade/>
+      </p:transition>
+    </mc:Fallback>
+  </mc:AlternateContent>
+</p:sld>
+</file>
+
+<file path=ppt/slides/slide38.xml><?xml version="1.0" encoding="utf-8"?>
+<p:sld xmlns:a="http://schemas.openxmlformats.org/drawingml/2006/main" xmlns:r="http://schemas.openxmlformats.org/officeDocument/2006/relationships" xmlns:p="http://schemas.openxmlformats.org/presentationml/2006/main">
+  <p:cSld>
+    <p:spTree>
+      <p:nvGrpSpPr>
+        <p:cNvPr id="1" name=""/>
+        <p:cNvGrpSpPr/>
+        <p:nvPr/>
+      </p:nvGrpSpPr>
+      <p:grpSpPr>
+        <a:xfrm>
+          <a:off x="0" y="0"/>
+          <a:ext cx="0" cy="0"/>
+          <a:chOff x="0" y="0"/>
+          <a:chExt cx="0" cy="0"/>
+        </a:xfrm>
+      </p:grpSpPr>
+      <p:sp>
+        <p:nvSpPr>
+          <p:cNvPr id="2" name="Title 1"/>
+          <p:cNvSpPr>
+            <a:spLocks noGrp="1"/>
+          </p:cNvSpPr>
+          <p:nvPr>
+            <p:ph type="title"/>
+          </p:nvPr>
+        </p:nvSpPr>
+        <p:spPr/>
+        <p:txBody>
+          <a:bodyPr/>
+          <a:lstStyle/>
+          <a:p>
+            <a:r>
+              <a:rPr lang="en-US" dirty="0" smtClean="0"/>
+              <a:t>Deployment steps</a:t>
+            </a:r>
+            <a:endParaRPr lang="en-US" dirty="0"/>
+          </a:p>
+        </p:txBody>
+      </p:sp>
+      <p:pic>
+        <p:nvPicPr>
+          <p:cNvPr id="6" name="Content Placeholder 5"/>
+          <p:cNvPicPr>
+            <a:picLocks noGrp="1" noChangeAspect="1"/>
+          </p:cNvPicPr>
+          <p:nvPr>
+            <p:ph sz="half" idx="1"/>
+          </p:nvPr>
+        </p:nvPicPr>
+        <p:blipFill>
+          <a:blip r:embed="rId2">
+            <a:extLst>
+              <a:ext uri="{28A0092B-C50C-407E-A947-70E740481C1C}">
+                <a14:useLocalDpi xmlns:a14="http://schemas.microsoft.com/office/drawing/2010/main" val="0"/>
+              </a:ext>
+            </a:extLst>
+          </a:blip>
+          <a:stretch>
+            <a:fillRect/>
+          </a:stretch>
+        </p:blipFill>
+        <p:spPr>
+          <a:xfrm>
+            <a:off x="814403" y="776288"/>
+            <a:ext cx="5580031" cy="5805487"/>
+          </a:xfrm>
+        </p:spPr>
+      </p:pic>
+      <p:sp>
+        <p:nvSpPr>
+          <p:cNvPr id="4" name="Text Placeholder 3"/>
+          <p:cNvSpPr>
+            <a:spLocks noGrp="1"/>
+          </p:cNvSpPr>
+          <p:nvPr>
+            <p:ph type="body" idx="2"/>
+          </p:nvPr>
+        </p:nvSpPr>
+        <p:spPr/>
+        <p:txBody>
+          <a:bodyPr/>
+          <a:lstStyle/>
+          <a:p>
+            <a:pPr marL="294894" indent="-285750">
+              <a:buFont typeface="Arial" panose="020B0604020202020204" pitchFamily="34" charset="0"/>
+              <a:buChar char="•"/>
+            </a:pPr>
+            <a:r>
+              <a:rPr lang="en-US" dirty="0" smtClean="0"/>
+              <a:t>Launch the modeling run on a multi-</a:t>
+            </a:r>
+            <a:r>
+              <a:rPr lang="en-US" dirty="0" err="1" smtClean="0"/>
+              <a:t>cpu</a:t>
+            </a:r>
+            <a:r>
+              <a:rPr lang="en-US" dirty="0" smtClean="0"/>
+              <a:t> machine</a:t>
+            </a:r>
+          </a:p>
+          <a:p>
+            <a:pPr marL="294894" indent="-285750">
+              <a:buFont typeface="Arial" panose="020B0604020202020204" pitchFamily="34" charset="0"/>
+              <a:buChar char="•"/>
+            </a:pPr>
+            <a:r>
+              <a:rPr lang="en-US" dirty="0" smtClean="0"/>
+              <a:t>MPI is the message passing interface used to leverage multi-</a:t>
+            </a:r>
+            <a:r>
+              <a:rPr lang="en-US" dirty="0" err="1" smtClean="0"/>
+              <a:t>cpu</a:t>
+            </a:r>
+            <a:r>
+              <a:rPr lang="en-US" dirty="0" smtClean="0"/>
+              <a:t> machine when performing the Monte-Carlo sampling.</a:t>
+            </a:r>
+          </a:p>
+          <a:p>
+            <a:pPr marL="294894" indent="-285750">
+              <a:buFont typeface="Arial" panose="020B0604020202020204" pitchFamily="34" charset="0"/>
+              <a:buChar char="•"/>
+            </a:pPr>
+            <a:r>
+              <a:rPr lang="en-US" dirty="0" smtClean="0"/>
+              <a:t>The step1 through step3 scripts mentioned are provided in the sample PRC2 project on </a:t>
+            </a:r>
+            <a:r>
+              <a:rPr lang="en-US" dirty="0" err="1" smtClean="0"/>
+              <a:t>github</a:t>
+            </a:r>
+            <a:r>
+              <a:rPr lang="en-US" dirty="0" smtClean="0"/>
+              <a:t>. The link is given in the reference section at the end.</a:t>
+            </a:r>
+            <a:endParaRPr lang="en-US" dirty="0"/>
+          </a:p>
+        </p:txBody>
+      </p:sp>
+    </p:spTree>
+    <p:extLst>
+      <p:ext uri="{BB962C8B-B14F-4D97-AF65-F5344CB8AC3E}">
+        <p14:creationId xmlns:p14="http://schemas.microsoft.com/office/powerpoint/2010/main" val="1903962938"/>
+      </p:ext>
+    </p:extLst>
+  </p:cSld>
+  <p:clrMapOvr>
+    <a:masterClrMapping/>
+  </p:clrMapOvr>
+  <mc:AlternateContent xmlns:mc="http://schemas.openxmlformats.org/markup-compatibility/2006" xmlns:p14="http://schemas.microsoft.com/office/powerpoint/2010/main">
+    <mc:Choice Requires="p14">
+      <p:transition spd="med" p14:dur="700">
+        <p:fade/>
+      </p:transition>
+    </mc:Choice>
+    <mc:Fallback xmlns="">
+      <p:transition spd="med">
+        <p:fade/>
+      </p:transition>
+    </mc:Fallback>
+  </mc:AlternateContent>
+</p:sld>
+</file>
+
+<file path=ppt/slides/slide39.xml><?xml version="1.0" encoding="utf-8"?>
+<p:sld xmlns:a="http://schemas.openxmlformats.org/drawingml/2006/main" xmlns:r="http://schemas.openxmlformats.org/officeDocument/2006/relationships" xmlns:p="http://schemas.openxmlformats.org/presentationml/2006/main">
+  <p:cSld>
+    <p:spTree>
+      <p:nvGrpSpPr>
+        <p:cNvPr id="1" name=""/>
+        <p:cNvGrpSpPr/>
+        <p:nvPr/>
+      </p:nvGrpSpPr>
+      <p:grpSpPr>
+        <a:xfrm>
+          <a:off x="0" y="0"/>
+          <a:ext cx="0" cy="0"/>
+          <a:chOff x="0" y="0"/>
+          <a:chExt cx="0" cy="0"/>
+        </a:xfrm>
+      </p:grpSpPr>
+      <p:sp>
+        <p:nvSpPr>
+          <p:cNvPr id="2" name="Title 1"/>
+          <p:cNvSpPr>
+            <a:spLocks noGrp="1"/>
+          </p:cNvSpPr>
+          <p:nvPr>
+            <p:ph type="title"/>
+          </p:nvPr>
+        </p:nvSpPr>
+        <p:spPr/>
+        <p:txBody>
+          <a:bodyPr/>
+          <a:lstStyle/>
+          <a:p>
+            <a:r>
+              <a:rPr lang="en-US" dirty="0" smtClean="0"/>
+              <a:t>Deployment: Cedar</a:t>
+            </a:r>
+            <a:endParaRPr lang="en-US" dirty="0"/>
+          </a:p>
+        </p:txBody>
+      </p:sp>
+      <p:sp>
+        <p:nvSpPr>
+          <p:cNvPr id="4" name="Text Placeholder 3"/>
+          <p:cNvSpPr>
+            <a:spLocks noGrp="1"/>
+          </p:cNvSpPr>
+          <p:nvPr>
+            <p:ph sz="half" idx="1"/>
+          </p:nvPr>
+        </p:nvSpPr>
+        <p:spPr/>
+        <p:txBody>
+          <a:bodyPr>
+            <a:normAutofit fontScale="62500" lnSpcReduction="20000"/>
+          </a:bodyPr>
+          <a:lstStyle/>
+          <a:p>
+            <a:r>
+              <a:rPr lang="en-US" dirty="0" smtClean="0"/>
+              <a:t>The </a:t>
+            </a:r>
+            <a:r>
+              <a:rPr lang="en-US" dirty="0" err="1" smtClean="0"/>
+              <a:t>github</a:t>
+            </a:r>
+            <a:r>
+              <a:rPr lang="en-US" dirty="0" smtClean="0"/>
+              <a:t> repo for </a:t>
+            </a:r>
+            <a:r>
+              <a:rPr lang="en-US" dirty="0" err="1" smtClean="0"/>
+              <a:t>imp_msstudio_init</a:t>
+            </a:r>
+            <a:r>
+              <a:rPr lang="en-US" dirty="0" smtClean="0"/>
+              <a:t> contains the online tutorials together with the PRC2 sample project. The bootstrap scripts are also available.</a:t>
+            </a:r>
+          </a:p>
+          <a:p>
+            <a:r>
+              <a:rPr lang="en-US" dirty="0" smtClean="0">
+                <a:hlinkClick r:id="rId2"/>
+              </a:rPr>
+              <a:t>https</a:t>
+            </a:r>
+            <a:r>
+              <a:rPr lang="en-US" dirty="0">
+                <a:hlinkClick r:id="rId2"/>
+              </a:rPr>
+              <a:t>://</a:t>
+            </a:r>
+            <a:r>
+              <a:rPr lang="en-US" dirty="0" smtClean="0">
+                <a:hlinkClick r:id="rId2"/>
+              </a:rPr>
+              <a:t>github.com/pellst/imp_msstudio_init</a:t>
+            </a:r>
+            <a:endParaRPr lang="en-US" dirty="0" smtClean="0"/>
+          </a:p>
+          <a:p>
+            <a:endParaRPr lang="en-US" dirty="0" smtClean="0"/>
+          </a:p>
+        </p:txBody>
+      </p:sp>
+      <p:sp>
+        <p:nvSpPr>
+          <p:cNvPr id="5" name="Content Placeholder 4"/>
+          <p:cNvSpPr>
+            <a:spLocks noGrp="1"/>
+          </p:cNvSpPr>
+          <p:nvPr>
+            <p:ph sz="half" idx="2"/>
+          </p:nvPr>
+        </p:nvSpPr>
+        <p:spPr/>
+        <p:txBody>
+          <a:bodyPr>
+            <a:normAutofit fontScale="62500" lnSpcReduction="20000"/>
+          </a:bodyPr>
+          <a:lstStyle/>
+          <a:p>
+            <a:r>
+              <a:rPr lang="en-US" b="1" dirty="0"/>
+              <a:t>IMProv_on_Cedar_tut.md</a:t>
+            </a:r>
+            <a:r>
+              <a:rPr lang="en-US" dirty="0"/>
+              <a:t>: </a:t>
+            </a:r>
+            <a:r>
+              <a:rPr lang="en-US" dirty="0">
+                <a:hlinkClick r:id="rId3"/>
+              </a:rPr>
+              <a:t>https://github.com/pellst/imp_msstudio_init/blob/master/IMProv_on_Cedar_tut.md</a:t>
+            </a:r>
+            <a:endParaRPr lang="en-US" dirty="0"/>
+          </a:p>
+          <a:p>
+            <a:r>
+              <a:rPr lang="en-US" sz="1800" dirty="0"/>
+              <a:t>#### get the setup script from </a:t>
+            </a:r>
+            <a:r>
+              <a:rPr lang="en-US" sz="1800" dirty="0" err="1"/>
+              <a:t>github</a:t>
+            </a:r>
+            <a:r>
+              <a:rPr lang="en-US" sz="1800" dirty="0"/>
+              <a:t> gist and review before running: </a:t>
+            </a:r>
+          </a:p>
+          <a:p>
+            <a:r>
+              <a:rPr lang="en-US" sz="1800" dirty="0"/>
+              <a:t>~~~</a:t>
+            </a:r>
+          </a:p>
+          <a:p>
+            <a:r>
+              <a:rPr lang="en-US" sz="1800" dirty="0"/>
+              <a:t>curl -</a:t>
+            </a:r>
+            <a:r>
+              <a:rPr lang="en-US" sz="1800" dirty="0" err="1"/>
+              <a:t>LOk</a:t>
+            </a:r>
+            <a:r>
+              <a:rPr lang="en-US" sz="1800" dirty="0"/>
+              <a:t> https://gist.githubusercontent.com/pellst/4853822ea5ca74785af61d0ad39cf84d/raw/uoc_mss_prep_step1.sh</a:t>
+            </a:r>
+          </a:p>
+          <a:p>
+            <a:r>
+              <a:rPr lang="en-US" sz="1800" dirty="0" err="1"/>
+              <a:t>chmod</a:t>
+            </a:r>
+            <a:r>
+              <a:rPr lang="en-US" sz="1800" dirty="0"/>
+              <a:t> 755 uoc_mss_prep_step1.sh</a:t>
+            </a:r>
+          </a:p>
+          <a:p>
+            <a:r>
+              <a:rPr lang="en-US" sz="1800" dirty="0"/>
+              <a:t>~~~</a:t>
+            </a:r>
+          </a:p>
+          <a:p>
+            <a:endParaRPr lang="en-US" sz="1800" dirty="0"/>
+          </a:p>
+          <a:p>
+            <a:r>
+              <a:rPr lang="en-US" sz="1800" dirty="0"/>
+              <a:t>#### run the script uoc_mss_prep_step1.sh in order to get the sample folders and scripts setup</a:t>
+            </a:r>
+          </a:p>
+          <a:p>
+            <a:r>
+              <a:rPr lang="en-US" sz="1800" dirty="0"/>
+              <a:t>~~~</a:t>
+            </a:r>
+          </a:p>
+          <a:p>
+            <a:r>
+              <a:rPr lang="en-US" sz="1800" dirty="0"/>
+              <a:t>./uoc_mss_prep_step1.sh</a:t>
+            </a:r>
+          </a:p>
+          <a:p>
+            <a:r>
+              <a:rPr lang="en-US" sz="1800" dirty="0"/>
+              <a:t>~~~</a:t>
+            </a:r>
+          </a:p>
+          <a:p>
+            <a:endParaRPr lang="en-US" sz="1800" dirty="0"/>
+          </a:p>
+          <a:p>
+            <a:r>
+              <a:rPr lang="en-US" sz="1800" dirty="0"/>
+              <a:t>#### in the folder /scratch/$USER/imp/</a:t>
+            </a:r>
+            <a:r>
+              <a:rPr lang="en-US" sz="1800" dirty="0" err="1"/>
+              <a:t>imp_msstudio_init</a:t>
+            </a:r>
+            <a:r>
+              <a:rPr lang="en-US" sz="1800" dirty="0"/>
+              <a:t>-master/</a:t>
+            </a:r>
+            <a:r>
+              <a:rPr lang="en-US" sz="1800" dirty="0" err="1"/>
+              <a:t>mss_out</a:t>
+            </a:r>
+            <a:r>
+              <a:rPr lang="en-US" sz="1800" dirty="0"/>
+              <a:t>/</a:t>
+            </a:r>
+            <a:r>
+              <a:rPr lang="en-US" sz="1800" dirty="0" err="1"/>
+              <a:t>imp_model</a:t>
+            </a:r>
+            <a:r>
+              <a:rPr lang="en-US" sz="1800" dirty="0"/>
+              <a:t>, the following shell scripts are now available</a:t>
+            </a:r>
+          </a:p>
+          <a:p>
+            <a:r>
+              <a:rPr lang="en-US" sz="1800" dirty="0"/>
+              <a:t>~~~</a:t>
+            </a:r>
+          </a:p>
+          <a:p>
+            <a:r>
+              <a:rPr lang="en-US" sz="1800" dirty="0"/>
+              <a:t>            uoc_mss_prep_step1.sh</a:t>
+            </a:r>
+          </a:p>
+          <a:p>
+            <a:r>
+              <a:rPr lang="en-US" sz="1800" dirty="0"/>
+              <a:t>            uoc_mss_prep_step2.sh</a:t>
+            </a:r>
+          </a:p>
+          <a:p>
+            <a:r>
+              <a:rPr lang="en-US" sz="1800" dirty="0"/>
+              <a:t>            uoc_mss_prep_step3.sh</a:t>
+            </a:r>
+          </a:p>
+          <a:p>
+            <a:r>
+              <a:rPr lang="en-US" sz="1800" dirty="0"/>
+              <a:t>~~~</a:t>
+            </a:r>
+          </a:p>
+          <a:p>
+            <a:endParaRPr lang="en-US" dirty="0"/>
+          </a:p>
+        </p:txBody>
+      </p:sp>
+    </p:spTree>
+    <p:extLst>
+      <p:ext uri="{BB962C8B-B14F-4D97-AF65-F5344CB8AC3E}">
+        <p14:creationId xmlns:p14="http://schemas.microsoft.com/office/powerpoint/2010/main" val="3389132344"/>
       </p:ext>
     </p:extLst>
   </p:cSld>
@@ -20872,6 +19723,1625 @@
 </p:sld>
 </file>
 
+<file path=ppt/slides/slide40.xml><?xml version="1.0" encoding="utf-8"?>
+<p:sld xmlns:a="http://schemas.openxmlformats.org/drawingml/2006/main" xmlns:r="http://schemas.openxmlformats.org/officeDocument/2006/relationships" xmlns:p="http://schemas.openxmlformats.org/presentationml/2006/main">
+  <p:cSld>
+    <p:spTree>
+      <p:nvGrpSpPr>
+        <p:cNvPr id="1" name=""/>
+        <p:cNvGrpSpPr/>
+        <p:nvPr/>
+      </p:nvGrpSpPr>
+      <p:grpSpPr>
+        <a:xfrm>
+          <a:off x="0" y="0"/>
+          <a:ext cx="0" cy="0"/>
+          <a:chOff x="0" y="0"/>
+          <a:chExt cx="0" cy="0"/>
+        </a:xfrm>
+      </p:grpSpPr>
+      <p:sp>
+        <p:nvSpPr>
+          <p:cNvPr id="2" name="Title 1"/>
+          <p:cNvSpPr>
+            <a:spLocks noGrp="1"/>
+          </p:cNvSpPr>
+          <p:nvPr>
+            <p:ph type="title"/>
+          </p:nvPr>
+        </p:nvSpPr>
+        <p:spPr/>
+        <p:txBody>
+          <a:bodyPr/>
+          <a:lstStyle/>
+          <a:p>
+            <a:r>
+              <a:rPr lang="en-US" dirty="0" smtClean="0"/>
+              <a:t>Deployment: AWS</a:t>
+            </a:r>
+            <a:endParaRPr lang="en-US" dirty="0"/>
+          </a:p>
+        </p:txBody>
+      </p:sp>
+      <p:sp>
+        <p:nvSpPr>
+          <p:cNvPr id="4" name="Text Placeholder 3"/>
+          <p:cNvSpPr>
+            <a:spLocks noGrp="1"/>
+          </p:cNvSpPr>
+          <p:nvPr>
+            <p:ph sz="half" idx="1"/>
+          </p:nvPr>
+        </p:nvSpPr>
+        <p:spPr/>
+        <p:txBody>
+          <a:bodyPr>
+            <a:normAutofit/>
+          </a:bodyPr>
+          <a:lstStyle/>
+          <a:p>
+            <a:r>
+              <a:rPr lang="en-US" dirty="0" smtClean="0"/>
+              <a:t>The </a:t>
+            </a:r>
+            <a:r>
+              <a:rPr lang="en-US" dirty="0" err="1" smtClean="0"/>
+              <a:t>github</a:t>
+            </a:r>
+            <a:r>
+              <a:rPr lang="en-US" dirty="0" smtClean="0"/>
+              <a:t> repo for </a:t>
+            </a:r>
+            <a:r>
+              <a:rPr lang="en-US" dirty="0" err="1" smtClean="0"/>
+              <a:t>imp_msstudio_init</a:t>
+            </a:r>
+            <a:r>
+              <a:rPr lang="en-US" dirty="0" smtClean="0"/>
+              <a:t> contains the online tutorials together with the PRC2 sample project. The bootstrap scripts are also available.</a:t>
+            </a:r>
+          </a:p>
+          <a:p>
+            <a:r>
+              <a:rPr lang="en-US" dirty="0" smtClean="0">
+                <a:hlinkClick r:id="rId2"/>
+              </a:rPr>
+              <a:t>https</a:t>
+            </a:r>
+            <a:r>
+              <a:rPr lang="en-US" dirty="0">
+                <a:hlinkClick r:id="rId2"/>
+              </a:rPr>
+              <a:t>://</a:t>
+            </a:r>
+            <a:r>
+              <a:rPr lang="en-US" dirty="0" smtClean="0">
+                <a:hlinkClick r:id="rId2"/>
+              </a:rPr>
+              <a:t>github.com/pellst/imp_msstudio_init</a:t>
+            </a:r>
+            <a:endParaRPr lang="en-US" dirty="0" smtClean="0"/>
+          </a:p>
+          <a:p>
+            <a:endParaRPr lang="en-US" dirty="0" smtClean="0"/>
+          </a:p>
+        </p:txBody>
+      </p:sp>
+      <p:sp>
+        <p:nvSpPr>
+          <p:cNvPr id="5" name="Content Placeholder 4"/>
+          <p:cNvSpPr>
+            <a:spLocks noGrp="1"/>
+          </p:cNvSpPr>
+          <p:nvPr>
+            <p:ph sz="half" idx="2"/>
+          </p:nvPr>
+        </p:nvSpPr>
+        <p:spPr/>
+        <p:txBody>
+          <a:bodyPr>
+            <a:normAutofit/>
+          </a:bodyPr>
+          <a:lstStyle/>
+          <a:p>
+            <a:pPr marL="285750" indent="-285750">
+              <a:buFont typeface="Arial" panose="020B0604020202020204" pitchFamily="34" charset="0"/>
+              <a:buChar char="•"/>
+            </a:pPr>
+            <a:r>
+              <a:rPr lang="en-US" b="1" dirty="0"/>
+              <a:t>IMProv_on_AWS_tut.md</a:t>
+            </a:r>
+            <a:r>
+              <a:rPr lang="en-US" dirty="0"/>
+              <a:t>: </a:t>
+            </a:r>
+            <a:r>
+              <a:rPr lang="en-US" dirty="0">
+                <a:hlinkClick r:id="rId3"/>
+              </a:rPr>
+              <a:t>https://</a:t>
+            </a:r>
+            <a:r>
+              <a:rPr lang="en-US" dirty="0" smtClean="0">
+                <a:hlinkClick r:id="rId3"/>
+              </a:rPr>
+              <a:t>github.com/pellst/imp_msstudio_init/blob/master/IMProv_on_AWS_tut.md</a:t>
+            </a:r>
+            <a:endParaRPr lang="en-US" dirty="0" smtClean="0"/>
+          </a:p>
+          <a:p>
+            <a:pPr marL="285750" indent="-285750">
+              <a:buFont typeface="Arial" panose="020B0604020202020204" pitchFamily="34" charset="0"/>
+              <a:buChar char="•"/>
+            </a:pPr>
+            <a:r>
+              <a:rPr lang="en-US" sz="1000" dirty="0"/>
+              <a:t># make use of this gist to get the </a:t>
+            </a:r>
+            <a:r>
+              <a:rPr lang="en-US" sz="1000" dirty="0" err="1"/>
+              <a:t>prep_step</a:t>
+            </a:r>
+            <a:r>
+              <a:rPr lang="en-US" sz="1000" dirty="0"/>
+              <a:t>* shell scripts located here</a:t>
+            </a:r>
+          </a:p>
+          <a:p>
+            <a:pPr marL="285750" indent="-285750">
+              <a:buFont typeface="Arial" panose="020B0604020202020204" pitchFamily="34" charset="0"/>
+              <a:buChar char="•"/>
+            </a:pPr>
+            <a:r>
+              <a:rPr lang="en-US" sz="1000" dirty="0"/>
+              <a:t># /shared/imp/</a:t>
+            </a:r>
+            <a:r>
+              <a:rPr lang="en-US" sz="1000" dirty="0" err="1"/>
+              <a:t>imp_msstudio_init</a:t>
+            </a:r>
+            <a:r>
+              <a:rPr lang="en-US" sz="1000" dirty="0"/>
+              <a:t>-master/</a:t>
+            </a:r>
+            <a:r>
+              <a:rPr lang="en-US" sz="1000" dirty="0" err="1"/>
+              <a:t>mss_out</a:t>
+            </a:r>
+            <a:r>
+              <a:rPr lang="en-US" sz="1000" dirty="0"/>
+              <a:t>/</a:t>
+            </a:r>
+            <a:r>
+              <a:rPr lang="en-US" sz="1000" dirty="0" err="1"/>
+              <a:t>imp_model</a:t>
+            </a:r>
+            <a:endParaRPr lang="en-US" sz="1000" dirty="0"/>
+          </a:p>
+          <a:p>
+            <a:pPr marL="285750" indent="-285750">
+              <a:buFont typeface="Arial" panose="020B0604020202020204" pitchFamily="34" charset="0"/>
+              <a:buChar char="•"/>
+            </a:pPr>
+            <a:r>
+              <a:rPr lang="en-US" sz="1000" dirty="0"/>
+              <a:t>curl -</a:t>
+            </a:r>
+            <a:r>
+              <a:rPr lang="en-US" sz="1000" dirty="0" err="1"/>
+              <a:t>LOk</a:t>
+            </a:r>
+            <a:r>
+              <a:rPr lang="en-US" sz="1000" dirty="0"/>
+              <a:t> https://gist.githubusercontent.com/pellst/9f7ad519133dae87f8f813b506b45aac/raw/</a:t>
+            </a:r>
+            <a:r>
+              <a:rPr lang="en-US" sz="1000" b="1" dirty="0"/>
+              <a:t>aws_mss_prep_step1.sh</a:t>
+            </a:r>
+            <a:r>
+              <a:rPr lang="en-US" sz="1000" dirty="0"/>
+              <a:t> </a:t>
+            </a:r>
+          </a:p>
+          <a:p>
+            <a:pPr marL="285750" indent="-285750">
+              <a:buFont typeface="Arial" panose="020B0604020202020204" pitchFamily="34" charset="0"/>
+              <a:buChar char="•"/>
+            </a:pPr>
+            <a:r>
+              <a:rPr lang="en-US" sz="1000" dirty="0" err="1"/>
+              <a:t>chmod</a:t>
+            </a:r>
+            <a:r>
+              <a:rPr lang="en-US" sz="1000" dirty="0"/>
+              <a:t> 755 aws_mss_prep_step1.sh </a:t>
+            </a:r>
+          </a:p>
+          <a:p>
+            <a:pPr marL="285750" indent="-285750">
+              <a:buFont typeface="Arial" panose="020B0604020202020204" pitchFamily="34" charset="0"/>
+              <a:buChar char="•"/>
+            </a:pPr>
+            <a:r>
+              <a:rPr lang="en-US" sz="1000" dirty="0"/>
+              <a:t>./aws_mss_prep_step1.sh</a:t>
+            </a:r>
+          </a:p>
+          <a:p>
+            <a:pPr marL="285750" indent="-285750">
+              <a:buFont typeface="Arial" panose="020B0604020202020204" pitchFamily="34" charset="0"/>
+              <a:buChar char="•"/>
+            </a:pPr>
+            <a:endParaRPr lang="en-US" sz="1000" dirty="0"/>
+          </a:p>
+          <a:p>
+            <a:pPr marL="285750" indent="-285750">
+              <a:buFont typeface="Arial" panose="020B0604020202020204" pitchFamily="34" charset="0"/>
+              <a:buChar char="•"/>
+            </a:pPr>
+            <a:r>
+              <a:rPr lang="en-US" sz="1000" dirty="0"/>
+              <a:t># prepare anaconda install</a:t>
+            </a:r>
+          </a:p>
+          <a:p>
+            <a:pPr marL="285750" indent="-285750">
+              <a:buFont typeface="Arial" panose="020B0604020202020204" pitchFamily="34" charset="0"/>
+              <a:buChar char="•"/>
+            </a:pPr>
+            <a:r>
+              <a:rPr lang="en-US" sz="1000" dirty="0"/>
+              <a:t>#/shared/imp/imp_msstudio_init-master/mss_out/imp_model/aws_mss_prep_step2.sh</a:t>
+            </a:r>
+          </a:p>
+          <a:p>
+            <a:pPr marL="285750" indent="-285750">
+              <a:buFont typeface="Arial" panose="020B0604020202020204" pitchFamily="34" charset="0"/>
+              <a:buChar char="•"/>
+            </a:pPr>
+            <a:r>
+              <a:rPr lang="en-US" sz="1000" dirty="0"/>
+              <a:t>#/shared/imp/imp_msstudio_init-master/mss_out/imp_model/aws_mss_prep_step3.sh</a:t>
+            </a:r>
+          </a:p>
+          <a:p>
+            <a:pPr marL="285750" indent="-285750">
+              <a:buFont typeface="Arial" panose="020B0604020202020204" pitchFamily="34" charset="0"/>
+              <a:buChar char="•"/>
+            </a:pPr>
+            <a:endParaRPr lang="en-US" dirty="0"/>
+          </a:p>
+          <a:p>
+            <a:endParaRPr lang="en-US" dirty="0"/>
+          </a:p>
+        </p:txBody>
+      </p:sp>
+    </p:spTree>
+    <p:extLst>
+      <p:ext uri="{BB962C8B-B14F-4D97-AF65-F5344CB8AC3E}">
+        <p14:creationId xmlns:p14="http://schemas.microsoft.com/office/powerpoint/2010/main" val="1788819700"/>
+      </p:ext>
+    </p:extLst>
+  </p:cSld>
+  <p:clrMapOvr>
+    <a:masterClrMapping/>
+  </p:clrMapOvr>
+  <mc:AlternateContent xmlns:mc="http://schemas.openxmlformats.org/markup-compatibility/2006" xmlns:p14="http://schemas.microsoft.com/office/powerpoint/2010/main">
+    <mc:Choice Requires="p14">
+      <p:transition spd="med" p14:dur="700">
+        <p:fade/>
+      </p:transition>
+    </mc:Choice>
+    <mc:Fallback xmlns="">
+      <p:transition spd="med">
+        <p:fade/>
+      </p:transition>
+    </mc:Fallback>
+  </mc:AlternateContent>
+</p:sld>
+</file>
+
+<file path=ppt/slides/slide41.xml><?xml version="1.0" encoding="utf-8"?>
+<p:sld xmlns:a="http://schemas.openxmlformats.org/drawingml/2006/main" xmlns:r="http://schemas.openxmlformats.org/officeDocument/2006/relationships" xmlns:p="http://schemas.openxmlformats.org/presentationml/2006/main">
+  <p:cSld>
+    <p:spTree>
+      <p:nvGrpSpPr>
+        <p:cNvPr id="1" name=""/>
+        <p:cNvGrpSpPr/>
+        <p:nvPr/>
+      </p:nvGrpSpPr>
+      <p:grpSpPr>
+        <a:xfrm>
+          <a:off x="0" y="0"/>
+          <a:ext cx="0" cy="0"/>
+          <a:chOff x="0" y="0"/>
+          <a:chExt cx="0" cy="0"/>
+        </a:xfrm>
+      </p:grpSpPr>
+      <p:sp>
+        <p:nvSpPr>
+          <p:cNvPr id="2" name="Title 1"/>
+          <p:cNvSpPr>
+            <a:spLocks noGrp="1"/>
+          </p:cNvSpPr>
+          <p:nvPr>
+            <p:ph type="title"/>
+          </p:nvPr>
+        </p:nvSpPr>
+        <p:spPr/>
+        <p:txBody>
+          <a:bodyPr/>
+          <a:lstStyle/>
+          <a:p>
+            <a:r>
+              <a:rPr lang="en-US" dirty="0" smtClean="0"/>
+              <a:t>Modeling Run Review</a:t>
+            </a:r>
+            <a:endParaRPr lang="en-US" dirty="0"/>
+          </a:p>
+        </p:txBody>
+      </p:sp>
+      <p:sp>
+        <p:nvSpPr>
+          <p:cNvPr id="3" name="Content Placeholder 2"/>
+          <p:cNvSpPr>
+            <a:spLocks noGrp="1"/>
+          </p:cNvSpPr>
+          <p:nvPr>
+            <p:ph sz="half" idx="1"/>
+          </p:nvPr>
+        </p:nvSpPr>
+        <p:spPr/>
+        <p:txBody>
+          <a:bodyPr/>
+          <a:lstStyle/>
+          <a:p>
+            <a:r>
+              <a:rPr lang="en-US" sz="1600" dirty="0" smtClean="0"/>
+              <a:t>A new folder is created with the run number ( </a:t>
+            </a:r>
+            <a:r>
+              <a:rPr lang="en-US" sz="1600" dirty="0" err="1" smtClean="0"/>
+              <a:t>imp_model_nn</a:t>
+            </a:r>
+            <a:r>
+              <a:rPr lang="en-US" sz="1600" dirty="0" smtClean="0"/>
+              <a:t> ) as a copy of the </a:t>
+            </a:r>
+            <a:r>
+              <a:rPr lang="en-US" sz="1600" dirty="0" err="1" smtClean="0"/>
+              <a:t>imp_model</a:t>
+            </a:r>
+            <a:r>
+              <a:rPr lang="en-US" sz="1600" dirty="0" smtClean="0"/>
+              <a:t> folder content.</a:t>
+            </a:r>
+          </a:p>
+          <a:p>
+            <a:r>
+              <a:rPr lang="en-US" sz="1600" dirty="0" smtClean="0"/>
+              <a:t>The data folder is referenced and is not duplicated when performing multiple run’s in parallel on a HPC platform ( replicate run’s ). Avoid confusion with MPI which will be performed within a single run and hence each instance thereof in a parallel run of for example 3 modeling jobs at the same time ( </a:t>
+            </a:r>
+            <a:r>
+              <a:rPr lang="en-US" sz="1600" dirty="0" err="1" smtClean="0"/>
+              <a:t>ie</a:t>
+            </a:r>
+            <a:r>
+              <a:rPr lang="en-US" sz="1600" dirty="0" smtClean="0"/>
+              <a:t>: 3 replicates each performing independent MC sampling ). </a:t>
+            </a:r>
+          </a:p>
+          <a:p>
+            <a:r>
+              <a:rPr lang="en-US" sz="1600" dirty="0" smtClean="0"/>
+              <a:t>A subfolder of </a:t>
+            </a:r>
+            <a:r>
+              <a:rPr lang="en-US" sz="1600" dirty="0" err="1" smtClean="0"/>
+              <a:t>imp_model_nn</a:t>
+            </a:r>
+            <a:r>
+              <a:rPr lang="en-US" sz="1600" dirty="0" smtClean="0"/>
+              <a:t> is the  output folder which has sub-folders</a:t>
+            </a:r>
+          </a:p>
+          <a:p>
+            <a:pPr lvl="1"/>
+            <a:r>
+              <a:rPr lang="en-US" sz="1600" dirty="0" err="1" smtClean="0"/>
+              <a:t>pdbs</a:t>
+            </a:r>
+            <a:endParaRPr lang="en-US" sz="1600" dirty="0" smtClean="0"/>
+          </a:p>
+          <a:p>
+            <a:pPr lvl="1"/>
+            <a:r>
+              <a:rPr lang="en-US" sz="1600" dirty="0" err="1" smtClean="0"/>
+              <a:t>rmfs</a:t>
+            </a:r>
+            <a:endParaRPr lang="en-US" sz="1600" dirty="0" smtClean="0"/>
+          </a:p>
+          <a:p>
+            <a:r>
+              <a:rPr lang="en-US" sz="1600" dirty="0" smtClean="0"/>
+              <a:t>When run on 16 </a:t>
+            </a:r>
+            <a:r>
+              <a:rPr lang="en-US" sz="1600" dirty="0" err="1" smtClean="0"/>
+              <a:t>cpu</a:t>
+            </a:r>
+            <a:r>
+              <a:rPr lang="en-US" sz="1600" dirty="0" smtClean="0"/>
+              <a:t>. There will be one .rmf3 file per </a:t>
+            </a:r>
+            <a:r>
+              <a:rPr lang="en-US" sz="1600" dirty="0" err="1" smtClean="0"/>
+              <a:t>cpu</a:t>
+            </a:r>
+            <a:r>
+              <a:rPr lang="en-US" sz="1600" dirty="0" smtClean="0"/>
+              <a:t> ( 0 through 15 )</a:t>
+            </a:r>
+          </a:p>
+          <a:p>
+            <a:r>
+              <a:rPr lang="en-US" sz="1600" dirty="0" smtClean="0"/>
+              <a:t>stat.*.out and </a:t>
+            </a:r>
+            <a:r>
+              <a:rPr lang="en-US" sz="1600" dirty="0" err="1" smtClean="0"/>
+              <a:t>stat_replica</a:t>
+            </a:r>
+            <a:r>
+              <a:rPr lang="en-US" sz="1600" dirty="0" smtClean="0"/>
+              <a:t>.*.out files</a:t>
+            </a:r>
+          </a:p>
+          <a:p>
+            <a:endParaRPr lang="en-US" dirty="0"/>
+          </a:p>
+        </p:txBody>
+      </p:sp>
+      <p:sp>
+        <p:nvSpPr>
+          <p:cNvPr id="4" name="Text Placeholder 3"/>
+          <p:cNvSpPr>
+            <a:spLocks noGrp="1"/>
+          </p:cNvSpPr>
+          <p:nvPr>
+            <p:ph type="body" idx="2"/>
+          </p:nvPr>
+        </p:nvSpPr>
+        <p:spPr/>
+        <p:txBody>
+          <a:bodyPr/>
+          <a:lstStyle/>
+          <a:p>
+            <a:r>
+              <a:rPr lang="en-US" dirty="0" smtClean="0"/>
+              <a:t>Note that the modeling run generates several files in the </a:t>
+            </a:r>
+            <a:r>
+              <a:rPr lang="en-US" dirty="0" err="1" smtClean="0"/>
+              <a:t>imp_model_nn</a:t>
+            </a:r>
+            <a:r>
+              <a:rPr lang="en-US" dirty="0" smtClean="0"/>
+              <a:t> folder ( where </a:t>
+            </a:r>
+            <a:r>
+              <a:rPr lang="en-US" dirty="0" err="1" smtClean="0"/>
+              <a:t>nn</a:t>
+            </a:r>
+            <a:r>
+              <a:rPr lang="en-US" dirty="0" smtClean="0"/>
+              <a:t> is the run number given )</a:t>
+            </a:r>
+          </a:p>
+          <a:p>
+            <a:pPr marL="294894" indent="-285750">
+              <a:buFont typeface="Arial" panose="020B0604020202020204" pitchFamily="34" charset="0"/>
+              <a:buChar char="•"/>
+            </a:pPr>
+            <a:r>
+              <a:rPr lang="en-US" dirty="0" smtClean="0"/>
+              <a:t>included.*.</a:t>
+            </a:r>
+            <a:r>
+              <a:rPr lang="en-US" dirty="0" err="1" smtClean="0"/>
+              <a:t>db</a:t>
+            </a:r>
+            <a:endParaRPr lang="en-US" dirty="0" smtClean="0"/>
+          </a:p>
+          <a:p>
+            <a:pPr marL="294894" indent="-285750">
+              <a:buFont typeface="Arial" panose="020B0604020202020204" pitchFamily="34" charset="0"/>
+              <a:buChar char="•"/>
+            </a:pPr>
+            <a:r>
+              <a:rPr lang="en-US" dirty="0" smtClean="0"/>
+              <a:t>excluded.*.</a:t>
+            </a:r>
+            <a:r>
+              <a:rPr lang="en-US" dirty="0" err="1" smtClean="0"/>
+              <a:t>db</a:t>
+            </a:r>
+            <a:endParaRPr lang="en-US" dirty="0" smtClean="0"/>
+          </a:p>
+          <a:p>
+            <a:pPr marL="294894" indent="-285750">
+              <a:buFont typeface="Arial" panose="020B0604020202020204" pitchFamily="34" charset="0"/>
+              <a:buChar char="•"/>
+            </a:pPr>
+            <a:r>
+              <a:rPr lang="en-US" dirty="0" smtClean="0"/>
+              <a:t>missing.*.</a:t>
+            </a:r>
+            <a:r>
+              <a:rPr lang="en-US" dirty="0" err="1" smtClean="0"/>
+              <a:t>db</a:t>
+            </a:r>
+            <a:endParaRPr lang="en-US" dirty="0" smtClean="0"/>
+          </a:p>
+          <a:p>
+            <a:pPr marL="294894" indent="-285750">
+              <a:buFont typeface="Arial" panose="020B0604020202020204" pitchFamily="34" charset="0"/>
+              <a:buChar char="•"/>
+            </a:pPr>
+            <a:endParaRPr lang="en-US" dirty="0"/>
+          </a:p>
+          <a:p>
+            <a:r>
+              <a:rPr lang="en-US" dirty="0" smtClean="0"/>
+              <a:t>The trace files are created as </a:t>
+            </a:r>
+          </a:p>
+          <a:p>
+            <a:pPr marL="294894" indent="-285750">
+              <a:buFont typeface="Arial" panose="020B0604020202020204" pitchFamily="34" charset="0"/>
+              <a:buChar char="•"/>
+            </a:pPr>
+            <a:r>
+              <a:rPr lang="en-US" dirty="0" smtClean="0"/>
+              <a:t>prep_hyperp_imp_v2.log </a:t>
+            </a:r>
+          </a:p>
+          <a:p>
+            <a:pPr marL="294894" indent="-285750">
+              <a:buFont typeface="Arial" panose="020B0604020202020204" pitchFamily="34" charset="0"/>
+              <a:buChar char="•"/>
+            </a:pPr>
+            <a:r>
+              <a:rPr lang="en-US" dirty="0" err="1" smtClean="0"/>
+              <a:t>slurm-nnnnnnn.out</a:t>
+            </a:r>
+            <a:endParaRPr lang="en-US" dirty="0" smtClean="0"/>
+          </a:p>
+          <a:p>
+            <a:endParaRPr lang="en-US" dirty="0"/>
+          </a:p>
+        </p:txBody>
+      </p:sp>
+    </p:spTree>
+    <p:extLst>
+      <p:ext uri="{BB962C8B-B14F-4D97-AF65-F5344CB8AC3E}">
+        <p14:creationId xmlns:p14="http://schemas.microsoft.com/office/powerpoint/2010/main" val="2979392447"/>
+      </p:ext>
+    </p:extLst>
+  </p:cSld>
+  <p:clrMapOvr>
+    <a:masterClrMapping/>
+  </p:clrMapOvr>
+  <mc:AlternateContent xmlns:mc="http://schemas.openxmlformats.org/markup-compatibility/2006" xmlns:p14="http://schemas.microsoft.com/office/powerpoint/2010/main">
+    <mc:Choice Requires="p14">
+      <p:transition spd="med" p14:dur="700">
+        <p:fade/>
+      </p:transition>
+    </mc:Choice>
+    <mc:Fallback xmlns="">
+      <p:transition spd="med">
+        <p:fade/>
+      </p:transition>
+    </mc:Fallback>
+  </mc:AlternateContent>
+</p:sld>
+</file>
+
+<file path=ppt/slides/slide42.xml><?xml version="1.0" encoding="utf-8"?>
+<p:sld xmlns:a="http://schemas.openxmlformats.org/drawingml/2006/main" xmlns:r="http://schemas.openxmlformats.org/officeDocument/2006/relationships" xmlns:p="http://schemas.openxmlformats.org/presentationml/2006/main">
+  <p:cSld>
+    <p:spTree>
+      <p:nvGrpSpPr>
+        <p:cNvPr id="1" name=""/>
+        <p:cNvGrpSpPr/>
+        <p:nvPr/>
+      </p:nvGrpSpPr>
+      <p:grpSpPr>
+        <a:xfrm>
+          <a:off x="0" y="0"/>
+          <a:ext cx="0" cy="0"/>
+          <a:chOff x="0" y="0"/>
+          <a:chExt cx="0" cy="0"/>
+        </a:xfrm>
+      </p:grpSpPr>
+      <p:sp>
+        <p:nvSpPr>
+          <p:cNvPr id="2" name="Title 1"/>
+          <p:cNvSpPr>
+            <a:spLocks noGrp="1"/>
+          </p:cNvSpPr>
+          <p:nvPr>
+            <p:ph type="title"/>
+          </p:nvPr>
+        </p:nvSpPr>
+        <p:spPr/>
+        <p:txBody>
+          <a:bodyPr/>
+          <a:lstStyle/>
+          <a:p>
+            <a:r>
+              <a:rPr lang="en-US" dirty="0" smtClean="0"/>
+              <a:t>Deployment: </a:t>
+            </a:r>
+            <a:r>
+              <a:rPr lang="en-US" dirty="0"/>
+              <a:t>Wrap-up</a:t>
+            </a:r>
+          </a:p>
+        </p:txBody>
+      </p:sp>
+      <p:sp>
+        <p:nvSpPr>
+          <p:cNvPr id="3" name="Text Placeholder 2"/>
+          <p:cNvSpPr>
+            <a:spLocks noGrp="1"/>
+          </p:cNvSpPr>
+          <p:nvPr>
+            <p:ph idx="1"/>
+          </p:nvPr>
+        </p:nvSpPr>
+        <p:spPr/>
+        <p:txBody>
+          <a:bodyPr/>
+          <a:lstStyle/>
+          <a:p>
+            <a:r>
+              <a:rPr lang="en-US" dirty="0" smtClean="0"/>
+              <a:t>Deployment can be to your local PC, AWS or on Compute Canada HPC platform ( Cedar ) .</a:t>
+            </a:r>
+            <a:endParaRPr lang="en-US" dirty="0"/>
+          </a:p>
+          <a:p>
+            <a:r>
+              <a:rPr lang="en-US" dirty="0" smtClean="0"/>
+              <a:t>Performing a test run with the sample PRC2 project enables one to validate the installation and confirm that IMP together with Anaconda are correctly installed.</a:t>
+            </a:r>
+          </a:p>
+          <a:p>
+            <a:r>
+              <a:rPr lang="en-US" dirty="0" smtClean="0"/>
+              <a:t>Your own </a:t>
+            </a:r>
+            <a:r>
+              <a:rPr lang="en-US" dirty="0" err="1" smtClean="0"/>
+              <a:t>IMProv</a:t>
+            </a:r>
+            <a:r>
+              <a:rPr lang="en-US" dirty="0" smtClean="0"/>
+              <a:t> project can then be copied to the deployment folder and launch a modeling run. Start with 100 frames for testing purposes.</a:t>
+            </a:r>
+          </a:p>
+          <a:p>
+            <a:r>
+              <a:rPr lang="en-US" dirty="0" smtClean="0"/>
+              <a:t>Check the output folder and log files to confirm that MPI is using the </a:t>
+            </a:r>
+            <a:r>
+              <a:rPr lang="en-US" dirty="0" err="1" smtClean="0"/>
+              <a:t>cpu</a:t>
+            </a:r>
+            <a:r>
+              <a:rPr lang="en-US" dirty="0" smtClean="0"/>
+              <a:t> count you specified. </a:t>
+            </a:r>
+            <a:endParaRPr lang="en-US" dirty="0"/>
+          </a:p>
+        </p:txBody>
+      </p:sp>
+    </p:spTree>
+    <p:extLst>
+      <p:ext uri="{BB962C8B-B14F-4D97-AF65-F5344CB8AC3E}">
+        <p14:creationId xmlns:p14="http://schemas.microsoft.com/office/powerpoint/2010/main" val="1531528155"/>
+      </p:ext>
+    </p:extLst>
+  </p:cSld>
+  <p:clrMapOvr>
+    <a:masterClrMapping/>
+  </p:clrMapOvr>
+  <mc:AlternateContent xmlns:mc="http://schemas.openxmlformats.org/markup-compatibility/2006" xmlns:p14="http://schemas.microsoft.com/office/powerpoint/2010/main">
+    <mc:Choice Requires="p14">
+      <p:transition spd="med" p14:dur="700">
+        <p:fade/>
+      </p:transition>
+    </mc:Choice>
+    <mc:Fallback xmlns="">
+      <p:transition spd="med">
+        <p:fade/>
+      </p:transition>
+    </mc:Fallback>
+  </mc:AlternateContent>
+</p:sld>
+</file>
+
+<file path=ppt/slides/slide43.xml><?xml version="1.0" encoding="utf-8"?>
+<p:sld xmlns:a="http://schemas.openxmlformats.org/drawingml/2006/main" xmlns:r="http://schemas.openxmlformats.org/officeDocument/2006/relationships" xmlns:p="http://schemas.openxmlformats.org/presentationml/2006/main">
+  <p:cSld>
+    <p:spTree>
+      <p:nvGrpSpPr>
+        <p:cNvPr id="1" name=""/>
+        <p:cNvGrpSpPr/>
+        <p:nvPr/>
+      </p:nvGrpSpPr>
+      <p:grpSpPr>
+        <a:xfrm>
+          <a:off x="0" y="0"/>
+          <a:ext cx="0" cy="0"/>
+          <a:chOff x="0" y="0"/>
+          <a:chExt cx="0" cy="0"/>
+        </a:xfrm>
+      </p:grpSpPr>
+      <p:sp>
+        <p:nvSpPr>
+          <p:cNvPr id="2" name="Title 1"/>
+          <p:cNvSpPr>
+            <a:spLocks noGrp="1"/>
+          </p:cNvSpPr>
+          <p:nvPr>
+            <p:ph type="title"/>
+          </p:nvPr>
+        </p:nvSpPr>
+        <p:spPr/>
+        <p:txBody>
+          <a:bodyPr/>
+          <a:lstStyle/>
+          <a:p>
+            <a:r>
+              <a:rPr lang="en-US" dirty="0" smtClean="0"/>
+              <a:t>Summary</a:t>
+            </a:r>
+            <a:endParaRPr lang="en-US" dirty="0"/>
+          </a:p>
+        </p:txBody>
+      </p:sp>
+      <p:sp>
+        <p:nvSpPr>
+          <p:cNvPr id="3" name="Content Placeholder 2"/>
+          <p:cNvSpPr>
+            <a:spLocks noGrp="1"/>
+          </p:cNvSpPr>
+          <p:nvPr>
+            <p:ph idx="1"/>
+          </p:nvPr>
+        </p:nvSpPr>
+        <p:spPr/>
+        <p:txBody>
+          <a:bodyPr/>
+          <a:lstStyle/>
+          <a:p>
+            <a:r>
+              <a:rPr lang="en-US" dirty="0" err="1" smtClean="0"/>
+              <a:t>IMProv</a:t>
+            </a:r>
+            <a:r>
+              <a:rPr lang="en-US" dirty="0" smtClean="0"/>
+              <a:t> </a:t>
+            </a:r>
+            <a:r>
+              <a:rPr lang="en-US" dirty="0" err="1" smtClean="0"/>
+              <a:t>lifecyle</a:t>
+            </a:r>
+            <a:r>
+              <a:rPr lang="en-US" dirty="0" smtClean="0"/>
+              <a:t>.</a:t>
+            </a:r>
+            <a:endParaRPr lang="en-US" dirty="0"/>
+          </a:p>
+          <a:p>
+            <a:r>
+              <a:rPr lang="en-US" dirty="0" smtClean="0"/>
+              <a:t>Online guides and tutorials.</a:t>
+            </a:r>
+            <a:endParaRPr lang="en-US" dirty="0"/>
+          </a:p>
+          <a:p>
+            <a:pPr lvl="1"/>
+            <a:r>
+              <a:rPr lang="en-US" dirty="0" smtClean="0"/>
+              <a:t>IMProv_msstudio_tut.md ( tiny </a:t>
+            </a:r>
+            <a:r>
+              <a:rPr lang="en-US" dirty="0" err="1" smtClean="0"/>
+              <a:t>url</a:t>
+            </a:r>
+            <a:r>
+              <a:rPr lang="en-US" dirty="0" smtClean="0"/>
+              <a:t> )</a:t>
+            </a:r>
+          </a:p>
+          <a:p>
+            <a:pPr lvl="1"/>
+            <a:r>
+              <a:rPr lang="en-US" dirty="0" err="1" smtClean="0"/>
+              <a:t>uml_activity_diag_improv.svg</a:t>
+            </a:r>
+            <a:endParaRPr lang="en-US" dirty="0" smtClean="0"/>
+          </a:p>
+          <a:p>
+            <a:pPr lvl="1"/>
+            <a:r>
+              <a:rPr lang="en-US" dirty="0" smtClean="0"/>
+              <a:t>IMProv_on_AWS_tut.md</a:t>
+            </a:r>
+          </a:p>
+          <a:p>
+            <a:pPr lvl="1"/>
+            <a:r>
+              <a:rPr lang="en-US" dirty="0"/>
+              <a:t>IMProv_on_Cedar_tut.md</a:t>
+            </a:r>
+          </a:p>
+        </p:txBody>
+      </p:sp>
+    </p:spTree>
+    <p:extLst>
+      <p:ext uri="{BB962C8B-B14F-4D97-AF65-F5344CB8AC3E}">
+        <p14:creationId xmlns:p14="http://schemas.microsoft.com/office/powerpoint/2010/main" val="3809512885"/>
+      </p:ext>
+    </p:extLst>
+  </p:cSld>
+  <p:clrMapOvr>
+    <a:masterClrMapping/>
+  </p:clrMapOvr>
+  <mc:AlternateContent xmlns:mc="http://schemas.openxmlformats.org/markup-compatibility/2006" xmlns:p14="http://schemas.microsoft.com/office/powerpoint/2010/main">
+    <mc:Choice Requires="p14">
+      <p:transition spd="med" p14:dur="700">
+        <p:fade/>
+      </p:transition>
+    </mc:Choice>
+    <mc:Fallback xmlns="">
+      <p:transition spd="med">
+        <p:fade/>
+      </p:transition>
+    </mc:Fallback>
+  </mc:AlternateContent>
+</p:sld>
+</file>
+
+<file path=ppt/slides/slide44.xml><?xml version="1.0" encoding="utf-8"?>
+<p:sld xmlns:a="http://schemas.openxmlformats.org/drawingml/2006/main" xmlns:r="http://schemas.openxmlformats.org/officeDocument/2006/relationships" xmlns:p="http://schemas.openxmlformats.org/presentationml/2006/main">
+  <p:cSld>
+    <p:spTree>
+      <p:nvGrpSpPr>
+        <p:cNvPr id="1" name=""/>
+        <p:cNvGrpSpPr/>
+        <p:nvPr/>
+      </p:nvGrpSpPr>
+      <p:grpSpPr>
+        <a:xfrm>
+          <a:off x="0" y="0"/>
+          <a:ext cx="0" cy="0"/>
+          <a:chOff x="0" y="0"/>
+          <a:chExt cx="0" cy="0"/>
+        </a:xfrm>
+      </p:grpSpPr>
+      <p:sp>
+        <p:nvSpPr>
+          <p:cNvPr id="2" name="Title 1"/>
+          <p:cNvSpPr>
+            <a:spLocks noGrp="1"/>
+          </p:cNvSpPr>
+          <p:nvPr>
+            <p:ph type="title"/>
+          </p:nvPr>
+        </p:nvSpPr>
+        <p:spPr/>
+        <p:txBody>
+          <a:bodyPr/>
+          <a:lstStyle/>
+          <a:p>
+            <a:r>
+              <a:rPr lang="en-US" dirty="0"/>
+              <a:t>Assessment and Evaluation</a:t>
+            </a:r>
+          </a:p>
+        </p:txBody>
+      </p:sp>
+      <p:sp>
+        <p:nvSpPr>
+          <p:cNvPr id="3" name="Content Placeholder 2"/>
+          <p:cNvSpPr>
+            <a:spLocks noGrp="1"/>
+          </p:cNvSpPr>
+          <p:nvPr>
+            <p:ph idx="1"/>
+          </p:nvPr>
+        </p:nvSpPr>
+        <p:spPr/>
+        <p:txBody>
+          <a:bodyPr/>
+          <a:lstStyle/>
+          <a:p>
+            <a:r>
+              <a:rPr lang="en-US" dirty="0" smtClean="0"/>
+              <a:t>How is the python driver script and </a:t>
+            </a:r>
+            <a:r>
+              <a:rPr lang="en-US" dirty="0" err="1" smtClean="0"/>
+              <a:t>IMPConfig.yaml</a:t>
+            </a:r>
+            <a:r>
+              <a:rPr lang="en-US" dirty="0" smtClean="0"/>
+              <a:t> a convenience? </a:t>
+            </a:r>
+          </a:p>
+          <a:p>
+            <a:pPr lvl="1"/>
+            <a:r>
+              <a:rPr lang="en-US" dirty="0" smtClean="0"/>
+              <a:t>what would you need to do if there are not available?</a:t>
+            </a:r>
+          </a:p>
+          <a:p>
+            <a:r>
+              <a:rPr lang="en-US" dirty="0" err="1" smtClean="0"/>
+              <a:t>IMProv</a:t>
+            </a:r>
+            <a:r>
+              <a:rPr lang="en-US" dirty="0" smtClean="0"/>
+              <a:t> comprises file preparation and deployment. How would you go about performing each?</a:t>
+            </a:r>
+          </a:p>
+          <a:p>
+            <a:endParaRPr lang="en-US" dirty="0"/>
+          </a:p>
+          <a:p>
+            <a:r>
+              <a:rPr lang="en-US" dirty="0" smtClean="0"/>
+              <a:t>Did you find this guided tutorial helpful?</a:t>
+            </a:r>
+            <a:endParaRPr lang="en-US" dirty="0"/>
+          </a:p>
+        </p:txBody>
+      </p:sp>
+    </p:spTree>
+    <p:extLst>
+      <p:ext uri="{BB962C8B-B14F-4D97-AF65-F5344CB8AC3E}">
+        <p14:creationId xmlns:p14="http://schemas.microsoft.com/office/powerpoint/2010/main" val="687654895"/>
+      </p:ext>
+    </p:extLst>
+  </p:cSld>
+  <p:clrMapOvr>
+    <a:masterClrMapping/>
+  </p:clrMapOvr>
+  <mc:AlternateContent xmlns:mc="http://schemas.openxmlformats.org/markup-compatibility/2006" xmlns:p14="http://schemas.microsoft.com/office/powerpoint/2010/main">
+    <mc:Choice Requires="p14">
+      <p:transition spd="med" p14:dur="700">
+        <p:fade/>
+      </p:transition>
+    </mc:Choice>
+    <mc:Fallback xmlns="">
+      <p:transition spd="med">
+        <p:fade/>
+      </p:transition>
+    </mc:Fallback>
+  </mc:AlternateContent>
+</p:sld>
+</file>
+
+<file path=ppt/slides/slide45.xml><?xml version="1.0" encoding="utf-8"?>
+<p:sld xmlns:a="http://schemas.openxmlformats.org/drawingml/2006/main" xmlns:r="http://schemas.openxmlformats.org/officeDocument/2006/relationships" xmlns:p="http://schemas.openxmlformats.org/presentationml/2006/main">
+  <p:cSld>
+    <p:spTree>
+      <p:nvGrpSpPr>
+        <p:cNvPr id="1" name=""/>
+        <p:cNvGrpSpPr/>
+        <p:nvPr/>
+      </p:nvGrpSpPr>
+      <p:grpSpPr>
+        <a:xfrm>
+          <a:off x="0" y="0"/>
+          <a:ext cx="0" cy="0"/>
+          <a:chOff x="0" y="0"/>
+          <a:chExt cx="0" cy="0"/>
+        </a:xfrm>
+      </p:grpSpPr>
+      <p:sp>
+        <p:nvSpPr>
+          <p:cNvPr id="2" name="Title 1"/>
+          <p:cNvSpPr>
+            <a:spLocks noGrp="1"/>
+          </p:cNvSpPr>
+          <p:nvPr>
+            <p:ph type="title"/>
+          </p:nvPr>
+        </p:nvSpPr>
+        <p:spPr/>
+        <p:txBody>
+          <a:bodyPr/>
+          <a:lstStyle/>
+          <a:p>
+            <a:pPr marL="571500" indent="-571500">
+              <a:buFont typeface="Arial" panose="020B0604020202020204" pitchFamily="34" charset="0"/>
+              <a:buChar char="•"/>
+            </a:pPr>
+            <a:r>
+              <a:rPr lang="en-US" dirty="0" smtClean="0"/>
+              <a:t>Abbreviations</a:t>
+            </a:r>
+            <a:endParaRPr lang="en-US" dirty="0"/>
+          </a:p>
+        </p:txBody>
+      </p:sp>
+      <p:sp>
+        <p:nvSpPr>
+          <p:cNvPr id="3" name="Rectangle 2"/>
+          <p:cNvSpPr/>
+          <p:nvPr/>
+        </p:nvSpPr>
+        <p:spPr>
+          <a:xfrm>
+            <a:off x="65903" y="1897415"/>
+            <a:ext cx="11755394" cy="4616648"/>
+          </a:xfrm>
+          <a:prstGeom prst="rect">
+            <a:avLst/>
+          </a:prstGeom>
+        </p:spPr>
+        <p:txBody>
+          <a:bodyPr wrap="square">
+            <a:spAutoFit/>
+          </a:bodyPr>
+          <a:lstStyle/>
+          <a:p>
+            <a:endParaRPr lang="en-US" sz="1400" dirty="0"/>
+          </a:p>
+          <a:p>
+            <a:pPr marL="285750" indent="-285750">
+              <a:buFont typeface="Arial" panose="020B0604020202020204" pitchFamily="34" charset="0"/>
+              <a:buChar char="•"/>
+            </a:pPr>
+            <a:r>
+              <a:rPr lang="en-US" sz="1400" b="1" dirty="0" err="1"/>
+              <a:t>Cryo</a:t>
+            </a:r>
+            <a:r>
+              <a:rPr lang="en-US" sz="1400" b="1" dirty="0"/>
+              <a:t>-EM:  </a:t>
+            </a:r>
+            <a:r>
+              <a:rPr lang="en-US" sz="1400" dirty="0" err="1"/>
+              <a:t>cryoelectron</a:t>
+            </a:r>
+            <a:r>
+              <a:rPr lang="en-US" sz="1400" dirty="0"/>
+              <a:t> microscopy | https://www.sciencedirect.com/science/article/pii/S0304416517302374</a:t>
+            </a:r>
+          </a:p>
+          <a:p>
+            <a:pPr marL="285750" indent="-285750">
+              <a:buFont typeface="Arial" panose="020B0604020202020204" pitchFamily="34" charset="0"/>
+              <a:buChar char="•"/>
+            </a:pPr>
+            <a:r>
+              <a:rPr lang="en-US" sz="1400" b="1" dirty="0"/>
+              <a:t>FDR</a:t>
+            </a:r>
+            <a:r>
+              <a:rPr lang="en-US" sz="1400" dirty="0"/>
+              <a:t>: False Discovery Rate | https://www.bioinfor.com/fdr-tutorial/</a:t>
+            </a:r>
+          </a:p>
+          <a:p>
+            <a:pPr marL="285750" indent="-285750">
+              <a:buFont typeface="Arial" panose="020B0604020202020204" pitchFamily="34" charset="0"/>
+              <a:buChar char="•"/>
+            </a:pPr>
+            <a:r>
+              <a:rPr lang="en-US" sz="1400" b="1" dirty="0"/>
+              <a:t>HPC</a:t>
+            </a:r>
+            <a:r>
+              <a:rPr lang="en-US" sz="1400" dirty="0"/>
+              <a:t>:  High Performance Computing | https://docs.computecanada.ca/wiki/Getting_started</a:t>
+            </a:r>
+          </a:p>
+          <a:p>
+            <a:pPr marL="285750" indent="-285750">
+              <a:buFont typeface="Arial" panose="020B0604020202020204" pitchFamily="34" charset="0"/>
+              <a:buChar char="•"/>
+            </a:pPr>
+            <a:r>
+              <a:rPr lang="en-US" sz="1400" b="1" dirty="0"/>
+              <a:t>HX-MS</a:t>
+            </a:r>
+            <a:r>
+              <a:rPr lang="en-US" sz="1400" dirty="0"/>
+              <a:t>:  Hydrogen </a:t>
+            </a:r>
+            <a:r>
+              <a:rPr lang="en-US" sz="1400" dirty="0" err="1"/>
+              <a:t>eXchange</a:t>
+            </a:r>
+            <a:r>
+              <a:rPr lang="en-US" sz="1400" dirty="0"/>
+              <a:t> Mass Spectrometry | https://neu.hxms.com/research/tutorial_theory.htm#:~:text=Hydrogen%20exchange%20(HX)%20combined%20with,of%20proteins%20and%20protein%20structure.</a:t>
+            </a:r>
+          </a:p>
+          <a:p>
+            <a:pPr marL="285750" indent="-285750">
+              <a:buFont typeface="Arial" panose="020B0604020202020204" pitchFamily="34" charset="0"/>
+              <a:buChar char="•"/>
+            </a:pPr>
+            <a:r>
+              <a:rPr lang="en-US" sz="1400" b="1" dirty="0"/>
+              <a:t>IMP</a:t>
+            </a:r>
+            <a:r>
+              <a:rPr lang="en-US" sz="1400" dirty="0"/>
+              <a:t>:  Integrative Modeling Platform | https://integrativemodeling.org/</a:t>
+            </a:r>
+          </a:p>
+          <a:p>
+            <a:pPr marL="285750" indent="-285750">
+              <a:buFont typeface="Arial" panose="020B0604020202020204" pitchFamily="34" charset="0"/>
+              <a:buChar char="•"/>
+            </a:pPr>
+            <a:r>
+              <a:rPr lang="en-US" sz="1400" b="1" dirty="0"/>
+              <a:t>PMI</a:t>
+            </a:r>
+            <a:r>
+              <a:rPr lang="en-US" sz="1400" dirty="0"/>
+              <a:t>:  Python Modeling Interface | https://integrativemodeling.org/</a:t>
+            </a:r>
+          </a:p>
+          <a:p>
+            <a:pPr marL="285750" indent="-285750">
+              <a:buFont typeface="Arial" panose="020B0604020202020204" pitchFamily="34" charset="0"/>
+              <a:buChar char="•"/>
+            </a:pPr>
+            <a:r>
+              <a:rPr lang="en-US" sz="1400" b="1" dirty="0"/>
+              <a:t>PRC2</a:t>
+            </a:r>
+            <a:r>
+              <a:rPr lang="en-US" sz="1400" dirty="0"/>
+              <a:t>:  </a:t>
+            </a:r>
+            <a:r>
+              <a:rPr lang="en-US" sz="1400" dirty="0" err="1"/>
+              <a:t>Polycomb</a:t>
+            </a:r>
+            <a:r>
+              <a:rPr lang="en-US" sz="1400" dirty="0"/>
+              <a:t> Repressive Complex 2 | https://www.ncbi.nlm.nih.gov/pmc/articles/PMC5008062/</a:t>
+            </a:r>
+          </a:p>
+          <a:p>
+            <a:pPr marL="285750" indent="-285750">
+              <a:buFont typeface="Arial" panose="020B0604020202020204" pitchFamily="34" charset="0"/>
+              <a:buChar char="•"/>
+            </a:pPr>
+            <a:r>
+              <a:rPr lang="en-US" sz="1400" b="1" dirty="0"/>
+              <a:t>SLURM</a:t>
+            </a:r>
+            <a:r>
+              <a:rPr lang="en-US" sz="1400" dirty="0"/>
+              <a:t>: Simple Linux Utility for Resource Management | https://en.wikipedia.org/wiki/Slurm_Workload_Manager</a:t>
+            </a:r>
+          </a:p>
+          <a:p>
+            <a:pPr marL="285750" indent="-285750">
+              <a:buFont typeface="Arial" panose="020B0604020202020204" pitchFamily="34" charset="0"/>
+              <a:buChar char="•"/>
+            </a:pPr>
+            <a:r>
+              <a:rPr lang="en-US" sz="1400" b="1" dirty="0"/>
+              <a:t>XL-MS</a:t>
+            </a:r>
+            <a:r>
+              <a:rPr lang="en-US" sz="1400" dirty="0"/>
+              <a:t>:  Crosslinking Mass Spectrometry | https://</a:t>
+            </a:r>
+            <a:r>
+              <a:rPr lang="en-US" sz="1400" dirty="0" smtClean="0"/>
+              <a:t>www.technologynetworks.com/proteomics/articles/cross-linking-mass-spectrometry-a-key-player-in-the-structural-biologists-toolbox-322446</a:t>
+            </a:r>
+            <a:endParaRPr lang="en-US" sz="1400" dirty="0"/>
+          </a:p>
+          <a:p>
+            <a:pPr marL="285750" indent="-285750">
+              <a:buFont typeface="Arial" panose="020B0604020202020204" pitchFamily="34" charset="0"/>
+              <a:buChar char="•"/>
+            </a:pPr>
+            <a:r>
+              <a:rPr lang="en-US" sz="1400" b="1" dirty="0"/>
+              <a:t>FASTA</a:t>
+            </a:r>
+            <a:r>
+              <a:rPr lang="en-US" sz="1400" dirty="0"/>
+              <a:t>: The FASTA format is sometimes also referred to as the "Pearson" format (after the author of the FASTA program and ditto format). | https://www.bioinformatics.nl/tools/crab_fasta.html ; https://en.wikipedia.org/wiki/FASTA_format</a:t>
+            </a:r>
+          </a:p>
+          <a:p>
+            <a:pPr marL="285750" indent="-285750">
+              <a:buFont typeface="Arial" panose="020B0604020202020204" pitchFamily="34" charset="0"/>
+              <a:buChar char="•"/>
+            </a:pPr>
+            <a:r>
+              <a:rPr lang="en-US" sz="1400" b="1" dirty="0"/>
+              <a:t>PDB</a:t>
+            </a:r>
+            <a:r>
+              <a:rPr lang="en-US" sz="1400" dirty="0"/>
+              <a:t>: The Protein Data Bank (</a:t>
+            </a:r>
+            <a:r>
+              <a:rPr lang="en-US" sz="1400" dirty="0" err="1"/>
+              <a:t>pdb</a:t>
+            </a:r>
+            <a:r>
+              <a:rPr lang="en-US" sz="1400" dirty="0"/>
+              <a:t>) file format is a textual file format describing the three-dimensional structures of molecules held in the Protein Data Bank | https://pdb101.rcsb.org/learn/guide-to-understanding-pdb-data/introduction ; https://www.rcsb.org/</a:t>
+            </a:r>
+          </a:p>
+          <a:p>
+            <a:pPr marL="285750" indent="-285750">
+              <a:buFont typeface="Arial" panose="020B0604020202020204" pitchFamily="34" charset="0"/>
+              <a:buChar char="•"/>
+            </a:pPr>
+            <a:r>
+              <a:rPr lang="en-US" sz="1400" b="1" dirty="0"/>
+              <a:t>AWS</a:t>
+            </a:r>
+            <a:r>
+              <a:rPr lang="en-US" sz="1400" dirty="0"/>
+              <a:t>: Amazon Web Services | https://aws.amazon.com/console/</a:t>
+            </a:r>
+          </a:p>
+          <a:p>
+            <a:pPr marL="285750" indent="-285750">
+              <a:buFont typeface="Arial" panose="020B0604020202020204" pitchFamily="34" charset="0"/>
+              <a:buChar char="•"/>
+            </a:pPr>
+            <a:r>
+              <a:rPr lang="en-US" sz="1400" b="1" dirty="0"/>
+              <a:t>Cedar</a:t>
+            </a:r>
+            <a:r>
+              <a:rPr lang="en-US" sz="1400" dirty="0"/>
+              <a:t>: Compute Canada HPC Cluster | https://status.computecanada.ca/</a:t>
+            </a:r>
+          </a:p>
+          <a:p>
+            <a:pPr marL="285750" indent="-285750">
+              <a:buFont typeface="Arial" panose="020B0604020202020204" pitchFamily="34" charset="0"/>
+              <a:buChar char="•"/>
+            </a:pPr>
+            <a:r>
+              <a:rPr lang="en-US" sz="1400" b="1" dirty="0"/>
+              <a:t>Linux</a:t>
+            </a:r>
+            <a:r>
+              <a:rPr lang="en-US" sz="1400" dirty="0"/>
+              <a:t>: Operating System, </a:t>
+            </a:r>
+            <a:r>
+              <a:rPr lang="en-US" sz="1400" dirty="0" err="1"/>
+              <a:t>RedHat</a:t>
+            </a:r>
+            <a:r>
+              <a:rPr lang="en-US" sz="1400" dirty="0"/>
+              <a:t> Enterprise Linux (or variants, such as CentOS or Scientific Linux) | </a:t>
+            </a:r>
+            <a:endParaRPr lang="en-US" sz="1400" dirty="0" smtClean="0"/>
+          </a:p>
+          <a:p>
+            <a:pPr marL="285750" indent="-285750">
+              <a:buFont typeface="Arial" panose="020B0604020202020204" pitchFamily="34" charset="0"/>
+              <a:buChar char="•"/>
+            </a:pPr>
+            <a:r>
+              <a:rPr lang="en-US" sz="1400" b="1" dirty="0" smtClean="0"/>
+              <a:t>MC</a:t>
+            </a:r>
+            <a:r>
+              <a:rPr lang="en-US" sz="1400" dirty="0" smtClean="0"/>
+              <a:t>: Monte Carlo Sampling</a:t>
+            </a:r>
+            <a:endParaRPr lang="en-US" sz="1400" dirty="0"/>
+          </a:p>
+        </p:txBody>
+      </p:sp>
+    </p:spTree>
+    <p:extLst>
+      <p:ext uri="{BB962C8B-B14F-4D97-AF65-F5344CB8AC3E}">
+        <p14:creationId xmlns:p14="http://schemas.microsoft.com/office/powerpoint/2010/main" val="1207600953"/>
+      </p:ext>
+    </p:extLst>
+  </p:cSld>
+  <p:clrMapOvr>
+    <a:masterClrMapping/>
+  </p:clrMapOvr>
+  <mc:AlternateContent xmlns:mc="http://schemas.openxmlformats.org/markup-compatibility/2006" xmlns:p14="http://schemas.microsoft.com/office/powerpoint/2010/main">
+    <mc:Choice Requires="p14">
+      <p:transition spd="med" p14:dur="700">
+        <p:fade/>
+      </p:transition>
+    </mc:Choice>
+    <mc:Fallback xmlns="">
+      <p:transition spd="med">
+        <p:fade/>
+      </p:transition>
+    </mc:Fallback>
+  </mc:AlternateContent>
+</p:sld>
+</file>
+
+<file path=ppt/slides/slide46.xml><?xml version="1.0" encoding="utf-8"?>
+<p:sld xmlns:a="http://schemas.openxmlformats.org/drawingml/2006/main" xmlns:r="http://schemas.openxmlformats.org/officeDocument/2006/relationships" xmlns:p="http://schemas.openxmlformats.org/presentationml/2006/main">
+  <p:cSld>
+    <p:spTree>
+      <p:nvGrpSpPr>
+        <p:cNvPr id="1" name=""/>
+        <p:cNvGrpSpPr/>
+        <p:nvPr/>
+      </p:nvGrpSpPr>
+      <p:grpSpPr>
+        <a:xfrm>
+          <a:off x="0" y="0"/>
+          <a:ext cx="0" cy="0"/>
+          <a:chOff x="0" y="0"/>
+          <a:chExt cx="0" cy="0"/>
+        </a:xfrm>
+      </p:grpSpPr>
+      <p:sp>
+        <p:nvSpPr>
+          <p:cNvPr id="2" name="Title 1"/>
+          <p:cNvSpPr>
+            <a:spLocks noGrp="1"/>
+          </p:cNvSpPr>
+          <p:nvPr>
+            <p:ph type="title"/>
+          </p:nvPr>
+        </p:nvSpPr>
+        <p:spPr/>
+        <p:txBody>
+          <a:bodyPr/>
+          <a:lstStyle/>
+          <a:p>
+            <a:pPr marL="571500" indent="-571500">
+              <a:buFont typeface="Arial" panose="020B0604020202020204" pitchFamily="34" charset="0"/>
+              <a:buChar char="•"/>
+            </a:pPr>
+            <a:r>
+              <a:rPr lang="en-US" dirty="0" smtClean="0"/>
+              <a:t>References</a:t>
+            </a:r>
+            <a:endParaRPr lang="en-US" dirty="0"/>
+          </a:p>
+        </p:txBody>
+      </p:sp>
+      <p:sp>
+        <p:nvSpPr>
+          <p:cNvPr id="3" name="Rectangle 2"/>
+          <p:cNvSpPr/>
+          <p:nvPr/>
+        </p:nvSpPr>
+        <p:spPr>
+          <a:xfrm>
+            <a:off x="65903" y="1897415"/>
+            <a:ext cx="11755394" cy="2462213"/>
+          </a:xfrm>
+          <a:prstGeom prst="rect">
+            <a:avLst/>
+          </a:prstGeom>
+        </p:spPr>
+        <p:txBody>
+          <a:bodyPr wrap="square">
+            <a:spAutoFit/>
+          </a:bodyPr>
+          <a:lstStyle/>
+          <a:p>
+            <a:endParaRPr lang="en-US" sz="1400" dirty="0"/>
+          </a:p>
+          <a:p>
+            <a:pPr marL="285750" indent="-285750">
+              <a:buFont typeface="Arial" panose="020B0604020202020204" pitchFamily="34" charset="0"/>
+              <a:buChar char="•"/>
+            </a:pPr>
+            <a:r>
+              <a:rPr lang="en-US" sz="1400" b="1" dirty="0" smtClean="0"/>
+              <a:t>IMProv_msstudio_tut.md:  </a:t>
+            </a:r>
+            <a:r>
+              <a:rPr lang="en-US" sz="1400" dirty="0"/>
+              <a:t>https://github.com/pellst/imp_msstudio_init/blob/master/IMProv_msstudio_tut.md</a:t>
+            </a:r>
+          </a:p>
+          <a:p>
+            <a:pPr marL="285750" indent="-285750">
+              <a:buFont typeface="Arial" panose="020B0604020202020204" pitchFamily="34" charset="0"/>
+              <a:buChar char="•"/>
+            </a:pPr>
+            <a:r>
+              <a:rPr lang="en-US" sz="1400" b="1" dirty="0" err="1" smtClean="0"/>
+              <a:t>uml_activity_diag_improv.svg</a:t>
+            </a:r>
+            <a:r>
+              <a:rPr lang="en-US" sz="1400" dirty="0" smtClean="0"/>
+              <a:t>: </a:t>
+            </a:r>
+            <a:r>
+              <a:rPr lang="en-US" sz="1400" dirty="0">
+                <a:hlinkClick r:id="rId2"/>
+              </a:rPr>
+              <a:t>https://</a:t>
+            </a:r>
+            <a:r>
+              <a:rPr lang="en-US" sz="1400" dirty="0" smtClean="0">
+                <a:hlinkClick r:id="rId2"/>
+              </a:rPr>
+              <a:t>raw.githubusercontent.com/pellst/imp_msstudio_init/master/uml_activity_diag_improv.svg</a:t>
+            </a:r>
+            <a:endParaRPr lang="en-US" sz="1400" dirty="0" smtClean="0"/>
+          </a:p>
+          <a:p>
+            <a:pPr marL="285750" indent="-285750">
+              <a:buFont typeface="Arial" panose="020B0604020202020204" pitchFamily="34" charset="0"/>
+              <a:buChar char="•"/>
+            </a:pPr>
+            <a:r>
+              <a:rPr lang="en-US" sz="1400" b="1" dirty="0" smtClean="0"/>
+              <a:t>IMProv_uml_diag.png</a:t>
+            </a:r>
+            <a:r>
+              <a:rPr lang="en-US" sz="1400" dirty="0" smtClean="0"/>
+              <a:t>: </a:t>
+            </a:r>
+            <a:r>
+              <a:rPr lang="en-US" sz="1400" dirty="0">
+                <a:hlinkClick r:id="rId3"/>
+              </a:rPr>
+              <a:t>https://</a:t>
+            </a:r>
+            <a:r>
+              <a:rPr lang="en-US" sz="1400" dirty="0" smtClean="0">
+                <a:hlinkClick r:id="rId3"/>
+              </a:rPr>
+              <a:t>github.com/pellst/imp_msstudio_init/blob/master/IMProv_uml_diag.png</a:t>
+            </a:r>
+            <a:endParaRPr lang="en-US" sz="1400" dirty="0" smtClean="0"/>
+          </a:p>
+          <a:p>
+            <a:pPr marL="285750" indent="-285750">
+              <a:buFont typeface="Arial" panose="020B0604020202020204" pitchFamily="34" charset="0"/>
+              <a:buChar char="•"/>
+            </a:pPr>
+            <a:r>
+              <a:rPr lang="en-US" sz="1400" b="1" dirty="0" smtClean="0"/>
+              <a:t>IMProv_on_Cedar_tut.md</a:t>
+            </a:r>
+            <a:r>
+              <a:rPr lang="en-US" sz="1400" dirty="0" smtClean="0"/>
+              <a:t>: </a:t>
+            </a:r>
+            <a:r>
+              <a:rPr lang="en-US" sz="1400" dirty="0">
+                <a:hlinkClick r:id="rId4"/>
+              </a:rPr>
+              <a:t>https://</a:t>
+            </a:r>
+            <a:r>
+              <a:rPr lang="en-US" sz="1400" dirty="0" smtClean="0">
+                <a:hlinkClick r:id="rId4"/>
+              </a:rPr>
+              <a:t>github.com/pellst/imp_msstudio_init/blob/master/IMProv_on_Cedar_tut.md</a:t>
+            </a:r>
+            <a:endParaRPr lang="en-US" sz="1400" dirty="0" smtClean="0"/>
+          </a:p>
+          <a:p>
+            <a:pPr marL="285750" indent="-285750">
+              <a:buFont typeface="Arial" panose="020B0604020202020204" pitchFamily="34" charset="0"/>
+              <a:buChar char="•"/>
+            </a:pPr>
+            <a:r>
+              <a:rPr lang="en-US" sz="1400" b="1" dirty="0" smtClean="0"/>
+              <a:t>IMProv_on_AWS_tut.md</a:t>
+            </a:r>
+            <a:r>
+              <a:rPr lang="en-US" sz="1400" dirty="0" smtClean="0"/>
+              <a:t>: </a:t>
+            </a:r>
+            <a:r>
+              <a:rPr lang="en-US" sz="1400" dirty="0">
+                <a:hlinkClick r:id="rId5"/>
+              </a:rPr>
+              <a:t>https://</a:t>
+            </a:r>
+            <a:r>
+              <a:rPr lang="en-US" sz="1400" dirty="0" smtClean="0">
+                <a:hlinkClick r:id="rId5"/>
+              </a:rPr>
+              <a:t>github.com/pellst/imp_msstudio_init/blob/master/IMProv_on_AWS_tut.md</a:t>
+            </a:r>
+            <a:endParaRPr lang="en-US" sz="1400" dirty="0" smtClean="0"/>
+          </a:p>
+          <a:p>
+            <a:pPr marL="285750" indent="-285750">
+              <a:buFont typeface="Arial" panose="020B0604020202020204" pitchFamily="34" charset="0"/>
+              <a:buChar char="•"/>
+            </a:pPr>
+            <a:endParaRPr lang="en-US" sz="1400" dirty="0"/>
+          </a:p>
+          <a:p>
+            <a:pPr marL="285750" indent="-285750">
+              <a:buFont typeface="Arial" panose="020B0604020202020204" pitchFamily="34" charset="0"/>
+              <a:buChar char="•"/>
+            </a:pPr>
+            <a:endParaRPr lang="en-US" sz="1400" dirty="0"/>
+          </a:p>
+          <a:p>
+            <a:pPr marL="285750" indent="-285750">
+              <a:buFont typeface="Arial" panose="020B0604020202020204" pitchFamily="34" charset="0"/>
+              <a:buChar char="•"/>
+            </a:pPr>
+            <a:endParaRPr lang="en-US" sz="1400" dirty="0"/>
+          </a:p>
+          <a:p>
+            <a:pPr marL="285750" indent="-285750">
+              <a:buFont typeface="Arial" panose="020B0604020202020204" pitchFamily="34" charset="0"/>
+              <a:buChar char="•"/>
+            </a:pPr>
+            <a:endParaRPr lang="en-US" sz="1400" dirty="0"/>
+          </a:p>
+          <a:p>
+            <a:pPr marL="285750" indent="-285750">
+              <a:buFont typeface="Arial" panose="020B0604020202020204" pitchFamily="34" charset="0"/>
+              <a:buChar char="•"/>
+            </a:pPr>
+            <a:endParaRPr lang="en-US" sz="1400" dirty="0"/>
+          </a:p>
+        </p:txBody>
+      </p:sp>
+    </p:spTree>
+    <p:extLst>
+      <p:ext uri="{BB962C8B-B14F-4D97-AF65-F5344CB8AC3E}">
+        <p14:creationId xmlns:p14="http://schemas.microsoft.com/office/powerpoint/2010/main" val="1294624036"/>
+      </p:ext>
+    </p:extLst>
+  </p:cSld>
+  <p:clrMapOvr>
+    <a:masterClrMapping/>
+  </p:clrMapOvr>
+  <mc:AlternateContent xmlns:mc="http://schemas.openxmlformats.org/markup-compatibility/2006" xmlns:p14="http://schemas.microsoft.com/office/powerpoint/2010/main">
+    <mc:Choice Requires="p14">
+      <p:transition spd="med" p14:dur="700">
+        <p:fade/>
+      </p:transition>
+    </mc:Choice>
+    <mc:Fallback xmlns="">
+      <p:transition spd="med">
+        <p:fade/>
+      </p:transition>
+    </mc:Fallback>
+  </mc:AlternateContent>
+</p:sld>
+</file>
+
 <file path=ppt/slides/slide5.xml><?xml version="1.0" encoding="utf-8"?>
 <p:sld xmlns:a="http://schemas.openxmlformats.org/drawingml/2006/main" xmlns:r="http://schemas.openxmlformats.org/officeDocument/2006/relationships" xmlns:p="http://schemas.openxmlformats.org/presentationml/2006/main">
   <p:cSld>
@@ -21003,15 +21473,7 @@
             <a:pPr lvl="1"/>
             <a:r>
               <a:rPr lang="en-US" dirty="0" smtClean="0"/>
-              <a:t>Perform a </a:t>
-            </a:r>
-            <a:r>
-              <a:rPr lang="en-US" dirty="0" smtClean="0"/>
-              <a:t>modeling </a:t>
-            </a:r>
-            <a:r>
-              <a:rPr lang="en-US" dirty="0" smtClean="0"/>
-              <a:t>run.</a:t>
+              <a:t>Perform a modeling run.</a:t>
             </a:r>
             <a:endParaRPr lang="en-US" dirty="0"/>
           </a:p>

--- a/IMProv_project_prep.pptx
+++ b/IMProv_project_prep.pptx
@@ -4146,1900 +4146,6 @@
       <dsp:cNvGrpSpPr/>
     </dsp:nvGrpSpPr>
     <dsp:grpSpPr/>
-    <dsp:sp modelId="{EA6442ED-2B41-49B9-890D-A9D8A67FC20A}">
-      <dsp:nvSpPr>
-        <dsp:cNvPr id="0" name=""/>
-        <dsp:cNvSpPr/>
-      </dsp:nvSpPr>
-      <dsp:spPr>
-        <a:xfrm>
-          <a:off x="2906315" y="89"/>
-          <a:ext cx="989807" cy="989807"/>
-        </a:xfrm>
-        <a:prstGeom prst="ellipse">
-          <a:avLst/>
-        </a:prstGeom>
-        <a:gradFill rotWithShape="0">
-          <a:gsLst>
-            <a:gs pos="0">
-              <a:schemeClr val="accent1">
-                <a:hueOff val="0"/>
-                <a:satOff val="0"/>
-                <a:lumOff val="0"/>
-                <a:alphaOff val="0"/>
-                <a:satMod val="103000"/>
-                <a:lumMod val="102000"/>
-                <a:tint val="94000"/>
-              </a:schemeClr>
-            </a:gs>
-            <a:gs pos="50000">
-              <a:schemeClr val="accent1">
-                <a:hueOff val="0"/>
-                <a:satOff val="0"/>
-                <a:lumOff val="0"/>
-                <a:alphaOff val="0"/>
-                <a:satMod val="110000"/>
-                <a:lumMod val="100000"/>
-                <a:shade val="100000"/>
-              </a:schemeClr>
-            </a:gs>
-            <a:gs pos="100000">
-              <a:schemeClr val="accent1">
-                <a:hueOff val="0"/>
-                <a:satOff val="0"/>
-                <a:lumOff val="0"/>
-                <a:alphaOff val="0"/>
-                <a:lumMod val="99000"/>
-                <a:satMod val="120000"/>
-                <a:shade val="78000"/>
-              </a:schemeClr>
-            </a:gs>
-          </a:gsLst>
-          <a:lin ang="5400000" scaled="0"/>
-        </a:gradFill>
-        <a:ln>
-          <a:noFill/>
-        </a:ln>
-        <a:effectLst/>
-        <a:scene3d>
-          <a:camera prst="orthographicFront"/>
-          <a:lightRig rig="threePt" dir="t">
-            <a:rot lat="0" lon="0" rev="7500000"/>
-          </a:lightRig>
-        </a:scene3d>
-        <a:sp3d prstMaterial="plastic">
-          <a:bevelT w="127000" h="25400" prst="relaxedInset"/>
-        </a:sp3d>
-      </dsp:spPr>
-      <dsp:style>
-        <a:lnRef idx="0">
-          <a:scrgbClr r="0" g="0" b="0"/>
-        </a:lnRef>
-        <a:fillRef idx="3">
-          <a:scrgbClr r="0" g="0" b="0"/>
-        </a:fillRef>
-        <a:effectRef idx="2">
-          <a:scrgbClr r="0" g="0" b="0"/>
-        </a:effectRef>
-        <a:fontRef idx="minor">
-          <a:schemeClr val="lt1"/>
-        </a:fontRef>
-      </dsp:style>
-      <dsp:txBody>
-        <a:bodyPr spcFirstLastPara="0" vert="horz" wrap="square" lIns="11430" tIns="11430" rIns="11430" bIns="11430" numCol="1" spcCol="1270" anchor="ctr" anchorCtr="0">
-          <a:noAutofit/>
-        </a:bodyPr>
-        <a:lstStyle/>
-        <a:p>
-          <a:pPr lvl="0" algn="ctr" defTabSz="400050">
-            <a:lnSpc>
-              <a:spcPct val="90000"/>
-            </a:lnSpc>
-            <a:spcBef>
-              <a:spcPct val="0"/>
-            </a:spcBef>
-            <a:spcAft>
-              <a:spcPct val="35000"/>
-            </a:spcAft>
-          </a:pPr>
-          <a:r>
-            <a:rPr lang="en-US" sz="900" kern="1200" dirty="0" smtClean="0"/>
-            <a:t>Add Proteins</a:t>
-          </a:r>
-          <a:endParaRPr lang="en-US" sz="900" kern="1200" dirty="0"/>
-        </a:p>
-      </dsp:txBody>
-      <dsp:txXfrm>
-        <a:off x="3051269" y="145043"/>
-        <a:ext cx="699899" cy="699899"/>
-      </dsp:txXfrm>
-    </dsp:sp>
-    <dsp:sp modelId="{B406CD5D-06F6-4BE8-B18E-E561E688359C}">
-      <dsp:nvSpPr>
-        <dsp:cNvPr id="0" name=""/>
-        <dsp:cNvSpPr/>
-      </dsp:nvSpPr>
-      <dsp:spPr>
-        <a:xfrm rot="1080000">
-          <a:off x="3969691" y="555573"/>
-          <a:ext cx="264079" cy="334060"/>
-        </a:xfrm>
-        <a:prstGeom prst="rightArrow">
-          <a:avLst>
-            <a:gd name="adj1" fmla="val 60000"/>
-            <a:gd name="adj2" fmla="val 50000"/>
-          </a:avLst>
-        </a:prstGeom>
-        <a:solidFill>
-          <a:schemeClr val="accent1">
-            <a:tint val="60000"/>
-            <a:hueOff val="0"/>
-            <a:satOff val="0"/>
-            <a:lumOff val="0"/>
-            <a:alphaOff val="0"/>
-          </a:schemeClr>
-        </a:solidFill>
-        <a:ln>
-          <a:noFill/>
-        </a:ln>
-        <a:effectLst/>
-        <a:scene3d>
-          <a:camera prst="orthographicFront"/>
-          <a:lightRig rig="threePt" dir="t">
-            <a:rot lat="0" lon="0" rev="7500000"/>
-          </a:lightRig>
-        </a:scene3d>
-        <a:sp3d z="-70000" extrusionH="63500" prstMaterial="matte">
-          <a:bevelT w="25400" h="6350" prst="relaxedInset"/>
-          <a:contourClr>
-            <a:schemeClr val="bg1"/>
-          </a:contourClr>
-        </a:sp3d>
-      </dsp:spPr>
-      <dsp:style>
-        <a:lnRef idx="0">
-          <a:scrgbClr r="0" g="0" b="0"/>
-        </a:lnRef>
-        <a:fillRef idx="1">
-          <a:scrgbClr r="0" g="0" b="0"/>
-        </a:fillRef>
-        <a:effectRef idx="2">
-          <a:scrgbClr r="0" g="0" b="0"/>
-        </a:effectRef>
-        <a:fontRef idx="minor">
-          <a:schemeClr val="lt1"/>
-        </a:fontRef>
-      </dsp:style>
-      <dsp:txBody>
-        <a:bodyPr spcFirstLastPara="0" vert="horz" wrap="square" lIns="0" tIns="0" rIns="0" bIns="0" numCol="1" spcCol="1270" anchor="ctr" anchorCtr="0">
-          <a:noAutofit/>
-        </a:bodyPr>
-        <a:lstStyle/>
-        <a:p>
-          <a:pPr lvl="0" algn="ctr" defTabSz="311150">
-            <a:lnSpc>
-              <a:spcPct val="90000"/>
-            </a:lnSpc>
-            <a:spcBef>
-              <a:spcPct val="0"/>
-            </a:spcBef>
-            <a:spcAft>
-              <a:spcPct val="35000"/>
-            </a:spcAft>
-          </a:pPr>
-          <a:endParaRPr lang="en-US" sz="700" kern="1200"/>
-        </a:p>
-      </dsp:txBody>
-      <dsp:txXfrm>
-        <a:off x="3971630" y="610144"/>
-        <a:ext cx="184855" cy="200436"/>
-      </dsp:txXfrm>
-    </dsp:sp>
-    <dsp:sp modelId="{3E141647-2010-4D20-9714-FA542AE6F0A9}">
-      <dsp:nvSpPr>
-        <dsp:cNvPr id="0" name=""/>
-        <dsp:cNvSpPr/>
-      </dsp:nvSpPr>
-      <dsp:spPr>
-        <a:xfrm>
-          <a:off x="4321555" y="459928"/>
-          <a:ext cx="989807" cy="989807"/>
-        </a:xfrm>
-        <a:prstGeom prst="ellipse">
-          <a:avLst/>
-        </a:prstGeom>
-        <a:gradFill rotWithShape="0">
-          <a:gsLst>
-            <a:gs pos="0">
-              <a:schemeClr val="accent1">
-                <a:hueOff val="0"/>
-                <a:satOff val="0"/>
-                <a:lumOff val="0"/>
-                <a:alphaOff val="0"/>
-                <a:satMod val="103000"/>
-                <a:lumMod val="102000"/>
-                <a:tint val="94000"/>
-              </a:schemeClr>
-            </a:gs>
-            <a:gs pos="50000">
-              <a:schemeClr val="accent1">
-                <a:hueOff val="0"/>
-                <a:satOff val="0"/>
-                <a:lumOff val="0"/>
-                <a:alphaOff val="0"/>
-                <a:satMod val="110000"/>
-                <a:lumMod val="100000"/>
-                <a:shade val="100000"/>
-              </a:schemeClr>
-            </a:gs>
-            <a:gs pos="100000">
-              <a:schemeClr val="accent1">
-                <a:hueOff val="0"/>
-                <a:satOff val="0"/>
-                <a:lumOff val="0"/>
-                <a:alphaOff val="0"/>
-                <a:lumMod val="99000"/>
-                <a:satMod val="120000"/>
-                <a:shade val="78000"/>
-              </a:schemeClr>
-            </a:gs>
-          </a:gsLst>
-          <a:lin ang="5400000" scaled="0"/>
-        </a:gradFill>
-        <a:ln>
-          <a:noFill/>
-        </a:ln>
-        <a:effectLst/>
-        <a:scene3d>
-          <a:camera prst="orthographicFront"/>
-          <a:lightRig rig="threePt" dir="t">
-            <a:rot lat="0" lon="0" rev="7500000"/>
-          </a:lightRig>
-        </a:scene3d>
-        <a:sp3d prstMaterial="plastic">
-          <a:bevelT w="127000" h="25400" prst="relaxedInset"/>
-        </a:sp3d>
-      </dsp:spPr>
-      <dsp:style>
-        <a:lnRef idx="0">
-          <a:scrgbClr r="0" g="0" b="0"/>
-        </a:lnRef>
-        <a:fillRef idx="3">
-          <a:scrgbClr r="0" g="0" b="0"/>
-        </a:fillRef>
-        <a:effectRef idx="2">
-          <a:scrgbClr r="0" g="0" b="0"/>
-        </a:effectRef>
-        <a:fontRef idx="minor">
-          <a:schemeClr val="lt1"/>
-        </a:fontRef>
-      </dsp:style>
-      <dsp:txBody>
-        <a:bodyPr spcFirstLastPara="0" vert="horz" wrap="square" lIns="11430" tIns="11430" rIns="11430" bIns="11430" numCol="1" spcCol="1270" anchor="ctr" anchorCtr="0">
-          <a:noAutofit/>
-        </a:bodyPr>
-        <a:lstStyle/>
-        <a:p>
-          <a:pPr lvl="0" algn="ctr" defTabSz="400050">
-            <a:lnSpc>
-              <a:spcPct val="90000"/>
-            </a:lnSpc>
-            <a:spcBef>
-              <a:spcPct val="0"/>
-            </a:spcBef>
-            <a:spcAft>
-              <a:spcPct val="35000"/>
-            </a:spcAft>
-          </a:pPr>
-          <a:r>
-            <a:rPr lang="en-US" sz="900" kern="1200" dirty="0" smtClean="0"/>
-            <a:t>Protein Topology</a:t>
-          </a:r>
-          <a:endParaRPr lang="en-US" sz="900" kern="1200" dirty="0"/>
-        </a:p>
-      </dsp:txBody>
-      <dsp:txXfrm>
-        <a:off x="4466509" y="604882"/>
-        <a:ext cx="699899" cy="699899"/>
-      </dsp:txXfrm>
-    </dsp:sp>
-    <dsp:sp modelId="{A0DA267C-3632-4168-9EC0-C99036C37346}">
-      <dsp:nvSpPr>
-        <dsp:cNvPr id="0" name=""/>
-        <dsp:cNvSpPr/>
-      </dsp:nvSpPr>
-      <dsp:spPr>
-        <a:xfrm rot="3240000">
-          <a:off x="5117359" y="1383693"/>
-          <a:ext cx="264079" cy="334060"/>
-        </a:xfrm>
-        <a:prstGeom prst="rightArrow">
-          <a:avLst>
-            <a:gd name="adj1" fmla="val 60000"/>
-            <a:gd name="adj2" fmla="val 50000"/>
-          </a:avLst>
-        </a:prstGeom>
-        <a:solidFill>
-          <a:schemeClr val="accent1">
-            <a:tint val="60000"/>
-            <a:hueOff val="0"/>
-            <a:satOff val="0"/>
-            <a:lumOff val="0"/>
-            <a:alphaOff val="0"/>
-          </a:schemeClr>
-        </a:solidFill>
-        <a:ln>
-          <a:noFill/>
-        </a:ln>
-        <a:effectLst/>
-        <a:scene3d>
-          <a:camera prst="orthographicFront"/>
-          <a:lightRig rig="threePt" dir="t">
-            <a:rot lat="0" lon="0" rev="7500000"/>
-          </a:lightRig>
-        </a:scene3d>
-        <a:sp3d z="-70000" extrusionH="63500" prstMaterial="matte">
-          <a:bevelT w="25400" h="6350" prst="relaxedInset"/>
-          <a:contourClr>
-            <a:schemeClr val="bg1"/>
-          </a:contourClr>
-        </a:sp3d>
-      </dsp:spPr>
-      <dsp:style>
-        <a:lnRef idx="0">
-          <a:scrgbClr r="0" g="0" b="0"/>
-        </a:lnRef>
-        <a:fillRef idx="1">
-          <a:scrgbClr r="0" g="0" b="0"/>
-        </a:fillRef>
-        <a:effectRef idx="2">
-          <a:scrgbClr r="0" g="0" b="0"/>
-        </a:effectRef>
-        <a:fontRef idx="minor">
-          <a:schemeClr val="lt1"/>
-        </a:fontRef>
-      </dsp:style>
-      <dsp:txBody>
-        <a:bodyPr spcFirstLastPara="0" vert="horz" wrap="square" lIns="0" tIns="0" rIns="0" bIns="0" numCol="1" spcCol="1270" anchor="ctr" anchorCtr="0">
-          <a:noAutofit/>
-        </a:bodyPr>
-        <a:lstStyle/>
-        <a:p>
-          <a:pPr lvl="0" algn="ctr" defTabSz="311150">
-            <a:lnSpc>
-              <a:spcPct val="90000"/>
-            </a:lnSpc>
-            <a:spcBef>
-              <a:spcPct val="0"/>
-            </a:spcBef>
-            <a:spcAft>
-              <a:spcPct val="35000"/>
-            </a:spcAft>
-          </a:pPr>
-          <a:endParaRPr lang="en-US" sz="700" kern="1200"/>
-        </a:p>
-      </dsp:txBody>
-      <dsp:txXfrm>
-        <a:off x="5133688" y="1418458"/>
-        <a:ext cx="184855" cy="200436"/>
-      </dsp:txXfrm>
-    </dsp:sp>
-    <dsp:sp modelId="{C548675C-E5FC-405A-B8E7-3ED5A91C7302}">
-      <dsp:nvSpPr>
-        <dsp:cNvPr id="0" name=""/>
-        <dsp:cNvSpPr/>
-      </dsp:nvSpPr>
-      <dsp:spPr>
-        <a:xfrm>
-          <a:off x="5196221" y="1663803"/>
-          <a:ext cx="989807" cy="989807"/>
-        </a:xfrm>
-        <a:prstGeom prst="ellipse">
-          <a:avLst/>
-        </a:prstGeom>
-        <a:gradFill rotWithShape="0">
-          <a:gsLst>
-            <a:gs pos="0">
-              <a:schemeClr val="accent1">
-                <a:hueOff val="0"/>
-                <a:satOff val="0"/>
-                <a:lumOff val="0"/>
-                <a:alphaOff val="0"/>
-                <a:satMod val="103000"/>
-                <a:lumMod val="102000"/>
-                <a:tint val="94000"/>
-              </a:schemeClr>
-            </a:gs>
-            <a:gs pos="50000">
-              <a:schemeClr val="accent1">
-                <a:hueOff val="0"/>
-                <a:satOff val="0"/>
-                <a:lumOff val="0"/>
-                <a:alphaOff val="0"/>
-                <a:satMod val="110000"/>
-                <a:lumMod val="100000"/>
-                <a:shade val="100000"/>
-              </a:schemeClr>
-            </a:gs>
-            <a:gs pos="100000">
-              <a:schemeClr val="accent1">
-                <a:hueOff val="0"/>
-                <a:satOff val="0"/>
-                <a:lumOff val="0"/>
-                <a:alphaOff val="0"/>
-                <a:lumMod val="99000"/>
-                <a:satMod val="120000"/>
-                <a:shade val="78000"/>
-              </a:schemeClr>
-            </a:gs>
-          </a:gsLst>
-          <a:lin ang="5400000" scaled="0"/>
-        </a:gradFill>
-        <a:ln>
-          <a:noFill/>
-        </a:ln>
-        <a:effectLst/>
-        <a:scene3d>
-          <a:camera prst="orthographicFront"/>
-          <a:lightRig rig="threePt" dir="t">
-            <a:rot lat="0" lon="0" rev="7500000"/>
-          </a:lightRig>
-        </a:scene3d>
-        <a:sp3d prstMaterial="plastic">
-          <a:bevelT w="127000" h="25400" prst="relaxedInset"/>
-        </a:sp3d>
-      </dsp:spPr>
-      <dsp:style>
-        <a:lnRef idx="0">
-          <a:scrgbClr r="0" g="0" b="0"/>
-        </a:lnRef>
-        <a:fillRef idx="3">
-          <a:scrgbClr r="0" g="0" b="0"/>
-        </a:fillRef>
-        <a:effectRef idx="2">
-          <a:scrgbClr r="0" g="0" b="0"/>
-        </a:effectRef>
-        <a:fontRef idx="minor">
-          <a:schemeClr val="lt1"/>
-        </a:fontRef>
-      </dsp:style>
-      <dsp:txBody>
-        <a:bodyPr spcFirstLastPara="0" vert="horz" wrap="square" lIns="11430" tIns="11430" rIns="11430" bIns="11430" numCol="1" spcCol="1270" anchor="ctr" anchorCtr="0">
-          <a:noAutofit/>
-        </a:bodyPr>
-        <a:lstStyle/>
-        <a:p>
-          <a:pPr lvl="0" algn="ctr" defTabSz="400050">
-            <a:lnSpc>
-              <a:spcPct val="90000"/>
-            </a:lnSpc>
-            <a:spcBef>
-              <a:spcPct val="0"/>
-            </a:spcBef>
-            <a:spcAft>
-              <a:spcPct val="35000"/>
-            </a:spcAft>
-          </a:pPr>
-          <a:r>
-            <a:rPr lang="en-US" sz="900" kern="1200" dirty="0" smtClean="0"/>
-            <a:t>Link Data</a:t>
-          </a:r>
-          <a:endParaRPr lang="en-US" sz="900" kern="1200" dirty="0"/>
-        </a:p>
-      </dsp:txBody>
-      <dsp:txXfrm>
-        <a:off x="5341175" y="1808757"/>
-        <a:ext cx="699899" cy="699899"/>
-      </dsp:txXfrm>
-    </dsp:sp>
-    <dsp:sp modelId="{DB458B84-0562-4BB4-BB6B-9BE45010FD23}">
-      <dsp:nvSpPr>
-        <dsp:cNvPr id="0" name=""/>
-        <dsp:cNvSpPr/>
-      </dsp:nvSpPr>
-      <dsp:spPr>
-        <a:xfrm rot="5400000">
-          <a:off x="5559085" y="2728239"/>
-          <a:ext cx="264079" cy="334060"/>
-        </a:xfrm>
-        <a:prstGeom prst="rightArrow">
-          <a:avLst>
-            <a:gd name="adj1" fmla="val 60000"/>
-            <a:gd name="adj2" fmla="val 50000"/>
-          </a:avLst>
-        </a:prstGeom>
-        <a:solidFill>
-          <a:schemeClr val="accent1">
-            <a:tint val="60000"/>
-            <a:hueOff val="0"/>
-            <a:satOff val="0"/>
-            <a:lumOff val="0"/>
-            <a:alphaOff val="0"/>
-          </a:schemeClr>
-        </a:solidFill>
-        <a:ln>
-          <a:noFill/>
-        </a:ln>
-        <a:effectLst/>
-        <a:scene3d>
-          <a:camera prst="orthographicFront"/>
-          <a:lightRig rig="threePt" dir="t">
-            <a:rot lat="0" lon="0" rev="7500000"/>
-          </a:lightRig>
-        </a:scene3d>
-        <a:sp3d z="-70000" extrusionH="63500" prstMaterial="matte">
-          <a:bevelT w="25400" h="6350" prst="relaxedInset"/>
-          <a:contourClr>
-            <a:schemeClr val="bg1"/>
-          </a:contourClr>
-        </a:sp3d>
-      </dsp:spPr>
-      <dsp:style>
-        <a:lnRef idx="0">
-          <a:scrgbClr r="0" g="0" b="0"/>
-        </a:lnRef>
-        <a:fillRef idx="1">
-          <a:scrgbClr r="0" g="0" b="0"/>
-        </a:fillRef>
-        <a:effectRef idx="2">
-          <a:scrgbClr r="0" g="0" b="0"/>
-        </a:effectRef>
-        <a:fontRef idx="minor">
-          <a:schemeClr val="lt1"/>
-        </a:fontRef>
-      </dsp:style>
-      <dsp:txBody>
-        <a:bodyPr spcFirstLastPara="0" vert="horz" wrap="square" lIns="0" tIns="0" rIns="0" bIns="0" numCol="1" spcCol="1270" anchor="ctr" anchorCtr="0">
-          <a:noAutofit/>
-        </a:bodyPr>
-        <a:lstStyle/>
-        <a:p>
-          <a:pPr lvl="0" algn="ctr" defTabSz="311150">
-            <a:lnSpc>
-              <a:spcPct val="90000"/>
-            </a:lnSpc>
-            <a:spcBef>
-              <a:spcPct val="0"/>
-            </a:spcBef>
-            <a:spcAft>
-              <a:spcPct val="35000"/>
-            </a:spcAft>
-          </a:pPr>
-          <a:endParaRPr lang="en-US" sz="700" kern="1200"/>
-        </a:p>
-      </dsp:txBody>
-      <dsp:txXfrm>
-        <a:off x="5598697" y="2755439"/>
-        <a:ext cx="184855" cy="200436"/>
-      </dsp:txXfrm>
-    </dsp:sp>
-    <dsp:sp modelId="{9B7E30C7-25FE-4DD4-93BA-4AD708DD1ACF}">
-      <dsp:nvSpPr>
-        <dsp:cNvPr id="0" name=""/>
-        <dsp:cNvSpPr/>
-      </dsp:nvSpPr>
-      <dsp:spPr>
-        <a:xfrm>
-          <a:off x="5196221" y="3151875"/>
-          <a:ext cx="989807" cy="989807"/>
-        </a:xfrm>
-        <a:prstGeom prst="ellipse">
-          <a:avLst/>
-        </a:prstGeom>
-        <a:gradFill rotWithShape="0">
-          <a:gsLst>
-            <a:gs pos="0">
-              <a:schemeClr val="accent1">
-                <a:hueOff val="0"/>
-                <a:satOff val="0"/>
-                <a:lumOff val="0"/>
-                <a:alphaOff val="0"/>
-                <a:satMod val="103000"/>
-                <a:lumMod val="102000"/>
-                <a:tint val="94000"/>
-              </a:schemeClr>
-            </a:gs>
-            <a:gs pos="50000">
-              <a:schemeClr val="accent1">
-                <a:hueOff val="0"/>
-                <a:satOff val="0"/>
-                <a:lumOff val="0"/>
-                <a:alphaOff val="0"/>
-                <a:satMod val="110000"/>
-                <a:lumMod val="100000"/>
-                <a:shade val="100000"/>
-              </a:schemeClr>
-            </a:gs>
-            <a:gs pos="100000">
-              <a:schemeClr val="accent1">
-                <a:hueOff val="0"/>
-                <a:satOff val="0"/>
-                <a:lumOff val="0"/>
-                <a:alphaOff val="0"/>
-                <a:lumMod val="99000"/>
-                <a:satMod val="120000"/>
-                <a:shade val="78000"/>
-              </a:schemeClr>
-            </a:gs>
-          </a:gsLst>
-          <a:lin ang="5400000" scaled="0"/>
-        </a:gradFill>
-        <a:ln>
-          <a:noFill/>
-        </a:ln>
-        <a:effectLst/>
-        <a:scene3d>
-          <a:camera prst="orthographicFront"/>
-          <a:lightRig rig="threePt" dir="t">
-            <a:rot lat="0" lon="0" rev="7500000"/>
-          </a:lightRig>
-        </a:scene3d>
-        <a:sp3d prstMaterial="plastic">
-          <a:bevelT w="127000" h="25400" prst="relaxedInset"/>
-        </a:sp3d>
-      </dsp:spPr>
-      <dsp:style>
-        <a:lnRef idx="0">
-          <a:scrgbClr r="0" g="0" b="0"/>
-        </a:lnRef>
-        <a:fillRef idx="3">
-          <a:scrgbClr r="0" g="0" b="0"/>
-        </a:fillRef>
-        <a:effectRef idx="2">
-          <a:scrgbClr r="0" g="0" b="0"/>
-        </a:effectRef>
-        <a:fontRef idx="minor">
-          <a:schemeClr val="lt1"/>
-        </a:fontRef>
-      </dsp:style>
-      <dsp:txBody>
-        <a:bodyPr spcFirstLastPara="0" vert="horz" wrap="square" lIns="11430" tIns="11430" rIns="11430" bIns="11430" numCol="1" spcCol="1270" anchor="ctr" anchorCtr="0">
-          <a:noAutofit/>
-        </a:bodyPr>
-        <a:lstStyle/>
-        <a:p>
-          <a:pPr lvl="0" algn="ctr" defTabSz="400050">
-            <a:lnSpc>
-              <a:spcPct val="90000"/>
-            </a:lnSpc>
-            <a:spcBef>
-              <a:spcPct val="0"/>
-            </a:spcBef>
-            <a:spcAft>
-              <a:spcPct val="35000"/>
-            </a:spcAft>
-          </a:pPr>
-          <a:r>
-            <a:rPr lang="en-US" sz="900" kern="1200" dirty="0" smtClean="0"/>
-            <a:t>HX-XL Processing</a:t>
-          </a:r>
-          <a:endParaRPr lang="en-US" sz="900" kern="1200" dirty="0"/>
-        </a:p>
-      </dsp:txBody>
-      <dsp:txXfrm>
-        <a:off x="5341175" y="3296829"/>
-        <a:ext cx="699899" cy="699899"/>
-      </dsp:txXfrm>
-    </dsp:sp>
-    <dsp:sp modelId="{B845C5DD-0C3C-43A3-9C91-0886C731206A}">
-      <dsp:nvSpPr>
-        <dsp:cNvPr id="0" name=""/>
-        <dsp:cNvSpPr/>
-      </dsp:nvSpPr>
-      <dsp:spPr>
-        <a:xfrm rot="7560000">
-          <a:off x="5126145" y="4075640"/>
-          <a:ext cx="264079" cy="334060"/>
-        </a:xfrm>
-        <a:prstGeom prst="rightArrow">
-          <a:avLst>
-            <a:gd name="adj1" fmla="val 60000"/>
-            <a:gd name="adj2" fmla="val 50000"/>
-          </a:avLst>
-        </a:prstGeom>
-        <a:solidFill>
-          <a:schemeClr val="accent1">
-            <a:tint val="60000"/>
-            <a:hueOff val="0"/>
-            <a:satOff val="0"/>
-            <a:lumOff val="0"/>
-            <a:alphaOff val="0"/>
-          </a:schemeClr>
-        </a:solidFill>
-        <a:ln>
-          <a:noFill/>
-        </a:ln>
-        <a:effectLst/>
-        <a:scene3d>
-          <a:camera prst="orthographicFront"/>
-          <a:lightRig rig="threePt" dir="t">
-            <a:rot lat="0" lon="0" rev="7500000"/>
-          </a:lightRig>
-        </a:scene3d>
-        <a:sp3d z="-70000" extrusionH="63500" prstMaterial="matte">
-          <a:bevelT w="25400" h="6350" prst="relaxedInset"/>
-          <a:contourClr>
-            <a:schemeClr val="bg1"/>
-          </a:contourClr>
-        </a:sp3d>
-      </dsp:spPr>
-      <dsp:style>
-        <a:lnRef idx="0">
-          <a:scrgbClr r="0" g="0" b="0"/>
-        </a:lnRef>
-        <a:fillRef idx="1">
-          <a:scrgbClr r="0" g="0" b="0"/>
-        </a:fillRef>
-        <a:effectRef idx="2">
-          <a:scrgbClr r="0" g="0" b="0"/>
-        </a:effectRef>
-        <a:fontRef idx="minor">
-          <a:schemeClr val="lt1"/>
-        </a:fontRef>
-      </dsp:style>
-      <dsp:txBody>
-        <a:bodyPr spcFirstLastPara="0" vert="horz" wrap="square" lIns="0" tIns="0" rIns="0" bIns="0" numCol="1" spcCol="1270" anchor="ctr" anchorCtr="0">
-          <a:noAutofit/>
-        </a:bodyPr>
-        <a:lstStyle/>
-        <a:p>
-          <a:pPr lvl="0" algn="ctr" defTabSz="311150">
-            <a:lnSpc>
-              <a:spcPct val="90000"/>
-            </a:lnSpc>
-            <a:spcBef>
-              <a:spcPct val="0"/>
-            </a:spcBef>
-            <a:spcAft>
-              <a:spcPct val="35000"/>
-            </a:spcAft>
-          </a:pPr>
-          <a:endParaRPr lang="en-US" sz="700" kern="1200"/>
-        </a:p>
-      </dsp:txBody>
-      <dsp:txXfrm rot="10800000">
-        <a:off x="5189040" y="4110405"/>
-        <a:ext cx="184855" cy="200436"/>
-      </dsp:txXfrm>
-    </dsp:sp>
-    <dsp:sp modelId="{918C2857-A606-4623-A339-A20AC7C5D325}">
-      <dsp:nvSpPr>
-        <dsp:cNvPr id="0" name=""/>
-        <dsp:cNvSpPr/>
-      </dsp:nvSpPr>
-      <dsp:spPr>
-        <a:xfrm>
-          <a:off x="4321555" y="4355750"/>
-          <a:ext cx="989807" cy="989807"/>
-        </a:xfrm>
-        <a:prstGeom prst="ellipse">
-          <a:avLst/>
-        </a:prstGeom>
-        <a:gradFill rotWithShape="0">
-          <a:gsLst>
-            <a:gs pos="0">
-              <a:schemeClr val="accent1">
-                <a:hueOff val="0"/>
-                <a:satOff val="0"/>
-                <a:lumOff val="0"/>
-                <a:alphaOff val="0"/>
-                <a:satMod val="103000"/>
-                <a:lumMod val="102000"/>
-                <a:tint val="94000"/>
-              </a:schemeClr>
-            </a:gs>
-            <a:gs pos="50000">
-              <a:schemeClr val="accent1">
-                <a:hueOff val="0"/>
-                <a:satOff val="0"/>
-                <a:lumOff val="0"/>
-                <a:alphaOff val="0"/>
-                <a:satMod val="110000"/>
-                <a:lumMod val="100000"/>
-                <a:shade val="100000"/>
-              </a:schemeClr>
-            </a:gs>
-            <a:gs pos="100000">
-              <a:schemeClr val="accent1">
-                <a:hueOff val="0"/>
-                <a:satOff val="0"/>
-                <a:lumOff val="0"/>
-                <a:alphaOff val="0"/>
-                <a:lumMod val="99000"/>
-                <a:satMod val="120000"/>
-                <a:shade val="78000"/>
-              </a:schemeClr>
-            </a:gs>
-          </a:gsLst>
-          <a:lin ang="5400000" scaled="0"/>
-        </a:gradFill>
-        <a:ln>
-          <a:noFill/>
-        </a:ln>
-        <a:effectLst/>
-        <a:scene3d>
-          <a:camera prst="orthographicFront"/>
-          <a:lightRig rig="threePt" dir="t">
-            <a:rot lat="0" lon="0" rev="7500000"/>
-          </a:lightRig>
-        </a:scene3d>
-        <a:sp3d prstMaterial="plastic">
-          <a:bevelT w="127000" h="25400" prst="relaxedInset"/>
-        </a:sp3d>
-      </dsp:spPr>
-      <dsp:style>
-        <a:lnRef idx="0">
-          <a:scrgbClr r="0" g="0" b="0"/>
-        </a:lnRef>
-        <a:fillRef idx="3">
-          <a:scrgbClr r="0" g="0" b="0"/>
-        </a:fillRef>
-        <a:effectRef idx="2">
-          <a:scrgbClr r="0" g="0" b="0"/>
-        </a:effectRef>
-        <a:fontRef idx="minor">
-          <a:schemeClr val="lt1"/>
-        </a:fontRef>
-      </dsp:style>
-      <dsp:txBody>
-        <a:bodyPr spcFirstLastPara="0" vert="horz" wrap="square" lIns="11430" tIns="11430" rIns="11430" bIns="11430" numCol="1" spcCol="1270" anchor="ctr" anchorCtr="0">
-          <a:noAutofit/>
-        </a:bodyPr>
-        <a:lstStyle/>
-        <a:p>
-          <a:pPr lvl="0" algn="ctr" defTabSz="400050">
-            <a:lnSpc>
-              <a:spcPct val="90000"/>
-            </a:lnSpc>
-            <a:spcBef>
-              <a:spcPct val="0"/>
-            </a:spcBef>
-            <a:spcAft>
-              <a:spcPct val="35000"/>
-            </a:spcAft>
-          </a:pPr>
-          <a:r>
-            <a:rPr lang="en-US" sz="900" kern="1200" dirty="0" smtClean="0"/>
-            <a:t>IMP </a:t>
-          </a:r>
-          <a:r>
-            <a:rPr lang="en-US" sz="900" kern="1200" dirty="0" err="1" smtClean="0"/>
-            <a:t>Config</a:t>
-          </a:r>
-          <a:endParaRPr lang="en-US" sz="900" kern="1200" dirty="0"/>
-        </a:p>
-      </dsp:txBody>
-      <dsp:txXfrm>
-        <a:off x="4466509" y="4500704"/>
-        <a:ext cx="699899" cy="699899"/>
-      </dsp:txXfrm>
-    </dsp:sp>
-    <dsp:sp modelId="{C754094F-20B7-47D3-BA84-8F1A1CD71A60}">
-      <dsp:nvSpPr>
-        <dsp:cNvPr id="0" name=""/>
-        <dsp:cNvSpPr/>
-      </dsp:nvSpPr>
-      <dsp:spPr>
-        <a:xfrm rot="9720000">
-          <a:off x="3983907" y="4911234"/>
-          <a:ext cx="264079" cy="334060"/>
-        </a:xfrm>
-        <a:prstGeom prst="rightArrow">
-          <a:avLst>
-            <a:gd name="adj1" fmla="val 60000"/>
-            <a:gd name="adj2" fmla="val 50000"/>
-          </a:avLst>
-        </a:prstGeom>
-        <a:solidFill>
-          <a:schemeClr val="accent1">
-            <a:tint val="60000"/>
-            <a:hueOff val="0"/>
-            <a:satOff val="0"/>
-            <a:lumOff val="0"/>
-            <a:alphaOff val="0"/>
-          </a:schemeClr>
-        </a:solidFill>
-        <a:ln>
-          <a:noFill/>
-        </a:ln>
-        <a:effectLst/>
-        <a:scene3d>
-          <a:camera prst="orthographicFront"/>
-          <a:lightRig rig="threePt" dir="t">
-            <a:rot lat="0" lon="0" rev="7500000"/>
-          </a:lightRig>
-        </a:scene3d>
-        <a:sp3d z="-70000" extrusionH="63500" prstMaterial="matte">
-          <a:bevelT w="25400" h="6350" prst="relaxedInset"/>
-          <a:contourClr>
-            <a:schemeClr val="bg1"/>
-          </a:contourClr>
-        </a:sp3d>
-      </dsp:spPr>
-      <dsp:style>
-        <a:lnRef idx="0">
-          <a:scrgbClr r="0" g="0" b="0"/>
-        </a:lnRef>
-        <a:fillRef idx="1">
-          <a:scrgbClr r="0" g="0" b="0"/>
-        </a:fillRef>
-        <a:effectRef idx="2">
-          <a:scrgbClr r="0" g="0" b="0"/>
-        </a:effectRef>
-        <a:fontRef idx="minor">
-          <a:schemeClr val="lt1"/>
-        </a:fontRef>
-      </dsp:style>
-      <dsp:txBody>
-        <a:bodyPr spcFirstLastPara="0" vert="horz" wrap="square" lIns="0" tIns="0" rIns="0" bIns="0" numCol="1" spcCol="1270" anchor="ctr" anchorCtr="0">
-          <a:noAutofit/>
-        </a:bodyPr>
-        <a:lstStyle/>
-        <a:p>
-          <a:pPr lvl="0" algn="ctr" defTabSz="311150">
-            <a:lnSpc>
-              <a:spcPct val="90000"/>
-            </a:lnSpc>
-            <a:spcBef>
-              <a:spcPct val="0"/>
-            </a:spcBef>
-            <a:spcAft>
-              <a:spcPct val="35000"/>
-            </a:spcAft>
-          </a:pPr>
-          <a:endParaRPr lang="en-US" sz="700" kern="1200"/>
-        </a:p>
-      </dsp:txBody>
-      <dsp:txXfrm rot="10800000">
-        <a:off x="4061192" y="4965805"/>
-        <a:ext cx="184855" cy="200436"/>
-      </dsp:txXfrm>
-    </dsp:sp>
-    <dsp:sp modelId="{73A68BF1-A068-4BCF-A7B4-EC111DF5139B}">
-      <dsp:nvSpPr>
-        <dsp:cNvPr id="0" name=""/>
-        <dsp:cNvSpPr/>
-      </dsp:nvSpPr>
-      <dsp:spPr>
-        <a:xfrm>
-          <a:off x="2906315" y="4815589"/>
-          <a:ext cx="989807" cy="989807"/>
-        </a:xfrm>
-        <a:prstGeom prst="ellipse">
-          <a:avLst/>
-        </a:prstGeom>
-        <a:gradFill rotWithShape="0">
-          <a:gsLst>
-            <a:gs pos="0">
-              <a:schemeClr val="accent1">
-                <a:hueOff val="0"/>
-                <a:satOff val="0"/>
-                <a:lumOff val="0"/>
-                <a:alphaOff val="0"/>
-                <a:satMod val="103000"/>
-                <a:lumMod val="102000"/>
-                <a:tint val="94000"/>
-              </a:schemeClr>
-            </a:gs>
-            <a:gs pos="50000">
-              <a:schemeClr val="accent1">
-                <a:hueOff val="0"/>
-                <a:satOff val="0"/>
-                <a:lumOff val="0"/>
-                <a:alphaOff val="0"/>
-                <a:satMod val="110000"/>
-                <a:lumMod val="100000"/>
-                <a:shade val="100000"/>
-              </a:schemeClr>
-            </a:gs>
-            <a:gs pos="100000">
-              <a:schemeClr val="accent1">
-                <a:hueOff val="0"/>
-                <a:satOff val="0"/>
-                <a:lumOff val="0"/>
-                <a:alphaOff val="0"/>
-                <a:lumMod val="99000"/>
-                <a:satMod val="120000"/>
-                <a:shade val="78000"/>
-              </a:schemeClr>
-            </a:gs>
-          </a:gsLst>
-          <a:lin ang="5400000" scaled="0"/>
-        </a:gradFill>
-        <a:ln>
-          <a:noFill/>
-        </a:ln>
-        <a:effectLst/>
-        <a:scene3d>
-          <a:camera prst="orthographicFront"/>
-          <a:lightRig rig="threePt" dir="t">
-            <a:rot lat="0" lon="0" rev="7500000"/>
-          </a:lightRig>
-        </a:scene3d>
-        <a:sp3d prstMaterial="plastic">
-          <a:bevelT w="127000" h="25400" prst="relaxedInset"/>
-        </a:sp3d>
-      </dsp:spPr>
-      <dsp:style>
-        <a:lnRef idx="0">
-          <a:scrgbClr r="0" g="0" b="0"/>
-        </a:lnRef>
-        <a:fillRef idx="3">
-          <a:scrgbClr r="0" g="0" b="0"/>
-        </a:fillRef>
-        <a:effectRef idx="2">
-          <a:scrgbClr r="0" g="0" b="0"/>
-        </a:effectRef>
-        <a:fontRef idx="minor">
-          <a:schemeClr val="lt1"/>
-        </a:fontRef>
-      </dsp:style>
-      <dsp:txBody>
-        <a:bodyPr spcFirstLastPara="0" vert="horz" wrap="square" lIns="11430" tIns="11430" rIns="11430" bIns="11430" numCol="1" spcCol="1270" anchor="ctr" anchorCtr="0">
-          <a:noAutofit/>
-        </a:bodyPr>
-        <a:lstStyle/>
-        <a:p>
-          <a:pPr lvl="0" algn="ctr" defTabSz="400050">
-            <a:lnSpc>
-              <a:spcPct val="90000"/>
-            </a:lnSpc>
-            <a:spcBef>
-              <a:spcPct val="0"/>
-            </a:spcBef>
-            <a:spcAft>
-              <a:spcPct val="35000"/>
-            </a:spcAft>
-          </a:pPr>
-          <a:r>
-            <a:rPr lang="en-US" sz="900" kern="1200" dirty="0" smtClean="0"/>
-            <a:t>Export</a:t>
-          </a:r>
-          <a:endParaRPr lang="en-US" sz="900" kern="1200" dirty="0"/>
-        </a:p>
-      </dsp:txBody>
-      <dsp:txXfrm>
-        <a:off x="3051269" y="4960543"/>
-        <a:ext cx="699899" cy="699899"/>
-      </dsp:txXfrm>
-    </dsp:sp>
-    <dsp:sp modelId="{0F833C0E-B3BE-455E-9EE4-15892A35E420}">
-      <dsp:nvSpPr>
-        <dsp:cNvPr id="0" name=""/>
-        <dsp:cNvSpPr/>
-      </dsp:nvSpPr>
-      <dsp:spPr>
-        <a:xfrm rot="11880000">
-          <a:off x="2568667" y="4915853"/>
-          <a:ext cx="264079" cy="334060"/>
-        </a:xfrm>
-        <a:prstGeom prst="rightArrow">
-          <a:avLst>
-            <a:gd name="adj1" fmla="val 60000"/>
-            <a:gd name="adj2" fmla="val 50000"/>
-          </a:avLst>
-        </a:prstGeom>
-        <a:solidFill>
-          <a:schemeClr val="accent1">
-            <a:tint val="60000"/>
-            <a:hueOff val="0"/>
-            <a:satOff val="0"/>
-            <a:lumOff val="0"/>
-            <a:alphaOff val="0"/>
-          </a:schemeClr>
-        </a:solidFill>
-        <a:ln>
-          <a:noFill/>
-        </a:ln>
-        <a:effectLst/>
-        <a:scene3d>
-          <a:camera prst="orthographicFront"/>
-          <a:lightRig rig="threePt" dir="t">
-            <a:rot lat="0" lon="0" rev="7500000"/>
-          </a:lightRig>
-        </a:scene3d>
-        <a:sp3d z="-70000" extrusionH="63500" prstMaterial="matte">
-          <a:bevelT w="25400" h="6350" prst="relaxedInset"/>
-          <a:contourClr>
-            <a:schemeClr val="bg1"/>
-          </a:contourClr>
-        </a:sp3d>
-      </dsp:spPr>
-      <dsp:style>
-        <a:lnRef idx="0">
-          <a:scrgbClr r="0" g="0" b="0"/>
-        </a:lnRef>
-        <a:fillRef idx="1">
-          <a:scrgbClr r="0" g="0" b="0"/>
-        </a:fillRef>
-        <a:effectRef idx="2">
-          <a:scrgbClr r="0" g="0" b="0"/>
-        </a:effectRef>
-        <a:fontRef idx="minor">
-          <a:schemeClr val="lt1"/>
-        </a:fontRef>
-      </dsp:style>
-      <dsp:txBody>
-        <a:bodyPr spcFirstLastPara="0" vert="horz" wrap="square" lIns="0" tIns="0" rIns="0" bIns="0" numCol="1" spcCol="1270" anchor="ctr" anchorCtr="0">
-          <a:noAutofit/>
-        </a:bodyPr>
-        <a:lstStyle/>
-        <a:p>
-          <a:pPr lvl="0" algn="ctr" defTabSz="311150">
-            <a:lnSpc>
-              <a:spcPct val="90000"/>
-            </a:lnSpc>
-            <a:spcBef>
-              <a:spcPct val="0"/>
-            </a:spcBef>
-            <a:spcAft>
-              <a:spcPct val="35000"/>
-            </a:spcAft>
-          </a:pPr>
-          <a:endParaRPr lang="en-US" sz="700" kern="1200"/>
-        </a:p>
-      </dsp:txBody>
-      <dsp:txXfrm rot="10800000">
-        <a:off x="2645952" y="4994906"/>
-        <a:ext cx="184855" cy="200436"/>
-      </dsp:txXfrm>
-    </dsp:sp>
-    <dsp:sp modelId="{91E77693-1FD2-480B-B17F-D570682655FA}">
-      <dsp:nvSpPr>
-        <dsp:cNvPr id="0" name=""/>
-        <dsp:cNvSpPr/>
-      </dsp:nvSpPr>
-      <dsp:spPr>
-        <a:xfrm>
-          <a:off x="1491075" y="4355750"/>
-          <a:ext cx="989807" cy="989807"/>
-        </a:xfrm>
-        <a:prstGeom prst="ellipse">
-          <a:avLst/>
-        </a:prstGeom>
-        <a:gradFill rotWithShape="0">
-          <a:gsLst>
-            <a:gs pos="0">
-              <a:schemeClr val="accent1">
-                <a:hueOff val="0"/>
-                <a:satOff val="0"/>
-                <a:lumOff val="0"/>
-                <a:alphaOff val="0"/>
-                <a:satMod val="103000"/>
-                <a:lumMod val="102000"/>
-                <a:tint val="94000"/>
-              </a:schemeClr>
-            </a:gs>
-            <a:gs pos="50000">
-              <a:schemeClr val="accent1">
-                <a:hueOff val="0"/>
-                <a:satOff val="0"/>
-                <a:lumOff val="0"/>
-                <a:alphaOff val="0"/>
-                <a:satMod val="110000"/>
-                <a:lumMod val="100000"/>
-                <a:shade val="100000"/>
-              </a:schemeClr>
-            </a:gs>
-            <a:gs pos="100000">
-              <a:schemeClr val="accent1">
-                <a:hueOff val="0"/>
-                <a:satOff val="0"/>
-                <a:lumOff val="0"/>
-                <a:alphaOff val="0"/>
-                <a:lumMod val="99000"/>
-                <a:satMod val="120000"/>
-                <a:shade val="78000"/>
-              </a:schemeClr>
-            </a:gs>
-          </a:gsLst>
-          <a:lin ang="5400000" scaled="0"/>
-        </a:gradFill>
-        <a:ln>
-          <a:noFill/>
-        </a:ln>
-        <a:effectLst/>
-        <a:scene3d>
-          <a:camera prst="orthographicFront"/>
-          <a:lightRig rig="threePt" dir="t">
-            <a:rot lat="0" lon="0" rev="7500000"/>
-          </a:lightRig>
-        </a:scene3d>
-        <a:sp3d prstMaterial="plastic">
-          <a:bevelT w="127000" h="25400" prst="relaxedInset"/>
-        </a:sp3d>
-      </dsp:spPr>
-      <dsp:style>
-        <a:lnRef idx="0">
-          <a:scrgbClr r="0" g="0" b="0"/>
-        </a:lnRef>
-        <a:fillRef idx="3">
-          <a:scrgbClr r="0" g="0" b="0"/>
-        </a:fillRef>
-        <a:effectRef idx="2">
-          <a:scrgbClr r="0" g="0" b="0"/>
-        </a:effectRef>
-        <a:fontRef idx="minor">
-          <a:schemeClr val="lt1"/>
-        </a:fontRef>
-      </dsp:style>
-      <dsp:txBody>
-        <a:bodyPr spcFirstLastPara="0" vert="horz" wrap="square" lIns="11430" tIns="11430" rIns="11430" bIns="11430" numCol="1" spcCol="1270" anchor="ctr" anchorCtr="0">
-          <a:noAutofit/>
-        </a:bodyPr>
-        <a:lstStyle/>
-        <a:p>
-          <a:pPr lvl="0" algn="ctr" defTabSz="400050">
-            <a:lnSpc>
-              <a:spcPct val="90000"/>
-            </a:lnSpc>
-            <a:spcBef>
-              <a:spcPct val="0"/>
-            </a:spcBef>
-            <a:spcAft>
-              <a:spcPct val="35000"/>
-            </a:spcAft>
-          </a:pPr>
-          <a:r>
-            <a:rPr lang="en-US" sz="900" kern="1200" dirty="0" smtClean="0"/>
-            <a:t>Deployment</a:t>
-          </a:r>
-          <a:endParaRPr lang="en-US" sz="900" kern="1200" dirty="0"/>
-        </a:p>
-      </dsp:txBody>
-      <dsp:txXfrm>
-        <a:off x="1636029" y="4500704"/>
-        <a:ext cx="699899" cy="699899"/>
-      </dsp:txXfrm>
-    </dsp:sp>
-    <dsp:sp modelId="{FDC6BDB4-B271-4662-B97A-F8E434AB04B7}">
-      <dsp:nvSpPr>
-        <dsp:cNvPr id="0" name=""/>
-        <dsp:cNvSpPr/>
-      </dsp:nvSpPr>
-      <dsp:spPr>
-        <a:xfrm rot="14040000">
-          <a:off x="1420999" y="4087733"/>
-          <a:ext cx="264079" cy="334060"/>
-        </a:xfrm>
-        <a:prstGeom prst="rightArrow">
-          <a:avLst>
-            <a:gd name="adj1" fmla="val 60000"/>
-            <a:gd name="adj2" fmla="val 50000"/>
-          </a:avLst>
-        </a:prstGeom>
-        <a:solidFill>
-          <a:schemeClr val="accent1">
-            <a:tint val="60000"/>
-            <a:hueOff val="0"/>
-            <a:satOff val="0"/>
-            <a:lumOff val="0"/>
-            <a:alphaOff val="0"/>
-          </a:schemeClr>
-        </a:solidFill>
-        <a:ln>
-          <a:noFill/>
-        </a:ln>
-        <a:effectLst/>
-        <a:scene3d>
-          <a:camera prst="orthographicFront"/>
-          <a:lightRig rig="threePt" dir="t">
-            <a:rot lat="0" lon="0" rev="7500000"/>
-          </a:lightRig>
-        </a:scene3d>
-        <a:sp3d z="-70000" extrusionH="63500" prstMaterial="matte">
-          <a:bevelT w="25400" h="6350" prst="relaxedInset"/>
-          <a:contourClr>
-            <a:schemeClr val="bg1"/>
-          </a:contourClr>
-        </a:sp3d>
-      </dsp:spPr>
-      <dsp:style>
-        <a:lnRef idx="0">
-          <a:scrgbClr r="0" g="0" b="0"/>
-        </a:lnRef>
-        <a:fillRef idx="1">
-          <a:scrgbClr r="0" g="0" b="0"/>
-        </a:fillRef>
-        <a:effectRef idx="2">
-          <a:scrgbClr r="0" g="0" b="0"/>
-        </a:effectRef>
-        <a:fontRef idx="minor">
-          <a:schemeClr val="lt1"/>
-        </a:fontRef>
-      </dsp:style>
-      <dsp:txBody>
-        <a:bodyPr spcFirstLastPara="0" vert="horz" wrap="square" lIns="0" tIns="0" rIns="0" bIns="0" numCol="1" spcCol="1270" anchor="ctr" anchorCtr="0">
-          <a:noAutofit/>
-        </a:bodyPr>
-        <a:lstStyle/>
-        <a:p>
-          <a:pPr lvl="0" algn="ctr" defTabSz="311150">
-            <a:lnSpc>
-              <a:spcPct val="90000"/>
-            </a:lnSpc>
-            <a:spcBef>
-              <a:spcPct val="0"/>
-            </a:spcBef>
-            <a:spcAft>
-              <a:spcPct val="35000"/>
-            </a:spcAft>
-          </a:pPr>
-          <a:endParaRPr lang="en-US" sz="700" kern="1200"/>
-        </a:p>
-      </dsp:txBody>
-      <dsp:txXfrm rot="10800000">
-        <a:off x="1483894" y="4186592"/>
-        <a:ext cx="184855" cy="200436"/>
-      </dsp:txXfrm>
-    </dsp:sp>
-    <dsp:sp modelId="{2F53B8EF-F6D2-40ED-A571-4ECCC77EEE75}">
-      <dsp:nvSpPr>
-        <dsp:cNvPr id="0" name=""/>
-        <dsp:cNvSpPr/>
-      </dsp:nvSpPr>
-      <dsp:spPr>
-        <a:xfrm>
-          <a:off x="616408" y="3151875"/>
-          <a:ext cx="989807" cy="989807"/>
-        </a:xfrm>
-        <a:prstGeom prst="ellipse">
-          <a:avLst/>
-        </a:prstGeom>
-        <a:gradFill rotWithShape="0">
-          <a:gsLst>
-            <a:gs pos="0">
-              <a:schemeClr val="accent1">
-                <a:hueOff val="0"/>
-                <a:satOff val="0"/>
-                <a:lumOff val="0"/>
-                <a:alphaOff val="0"/>
-                <a:satMod val="103000"/>
-                <a:lumMod val="102000"/>
-                <a:tint val="94000"/>
-              </a:schemeClr>
-            </a:gs>
-            <a:gs pos="50000">
-              <a:schemeClr val="accent1">
-                <a:hueOff val="0"/>
-                <a:satOff val="0"/>
-                <a:lumOff val="0"/>
-                <a:alphaOff val="0"/>
-                <a:satMod val="110000"/>
-                <a:lumMod val="100000"/>
-                <a:shade val="100000"/>
-              </a:schemeClr>
-            </a:gs>
-            <a:gs pos="100000">
-              <a:schemeClr val="accent1">
-                <a:hueOff val="0"/>
-                <a:satOff val="0"/>
-                <a:lumOff val="0"/>
-                <a:alphaOff val="0"/>
-                <a:lumMod val="99000"/>
-                <a:satMod val="120000"/>
-                <a:shade val="78000"/>
-              </a:schemeClr>
-            </a:gs>
-          </a:gsLst>
-          <a:lin ang="5400000" scaled="0"/>
-        </a:gradFill>
-        <a:ln>
-          <a:noFill/>
-        </a:ln>
-        <a:effectLst/>
-        <a:scene3d>
-          <a:camera prst="orthographicFront"/>
-          <a:lightRig rig="threePt" dir="t">
-            <a:rot lat="0" lon="0" rev="7500000"/>
-          </a:lightRig>
-        </a:scene3d>
-        <a:sp3d prstMaterial="plastic">
-          <a:bevelT w="127000" h="25400" prst="relaxedInset"/>
-        </a:sp3d>
-      </dsp:spPr>
-      <dsp:style>
-        <a:lnRef idx="0">
-          <a:scrgbClr r="0" g="0" b="0"/>
-        </a:lnRef>
-        <a:fillRef idx="3">
-          <a:scrgbClr r="0" g="0" b="0"/>
-        </a:fillRef>
-        <a:effectRef idx="2">
-          <a:scrgbClr r="0" g="0" b="0"/>
-        </a:effectRef>
-        <a:fontRef idx="minor">
-          <a:schemeClr val="lt1"/>
-        </a:fontRef>
-      </dsp:style>
-      <dsp:txBody>
-        <a:bodyPr spcFirstLastPara="0" vert="horz" wrap="square" lIns="11430" tIns="11430" rIns="11430" bIns="11430" numCol="1" spcCol="1270" anchor="ctr" anchorCtr="0">
-          <a:noAutofit/>
-        </a:bodyPr>
-        <a:lstStyle/>
-        <a:p>
-          <a:pPr lvl="0" algn="ctr" defTabSz="400050">
-            <a:lnSpc>
-              <a:spcPct val="90000"/>
-            </a:lnSpc>
-            <a:spcBef>
-              <a:spcPct val="0"/>
-            </a:spcBef>
-            <a:spcAft>
-              <a:spcPct val="35000"/>
-            </a:spcAft>
-          </a:pPr>
-          <a:r>
-            <a:rPr lang="en-US" sz="900" kern="1200" dirty="0" smtClean="0"/>
-            <a:t>Run Model</a:t>
-          </a:r>
-          <a:endParaRPr lang="en-US" sz="900" kern="1200" dirty="0"/>
-        </a:p>
-      </dsp:txBody>
-      <dsp:txXfrm>
-        <a:off x="761362" y="3296829"/>
-        <a:ext cx="699899" cy="699899"/>
-      </dsp:txXfrm>
-    </dsp:sp>
-    <dsp:sp modelId="{E1B01185-DE8B-42EF-A934-65359B295E21}">
-      <dsp:nvSpPr>
-        <dsp:cNvPr id="0" name=""/>
-        <dsp:cNvSpPr/>
-      </dsp:nvSpPr>
-      <dsp:spPr>
-        <a:xfrm rot="16200000">
-          <a:off x="979272" y="2743187"/>
-          <a:ext cx="264079" cy="334060"/>
-        </a:xfrm>
-        <a:prstGeom prst="rightArrow">
-          <a:avLst>
-            <a:gd name="adj1" fmla="val 60000"/>
-            <a:gd name="adj2" fmla="val 50000"/>
-          </a:avLst>
-        </a:prstGeom>
-        <a:solidFill>
-          <a:schemeClr val="accent1">
-            <a:tint val="60000"/>
-            <a:hueOff val="0"/>
-            <a:satOff val="0"/>
-            <a:lumOff val="0"/>
-            <a:alphaOff val="0"/>
-          </a:schemeClr>
-        </a:solidFill>
-        <a:ln>
-          <a:noFill/>
-        </a:ln>
-        <a:effectLst/>
-        <a:scene3d>
-          <a:camera prst="orthographicFront"/>
-          <a:lightRig rig="threePt" dir="t">
-            <a:rot lat="0" lon="0" rev="7500000"/>
-          </a:lightRig>
-        </a:scene3d>
-        <a:sp3d z="-70000" extrusionH="63500" prstMaterial="matte">
-          <a:bevelT w="25400" h="6350" prst="relaxedInset"/>
-          <a:contourClr>
-            <a:schemeClr val="bg1"/>
-          </a:contourClr>
-        </a:sp3d>
-      </dsp:spPr>
-      <dsp:style>
-        <a:lnRef idx="0">
-          <a:scrgbClr r="0" g="0" b="0"/>
-        </a:lnRef>
-        <a:fillRef idx="1">
-          <a:scrgbClr r="0" g="0" b="0"/>
-        </a:fillRef>
-        <a:effectRef idx="2">
-          <a:scrgbClr r="0" g="0" b="0"/>
-        </a:effectRef>
-        <a:fontRef idx="minor">
-          <a:schemeClr val="lt1"/>
-        </a:fontRef>
-      </dsp:style>
-      <dsp:txBody>
-        <a:bodyPr spcFirstLastPara="0" vert="horz" wrap="square" lIns="0" tIns="0" rIns="0" bIns="0" numCol="1" spcCol="1270" anchor="ctr" anchorCtr="0">
-          <a:noAutofit/>
-        </a:bodyPr>
-        <a:lstStyle/>
-        <a:p>
-          <a:pPr lvl="0" algn="ctr" defTabSz="311150">
-            <a:lnSpc>
-              <a:spcPct val="90000"/>
-            </a:lnSpc>
-            <a:spcBef>
-              <a:spcPct val="0"/>
-            </a:spcBef>
-            <a:spcAft>
-              <a:spcPct val="35000"/>
-            </a:spcAft>
-          </a:pPr>
-          <a:endParaRPr lang="en-US" sz="700" kern="1200"/>
-        </a:p>
-      </dsp:txBody>
-      <dsp:txXfrm>
-        <a:off x="1018884" y="2849611"/>
-        <a:ext cx="184855" cy="200436"/>
-      </dsp:txXfrm>
-    </dsp:sp>
-    <dsp:sp modelId="{9D3C3359-81D3-4D1C-9D47-CD7BAAEC5826}">
-      <dsp:nvSpPr>
-        <dsp:cNvPr id="0" name=""/>
-        <dsp:cNvSpPr/>
-      </dsp:nvSpPr>
-      <dsp:spPr>
-        <a:xfrm>
-          <a:off x="616408" y="1663803"/>
-          <a:ext cx="989807" cy="989807"/>
-        </a:xfrm>
-        <a:prstGeom prst="ellipse">
-          <a:avLst/>
-        </a:prstGeom>
-        <a:gradFill rotWithShape="0">
-          <a:gsLst>
-            <a:gs pos="0">
-              <a:schemeClr val="accent1">
-                <a:hueOff val="0"/>
-                <a:satOff val="0"/>
-                <a:lumOff val="0"/>
-                <a:alphaOff val="0"/>
-                <a:satMod val="103000"/>
-                <a:lumMod val="102000"/>
-                <a:tint val="94000"/>
-              </a:schemeClr>
-            </a:gs>
-            <a:gs pos="50000">
-              <a:schemeClr val="accent1">
-                <a:hueOff val="0"/>
-                <a:satOff val="0"/>
-                <a:lumOff val="0"/>
-                <a:alphaOff val="0"/>
-                <a:satMod val="110000"/>
-                <a:lumMod val="100000"/>
-                <a:shade val="100000"/>
-              </a:schemeClr>
-            </a:gs>
-            <a:gs pos="100000">
-              <a:schemeClr val="accent1">
-                <a:hueOff val="0"/>
-                <a:satOff val="0"/>
-                <a:lumOff val="0"/>
-                <a:alphaOff val="0"/>
-                <a:lumMod val="99000"/>
-                <a:satMod val="120000"/>
-                <a:shade val="78000"/>
-              </a:schemeClr>
-            </a:gs>
-          </a:gsLst>
-          <a:lin ang="5400000" scaled="0"/>
-        </a:gradFill>
-        <a:ln>
-          <a:noFill/>
-        </a:ln>
-        <a:effectLst/>
-        <a:scene3d>
-          <a:camera prst="orthographicFront"/>
-          <a:lightRig rig="threePt" dir="t">
-            <a:rot lat="0" lon="0" rev="7500000"/>
-          </a:lightRig>
-        </a:scene3d>
-        <a:sp3d prstMaterial="plastic">
-          <a:bevelT w="127000" h="25400" prst="relaxedInset"/>
-        </a:sp3d>
-      </dsp:spPr>
-      <dsp:style>
-        <a:lnRef idx="0">
-          <a:scrgbClr r="0" g="0" b="0"/>
-        </a:lnRef>
-        <a:fillRef idx="3">
-          <a:scrgbClr r="0" g="0" b="0"/>
-        </a:fillRef>
-        <a:effectRef idx="2">
-          <a:scrgbClr r="0" g="0" b="0"/>
-        </a:effectRef>
-        <a:fontRef idx="minor">
-          <a:schemeClr val="lt1"/>
-        </a:fontRef>
-      </dsp:style>
-      <dsp:txBody>
-        <a:bodyPr spcFirstLastPara="0" vert="horz" wrap="square" lIns="11430" tIns="11430" rIns="11430" bIns="11430" numCol="1" spcCol="1270" anchor="ctr" anchorCtr="0">
-          <a:noAutofit/>
-        </a:bodyPr>
-        <a:lstStyle/>
-        <a:p>
-          <a:pPr lvl="0" algn="ctr" defTabSz="400050">
-            <a:lnSpc>
-              <a:spcPct val="90000"/>
-            </a:lnSpc>
-            <a:spcBef>
-              <a:spcPct val="0"/>
-            </a:spcBef>
-            <a:spcAft>
-              <a:spcPct val="35000"/>
-            </a:spcAft>
-          </a:pPr>
-          <a:r>
-            <a:rPr lang="en-US" sz="900" kern="1200" dirty="0" smtClean="0"/>
-            <a:t>Analysis</a:t>
-          </a:r>
-          <a:endParaRPr lang="en-US" sz="900" kern="1200" dirty="0"/>
-        </a:p>
-      </dsp:txBody>
-      <dsp:txXfrm>
-        <a:off x="761362" y="1808757"/>
-        <a:ext cx="699899" cy="699899"/>
-      </dsp:txXfrm>
-    </dsp:sp>
-    <dsp:sp modelId="{6DC52680-3DC6-40EA-A0A3-65B7B0B55B1D}">
-      <dsp:nvSpPr>
-        <dsp:cNvPr id="0" name=""/>
-        <dsp:cNvSpPr/>
-      </dsp:nvSpPr>
-      <dsp:spPr>
-        <a:xfrm rot="18360000">
-          <a:off x="1412212" y="1395786"/>
-          <a:ext cx="264079" cy="334060"/>
-        </a:xfrm>
-        <a:prstGeom prst="rightArrow">
-          <a:avLst>
-            <a:gd name="adj1" fmla="val 60000"/>
-            <a:gd name="adj2" fmla="val 50000"/>
-          </a:avLst>
-        </a:prstGeom>
-        <a:solidFill>
-          <a:schemeClr val="accent1">
-            <a:tint val="60000"/>
-            <a:hueOff val="0"/>
-            <a:satOff val="0"/>
-            <a:lumOff val="0"/>
-            <a:alphaOff val="0"/>
-          </a:schemeClr>
-        </a:solidFill>
-        <a:ln>
-          <a:noFill/>
-        </a:ln>
-        <a:effectLst/>
-        <a:scene3d>
-          <a:camera prst="orthographicFront"/>
-          <a:lightRig rig="threePt" dir="t">
-            <a:rot lat="0" lon="0" rev="7500000"/>
-          </a:lightRig>
-        </a:scene3d>
-        <a:sp3d z="-70000" extrusionH="63500" prstMaterial="matte">
-          <a:bevelT w="25400" h="6350" prst="relaxedInset"/>
-          <a:contourClr>
-            <a:schemeClr val="bg1"/>
-          </a:contourClr>
-        </a:sp3d>
-      </dsp:spPr>
-      <dsp:style>
-        <a:lnRef idx="0">
-          <a:scrgbClr r="0" g="0" b="0"/>
-        </a:lnRef>
-        <a:fillRef idx="1">
-          <a:scrgbClr r="0" g="0" b="0"/>
-        </a:fillRef>
-        <a:effectRef idx="2">
-          <a:scrgbClr r="0" g="0" b="0"/>
-        </a:effectRef>
-        <a:fontRef idx="minor">
-          <a:schemeClr val="lt1"/>
-        </a:fontRef>
-      </dsp:style>
-      <dsp:txBody>
-        <a:bodyPr spcFirstLastPara="0" vert="horz" wrap="square" lIns="0" tIns="0" rIns="0" bIns="0" numCol="1" spcCol="1270" anchor="ctr" anchorCtr="0">
-          <a:noAutofit/>
-        </a:bodyPr>
-        <a:lstStyle/>
-        <a:p>
-          <a:pPr lvl="0" algn="ctr" defTabSz="311150">
-            <a:lnSpc>
-              <a:spcPct val="90000"/>
-            </a:lnSpc>
-            <a:spcBef>
-              <a:spcPct val="0"/>
-            </a:spcBef>
-            <a:spcAft>
-              <a:spcPct val="35000"/>
-            </a:spcAft>
-          </a:pPr>
-          <a:endParaRPr lang="en-US" sz="700" kern="1200"/>
-        </a:p>
-      </dsp:txBody>
-      <dsp:txXfrm>
-        <a:off x="1428541" y="1494645"/>
-        <a:ext cx="184855" cy="200436"/>
-      </dsp:txXfrm>
-    </dsp:sp>
-    <dsp:sp modelId="{ECFA85BC-C7E3-4691-A49C-D3FE00B75128}">
-      <dsp:nvSpPr>
-        <dsp:cNvPr id="0" name=""/>
-        <dsp:cNvSpPr/>
-      </dsp:nvSpPr>
-      <dsp:spPr>
-        <a:xfrm>
-          <a:off x="1491075" y="459928"/>
-          <a:ext cx="989807" cy="989807"/>
-        </a:xfrm>
-        <a:prstGeom prst="ellipse">
-          <a:avLst/>
-        </a:prstGeom>
-        <a:gradFill rotWithShape="0">
-          <a:gsLst>
-            <a:gs pos="0">
-              <a:schemeClr val="accent1">
-                <a:hueOff val="0"/>
-                <a:satOff val="0"/>
-                <a:lumOff val="0"/>
-                <a:alphaOff val="0"/>
-                <a:satMod val="103000"/>
-                <a:lumMod val="102000"/>
-                <a:tint val="94000"/>
-              </a:schemeClr>
-            </a:gs>
-            <a:gs pos="50000">
-              <a:schemeClr val="accent1">
-                <a:hueOff val="0"/>
-                <a:satOff val="0"/>
-                <a:lumOff val="0"/>
-                <a:alphaOff val="0"/>
-                <a:satMod val="110000"/>
-                <a:lumMod val="100000"/>
-                <a:shade val="100000"/>
-              </a:schemeClr>
-            </a:gs>
-            <a:gs pos="100000">
-              <a:schemeClr val="accent1">
-                <a:hueOff val="0"/>
-                <a:satOff val="0"/>
-                <a:lumOff val="0"/>
-                <a:alphaOff val="0"/>
-                <a:lumMod val="99000"/>
-                <a:satMod val="120000"/>
-                <a:shade val="78000"/>
-              </a:schemeClr>
-            </a:gs>
-          </a:gsLst>
-          <a:lin ang="5400000" scaled="0"/>
-        </a:gradFill>
-        <a:ln>
-          <a:noFill/>
-        </a:ln>
-        <a:effectLst/>
-        <a:scene3d>
-          <a:camera prst="orthographicFront"/>
-          <a:lightRig rig="threePt" dir="t">
-            <a:rot lat="0" lon="0" rev="7500000"/>
-          </a:lightRig>
-        </a:scene3d>
-        <a:sp3d prstMaterial="plastic">
-          <a:bevelT w="127000" h="25400" prst="relaxedInset"/>
-        </a:sp3d>
-      </dsp:spPr>
-      <dsp:style>
-        <a:lnRef idx="0">
-          <a:scrgbClr r="0" g="0" b="0"/>
-        </a:lnRef>
-        <a:fillRef idx="3">
-          <a:scrgbClr r="0" g="0" b="0"/>
-        </a:fillRef>
-        <a:effectRef idx="2">
-          <a:scrgbClr r="0" g="0" b="0"/>
-        </a:effectRef>
-        <a:fontRef idx="minor">
-          <a:schemeClr val="lt1"/>
-        </a:fontRef>
-      </dsp:style>
-      <dsp:txBody>
-        <a:bodyPr spcFirstLastPara="0" vert="horz" wrap="square" lIns="11430" tIns="11430" rIns="11430" bIns="11430" numCol="1" spcCol="1270" anchor="ctr" anchorCtr="0">
-          <a:noAutofit/>
-        </a:bodyPr>
-        <a:lstStyle/>
-        <a:p>
-          <a:pPr lvl="0" algn="ctr" defTabSz="400050">
-            <a:lnSpc>
-              <a:spcPct val="90000"/>
-            </a:lnSpc>
-            <a:spcBef>
-              <a:spcPct val="0"/>
-            </a:spcBef>
-            <a:spcAft>
-              <a:spcPct val="35000"/>
-            </a:spcAft>
-          </a:pPr>
-          <a:r>
-            <a:rPr lang="en-US" sz="900" kern="1200" dirty="0" smtClean="0"/>
-            <a:t>Amend Inputs and Configuration</a:t>
-          </a:r>
-          <a:endParaRPr lang="en-US" sz="900" kern="1200" dirty="0"/>
-        </a:p>
-      </dsp:txBody>
-      <dsp:txXfrm>
-        <a:off x="1636029" y="604882"/>
-        <a:ext cx="699899" cy="699899"/>
-      </dsp:txXfrm>
-    </dsp:sp>
-    <dsp:sp modelId="{1C1CFAC4-52AF-4879-94C0-D824E7240385}">
-      <dsp:nvSpPr>
-        <dsp:cNvPr id="0" name=""/>
-        <dsp:cNvSpPr/>
-      </dsp:nvSpPr>
-      <dsp:spPr>
-        <a:xfrm rot="20520000">
-          <a:off x="2554451" y="560192"/>
-          <a:ext cx="264079" cy="334060"/>
-        </a:xfrm>
-        <a:prstGeom prst="rightArrow">
-          <a:avLst>
-            <a:gd name="adj1" fmla="val 60000"/>
-            <a:gd name="adj2" fmla="val 50000"/>
-          </a:avLst>
-        </a:prstGeom>
-        <a:solidFill>
-          <a:schemeClr val="accent1">
-            <a:tint val="60000"/>
-            <a:hueOff val="0"/>
-            <a:satOff val="0"/>
-            <a:lumOff val="0"/>
-            <a:alphaOff val="0"/>
-          </a:schemeClr>
-        </a:solidFill>
-        <a:ln>
-          <a:noFill/>
-        </a:ln>
-        <a:effectLst/>
-        <a:scene3d>
-          <a:camera prst="orthographicFront"/>
-          <a:lightRig rig="threePt" dir="t">
-            <a:rot lat="0" lon="0" rev="7500000"/>
-          </a:lightRig>
-        </a:scene3d>
-        <a:sp3d z="-70000" extrusionH="63500" prstMaterial="matte">
-          <a:bevelT w="25400" h="6350" prst="relaxedInset"/>
-          <a:contourClr>
-            <a:schemeClr val="bg1"/>
-          </a:contourClr>
-        </a:sp3d>
-      </dsp:spPr>
-      <dsp:style>
-        <a:lnRef idx="0">
-          <a:scrgbClr r="0" g="0" b="0"/>
-        </a:lnRef>
-        <a:fillRef idx="1">
-          <a:scrgbClr r="0" g="0" b="0"/>
-        </a:fillRef>
-        <a:effectRef idx="2">
-          <a:scrgbClr r="0" g="0" b="0"/>
-        </a:effectRef>
-        <a:fontRef idx="minor">
-          <a:schemeClr val="lt1"/>
-        </a:fontRef>
-      </dsp:style>
-      <dsp:txBody>
-        <a:bodyPr spcFirstLastPara="0" vert="horz" wrap="square" lIns="0" tIns="0" rIns="0" bIns="0" numCol="1" spcCol="1270" anchor="ctr" anchorCtr="0">
-          <a:noAutofit/>
-        </a:bodyPr>
-        <a:lstStyle/>
-        <a:p>
-          <a:pPr lvl="0" algn="ctr" defTabSz="311150">
-            <a:lnSpc>
-              <a:spcPct val="90000"/>
-            </a:lnSpc>
-            <a:spcBef>
-              <a:spcPct val="0"/>
-            </a:spcBef>
-            <a:spcAft>
-              <a:spcPct val="35000"/>
-            </a:spcAft>
-          </a:pPr>
-          <a:endParaRPr lang="en-US" sz="700" kern="1200"/>
-        </a:p>
-      </dsp:txBody>
-      <dsp:txXfrm>
-        <a:off x="2556390" y="639245"/>
-        <a:ext cx="184855" cy="200436"/>
-      </dsp:txXfrm>
-    </dsp:sp>
   </dsp:spTree>
 </dsp:drawing>
 </file>
@@ -9207,7 +7313,7 @@
           <a:p>
             <a:fld id="{68796EA6-6F25-4F19-87BA-7ADCC16DAEFF}" type="datetimeFigureOut">
               <a:rPr lang="en-US" smtClean="0"/>
-              <a:t>11/29/2020</a:t>
+              <a:t>12/4/2020</a:t>
             </a:fld>
             <a:endParaRPr lang="en-US" dirty="0"/>
           </a:p>
@@ -9372,7 +7478,7 @@
           <a:p>
             <a:fld id="{C39C172E-A8B5-46F6-B05C-DFA3E2E0F207}" type="datetimeFigureOut">
               <a:rPr lang="en-US" smtClean="0"/>
-              <a:t>11/29/2020</a:t>
+              <a:t>12/4/2020</a:t>
             </a:fld>
             <a:endParaRPr lang="en-US" dirty="0"/>
           </a:p>
@@ -10922,7 +9028,7 @@
             <a:fld id="{4E708F12-96AD-4ED4-8132-A78F5E42C1F5}" type="datetime1">
               <a:rPr lang="en-US" smtClean="0"/>
               <a:pPr/>
-              <a:t>11/29/2020</a:t>
+              <a:t>12/4/2020</a:t>
             </a:fld>
             <a:endParaRPr lang="en-US" dirty="0"/>
           </a:p>
@@ -11127,7 +9233,7 @@
           <a:p>
             <a:fld id="{7B7FA170-8299-44AD-AEEF-FC686C3D7804}" type="datetime1">
               <a:rPr lang="en-US" smtClean="0"/>
-              <a:t>11/29/2020</a:t>
+              <a:t>12/4/2020</a:t>
             </a:fld>
             <a:endParaRPr lang="en-US" dirty="0"/>
           </a:p>
@@ -11329,7 +9435,7 @@
           <a:p>
             <a:fld id="{2231763A-68EC-4ECD-9620-D9FE9CDDD622}" type="datetime1">
               <a:rPr lang="en-US" smtClean="0"/>
-              <a:t>11/29/2020</a:t>
+              <a:t>12/4/2020</a:t>
             </a:fld>
             <a:endParaRPr lang="en-US" dirty="0"/>
           </a:p>
@@ -11524,7 +9630,7 @@
           <a:p>
             <a:fld id="{7B98BEDD-6160-49BB-B372-861DE7DE9BA5}" type="datetime1">
               <a:rPr lang="en-US" smtClean="0"/>
-              <a:t>11/29/2020</a:t>
+              <a:t>12/4/2020</a:t>
             </a:fld>
             <a:endParaRPr lang="en-US" dirty="0"/>
           </a:p>
@@ -11759,7 +9865,7 @@
           <a:p>
             <a:fld id="{0AAE819F-B7FD-4B29-8F66-9E318144BC2A}" type="datetime1">
               <a:rPr lang="en-US" smtClean="0"/>
-              <a:t>11/29/2020</a:t>
+              <a:t>12/4/2020</a:t>
             </a:fld>
             <a:endParaRPr lang="en-US" dirty="0"/>
           </a:p>
@@ -12038,7 +10144,7 @@
           <a:p>
             <a:fld id="{D4CA159C-B6E0-4F10-9F4A-2FA57003B139}" type="datetime1">
               <a:rPr lang="en-US" smtClean="0"/>
-              <a:t>11/29/2020</a:t>
+              <a:t>12/4/2020</a:t>
             </a:fld>
             <a:endParaRPr lang="en-US" dirty="0"/>
           </a:p>
@@ -12480,7 +10586,7 @@
           <a:p>
             <a:fld id="{8170CBBB-D1D1-4386-A5E9-07F3477B78F3}" type="datetime1">
               <a:rPr lang="en-US" smtClean="0"/>
-              <a:t>11/29/2020</a:t>
+              <a:t>12/4/2020</a:t>
             </a:fld>
             <a:endParaRPr lang="en-US" dirty="0"/>
           </a:p>
@@ -12636,7 +10742,7 @@
           <a:p>
             <a:fld id="{9FA4CAD8-0EA7-4615-B69B-B2F199EF3A93}" type="datetime1">
               <a:rPr lang="en-US" smtClean="0"/>
-              <a:t>11/29/2020</a:t>
+              <a:t>12/4/2020</a:t>
             </a:fld>
             <a:endParaRPr lang="en-US" dirty="0"/>
           </a:p>
@@ -12751,7 +10857,7 @@
           <a:p>
             <a:fld id="{B9234BD7-6953-492C-921B-E68B2D7F14C8}" type="datetime1">
               <a:rPr lang="en-US" smtClean="0"/>
-              <a:t>11/29/2020</a:t>
+              <a:t>12/4/2020</a:t>
             </a:fld>
             <a:endParaRPr lang="en-US" dirty="0"/>
           </a:p>
@@ -13015,7 +11121,7 @@
           <a:p>
             <a:fld id="{35A17D9B-D4D3-4E23-88DF-2E354FA43196}" type="datetime1">
               <a:rPr lang="en-US" smtClean="0"/>
-              <a:t>11/29/2020</a:t>
+              <a:t>12/4/2020</a:t>
             </a:fld>
             <a:endParaRPr lang="en-US" dirty="0"/>
           </a:p>
@@ -13279,7 +11385,7 @@
           <a:p>
             <a:fld id="{541F67C5-D04E-4576-B61C-12ABA14BBD6C}" type="datetime1">
               <a:rPr lang="en-US" smtClean="0"/>
-              <a:t>11/29/2020</a:t>
+              <a:t>12/4/2020</a:t>
             </a:fld>
             <a:endParaRPr lang="en-US" dirty="0"/>
           </a:p>
@@ -14144,7 +12250,7 @@
             <a:fld id="{C20F09E4-6EA4-4BF3-9FC8-FF40373B88E6}" type="datetime1">
               <a:rPr lang="en-US" smtClean="0"/>
               <a:pPr/>
-              <a:t>11/29/2020</a:t>
+              <a:t>12/4/2020</a:t>
             </a:fld>
             <a:endParaRPr lang="en-US" dirty="0"/>
           </a:p>
@@ -21144,7 +19250,7 @@
         <p:spPr>
           <a:xfrm>
             <a:off x="65903" y="1897415"/>
-            <a:ext cx="11755394" cy="2462213"/>
+            <a:ext cx="11755394" cy="2893100"/>
           </a:xfrm>
           <a:prstGeom prst="rect">
             <a:avLst/>
@@ -21165,7 +19271,11 @@
             </a:pPr>
             <a:r>
               <a:rPr lang="en-US" sz="1400" b="1" dirty="0" smtClean="0"/>
-              <a:t>IMProv_msstudio_tut.md:  </a:t>
+              <a:t>IMProv_msstudio_tut.md</a:t>
+            </a:r>
+            <a:r>
+              <a:rPr lang="en-US" sz="1400" b="1" dirty="0" smtClean="0"/>
+              <a:t>:  </a:t>
             </a:r>
             <a:r>
               <a:rPr lang="en-US" sz="1400" dirty="0"/>
@@ -21179,23 +19289,21 @@
             </a:pPr>
             <a:r>
               <a:rPr lang="en-US" sz="1400" b="1" dirty="0" err="1" smtClean="0"/>
-              <a:t>uml_activity_diag_improv.svg</a:t>
-            </a:r>
-            <a:r>
-              <a:rPr lang="en-US" sz="1400" dirty="0" smtClean="0"/>
-              <a:t>: </a:t>
-            </a:r>
-            <a:r>
-              <a:rPr lang="en-US" sz="1400" dirty="0">
-                <a:hlinkClick r:id="rId2"/>
-              </a:rPr>
-              <a:t>https://</a:t>
+              <a:t>IMProv</a:t>
+            </a:r>
+            <a:r>
+              <a:rPr lang="en-US" sz="1400" b="1" dirty="0" smtClean="0"/>
+              <a:t> getting </a:t>
+            </a:r>
+            <a:r>
+              <a:rPr lang="en-US" sz="1400" b="1" dirty="0" smtClean="0"/>
+              <a:t>started slides: </a:t>
             </a:r>
             <a:r>
               <a:rPr lang="en-US" sz="1400" dirty="0" smtClean="0">
                 <a:hlinkClick r:id="rId2"/>
               </a:rPr>
-              <a:t>raw.githubusercontent.com/pellst/imp_msstudio_init/master/uml_activity_diag_improv.svg</a:t>
+              <a:t>https://github.com/pellst/imp_msstudio_init/blob/master/IMProv_project_prep.pdf</a:t>
             </a:r>
             <a:endParaRPr lang="en-US" sz="1400" dirty="0" smtClean="0"/>
           </a:p>
@@ -21205,8 +19313,35 @@
               <a:buChar char="•"/>
             </a:pPr>
             <a:r>
+              <a:rPr lang="en-US" sz="1400" b="1" dirty="0" err="1" smtClean="0"/>
+              <a:t>IMProv</a:t>
+            </a:r>
+            <a:r>
               <a:rPr lang="en-US" sz="1400" b="1" dirty="0" smtClean="0"/>
-              <a:t>IMProv_uml_diag.png</a:t>
+              <a:t> getting started </a:t>
+            </a:r>
+            <a:r>
+              <a:rPr lang="en-US" sz="1400" b="1" dirty="0" err="1" smtClean="0"/>
+              <a:t>powerpoint</a:t>
+            </a:r>
+            <a:r>
+              <a:rPr lang="en-US" sz="1400" b="1" dirty="0" smtClean="0"/>
+              <a:t> presentation : </a:t>
+            </a:r>
+            <a:r>
+              <a:rPr lang="en-US" sz="1400" dirty="0"/>
+              <a:t>https://github.com/pellst/imp_msstudio_init/blob/master/IMProv_project_prep.pptx</a:t>
+            </a:r>
+            <a:endParaRPr lang="en-US" sz="1400" dirty="0" smtClean="0"/>
+          </a:p>
+          <a:p>
+            <a:pPr marL="285750" indent="-285750">
+              <a:buFont typeface="Arial" panose="020B0604020202020204" pitchFamily="34" charset="0"/>
+              <a:buChar char="•"/>
+            </a:pPr>
+            <a:r>
+              <a:rPr lang="en-US" sz="1400" b="1" dirty="0" err="1" smtClean="0"/>
+              <a:t>uml_activity_diag_improv.svg</a:t>
             </a:r>
             <a:r>
               <a:rPr lang="en-US" sz="1400" dirty="0" smtClean="0"/>
@@ -21222,7 +19357,7 @@
               <a:rPr lang="en-US" sz="1400" dirty="0" smtClean="0">
                 <a:hlinkClick r:id="rId3"/>
               </a:rPr>
-              <a:t>github.com/pellst/imp_msstudio_init/blob/master/IMProv_uml_diag.png</a:t>
+              <a:t>raw.githubusercontent.com/pellst/imp_msstudio_init/master/uml_activity_diag_improv.svg</a:t>
             </a:r>
             <a:endParaRPr lang="en-US" sz="1400" dirty="0" smtClean="0"/>
           </a:p>
@@ -21233,7 +19368,7 @@
             </a:pPr>
             <a:r>
               <a:rPr lang="en-US" sz="1400" b="1" dirty="0" smtClean="0"/>
-              <a:t>IMProv_on_Cedar_tut.md</a:t>
+              <a:t>IMProv_uml_diag.png</a:t>
             </a:r>
             <a:r>
               <a:rPr lang="en-US" sz="1400" dirty="0" smtClean="0"/>
@@ -21249,7 +19384,7 @@
               <a:rPr lang="en-US" sz="1400" dirty="0" smtClean="0">
                 <a:hlinkClick r:id="rId4"/>
               </a:rPr>
-              <a:t>github.com/pellst/imp_msstudio_init/blob/master/IMProv_on_Cedar_tut.md</a:t>
+              <a:t>github.com/pellst/imp_msstudio_init/blob/master/IMProv_uml_diag.png</a:t>
             </a:r>
             <a:endParaRPr lang="en-US" sz="1400" dirty="0" smtClean="0"/>
           </a:p>
@@ -21260,7 +19395,7 @@
             </a:pPr>
             <a:r>
               <a:rPr lang="en-US" sz="1400" b="1" dirty="0" smtClean="0"/>
-              <a:t>IMProv_on_AWS_tut.md</a:t>
+              <a:t>IMProv_on_Cedar_tut.md</a:t>
             </a:r>
             <a:r>
               <a:rPr lang="en-US" sz="1400" dirty="0" smtClean="0"/>
@@ -21275,6 +19410,33 @@
             <a:r>
               <a:rPr lang="en-US" sz="1400" dirty="0" smtClean="0">
                 <a:hlinkClick r:id="rId5"/>
+              </a:rPr>
+              <a:t>github.com/pellst/imp_msstudio_init/blob/master/IMProv_on_Cedar_tut.md</a:t>
+            </a:r>
+            <a:endParaRPr lang="en-US" sz="1400" dirty="0" smtClean="0"/>
+          </a:p>
+          <a:p>
+            <a:pPr marL="285750" indent="-285750">
+              <a:buFont typeface="Arial" panose="020B0604020202020204" pitchFamily="34" charset="0"/>
+              <a:buChar char="•"/>
+            </a:pPr>
+            <a:r>
+              <a:rPr lang="en-US" sz="1400" b="1" dirty="0" smtClean="0"/>
+              <a:t>IMProv_on_AWS_tut.md</a:t>
+            </a:r>
+            <a:r>
+              <a:rPr lang="en-US" sz="1400" dirty="0" smtClean="0"/>
+              <a:t>: </a:t>
+            </a:r>
+            <a:r>
+              <a:rPr lang="en-US" sz="1400" dirty="0">
+                <a:hlinkClick r:id="rId6"/>
+              </a:rPr>
+              <a:t>https://</a:t>
+            </a:r>
+            <a:r>
+              <a:rPr lang="en-US" sz="1400" dirty="0" smtClean="0">
+                <a:hlinkClick r:id="rId6"/>
               </a:rPr>
               <a:t>github.com/pellst/imp_msstudio_init/blob/master/IMProv_on_AWS_tut.md</a:t>
             </a:r>
